--- a/src/main/resources/新员工转正述职PPT模板.pptx
+++ b/src/main/resources/新员工转正述职PPT模板.pptx
@@ -6,25 +6,19 @@
     <p:sldMasterId id="2147483660" r:id="rId2"/>
   </p:sldMasterIdLst>
   <p:notesMasterIdLst>
-    <p:notesMasterId r:id="rId19"/>
+    <p:notesMasterId r:id="rId13"/>
   </p:notesMasterIdLst>
   <p:sldIdLst>
-    <p:sldId id="269" r:id="rId3"/>
-    <p:sldId id="256" r:id="rId4"/>
-    <p:sldId id="262" r:id="rId5"/>
-    <p:sldId id="263" r:id="rId6"/>
-    <p:sldId id="271" r:id="rId7"/>
-    <p:sldId id="272" r:id="rId8"/>
-    <p:sldId id="270" r:id="rId9"/>
-    <p:sldId id="273" r:id="rId10"/>
-    <p:sldId id="265" r:id="rId11"/>
-    <p:sldId id="274" r:id="rId12"/>
-    <p:sldId id="275" r:id="rId13"/>
-    <p:sldId id="264" r:id="rId14"/>
-    <p:sldId id="266" r:id="rId15"/>
-    <p:sldId id="267" r:id="rId16"/>
-    <p:sldId id="268" r:id="rId17"/>
-    <p:sldId id="260" r:id="rId18"/>
+    <p:sldId id="256" r:id="rId3"/>
+    <p:sldId id="262" r:id="rId4"/>
+    <p:sldId id="263" r:id="rId5"/>
+    <p:sldId id="271" r:id="rId6"/>
+    <p:sldId id="272" r:id="rId7"/>
+    <p:sldId id="270" r:id="rId8"/>
+    <p:sldId id="273" r:id="rId9"/>
+    <p:sldId id="265" r:id="rId10"/>
+    <p:sldId id="274" r:id="rId11"/>
+    <p:sldId id="275" r:id="rId12"/>
   </p:sldIdLst>
   <p:sldSz cx="9144000" cy="5143500" type="screen16x9"/>
   <p:notesSz cx="6858000" cy="9144000"/>
@@ -224,7 +218,7 @@
           <a:p>
             <a:fld id="{68288F21-1ACF-42B7-BE6C-FCC6EBFE7263}" type="datetimeFigureOut">
               <a:rPr lang="zh-CN" altLang="en-US" smtClean="0"/>
-              <a:t>2021/9/27</a:t>
+              <a:t>2021/10/7</a:t>
             </a:fld>
             <a:endParaRPr lang="zh-CN" altLang="en-US"/>
           </a:p>
@@ -288,38 +282,37 @@
           <a:p>
             <a:pPr lvl="0"/>
             <a:r>
-              <a:rPr lang="zh-CN" altLang="en-US" smtClean="0"/>
+              <a:rPr lang="zh-CN" altLang="en-US"/>
               <a:t>编辑母版文本样式</a:t>
             </a:r>
           </a:p>
           <a:p>
             <a:pPr lvl="1"/>
             <a:r>
-              <a:rPr lang="zh-CN" altLang="en-US" smtClean="0"/>
+              <a:rPr lang="zh-CN" altLang="en-US"/>
               <a:t>第二级</a:t>
             </a:r>
           </a:p>
           <a:p>
             <a:pPr lvl="2"/>
             <a:r>
-              <a:rPr lang="zh-CN" altLang="en-US" smtClean="0"/>
+              <a:rPr lang="zh-CN" altLang="en-US"/>
               <a:t>第三级</a:t>
             </a:r>
           </a:p>
           <a:p>
             <a:pPr lvl="3"/>
             <a:r>
-              <a:rPr lang="zh-CN" altLang="en-US" smtClean="0"/>
+              <a:rPr lang="zh-CN" altLang="en-US"/>
               <a:t>第四级</a:t>
             </a:r>
           </a:p>
           <a:p>
             <a:pPr lvl="4"/>
             <a:r>
-              <a:rPr lang="zh-CN" altLang="en-US" smtClean="0"/>
+              <a:rPr lang="zh-CN" altLang="en-US"/>
               <a:t>第五级</a:t>
             </a:r>
-            <a:endParaRPr lang="zh-CN" altLang="en-US"/>
           </a:p>
         </p:txBody>
       </p:sp>
@@ -542,18 +535,18 @@
               </a:lnSpc>
             </a:pPr>
             <a:r>
-              <a:rPr lang="zh-CN" altLang="en-US" sz="1600" dirty="0" smtClean="0"/>
+              <a:rPr lang="zh-CN" altLang="en-US" sz="1600" dirty="0"/>
               <a:t>为什么不能同时满足</a:t>
             </a:r>
             <a:r>
-              <a:rPr lang="en-US" altLang="zh-CN" sz="1600" dirty="0" smtClean="0"/>
+              <a:rPr lang="en-US" altLang="zh-CN" sz="1600" dirty="0"/>
               <a:t>CAP</a:t>
             </a:r>
             <a:r>
-              <a:rPr lang="zh-CN" altLang="en-US" sz="1600" dirty="0" smtClean="0"/>
+              <a:rPr lang="zh-CN" altLang="en-US" sz="1600" dirty="0"/>
               <a:t>？</a:t>
             </a:r>
-            <a:endParaRPr lang="en-US" altLang="zh-CN" sz="1600" dirty="0" smtClean="0"/>
+            <a:endParaRPr lang="en-US" altLang="zh-CN" sz="1600" dirty="0"/>
           </a:p>
           <a:p>
             <a:pPr>
@@ -562,66 +555,66 @@
               </a:lnSpc>
             </a:pPr>
             <a:r>
-              <a:rPr lang="zh-CN" altLang="en-US" sz="1600" dirty="0" smtClean="0"/>
+              <a:rPr lang="zh-CN" altLang="en-US" sz="1600" dirty="0"/>
               <a:t>（</a:t>
             </a:r>
             <a:r>
-              <a:rPr lang="en-US" altLang="zh-CN" sz="1600" dirty="0" smtClean="0"/>
+              <a:rPr lang="en-US" altLang="zh-CN" sz="1600" dirty="0"/>
               <a:t>1</a:t>
             </a:r>
             <a:r>
-              <a:rPr lang="zh-CN" altLang="en-US" sz="1600" dirty="0" smtClean="0"/>
+              <a:rPr lang="zh-CN" altLang="en-US" sz="1600" dirty="0"/>
               <a:t>）当前满足</a:t>
             </a:r>
             <a:r>
-              <a:rPr lang="en-US" altLang="zh-CN" sz="1600" dirty="0" smtClean="0"/>
+              <a:rPr lang="en-US" altLang="zh-CN" sz="1600" dirty="0"/>
               <a:t>CA</a:t>
             </a:r>
             <a:r>
-              <a:rPr lang="zh-CN" altLang="en-US" sz="1600" dirty="0" smtClean="0"/>
+              <a:rPr lang="zh-CN" altLang="en-US" sz="1600" dirty="0"/>
               <a:t>，能否也满足</a:t>
             </a:r>
             <a:r>
-              <a:rPr lang="en-US" altLang="zh-CN" sz="1600" dirty="0" smtClean="0"/>
+              <a:rPr lang="en-US" altLang="zh-CN" sz="1600" dirty="0"/>
               <a:t>P</a:t>
             </a:r>
             <a:r>
-              <a:rPr lang="zh-CN" altLang="en-US" sz="1600" dirty="0" smtClean="0"/>
+              <a:rPr lang="zh-CN" altLang="en-US" sz="1600" dirty="0"/>
               <a:t>？假设当前分布式系统满足</a:t>
             </a:r>
             <a:r>
-              <a:rPr lang="en-US" altLang="zh-CN" sz="1600" dirty="0" smtClean="0"/>
+              <a:rPr lang="en-US" altLang="zh-CN" sz="1600" dirty="0"/>
               <a:t>CA</a:t>
             </a:r>
             <a:r>
-              <a:rPr lang="zh-CN" altLang="en-US" sz="1600" dirty="0" smtClean="0"/>
+              <a:rPr lang="zh-CN" altLang="en-US" sz="1600" dirty="0"/>
               <a:t>，</a:t>
             </a:r>
             <a:r>
-              <a:rPr lang="en-US" altLang="zh-CN" sz="1600" dirty="0" smtClean="0"/>
+              <a:rPr lang="en-US" altLang="zh-CN" sz="1600" dirty="0"/>
               <a:t>C</a:t>
             </a:r>
             <a:r>
-              <a:rPr lang="zh-CN" altLang="en-US" sz="1600" dirty="0" smtClean="0"/>
+              <a:rPr lang="zh-CN" altLang="en-US" sz="1600" dirty="0"/>
               <a:t>要求各个客户端读到的数据必须是一致的，考虑发生网络分区的情况，这个时候各个服务器存在数据不一致，那么根据</a:t>
             </a:r>
             <a:r>
-              <a:rPr lang="en-US" altLang="zh-CN" sz="1600" dirty="0" smtClean="0"/>
+              <a:rPr lang="en-US" altLang="zh-CN" sz="1600" dirty="0"/>
               <a:t>C</a:t>
             </a:r>
             <a:r>
-              <a:rPr lang="zh-CN" altLang="en-US" sz="1600" dirty="0" smtClean="0"/>
+              <a:rPr lang="zh-CN" altLang="en-US" sz="1600" dirty="0"/>
               <a:t>一致性要求，系统是不可以对外提供服务的（因为不同的客户端访问同一份数据会得到不同的结果），那么也就违背了分区容错性</a:t>
             </a:r>
             <a:r>
-              <a:rPr lang="en-US" altLang="zh-CN" sz="1600" dirty="0" smtClean="0"/>
+              <a:rPr lang="en-US" altLang="zh-CN" sz="1600" dirty="0"/>
               <a:t>P</a:t>
             </a:r>
             <a:r>
-              <a:rPr lang="zh-CN" altLang="en-US" sz="1600" dirty="0" smtClean="0"/>
+              <a:rPr lang="zh-CN" altLang="en-US" sz="1600" dirty="0"/>
               <a:t>。</a:t>
             </a:r>
-            <a:endParaRPr lang="en-US" altLang="zh-CN" sz="1600" dirty="0" smtClean="0"/>
+            <a:endParaRPr lang="en-US" altLang="zh-CN" sz="1600" dirty="0"/>
           </a:p>
           <a:p>
             <a:pPr>
@@ -630,111 +623,111 @@
               </a:lnSpc>
             </a:pPr>
             <a:r>
-              <a:rPr lang="zh-CN" altLang="en-US" sz="1600" dirty="0" smtClean="0"/>
+              <a:rPr lang="zh-CN" altLang="en-US" sz="1600" dirty="0"/>
               <a:t>（</a:t>
             </a:r>
             <a:r>
-              <a:rPr lang="en-US" altLang="zh-CN" sz="1600" dirty="0" smtClean="0"/>
+              <a:rPr lang="en-US" altLang="zh-CN" sz="1600" dirty="0"/>
               <a:t>2</a:t>
             </a:r>
             <a:r>
-              <a:rPr lang="zh-CN" altLang="en-US" sz="1600" dirty="0" smtClean="0"/>
+              <a:rPr lang="zh-CN" altLang="en-US" sz="1600" dirty="0"/>
               <a:t>）当前满足</a:t>
             </a:r>
             <a:r>
-              <a:rPr lang="en-US" altLang="zh-CN" sz="1600" dirty="0" smtClean="0"/>
+              <a:rPr lang="en-US" altLang="zh-CN" sz="1600" dirty="0"/>
               <a:t>CP</a:t>
             </a:r>
             <a:r>
-              <a:rPr lang="zh-CN" altLang="en-US" sz="1600" dirty="0" smtClean="0"/>
+              <a:rPr lang="zh-CN" altLang="en-US" sz="1600" dirty="0"/>
               <a:t>，能否也满足</a:t>
             </a:r>
             <a:r>
-              <a:rPr lang="en-US" altLang="zh-CN" sz="1600" dirty="0" smtClean="0"/>
+              <a:rPr lang="en-US" altLang="zh-CN" sz="1600" dirty="0"/>
               <a:t>A</a:t>
             </a:r>
             <a:r>
-              <a:rPr lang="zh-CN" altLang="en-US" sz="1600" dirty="0" smtClean="0"/>
+              <a:rPr lang="zh-CN" altLang="en-US" sz="1600" dirty="0"/>
               <a:t>？假设当前分布式系统满足</a:t>
             </a:r>
             <a:r>
-              <a:rPr lang="en-US" altLang="zh-CN" sz="1600" dirty="0" smtClean="0"/>
+              <a:rPr lang="en-US" altLang="zh-CN" sz="1600" dirty="0"/>
               <a:t>CP</a:t>
             </a:r>
             <a:r>
-              <a:rPr lang="zh-CN" altLang="en-US" sz="1600" dirty="0" smtClean="0"/>
+              <a:rPr lang="zh-CN" altLang="en-US" sz="1600" dirty="0"/>
               <a:t>， 在网络发生分区的情况下，为达到</a:t>
             </a:r>
             <a:r>
-              <a:rPr lang="en-US" altLang="zh-CN" sz="1600" dirty="0" smtClean="0"/>
+              <a:rPr lang="en-US" altLang="zh-CN" sz="1600" dirty="0"/>
               <a:t>C</a:t>
             </a:r>
             <a:r>
-              <a:rPr lang="zh-CN" altLang="en-US" sz="1600" dirty="0" smtClean="0"/>
+              <a:rPr lang="zh-CN" altLang="en-US" sz="1600" dirty="0"/>
               <a:t>一致性</a:t>
             </a:r>
             <a:r>
-              <a:rPr lang="en-US" altLang="zh-CN" sz="1600" dirty="0" smtClean="0"/>
+              <a:rPr lang="en-US" altLang="zh-CN" sz="1600" dirty="0"/>
               <a:t>, </a:t>
             </a:r>
             <a:r>
-              <a:rPr lang="zh-CN" altLang="en-US" sz="1600" dirty="0" smtClean="0"/>
+              <a:rPr lang="zh-CN" altLang="en-US" sz="1600" dirty="0"/>
               <a:t>请求只能一直等待，等待网络分区情况解除，系统数据同步完成才能返回，这就无法满足可用性</a:t>
             </a:r>
             <a:r>
-              <a:rPr lang="en-US" altLang="zh-CN" sz="1600" dirty="0" smtClean="0"/>
+              <a:rPr lang="en-US" altLang="zh-CN" sz="1600" dirty="0"/>
               <a:t>A</a:t>
             </a:r>
             <a:r>
-              <a:rPr lang="zh-CN" altLang="en-US" sz="1600" dirty="0" smtClean="0"/>
+              <a:rPr lang="zh-CN" altLang="en-US" sz="1600" dirty="0"/>
               <a:t>。（</a:t>
             </a:r>
             <a:r>
-              <a:rPr lang="en-US" altLang="zh-CN" sz="1600" dirty="0" smtClean="0"/>
+              <a:rPr lang="en-US" altLang="zh-CN" sz="1600" dirty="0"/>
               <a:t>3</a:t>
             </a:r>
             <a:r>
-              <a:rPr lang="zh-CN" altLang="en-US" sz="1600" dirty="0" smtClean="0"/>
+              <a:rPr lang="zh-CN" altLang="en-US" sz="1600" dirty="0"/>
               <a:t>）当前满足</a:t>
             </a:r>
             <a:r>
-              <a:rPr lang="en-US" altLang="zh-CN" sz="1600" dirty="0" smtClean="0"/>
+              <a:rPr lang="en-US" altLang="zh-CN" sz="1600" dirty="0"/>
               <a:t>AP</a:t>
             </a:r>
             <a:r>
-              <a:rPr lang="zh-CN" altLang="en-US" sz="1600" dirty="0" smtClean="0"/>
+              <a:rPr lang="zh-CN" altLang="en-US" sz="1600" dirty="0"/>
               <a:t>，能否也满足</a:t>
             </a:r>
             <a:r>
-              <a:rPr lang="en-US" altLang="zh-CN" sz="1600" dirty="0" smtClean="0"/>
+              <a:rPr lang="en-US" altLang="zh-CN" sz="1600" dirty="0"/>
               <a:t>C</a:t>
             </a:r>
             <a:r>
-              <a:rPr lang="zh-CN" altLang="en-US" sz="1600" dirty="0" smtClean="0"/>
+              <a:rPr lang="zh-CN" altLang="en-US" sz="1600" dirty="0"/>
               <a:t>？假设当前分布式系统满足</a:t>
             </a:r>
             <a:r>
-              <a:rPr lang="en-US" altLang="zh-CN" sz="1600" dirty="0" smtClean="0"/>
+              <a:rPr lang="en-US" altLang="zh-CN" sz="1600" dirty="0"/>
               <a:t>AP, </a:t>
             </a:r>
             <a:r>
-              <a:rPr lang="zh-CN" altLang="en-US" sz="1600" dirty="0" smtClean="0"/>
+              <a:rPr lang="zh-CN" altLang="en-US" sz="1600" dirty="0"/>
               <a:t>系统要求在一定的时间内就要返回，在发生网络分区的情况下，为了保证</a:t>
             </a:r>
             <a:r>
-              <a:rPr lang="en-US" altLang="zh-CN" sz="1600" dirty="0" smtClean="0"/>
+              <a:rPr lang="en-US" altLang="zh-CN" sz="1600" dirty="0"/>
               <a:t>P</a:t>
             </a:r>
             <a:r>
-              <a:rPr lang="zh-CN" altLang="en-US" sz="1600" dirty="0" smtClean="0"/>
+              <a:rPr lang="zh-CN" altLang="en-US" sz="1600" dirty="0"/>
               <a:t>，即使出现网络分区也要正常提供服务，按时返回数据，可这样不同客户端访问同一份数据会得到不同的结果，这就不能保证数据的一致性</a:t>
             </a:r>
             <a:r>
-              <a:rPr lang="en-US" altLang="zh-CN" sz="1600" dirty="0" smtClean="0"/>
+              <a:rPr lang="en-US" altLang="zh-CN" sz="1600" dirty="0"/>
               <a:t>C</a:t>
             </a:r>
             <a:r>
-              <a:rPr lang="zh-CN" altLang="en-US" sz="1600" dirty="0" smtClean="0"/>
+              <a:rPr lang="zh-CN" altLang="en-US" sz="1600" dirty="0"/>
               <a:t>。</a:t>
             </a:r>
           </a:p>
@@ -757,7 +750,7 @@
           <a:p>
             <a:fld id="{44EA8E9B-BECA-4482-BCBC-CC733F296F68}" type="slidenum">
               <a:rPr lang="zh-CN" altLang="en-US" smtClean="0"/>
-              <a:t>8</a:t>
+              <a:t>7</a:t>
             </a:fld>
             <a:endParaRPr lang="zh-CN" altLang="en-US"/>
           </a:p>
@@ -814,10 +807,9 @@
           <a:lstStyle/>
           <a:p>
             <a:r>
-              <a:rPr lang="zh-CN" altLang="en-US" smtClean="0"/>
+              <a:rPr lang="zh-CN" altLang="en-US"/>
               <a:t>单击此处编辑母版标题样式</a:t>
             </a:r>
-            <a:endParaRPr lang="zh-CN" altLang="en-US"/>
           </a:p>
         </p:txBody>
       </p:sp>
@@ -933,10 +925,9 @@
           </a:lstStyle>
           <a:p>
             <a:r>
-              <a:rPr lang="zh-CN" altLang="en-US" smtClean="0"/>
+              <a:rPr lang="zh-CN" altLang="en-US"/>
               <a:t>单击此处编辑母版副标题样式</a:t>
             </a:r>
-            <a:endParaRPr lang="zh-CN" altLang="en-US"/>
           </a:p>
         </p:txBody>
       </p:sp>
@@ -957,7 +948,7 @@
           <a:p>
             <a:fld id="{A21E7FA3-2F8E-4AB3-AA35-D1F9367347D6}" type="datetimeFigureOut">
               <a:rPr lang="zh-CN" altLang="en-US" smtClean="0"/>
-              <a:t>2021/9/27</a:t>
+              <a:t>2021/10/7</a:t>
             </a:fld>
             <a:endParaRPr lang="zh-CN" altLang="en-US"/>
           </a:p>
@@ -1092,10 +1083,9 @@
           <a:lstStyle/>
           <a:p>
             <a:r>
-              <a:rPr lang="zh-CN" altLang="en-US" smtClean="0"/>
+              <a:rPr lang="zh-CN" altLang="en-US"/>
               <a:t>单击此处编辑母版标题样式</a:t>
             </a:r>
-            <a:endParaRPr lang="zh-CN" altLang="en-US"/>
           </a:p>
         </p:txBody>
       </p:sp>
@@ -1116,38 +1106,37 @@
           <a:p>
             <a:pPr lvl="0"/>
             <a:r>
-              <a:rPr lang="zh-CN" altLang="en-US" smtClean="0"/>
+              <a:rPr lang="zh-CN" altLang="en-US"/>
               <a:t>单击此处编辑母版文本样式</a:t>
             </a:r>
           </a:p>
           <a:p>
             <a:pPr lvl="1"/>
             <a:r>
-              <a:rPr lang="zh-CN" altLang="en-US" smtClean="0"/>
+              <a:rPr lang="zh-CN" altLang="en-US"/>
               <a:t>第二级</a:t>
             </a:r>
           </a:p>
           <a:p>
             <a:pPr lvl="2"/>
             <a:r>
-              <a:rPr lang="zh-CN" altLang="en-US" smtClean="0"/>
+              <a:rPr lang="zh-CN" altLang="en-US"/>
               <a:t>第三级</a:t>
             </a:r>
           </a:p>
           <a:p>
             <a:pPr lvl="3"/>
             <a:r>
-              <a:rPr lang="zh-CN" altLang="en-US" smtClean="0"/>
+              <a:rPr lang="zh-CN" altLang="en-US"/>
               <a:t>第四级</a:t>
             </a:r>
           </a:p>
           <a:p>
             <a:pPr lvl="4"/>
             <a:r>
-              <a:rPr lang="zh-CN" altLang="en-US" smtClean="0"/>
+              <a:rPr lang="zh-CN" altLang="en-US"/>
               <a:t>第五级</a:t>
             </a:r>
-            <a:endParaRPr lang="zh-CN" altLang="en-US"/>
           </a:p>
         </p:txBody>
       </p:sp>
@@ -1168,7 +1157,7 @@
           <a:p>
             <a:fld id="{A21E7FA3-2F8E-4AB3-AA35-D1F9367347D6}" type="datetimeFigureOut">
               <a:rPr lang="zh-CN" altLang="en-US" smtClean="0"/>
-              <a:t>2021/9/27</a:t>
+              <a:t>2021/10/7</a:t>
             </a:fld>
             <a:endParaRPr lang="zh-CN" altLang="en-US"/>
           </a:p>
@@ -1267,10 +1256,9 @@
           <a:lstStyle/>
           <a:p>
             <a:r>
-              <a:rPr lang="zh-CN" altLang="en-US" smtClean="0"/>
+              <a:rPr lang="zh-CN" altLang="en-US"/>
               <a:t>单击此处编辑母版标题样式</a:t>
             </a:r>
-            <a:endParaRPr lang="zh-CN" altLang="en-US"/>
           </a:p>
         </p:txBody>
       </p:sp>
@@ -1296,38 +1284,37 @@
           <a:p>
             <a:pPr lvl="0"/>
             <a:r>
-              <a:rPr lang="zh-CN" altLang="en-US" smtClean="0"/>
+              <a:rPr lang="zh-CN" altLang="en-US"/>
               <a:t>单击此处编辑母版文本样式</a:t>
             </a:r>
           </a:p>
           <a:p>
             <a:pPr lvl="1"/>
             <a:r>
-              <a:rPr lang="zh-CN" altLang="en-US" smtClean="0"/>
+              <a:rPr lang="zh-CN" altLang="en-US"/>
               <a:t>第二级</a:t>
             </a:r>
           </a:p>
           <a:p>
             <a:pPr lvl="2"/>
             <a:r>
-              <a:rPr lang="zh-CN" altLang="en-US" smtClean="0"/>
+              <a:rPr lang="zh-CN" altLang="en-US"/>
               <a:t>第三级</a:t>
             </a:r>
           </a:p>
           <a:p>
             <a:pPr lvl="3"/>
             <a:r>
-              <a:rPr lang="zh-CN" altLang="en-US" smtClean="0"/>
+              <a:rPr lang="zh-CN" altLang="en-US"/>
               <a:t>第四级</a:t>
             </a:r>
           </a:p>
           <a:p>
             <a:pPr lvl="4"/>
             <a:r>
-              <a:rPr lang="zh-CN" altLang="en-US" smtClean="0"/>
+              <a:rPr lang="zh-CN" altLang="en-US"/>
               <a:t>第五级</a:t>
             </a:r>
-            <a:endParaRPr lang="zh-CN" altLang="en-US"/>
           </a:p>
         </p:txBody>
       </p:sp>
@@ -1348,7 +1335,7 @@
           <a:p>
             <a:fld id="{A21E7FA3-2F8E-4AB3-AA35-D1F9367347D6}" type="datetimeFigureOut">
               <a:rPr lang="zh-CN" altLang="en-US" smtClean="0"/>
-              <a:t>2021/9/27</a:t>
+              <a:t>2021/10/7</a:t>
             </a:fld>
             <a:endParaRPr lang="zh-CN" altLang="en-US"/>
           </a:p>
@@ -1447,10 +1434,9 @@
           <a:lstStyle/>
           <a:p>
             <a:r>
-              <a:rPr lang="zh-CN" altLang="en-US" smtClean="0"/>
+              <a:rPr lang="zh-CN" altLang="en-US"/>
               <a:t>单击此处编辑母版标题样式</a:t>
             </a:r>
-            <a:endParaRPr lang="zh-CN" altLang="en-US"/>
           </a:p>
         </p:txBody>
       </p:sp>
@@ -1566,10 +1552,9 @@
           </a:lstStyle>
           <a:p>
             <a:r>
-              <a:rPr lang="zh-CN" altLang="en-US" smtClean="0"/>
+              <a:rPr lang="zh-CN" altLang="en-US"/>
               <a:t>单击此处编辑母版副标题样式</a:t>
             </a:r>
-            <a:endParaRPr lang="zh-CN" altLang="en-US"/>
           </a:p>
         </p:txBody>
       </p:sp>
@@ -1590,7 +1575,7 @@
           <a:p>
             <a:fld id="{F5B54AC5-522E-4C6E-9B07-38BF792465DF}" type="datetimeFigureOut">
               <a:rPr lang="zh-CN" altLang="en-US" smtClean="0"/>
-              <a:t>2021/9/27</a:t>
+              <a:t>2021/10/7</a:t>
             </a:fld>
             <a:endParaRPr lang="zh-CN" altLang="en-US"/>
           </a:p>
@@ -1725,10 +1710,9 @@
           <a:lstStyle/>
           <a:p>
             <a:r>
-              <a:rPr lang="zh-CN" altLang="en-US" smtClean="0"/>
+              <a:rPr lang="zh-CN" altLang="en-US"/>
               <a:t>单击此处编辑母版标题样式</a:t>
             </a:r>
-            <a:endParaRPr lang="zh-CN" altLang="en-US"/>
           </a:p>
         </p:txBody>
       </p:sp>
@@ -1749,38 +1733,37 @@
           <a:p>
             <a:pPr lvl="0"/>
             <a:r>
-              <a:rPr lang="zh-CN" altLang="en-US" smtClean="0"/>
+              <a:rPr lang="zh-CN" altLang="en-US"/>
               <a:t>单击此处编辑母版文本样式</a:t>
             </a:r>
           </a:p>
           <a:p>
             <a:pPr lvl="1"/>
             <a:r>
-              <a:rPr lang="zh-CN" altLang="en-US" smtClean="0"/>
+              <a:rPr lang="zh-CN" altLang="en-US"/>
               <a:t>第二级</a:t>
             </a:r>
           </a:p>
           <a:p>
             <a:pPr lvl="2"/>
             <a:r>
-              <a:rPr lang="zh-CN" altLang="en-US" smtClean="0"/>
+              <a:rPr lang="zh-CN" altLang="en-US"/>
               <a:t>第三级</a:t>
             </a:r>
           </a:p>
           <a:p>
             <a:pPr lvl="3"/>
             <a:r>
-              <a:rPr lang="zh-CN" altLang="en-US" smtClean="0"/>
+              <a:rPr lang="zh-CN" altLang="en-US"/>
               <a:t>第四级</a:t>
             </a:r>
           </a:p>
           <a:p>
             <a:pPr lvl="4"/>
             <a:r>
-              <a:rPr lang="zh-CN" altLang="en-US" smtClean="0"/>
+              <a:rPr lang="zh-CN" altLang="en-US"/>
               <a:t>第五级</a:t>
             </a:r>
-            <a:endParaRPr lang="zh-CN" altLang="en-US"/>
           </a:p>
         </p:txBody>
       </p:sp>
@@ -1801,7 +1784,7 @@
           <a:p>
             <a:fld id="{F5B54AC5-522E-4C6E-9B07-38BF792465DF}" type="datetimeFigureOut">
               <a:rPr lang="zh-CN" altLang="en-US" smtClean="0"/>
-              <a:t>2021/9/27</a:t>
+              <a:t>2021/10/7</a:t>
             </a:fld>
             <a:endParaRPr lang="zh-CN" altLang="en-US"/>
           </a:p>
@@ -1904,10 +1887,9 @@
           </a:lstStyle>
           <a:p>
             <a:r>
-              <a:rPr lang="zh-CN" altLang="en-US" smtClean="0"/>
+              <a:rPr lang="zh-CN" altLang="en-US"/>
               <a:t>单击此处编辑母版标题样式</a:t>
             </a:r>
-            <a:endParaRPr lang="zh-CN" altLang="en-US"/>
           </a:p>
         </p:txBody>
       </p:sp>
@@ -2024,7 +2006,7 @@
           <a:p>
             <a:pPr lvl="0"/>
             <a:r>
-              <a:rPr lang="zh-CN" altLang="en-US" smtClean="0"/>
+              <a:rPr lang="zh-CN" altLang="en-US"/>
               <a:t>单击此处编辑母版文本样式</a:t>
             </a:r>
           </a:p>
@@ -2047,7 +2029,7 @@
           <a:p>
             <a:fld id="{F5B54AC5-522E-4C6E-9B07-38BF792465DF}" type="datetimeFigureOut">
               <a:rPr lang="zh-CN" altLang="en-US" smtClean="0"/>
-              <a:t>2021/9/27</a:t>
+              <a:t>2021/10/7</a:t>
             </a:fld>
             <a:endParaRPr lang="zh-CN" altLang="en-US"/>
           </a:p>
@@ -2141,10 +2123,9 @@
           <a:lstStyle/>
           <a:p>
             <a:r>
-              <a:rPr lang="zh-CN" altLang="en-US" smtClean="0"/>
+              <a:rPr lang="zh-CN" altLang="en-US"/>
               <a:t>单击此处编辑母版标题样式</a:t>
             </a:r>
-            <a:endParaRPr lang="zh-CN" altLang="en-US"/>
           </a:p>
         </p:txBody>
       </p:sp>
@@ -2198,38 +2179,37 @@
           <a:p>
             <a:pPr lvl="0"/>
             <a:r>
-              <a:rPr lang="zh-CN" altLang="en-US" smtClean="0"/>
+              <a:rPr lang="zh-CN" altLang="en-US"/>
               <a:t>单击此处编辑母版文本样式</a:t>
             </a:r>
           </a:p>
           <a:p>
             <a:pPr lvl="1"/>
             <a:r>
-              <a:rPr lang="zh-CN" altLang="en-US" smtClean="0"/>
+              <a:rPr lang="zh-CN" altLang="en-US"/>
               <a:t>第二级</a:t>
             </a:r>
           </a:p>
           <a:p>
             <a:pPr lvl="2"/>
             <a:r>
-              <a:rPr lang="zh-CN" altLang="en-US" smtClean="0"/>
+              <a:rPr lang="zh-CN" altLang="en-US"/>
               <a:t>第三级</a:t>
             </a:r>
           </a:p>
           <a:p>
             <a:pPr lvl="3"/>
             <a:r>
-              <a:rPr lang="zh-CN" altLang="en-US" smtClean="0"/>
+              <a:rPr lang="zh-CN" altLang="en-US"/>
               <a:t>第四级</a:t>
             </a:r>
           </a:p>
           <a:p>
             <a:pPr lvl="4"/>
             <a:r>
-              <a:rPr lang="zh-CN" altLang="en-US" smtClean="0"/>
+              <a:rPr lang="zh-CN" altLang="en-US"/>
               <a:t>第五级</a:t>
             </a:r>
-            <a:endParaRPr lang="zh-CN" altLang="en-US"/>
           </a:p>
         </p:txBody>
       </p:sp>
@@ -2283,38 +2263,37 @@
           <a:p>
             <a:pPr lvl="0"/>
             <a:r>
-              <a:rPr lang="zh-CN" altLang="en-US" smtClean="0"/>
+              <a:rPr lang="zh-CN" altLang="en-US"/>
               <a:t>单击此处编辑母版文本样式</a:t>
             </a:r>
           </a:p>
           <a:p>
             <a:pPr lvl="1"/>
             <a:r>
-              <a:rPr lang="zh-CN" altLang="en-US" smtClean="0"/>
+              <a:rPr lang="zh-CN" altLang="en-US"/>
               <a:t>第二级</a:t>
             </a:r>
           </a:p>
           <a:p>
             <a:pPr lvl="2"/>
             <a:r>
-              <a:rPr lang="zh-CN" altLang="en-US" smtClean="0"/>
+              <a:rPr lang="zh-CN" altLang="en-US"/>
               <a:t>第三级</a:t>
             </a:r>
           </a:p>
           <a:p>
             <a:pPr lvl="3"/>
             <a:r>
-              <a:rPr lang="zh-CN" altLang="en-US" smtClean="0"/>
+              <a:rPr lang="zh-CN" altLang="en-US"/>
               <a:t>第四级</a:t>
             </a:r>
           </a:p>
           <a:p>
             <a:pPr lvl="4"/>
             <a:r>
-              <a:rPr lang="zh-CN" altLang="en-US" smtClean="0"/>
+              <a:rPr lang="zh-CN" altLang="en-US"/>
               <a:t>第五级</a:t>
             </a:r>
-            <a:endParaRPr lang="zh-CN" altLang="en-US"/>
           </a:p>
         </p:txBody>
       </p:sp>
@@ -2335,7 +2314,7 @@
           <a:p>
             <a:fld id="{F5B54AC5-522E-4C6E-9B07-38BF792465DF}" type="datetimeFigureOut">
               <a:rPr lang="zh-CN" altLang="en-US" smtClean="0"/>
-              <a:t>2021/9/27</a:t>
+              <a:t>2021/10/7</a:t>
             </a:fld>
             <a:endParaRPr lang="zh-CN" altLang="en-US"/>
           </a:p>
@@ -2433,10 +2412,9 @@
           </a:lstStyle>
           <a:p>
             <a:r>
-              <a:rPr lang="zh-CN" altLang="en-US" smtClean="0"/>
+              <a:rPr lang="zh-CN" altLang="en-US"/>
               <a:t>单击此处编辑母版标题样式</a:t>
             </a:r>
-            <a:endParaRPr lang="zh-CN" altLang="en-US"/>
           </a:p>
         </p:txBody>
       </p:sp>
@@ -2499,7 +2477,7 @@
           <a:p>
             <a:pPr lvl="0"/>
             <a:r>
-              <a:rPr lang="zh-CN" altLang="en-US" smtClean="0"/>
+              <a:rPr lang="zh-CN" altLang="en-US"/>
               <a:t>单击此处编辑母版文本样式</a:t>
             </a:r>
           </a:p>
@@ -2555,38 +2533,37 @@
           <a:p>
             <a:pPr lvl="0"/>
             <a:r>
-              <a:rPr lang="zh-CN" altLang="en-US" smtClean="0"/>
+              <a:rPr lang="zh-CN" altLang="en-US"/>
               <a:t>单击此处编辑母版文本样式</a:t>
             </a:r>
           </a:p>
           <a:p>
             <a:pPr lvl="1"/>
             <a:r>
-              <a:rPr lang="zh-CN" altLang="en-US" smtClean="0"/>
+              <a:rPr lang="zh-CN" altLang="en-US"/>
               <a:t>第二级</a:t>
             </a:r>
           </a:p>
           <a:p>
             <a:pPr lvl="2"/>
             <a:r>
-              <a:rPr lang="zh-CN" altLang="en-US" smtClean="0"/>
+              <a:rPr lang="zh-CN" altLang="en-US"/>
               <a:t>第三级</a:t>
             </a:r>
           </a:p>
           <a:p>
             <a:pPr lvl="3"/>
             <a:r>
-              <a:rPr lang="zh-CN" altLang="en-US" smtClean="0"/>
+              <a:rPr lang="zh-CN" altLang="en-US"/>
               <a:t>第四级</a:t>
             </a:r>
           </a:p>
           <a:p>
             <a:pPr lvl="4"/>
             <a:r>
-              <a:rPr lang="zh-CN" altLang="en-US" smtClean="0"/>
+              <a:rPr lang="zh-CN" altLang="en-US"/>
               <a:t>第五级</a:t>
             </a:r>
-            <a:endParaRPr lang="zh-CN" altLang="en-US"/>
           </a:p>
         </p:txBody>
       </p:sp>
@@ -2649,7 +2626,7 @@
           <a:p>
             <a:pPr lvl="0"/>
             <a:r>
-              <a:rPr lang="zh-CN" altLang="en-US" smtClean="0"/>
+              <a:rPr lang="zh-CN" altLang="en-US"/>
               <a:t>单击此处编辑母版文本样式</a:t>
             </a:r>
           </a:p>
@@ -2705,38 +2682,37 @@
           <a:p>
             <a:pPr lvl="0"/>
             <a:r>
-              <a:rPr lang="zh-CN" altLang="en-US" smtClean="0"/>
+              <a:rPr lang="zh-CN" altLang="en-US"/>
               <a:t>单击此处编辑母版文本样式</a:t>
             </a:r>
           </a:p>
           <a:p>
             <a:pPr lvl="1"/>
             <a:r>
-              <a:rPr lang="zh-CN" altLang="en-US" smtClean="0"/>
+              <a:rPr lang="zh-CN" altLang="en-US"/>
               <a:t>第二级</a:t>
             </a:r>
           </a:p>
           <a:p>
             <a:pPr lvl="2"/>
             <a:r>
-              <a:rPr lang="zh-CN" altLang="en-US" smtClean="0"/>
+              <a:rPr lang="zh-CN" altLang="en-US"/>
               <a:t>第三级</a:t>
             </a:r>
           </a:p>
           <a:p>
             <a:pPr lvl="3"/>
             <a:r>
-              <a:rPr lang="zh-CN" altLang="en-US" smtClean="0"/>
+              <a:rPr lang="zh-CN" altLang="en-US"/>
               <a:t>第四级</a:t>
             </a:r>
           </a:p>
           <a:p>
             <a:pPr lvl="4"/>
             <a:r>
-              <a:rPr lang="zh-CN" altLang="en-US" smtClean="0"/>
+              <a:rPr lang="zh-CN" altLang="en-US"/>
               <a:t>第五级</a:t>
             </a:r>
-            <a:endParaRPr lang="zh-CN" altLang="en-US"/>
           </a:p>
         </p:txBody>
       </p:sp>
@@ -2757,7 +2733,7 @@
           <a:p>
             <a:fld id="{F5B54AC5-522E-4C6E-9B07-38BF792465DF}" type="datetimeFigureOut">
               <a:rPr lang="zh-CN" altLang="en-US" smtClean="0"/>
-              <a:t>2021/9/27</a:t>
+              <a:t>2021/10/7</a:t>
             </a:fld>
             <a:endParaRPr lang="zh-CN" altLang="en-US"/>
           </a:p>
@@ -2851,10 +2827,9 @@
           <a:lstStyle/>
           <a:p>
             <a:r>
-              <a:rPr lang="zh-CN" altLang="en-US" smtClean="0"/>
+              <a:rPr lang="zh-CN" altLang="en-US"/>
               <a:t>单击此处编辑母版标题样式</a:t>
             </a:r>
-            <a:endParaRPr lang="zh-CN" altLang="en-US"/>
           </a:p>
         </p:txBody>
       </p:sp>
@@ -2875,7 +2850,7 @@
           <a:p>
             <a:fld id="{F5B54AC5-522E-4C6E-9B07-38BF792465DF}" type="datetimeFigureOut">
               <a:rPr lang="zh-CN" altLang="en-US" smtClean="0"/>
-              <a:t>2021/9/27</a:t>
+              <a:t>2021/10/7</a:t>
             </a:fld>
             <a:endParaRPr lang="zh-CN" altLang="en-US"/>
           </a:p>
@@ -2970,7 +2945,7 @@
           <a:p>
             <a:fld id="{F5B54AC5-522E-4C6E-9B07-38BF792465DF}" type="datetimeFigureOut">
               <a:rPr lang="zh-CN" altLang="en-US" smtClean="0"/>
-              <a:t>2021/9/27</a:t>
+              <a:t>2021/10/7</a:t>
             </a:fld>
             <a:endParaRPr lang="zh-CN" altLang="en-US"/>
           </a:p>
@@ -3073,10 +3048,9 @@
           </a:lstStyle>
           <a:p>
             <a:r>
-              <a:rPr lang="zh-CN" altLang="en-US" smtClean="0"/>
+              <a:rPr lang="zh-CN" altLang="en-US"/>
               <a:t>单击此处编辑母版标题样式</a:t>
             </a:r>
-            <a:endParaRPr lang="zh-CN" altLang="en-US"/>
           </a:p>
         </p:txBody>
       </p:sp>
@@ -3130,38 +3104,37 @@
           <a:p>
             <a:pPr lvl="0"/>
             <a:r>
-              <a:rPr lang="zh-CN" altLang="en-US" smtClean="0"/>
+              <a:rPr lang="zh-CN" altLang="en-US"/>
               <a:t>单击此处编辑母版文本样式</a:t>
             </a:r>
           </a:p>
           <a:p>
             <a:pPr lvl="1"/>
             <a:r>
-              <a:rPr lang="zh-CN" altLang="en-US" smtClean="0"/>
+              <a:rPr lang="zh-CN" altLang="en-US"/>
               <a:t>第二级</a:t>
             </a:r>
           </a:p>
           <a:p>
             <a:pPr lvl="2"/>
             <a:r>
-              <a:rPr lang="zh-CN" altLang="en-US" smtClean="0"/>
+              <a:rPr lang="zh-CN" altLang="en-US"/>
               <a:t>第三级</a:t>
             </a:r>
           </a:p>
           <a:p>
             <a:pPr lvl="3"/>
             <a:r>
-              <a:rPr lang="zh-CN" altLang="en-US" smtClean="0"/>
+              <a:rPr lang="zh-CN" altLang="en-US"/>
               <a:t>第四级</a:t>
             </a:r>
           </a:p>
           <a:p>
             <a:pPr lvl="4"/>
             <a:r>
-              <a:rPr lang="zh-CN" altLang="en-US" smtClean="0"/>
+              <a:rPr lang="zh-CN" altLang="en-US"/>
               <a:t>第五级</a:t>
             </a:r>
-            <a:endParaRPr lang="zh-CN" altLang="en-US"/>
           </a:p>
         </p:txBody>
       </p:sp>
@@ -3224,7 +3197,7 @@
           <a:p>
             <a:pPr lvl="0"/>
             <a:r>
-              <a:rPr lang="zh-CN" altLang="en-US" smtClean="0"/>
+              <a:rPr lang="zh-CN" altLang="en-US"/>
               <a:t>单击此处编辑母版文本样式</a:t>
             </a:r>
           </a:p>
@@ -3247,7 +3220,7 @@
           <a:p>
             <a:fld id="{F5B54AC5-522E-4C6E-9B07-38BF792465DF}" type="datetimeFigureOut">
               <a:rPr lang="zh-CN" altLang="en-US" smtClean="0"/>
-              <a:t>2021/9/27</a:t>
+              <a:t>2021/10/7</a:t>
             </a:fld>
             <a:endParaRPr lang="zh-CN" altLang="en-US"/>
           </a:p>
@@ -3341,10 +3314,9 @@
           <a:lstStyle/>
           <a:p>
             <a:r>
-              <a:rPr lang="zh-CN" altLang="en-US" smtClean="0"/>
+              <a:rPr lang="zh-CN" altLang="en-US"/>
               <a:t>单击此处编辑母版标题样式</a:t>
             </a:r>
-            <a:endParaRPr lang="zh-CN" altLang="en-US"/>
           </a:p>
         </p:txBody>
       </p:sp>
@@ -3365,38 +3337,37 @@
           <a:p>
             <a:pPr lvl="0"/>
             <a:r>
-              <a:rPr lang="zh-CN" altLang="en-US" smtClean="0"/>
+              <a:rPr lang="zh-CN" altLang="en-US"/>
               <a:t>单击此处编辑母版文本样式</a:t>
             </a:r>
           </a:p>
           <a:p>
             <a:pPr lvl="1"/>
             <a:r>
-              <a:rPr lang="zh-CN" altLang="en-US" smtClean="0"/>
+              <a:rPr lang="zh-CN" altLang="en-US"/>
               <a:t>第二级</a:t>
             </a:r>
           </a:p>
           <a:p>
             <a:pPr lvl="2"/>
             <a:r>
-              <a:rPr lang="zh-CN" altLang="en-US" smtClean="0"/>
+              <a:rPr lang="zh-CN" altLang="en-US"/>
               <a:t>第三级</a:t>
             </a:r>
           </a:p>
           <a:p>
             <a:pPr lvl="3"/>
             <a:r>
-              <a:rPr lang="zh-CN" altLang="en-US" smtClean="0"/>
+              <a:rPr lang="zh-CN" altLang="en-US"/>
               <a:t>第四级</a:t>
             </a:r>
           </a:p>
           <a:p>
             <a:pPr lvl="4"/>
             <a:r>
-              <a:rPr lang="zh-CN" altLang="en-US" smtClean="0"/>
+              <a:rPr lang="zh-CN" altLang="en-US"/>
               <a:t>第五级</a:t>
             </a:r>
-            <a:endParaRPr lang="zh-CN" altLang="en-US"/>
           </a:p>
         </p:txBody>
       </p:sp>
@@ -3417,7 +3388,7 @@
           <a:p>
             <a:fld id="{A21E7FA3-2F8E-4AB3-AA35-D1F9367347D6}" type="datetimeFigureOut">
               <a:rPr lang="zh-CN" altLang="en-US" smtClean="0"/>
-              <a:t>2021/9/27</a:t>
+              <a:t>2021/10/7</a:t>
             </a:fld>
             <a:endParaRPr lang="zh-CN" altLang="en-US"/>
           </a:p>
@@ -3561,10 +3532,9 @@
           </a:lstStyle>
           <a:p>
             <a:r>
-              <a:rPr lang="zh-CN" altLang="en-US" smtClean="0"/>
+              <a:rPr lang="zh-CN" altLang="en-US"/>
               <a:t>单击此处编辑母版标题样式</a:t>
             </a:r>
-            <a:endParaRPr lang="zh-CN" altLang="en-US"/>
           </a:p>
         </p:txBody>
       </p:sp>
@@ -3688,7 +3658,7 @@
           <a:p>
             <a:pPr lvl="0"/>
             <a:r>
-              <a:rPr lang="zh-CN" altLang="en-US" smtClean="0"/>
+              <a:rPr lang="zh-CN" altLang="en-US"/>
               <a:t>单击此处编辑母版文本样式</a:t>
             </a:r>
           </a:p>
@@ -3711,7 +3681,7 @@
           <a:p>
             <a:fld id="{F5B54AC5-522E-4C6E-9B07-38BF792465DF}" type="datetimeFigureOut">
               <a:rPr lang="zh-CN" altLang="en-US" smtClean="0"/>
-              <a:t>2021/9/27</a:t>
+              <a:t>2021/10/7</a:t>
             </a:fld>
             <a:endParaRPr lang="zh-CN" altLang="en-US"/>
           </a:p>
@@ -3805,10 +3775,9 @@
           <a:lstStyle/>
           <a:p>
             <a:r>
-              <a:rPr lang="zh-CN" altLang="en-US" smtClean="0"/>
+              <a:rPr lang="zh-CN" altLang="en-US"/>
               <a:t>单击此处编辑母版标题样式</a:t>
             </a:r>
-            <a:endParaRPr lang="zh-CN" altLang="en-US"/>
           </a:p>
         </p:txBody>
       </p:sp>
@@ -3829,38 +3798,37 @@
           <a:p>
             <a:pPr lvl="0"/>
             <a:r>
-              <a:rPr lang="zh-CN" altLang="en-US" smtClean="0"/>
+              <a:rPr lang="zh-CN" altLang="en-US"/>
               <a:t>单击此处编辑母版文本样式</a:t>
             </a:r>
           </a:p>
           <a:p>
             <a:pPr lvl="1"/>
             <a:r>
-              <a:rPr lang="zh-CN" altLang="en-US" smtClean="0"/>
+              <a:rPr lang="zh-CN" altLang="en-US"/>
               <a:t>第二级</a:t>
             </a:r>
           </a:p>
           <a:p>
             <a:pPr lvl="2"/>
             <a:r>
-              <a:rPr lang="zh-CN" altLang="en-US" smtClean="0"/>
+              <a:rPr lang="zh-CN" altLang="en-US"/>
               <a:t>第三级</a:t>
             </a:r>
           </a:p>
           <a:p>
             <a:pPr lvl="3"/>
             <a:r>
-              <a:rPr lang="zh-CN" altLang="en-US" smtClean="0"/>
+              <a:rPr lang="zh-CN" altLang="en-US"/>
               <a:t>第四级</a:t>
             </a:r>
           </a:p>
           <a:p>
             <a:pPr lvl="4"/>
             <a:r>
-              <a:rPr lang="zh-CN" altLang="en-US" smtClean="0"/>
+              <a:rPr lang="zh-CN" altLang="en-US"/>
               <a:t>第五级</a:t>
             </a:r>
-            <a:endParaRPr lang="zh-CN" altLang="en-US"/>
           </a:p>
         </p:txBody>
       </p:sp>
@@ -3881,7 +3849,7 @@
           <a:p>
             <a:fld id="{F5B54AC5-522E-4C6E-9B07-38BF792465DF}" type="datetimeFigureOut">
               <a:rPr lang="zh-CN" altLang="en-US" smtClean="0"/>
-              <a:t>2021/9/27</a:t>
+              <a:t>2021/10/7</a:t>
             </a:fld>
             <a:endParaRPr lang="zh-CN" altLang="en-US"/>
           </a:p>
@@ -3980,10 +3948,9 @@
           <a:lstStyle/>
           <a:p>
             <a:r>
-              <a:rPr lang="zh-CN" altLang="en-US" smtClean="0"/>
+              <a:rPr lang="zh-CN" altLang="en-US"/>
               <a:t>单击此处编辑母版标题样式</a:t>
             </a:r>
-            <a:endParaRPr lang="zh-CN" altLang="en-US"/>
           </a:p>
         </p:txBody>
       </p:sp>
@@ -4009,38 +3976,37 @@
           <a:p>
             <a:pPr lvl="0"/>
             <a:r>
-              <a:rPr lang="zh-CN" altLang="en-US" smtClean="0"/>
+              <a:rPr lang="zh-CN" altLang="en-US"/>
               <a:t>单击此处编辑母版文本样式</a:t>
             </a:r>
           </a:p>
           <a:p>
             <a:pPr lvl="1"/>
             <a:r>
-              <a:rPr lang="zh-CN" altLang="en-US" smtClean="0"/>
+              <a:rPr lang="zh-CN" altLang="en-US"/>
               <a:t>第二级</a:t>
             </a:r>
           </a:p>
           <a:p>
             <a:pPr lvl="2"/>
             <a:r>
-              <a:rPr lang="zh-CN" altLang="en-US" smtClean="0"/>
+              <a:rPr lang="zh-CN" altLang="en-US"/>
               <a:t>第三级</a:t>
             </a:r>
           </a:p>
           <a:p>
             <a:pPr lvl="3"/>
             <a:r>
-              <a:rPr lang="zh-CN" altLang="en-US" smtClean="0"/>
+              <a:rPr lang="zh-CN" altLang="en-US"/>
               <a:t>第四级</a:t>
             </a:r>
           </a:p>
           <a:p>
             <a:pPr lvl="4"/>
             <a:r>
-              <a:rPr lang="zh-CN" altLang="en-US" smtClean="0"/>
+              <a:rPr lang="zh-CN" altLang="en-US"/>
               <a:t>第五级</a:t>
             </a:r>
-            <a:endParaRPr lang="zh-CN" altLang="en-US"/>
           </a:p>
         </p:txBody>
       </p:sp>
@@ -4061,7 +4027,7 @@
           <a:p>
             <a:fld id="{F5B54AC5-522E-4C6E-9B07-38BF792465DF}" type="datetimeFigureOut">
               <a:rPr lang="zh-CN" altLang="en-US" smtClean="0"/>
-              <a:t>2021/9/27</a:t>
+              <a:t>2021/10/7</a:t>
             </a:fld>
             <a:endParaRPr lang="zh-CN" altLang="en-US"/>
           </a:p>
@@ -4164,10 +4130,9 @@
           </a:lstStyle>
           <a:p>
             <a:r>
-              <a:rPr lang="zh-CN" altLang="en-US" smtClean="0"/>
+              <a:rPr lang="zh-CN" altLang="en-US"/>
               <a:t>单击此处编辑母版标题样式</a:t>
             </a:r>
-            <a:endParaRPr lang="zh-CN" altLang="en-US"/>
           </a:p>
         </p:txBody>
       </p:sp>
@@ -4284,7 +4249,7 @@
           <a:p>
             <a:pPr lvl="0"/>
             <a:r>
-              <a:rPr lang="zh-CN" altLang="en-US" smtClean="0"/>
+              <a:rPr lang="zh-CN" altLang="en-US"/>
               <a:t>单击此处编辑母版文本样式</a:t>
             </a:r>
           </a:p>
@@ -4307,7 +4272,7 @@
           <a:p>
             <a:fld id="{A21E7FA3-2F8E-4AB3-AA35-D1F9367347D6}" type="datetimeFigureOut">
               <a:rPr lang="zh-CN" altLang="en-US" smtClean="0"/>
-              <a:t>2021/9/27</a:t>
+              <a:t>2021/10/7</a:t>
             </a:fld>
             <a:endParaRPr lang="zh-CN" altLang="en-US"/>
           </a:p>
@@ -4401,10 +4366,9 @@
           <a:lstStyle/>
           <a:p>
             <a:r>
-              <a:rPr lang="zh-CN" altLang="en-US" smtClean="0"/>
+              <a:rPr lang="zh-CN" altLang="en-US"/>
               <a:t>单击此处编辑母版标题样式</a:t>
             </a:r>
-            <a:endParaRPr lang="zh-CN" altLang="en-US"/>
           </a:p>
         </p:txBody>
       </p:sp>
@@ -4458,38 +4422,37 @@
           <a:p>
             <a:pPr lvl="0"/>
             <a:r>
-              <a:rPr lang="zh-CN" altLang="en-US" smtClean="0"/>
+              <a:rPr lang="zh-CN" altLang="en-US"/>
               <a:t>单击此处编辑母版文本样式</a:t>
             </a:r>
           </a:p>
           <a:p>
             <a:pPr lvl="1"/>
             <a:r>
-              <a:rPr lang="zh-CN" altLang="en-US" smtClean="0"/>
+              <a:rPr lang="zh-CN" altLang="en-US"/>
               <a:t>第二级</a:t>
             </a:r>
           </a:p>
           <a:p>
             <a:pPr lvl="2"/>
             <a:r>
-              <a:rPr lang="zh-CN" altLang="en-US" smtClean="0"/>
+              <a:rPr lang="zh-CN" altLang="en-US"/>
               <a:t>第三级</a:t>
             </a:r>
           </a:p>
           <a:p>
             <a:pPr lvl="3"/>
             <a:r>
-              <a:rPr lang="zh-CN" altLang="en-US" smtClean="0"/>
+              <a:rPr lang="zh-CN" altLang="en-US"/>
               <a:t>第四级</a:t>
             </a:r>
           </a:p>
           <a:p>
             <a:pPr lvl="4"/>
             <a:r>
-              <a:rPr lang="zh-CN" altLang="en-US" smtClean="0"/>
+              <a:rPr lang="zh-CN" altLang="en-US"/>
               <a:t>第五级</a:t>
             </a:r>
-            <a:endParaRPr lang="zh-CN" altLang="en-US"/>
           </a:p>
         </p:txBody>
       </p:sp>
@@ -4543,38 +4506,37 @@
           <a:p>
             <a:pPr lvl="0"/>
             <a:r>
-              <a:rPr lang="zh-CN" altLang="en-US" smtClean="0"/>
+              <a:rPr lang="zh-CN" altLang="en-US"/>
               <a:t>单击此处编辑母版文本样式</a:t>
             </a:r>
           </a:p>
           <a:p>
             <a:pPr lvl="1"/>
             <a:r>
-              <a:rPr lang="zh-CN" altLang="en-US" smtClean="0"/>
+              <a:rPr lang="zh-CN" altLang="en-US"/>
               <a:t>第二级</a:t>
             </a:r>
           </a:p>
           <a:p>
             <a:pPr lvl="2"/>
             <a:r>
-              <a:rPr lang="zh-CN" altLang="en-US" smtClean="0"/>
+              <a:rPr lang="zh-CN" altLang="en-US"/>
               <a:t>第三级</a:t>
             </a:r>
           </a:p>
           <a:p>
             <a:pPr lvl="3"/>
             <a:r>
-              <a:rPr lang="zh-CN" altLang="en-US" smtClean="0"/>
+              <a:rPr lang="zh-CN" altLang="en-US"/>
               <a:t>第四级</a:t>
             </a:r>
           </a:p>
           <a:p>
             <a:pPr lvl="4"/>
             <a:r>
-              <a:rPr lang="zh-CN" altLang="en-US" smtClean="0"/>
+              <a:rPr lang="zh-CN" altLang="en-US"/>
               <a:t>第五级</a:t>
             </a:r>
-            <a:endParaRPr lang="zh-CN" altLang="en-US"/>
           </a:p>
         </p:txBody>
       </p:sp>
@@ -4595,7 +4557,7 @@
           <a:p>
             <a:fld id="{A21E7FA3-2F8E-4AB3-AA35-D1F9367347D6}" type="datetimeFigureOut">
               <a:rPr lang="zh-CN" altLang="en-US" smtClean="0"/>
-              <a:t>2021/9/27</a:t>
+              <a:t>2021/10/7</a:t>
             </a:fld>
             <a:endParaRPr lang="zh-CN" altLang="en-US"/>
           </a:p>
@@ -4698,10 +4660,9 @@
           </a:lstStyle>
           <a:p>
             <a:r>
-              <a:rPr lang="zh-CN" altLang="en-US" smtClean="0"/>
+              <a:rPr lang="zh-CN" altLang="en-US"/>
               <a:t>单击此处编辑母版标题样式</a:t>
             </a:r>
-            <a:endParaRPr lang="zh-CN" altLang="en-US"/>
           </a:p>
         </p:txBody>
       </p:sp>
@@ -4764,7 +4725,7 @@
           <a:p>
             <a:pPr lvl="0"/>
             <a:r>
-              <a:rPr lang="zh-CN" altLang="en-US" smtClean="0"/>
+              <a:rPr lang="zh-CN" altLang="en-US"/>
               <a:t>单击此处编辑母版文本样式</a:t>
             </a:r>
           </a:p>
@@ -4820,38 +4781,37 @@
           <a:p>
             <a:pPr lvl="0"/>
             <a:r>
-              <a:rPr lang="zh-CN" altLang="en-US" smtClean="0"/>
+              <a:rPr lang="zh-CN" altLang="en-US"/>
               <a:t>单击此处编辑母版文本样式</a:t>
             </a:r>
           </a:p>
           <a:p>
             <a:pPr lvl="1"/>
             <a:r>
-              <a:rPr lang="zh-CN" altLang="en-US" smtClean="0"/>
+              <a:rPr lang="zh-CN" altLang="en-US"/>
               <a:t>第二级</a:t>
             </a:r>
           </a:p>
           <a:p>
             <a:pPr lvl="2"/>
             <a:r>
-              <a:rPr lang="zh-CN" altLang="en-US" smtClean="0"/>
+              <a:rPr lang="zh-CN" altLang="en-US"/>
               <a:t>第三级</a:t>
             </a:r>
           </a:p>
           <a:p>
             <a:pPr lvl="3"/>
             <a:r>
-              <a:rPr lang="zh-CN" altLang="en-US" smtClean="0"/>
+              <a:rPr lang="zh-CN" altLang="en-US"/>
               <a:t>第四级</a:t>
             </a:r>
           </a:p>
           <a:p>
             <a:pPr lvl="4"/>
             <a:r>
-              <a:rPr lang="zh-CN" altLang="en-US" smtClean="0"/>
+              <a:rPr lang="zh-CN" altLang="en-US"/>
               <a:t>第五级</a:t>
             </a:r>
-            <a:endParaRPr lang="zh-CN" altLang="en-US"/>
           </a:p>
         </p:txBody>
       </p:sp>
@@ -4914,7 +4874,7 @@
           <a:p>
             <a:pPr lvl="0"/>
             <a:r>
-              <a:rPr lang="zh-CN" altLang="en-US" smtClean="0"/>
+              <a:rPr lang="zh-CN" altLang="en-US"/>
               <a:t>单击此处编辑母版文本样式</a:t>
             </a:r>
           </a:p>
@@ -4970,38 +4930,37 @@
           <a:p>
             <a:pPr lvl="0"/>
             <a:r>
-              <a:rPr lang="zh-CN" altLang="en-US" smtClean="0"/>
+              <a:rPr lang="zh-CN" altLang="en-US"/>
               <a:t>单击此处编辑母版文本样式</a:t>
             </a:r>
           </a:p>
           <a:p>
             <a:pPr lvl="1"/>
             <a:r>
-              <a:rPr lang="zh-CN" altLang="en-US" smtClean="0"/>
+              <a:rPr lang="zh-CN" altLang="en-US"/>
               <a:t>第二级</a:t>
             </a:r>
           </a:p>
           <a:p>
             <a:pPr lvl="2"/>
             <a:r>
-              <a:rPr lang="zh-CN" altLang="en-US" smtClean="0"/>
+              <a:rPr lang="zh-CN" altLang="en-US"/>
               <a:t>第三级</a:t>
             </a:r>
           </a:p>
           <a:p>
             <a:pPr lvl="3"/>
             <a:r>
-              <a:rPr lang="zh-CN" altLang="en-US" smtClean="0"/>
+              <a:rPr lang="zh-CN" altLang="en-US"/>
               <a:t>第四级</a:t>
             </a:r>
           </a:p>
           <a:p>
             <a:pPr lvl="4"/>
             <a:r>
-              <a:rPr lang="zh-CN" altLang="en-US" smtClean="0"/>
+              <a:rPr lang="zh-CN" altLang="en-US"/>
               <a:t>第五级</a:t>
             </a:r>
-            <a:endParaRPr lang="zh-CN" altLang="en-US"/>
           </a:p>
         </p:txBody>
       </p:sp>
@@ -5022,7 +4981,7 @@
           <a:p>
             <a:fld id="{A21E7FA3-2F8E-4AB3-AA35-D1F9367347D6}" type="datetimeFigureOut">
               <a:rPr lang="zh-CN" altLang="en-US" smtClean="0"/>
-              <a:t>2021/9/27</a:t>
+              <a:t>2021/10/7</a:t>
             </a:fld>
             <a:endParaRPr lang="zh-CN" altLang="en-US"/>
           </a:p>
@@ -5116,10 +5075,9 @@
           <a:lstStyle/>
           <a:p>
             <a:r>
-              <a:rPr lang="zh-CN" altLang="en-US" dirty="0" smtClean="0"/>
+              <a:rPr lang="zh-CN" altLang="en-US" dirty="0"/>
               <a:t>单击此处编辑母版标题样式</a:t>
             </a:r>
-            <a:endParaRPr lang="zh-CN" altLang="en-US" dirty="0"/>
           </a:p>
         </p:txBody>
       </p:sp>
@@ -5140,7 +5098,7 @@
           <a:p>
             <a:fld id="{A21E7FA3-2F8E-4AB3-AA35-D1F9367347D6}" type="datetimeFigureOut">
               <a:rPr lang="zh-CN" altLang="en-US" smtClean="0"/>
-              <a:t>2021/9/27</a:t>
+              <a:t>2021/10/7</a:t>
             </a:fld>
             <a:endParaRPr lang="zh-CN" altLang="en-US"/>
           </a:p>
@@ -5235,7 +5193,7 @@
           <a:p>
             <a:fld id="{A21E7FA3-2F8E-4AB3-AA35-D1F9367347D6}" type="datetimeFigureOut">
               <a:rPr lang="zh-CN" altLang="en-US" smtClean="0"/>
-              <a:t>2021/9/27</a:t>
+              <a:t>2021/10/7</a:t>
             </a:fld>
             <a:endParaRPr lang="zh-CN" altLang="en-US"/>
           </a:p>
@@ -5338,10 +5296,9 @@
           </a:lstStyle>
           <a:p>
             <a:r>
-              <a:rPr lang="zh-CN" altLang="en-US" smtClean="0"/>
+              <a:rPr lang="zh-CN" altLang="en-US"/>
               <a:t>单击此处编辑母版标题样式</a:t>
             </a:r>
-            <a:endParaRPr lang="zh-CN" altLang="en-US"/>
           </a:p>
         </p:txBody>
       </p:sp>
@@ -5395,38 +5352,37 @@
           <a:p>
             <a:pPr lvl="0"/>
             <a:r>
-              <a:rPr lang="zh-CN" altLang="en-US" smtClean="0"/>
+              <a:rPr lang="zh-CN" altLang="en-US"/>
               <a:t>单击此处编辑母版文本样式</a:t>
             </a:r>
           </a:p>
           <a:p>
             <a:pPr lvl="1"/>
             <a:r>
-              <a:rPr lang="zh-CN" altLang="en-US" smtClean="0"/>
+              <a:rPr lang="zh-CN" altLang="en-US"/>
               <a:t>第二级</a:t>
             </a:r>
           </a:p>
           <a:p>
             <a:pPr lvl="2"/>
             <a:r>
-              <a:rPr lang="zh-CN" altLang="en-US" smtClean="0"/>
+              <a:rPr lang="zh-CN" altLang="en-US"/>
               <a:t>第三级</a:t>
             </a:r>
           </a:p>
           <a:p>
             <a:pPr lvl="3"/>
             <a:r>
-              <a:rPr lang="zh-CN" altLang="en-US" smtClean="0"/>
+              <a:rPr lang="zh-CN" altLang="en-US"/>
               <a:t>第四级</a:t>
             </a:r>
           </a:p>
           <a:p>
             <a:pPr lvl="4"/>
             <a:r>
-              <a:rPr lang="zh-CN" altLang="en-US" smtClean="0"/>
+              <a:rPr lang="zh-CN" altLang="en-US"/>
               <a:t>第五级</a:t>
             </a:r>
-            <a:endParaRPr lang="zh-CN" altLang="en-US"/>
           </a:p>
         </p:txBody>
       </p:sp>
@@ -5489,7 +5445,7 @@
           <a:p>
             <a:pPr lvl="0"/>
             <a:r>
-              <a:rPr lang="zh-CN" altLang="en-US" smtClean="0"/>
+              <a:rPr lang="zh-CN" altLang="en-US"/>
               <a:t>单击此处编辑母版文本样式</a:t>
             </a:r>
           </a:p>
@@ -5512,7 +5468,7 @@
           <a:p>
             <a:fld id="{A21E7FA3-2F8E-4AB3-AA35-D1F9367347D6}" type="datetimeFigureOut">
               <a:rPr lang="zh-CN" altLang="en-US" smtClean="0"/>
-              <a:t>2021/9/27</a:t>
+              <a:t>2021/10/7</a:t>
             </a:fld>
             <a:endParaRPr lang="zh-CN" altLang="en-US"/>
           </a:p>
@@ -5615,10 +5571,9 @@
           </a:lstStyle>
           <a:p>
             <a:r>
-              <a:rPr lang="zh-CN" altLang="en-US" smtClean="0"/>
+              <a:rPr lang="zh-CN" altLang="en-US"/>
               <a:t>单击此处编辑母版标题样式</a:t>
             </a:r>
-            <a:endParaRPr lang="zh-CN" altLang="en-US"/>
           </a:p>
         </p:txBody>
       </p:sp>
@@ -5742,7 +5697,7 @@
           <a:p>
             <a:pPr lvl="0"/>
             <a:r>
-              <a:rPr lang="zh-CN" altLang="en-US" smtClean="0"/>
+              <a:rPr lang="zh-CN" altLang="en-US"/>
               <a:t>单击此处编辑母版文本样式</a:t>
             </a:r>
           </a:p>
@@ -5765,7 +5720,7 @@
           <a:p>
             <a:fld id="{A21E7FA3-2F8E-4AB3-AA35-D1F9367347D6}" type="datetimeFigureOut">
               <a:rPr lang="zh-CN" altLang="en-US" smtClean="0"/>
-              <a:t>2021/9/27</a:t>
+              <a:t>2021/10/7</a:t>
             </a:fld>
             <a:endParaRPr lang="zh-CN" altLang="en-US"/>
           </a:p>
@@ -5874,10 +5829,9 @@
           <a:lstStyle/>
           <a:p>
             <a:r>
-              <a:rPr lang="zh-CN" altLang="en-US" smtClean="0"/>
+              <a:rPr lang="zh-CN" altLang="en-US"/>
               <a:t>单击此处编辑母版标题样式</a:t>
             </a:r>
-            <a:endParaRPr lang="zh-CN" altLang="en-US"/>
           </a:p>
         </p:txBody>
       </p:sp>
@@ -5908,38 +5862,37 @@
           <a:p>
             <a:pPr lvl="0"/>
             <a:r>
-              <a:rPr lang="zh-CN" altLang="en-US" smtClean="0"/>
+              <a:rPr lang="zh-CN" altLang="en-US"/>
               <a:t>单击此处编辑母版文本样式</a:t>
             </a:r>
           </a:p>
           <a:p>
             <a:pPr lvl="1"/>
             <a:r>
-              <a:rPr lang="zh-CN" altLang="en-US" smtClean="0"/>
+              <a:rPr lang="zh-CN" altLang="en-US"/>
               <a:t>第二级</a:t>
             </a:r>
           </a:p>
           <a:p>
             <a:pPr lvl="2"/>
             <a:r>
-              <a:rPr lang="zh-CN" altLang="en-US" smtClean="0"/>
+              <a:rPr lang="zh-CN" altLang="en-US"/>
               <a:t>第三级</a:t>
             </a:r>
           </a:p>
           <a:p>
             <a:pPr lvl="3"/>
             <a:r>
-              <a:rPr lang="zh-CN" altLang="en-US" smtClean="0"/>
+              <a:rPr lang="zh-CN" altLang="en-US"/>
               <a:t>第四级</a:t>
             </a:r>
           </a:p>
           <a:p>
             <a:pPr lvl="4"/>
             <a:r>
-              <a:rPr lang="zh-CN" altLang="en-US" smtClean="0"/>
+              <a:rPr lang="zh-CN" altLang="en-US"/>
               <a:t>第五级</a:t>
             </a:r>
-            <a:endParaRPr lang="zh-CN" altLang="en-US"/>
           </a:p>
         </p:txBody>
       </p:sp>
@@ -5978,7 +5931,7 @@
           <a:p>
             <a:fld id="{A21E7FA3-2F8E-4AB3-AA35-D1F9367347D6}" type="datetimeFigureOut">
               <a:rPr lang="zh-CN" altLang="en-US" smtClean="0"/>
-              <a:t>2021/9/27</a:t>
+              <a:t>2021/10/7</a:t>
             </a:fld>
             <a:endParaRPr lang="zh-CN" altLang="en-US"/>
           </a:p>
@@ -6384,10 +6337,9 @@
           <a:lstStyle/>
           <a:p>
             <a:r>
-              <a:rPr lang="zh-CN" altLang="en-US" smtClean="0"/>
+              <a:rPr lang="zh-CN" altLang="en-US"/>
               <a:t>单击此处编辑母版标题样式</a:t>
             </a:r>
-            <a:endParaRPr lang="zh-CN" altLang="en-US"/>
           </a:p>
         </p:txBody>
       </p:sp>
@@ -6418,38 +6370,37 @@
           <a:p>
             <a:pPr lvl="0"/>
             <a:r>
-              <a:rPr lang="zh-CN" altLang="en-US" smtClean="0"/>
+              <a:rPr lang="zh-CN" altLang="en-US"/>
               <a:t>单击此处编辑母版文本样式</a:t>
             </a:r>
           </a:p>
           <a:p>
             <a:pPr lvl="1"/>
             <a:r>
-              <a:rPr lang="zh-CN" altLang="en-US" smtClean="0"/>
+              <a:rPr lang="zh-CN" altLang="en-US"/>
               <a:t>第二级</a:t>
             </a:r>
           </a:p>
           <a:p>
             <a:pPr lvl="2"/>
             <a:r>
-              <a:rPr lang="zh-CN" altLang="en-US" smtClean="0"/>
+              <a:rPr lang="zh-CN" altLang="en-US"/>
               <a:t>第三级</a:t>
             </a:r>
           </a:p>
           <a:p>
             <a:pPr lvl="3"/>
             <a:r>
-              <a:rPr lang="zh-CN" altLang="en-US" smtClean="0"/>
+              <a:rPr lang="zh-CN" altLang="en-US"/>
               <a:t>第四级</a:t>
             </a:r>
           </a:p>
           <a:p>
             <a:pPr lvl="4"/>
             <a:r>
-              <a:rPr lang="zh-CN" altLang="en-US" smtClean="0"/>
+              <a:rPr lang="zh-CN" altLang="en-US"/>
               <a:t>第五级</a:t>
             </a:r>
-            <a:endParaRPr lang="zh-CN" altLang="en-US"/>
           </a:p>
         </p:txBody>
       </p:sp>
@@ -6488,7 +6439,7 @@
           <a:p>
             <a:fld id="{F5B54AC5-522E-4C6E-9B07-38BF792465DF}" type="datetimeFigureOut">
               <a:rPr lang="zh-CN" altLang="en-US" smtClean="0"/>
-              <a:t>2021/9/27</a:t>
+              <a:t>2021/10/7</a:t>
             </a:fld>
             <a:endParaRPr lang="zh-CN" altLang="en-US"/>
           </a:p>
@@ -6873,8 +6824,8 @@
         </p:nvSpPr>
         <p:spPr>
           <a:xfrm>
-            <a:off x="467544" y="195486"/>
-            <a:ext cx="8208912" cy="792087"/>
+            <a:off x="611560" y="1356959"/>
+            <a:ext cx="7772400" cy="792087"/>
           </a:xfrm>
           <a:prstGeom prst="rect">
             <a:avLst/>
@@ -6903,10 +6854,45 @@
           <a:p>
             <a:pPr algn="l"/>
             <a:r>
-              <a:rPr lang="zh-CN" altLang="en-US" sz="1800" b="1" dirty="0"/>
-              <a:t>备注（此页不用展示）</a:t>
-            </a:r>
-            <a:endParaRPr lang="zh-CN" altLang="en-US" sz="1800" b="1" dirty="0">
+              <a:rPr lang="en-US" altLang="zh-CN" sz="3200" dirty="0">
+                <a:solidFill>
+                  <a:schemeClr val="tx1">
+                    <a:lumMod val="75000"/>
+                    <a:lumOff val="25000"/>
+                  </a:schemeClr>
+                </a:solidFill>
+                <a:latin typeface="微软雅黑" panose="020B0503020204020204" pitchFamily="34" charset="-122"/>
+                <a:ea typeface="微软雅黑" panose="020B0503020204020204" pitchFamily="34" charset="-122"/>
+              </a:rPr>
+              <a:t>《</a:t>
+            </a:r>
+            <a:r>
+              <a:rPr lang="zh-CN" altLang="en-US" sz="3200" dirty="0">
+                <a:solidFill>
+                  <a:schemeClr val="tx1">
+                    <a:lumMod val="75000"/>
+                    <a:lumOff val="25000"/>
+                  </a:schemeClr>
+                </a:solidFill>
+                <a:latin typeface="微软雅黑" panose="020B0503020204020204" pitchFamily="34" charset="-122"/>
+                <a:ea typeface="微软雅黑" panose="020B0503020204020204" pitchFamily="34" charset="-122"/>
+              </a:rPr>
+              <a:t>新员工**转正述职报告</a:t>
+            </a:r>
+            <a:r>
+              <a:rPr lang="en-US" altLang="zh-CN" sz="3200" dirty="0">
+                <a:solidFill>
+                  <a:schemeClr val="tx1">
+                    <a:lumMod val="75000"/>
+                    <a:lumOff val="25000"/>
+                  </a:schemeClr>
+                </a:solidFill>
+                <a:latin typeface="微软雅黑" panose="020B0503020204020204" pitchFamily="34" charset="-122"/>
+                <a:ea typeface="微软雅黑" panose="020B0503020204020204" pitchFamily="34" charset="-122"/>
+              </a:rPr>
+              <a:t>》</a:t>
+            </a:r>
+            <a:endParaRPr lang="zh-CN" altLang="en-US" sz="3200" dirty="0">
               <a:solidFill>
                 <a:schemeClr val="tx1">
                   <a:lumMod val="75000"/>
@@ -6921,199 +6907,154 @@
       </p:sp>
       <p:sp>
         <p:nvSpPr>
-          <p:cNvPr id="2" name="文本框 1"/>
-          <p:cNvSpPr txBox="1"/>
+          <p:cNvPr id="6" name="标题 1"/>
+          <p:cNvSpPr txBox="1">
+            <a:spLocks/>
+          </p:cNvSpPr>
           <p:nvPr/>
         </p:nvSpPr>
         <p:spPr>
           <a:xfrm>
-            <a:off x="467544" y="1059582"/>
-            <a:ext cx="8064896" cy="2142125"/>
+            <a:off x="611560" y="1995686"/>
+            <a:ext cx="7772400" cy="480693"/>
           </a:xfrm>
           <a:prstGeom prst="rect">
             <a:avLst/>
           </a:prstGeom>
-          <a:noFill/>
-        </p:spPr>
-        <p:txBody>
-          <a:bodyPr wrap="square" rtlCol="0">
-            <a:spAutoFit/>
+        </p:spPr>
+        <p:txBody>
+          <a:bodyPr vert="horz" lIns="91440" tIns="45720" rIns="91440" bIns="45720" rtlCol="0" anchor="ctr">
+            <a:normAutofit/>
           </a:bodyPr>
-          <a:lstStyle/>
-          <a:p>
-            <a:pPr marL="342900" lvl="0" indent="-342900" fontAlgn="base">
-              <a:lnSpc>
-                <a:spcPct val="120000"/>
-              </a:lnSpc>
+          <a:lstStyle>
+            <a:lvl1pPr algn="ctr" defTabSz="914400" rtl="0" eaLnBrk="1" latinLnBrk="0" hangingPunct="1">
               <a:spcBef>
-                <a:spcPct val="20000"/>
+                <a:spcPct val="0"/>
               </a:spcBef>
-              <a:spcAft>
+              <a:buNone/>
+              <a:defRPr sz="4400" kern="1200">
+                <a:solidFill>
+                  <a:schemeClr val="tx1"/>
+                </a:solidFill>
+                <a:latin typeface="+mj-lt"/>
+                <a:ea typeface="+mj-ea"/>
+                <a:cs typeface="+mj-cs"/>
+              </a:defRPr>
+            </a:lvl1pPr>
+          </a:lstStyle>
+          <a:p>
+            <a:pPr algn="l"/>
+            <a:endParaRPr lang="en-US" altLang="zh-CN" sz="1600" dirty="0">
+              <a:solidFill>
+                <a:schemeClr val="tx1">
+                  <a:lumMod val="75000"/>
+                  <a:lumOff val="25000"/>
+                </a:schemeClr>
+              </a:solidFill>
+              <a:latin typeface="微软雅黑" panose="020B0503020204020204" pitchFamily="34" charset="-122"/>
+              <a:ea typeface="微软雅黑" panose="020B0503020204020204" pitchFamily="34" charset="-122"/>
+            </a:endParaRPr>
+          </a:p>
+        </p:txBody>
+      </p:sp>
+      <p:sp>
+        <p:nvSpPr>
+          <p:cNvPr id="5" name="标题 1"/>
+          <p:cNvSpPr txBox="1">
+            <a:spLocks/>
+          </p:cNvSpPr>
+          <p:nvPr/>
+        </p:nvSpPr>
+        <p:spPr>
+          <a:xfrm>
+            <a:off x="1371600" y="2387474"/>
+            <a:ext cx="2840360" cy="240346"/>
+          </a:xfrm>
+          <a:prstGeom prst="rect">
+            <a:avLst/>
+          </a:prstGeom>
+        </p:spPr>
+        <p:txBody>
+          <a:bodyPr vert="horz" lIns="91440" tIns="45720" rIns="91440" bIns="45720" rtlCol="0" anchor="ctr">
+            <a:normAutofit fontScale="85000" lnSpcReduction="20000"/>
+          </a:bodyPr>
+          <a:lstStyle>
+            <a:lvl1pPr algn="ctr" defTabSz="914400" rtl="0" eaLnBrk="1" latinLnBrk="0" hangingPunct="1">
+              <a:spcBef>
                 <a:spcPct val="0"/>
-              </a:spcAft>
-              <a:buClr>
-                <a:srgbClr val="FF0000"/>
-              </a:buClr>
-              <a:buFont typeface="Wingdings" panose="05000000000000000000" pitchFamily="2" charset="2"/>
-              <a:buChar char="n"/>
-            </a:pPr>
-            <a:r>
-              <a:rPr lang="zh-CN" altLang="en-US" kern="0" dirty="0">
+              </a:spcBef>
+              <a:buNone/>
+              <a:defRPr sz="4400" kern="1200">
                 <a:solidFill>
-                  <a:prstClr val="black"/>
+                  <a:schemeClr val="tx1"/>
                 </a:solidFill>
-                <a:latin typeface="Arial"/>
-                <a:ea typeface="微软雅黑"/>
+                <a:latin typeface="+mj-lt"/>
+                <a:ea typeface="+mj-ea"/>
+                <a:cs typeface="+mj-cs"/>
+              </a:defRPr>
+            </a:lvl1pPr>
+          </a:lstStyle>
+          <a:p>
+            <a:pPr algn="r"/>
+            <a:r>
+              <a:rPr lang="en-US" altLang="zh-CN" sz="1400" dirty="0">
+                <a:solidFill>
+                  <a:schemeClr val="tx1">
+                    <a:lumMod val="75000"/>
+                    <a:lumOff val="25000"/>
+                  </a:schemeClr>
+                </a:solidFill>
+                <a:latin typeface="微软雅黑" panose="020B0503020204020204" pitchFamily="34" charset="-122"/>
+                <a:ea typeface="微软雅黑" panose="020B0503020204020204" pitchFamily="34" charset="-122"/>
               </a:rPr>
-              <a:t>个人陈述时间为</a:t>
-            </a:r>
-            <a:r>
-              <a:rPr lang="en-US" altLang="zh-CN" kern="0" dirty="0">
+              <a:t>2018.</a:t>
+            </a:r>
+            <a:r>
+              <a:rPr lang="zh-CN" altLang="en-US" sz="1400" dirty="0">
                 <a:solidFill>
-                  <a:prstClr val="black"/>
+                  <a:schemeClr val="tx1">
+                    <a:lumMod val="75000"/>
+                    <a:lumOff val="25000"/>
+                  </a:schemeClr>
                 </a:solidFill>
-                <a:latin typeface="Arial"/>
-                <a:ea typeface="微软雅黑"/>
+                <a:latin typeface="微软雅黑" panose="020B0503020204020204" pitchFamily="34" charset="-122"/>
+                <a:ea typeface="微软雅黑" panose="020B0503020204020204" pitchFamily="34" charset="-122"/>
               </a:rPr>
-              <a:t>10min-15min</a:t>
-            </a:r>
-            <a:r>
-              <a:rPr lang="zh-CN" altLang="en-US" kern="0" dirty="0">
+              <a:t>**</a:t>
+            </a:r>
+            <a:r>
+              <a:rPr lang="en-US" altLang="zh-CN" sz="1400" dirty="0">
                 <a:solidFill>
-                  <a:prstClr val="black"/>
+                  <a:schemeClr val="tx1">
+                    <a:lumMod val="75000"/>
+                    <a:lumOff val="25000"/>
+                  </a:schemeClr>
                 </a:solidFill>
-                <a:latin typeface="Arial"/>
-                <a:ea typeface="微软雅黑"/>
+                <a:latin typeface="微软雅黑" panose="020B0503020204020204" pitchFamily="34" charset="-122"/>
+                <a:ea typeface="微软雅黑" panose="020B0503020204020204" pitchFamily="34" charset="-122"/>
               </a:rPr>
-              <a:t>，超出时间不予展示，请注意时间的把控；</a:t>
-            </a:r>
-            <a:endParaRPr lang="en-US" altLang="zh-CN" kern="0" dirty="0">
-              <a:solidFill>
-                <a:prstClr val="black"/>
-              </a:solidFill>
-              <a:latin typeface="Arial"/>
-              <a:ea typeface="微软雅黑"/>
-            </a:endParaRPr>
-          </a:p>
-          <a:p>
-            <a:pPr marL="342900" lvl="0" indent="-342900" fontAlgn="base">
-              <a:lnSpc>
-                <a:spcPct val="120000"/>
-              </a:lnSpc>
-              <a:spcBef>
-                <a:spcPct val="20000"/>
-              </a:spcBef>
-              <a:spcAft>
-                <a:spcPct val="0"/>
-              </a:spcAft>
-              <a:buClr>
-                <a:srgbClr val="FF0000"/>
-              </a:buClr>
-              <a:buFont typeface="Wingdings" panose="05000000000000000000" pitchFamily="2" charset="2"/>
-              <a:buChar char="n"/>
-            </a:pPr>
-            <a:r>
-              <a:rPr lang="zh-CN" altLang="en-US" kern="0" dirty="0">
+              <a:t>.</a:t>
+            </a:r>
+            <a:r>
+              <a:rPr lang="zh-CN" altLang="en-US" sz="1400" dirty="0">
                 <a:solidFill>
-                  <a:prstClr val="black"/>
+                  <a:schemeClr val="tx1">
+                    <a:lumMod val="75000"/>
+                    <a:lumOff val="25000"/>
+                  </a:schemeClr>
                 </a:solidFill>
-                <a:latin typeface="Arial"/>
-                <a:ea typeface="微软雅黑"/>
+                <a:latin typeface="微软雅黑" panose="020B0503020204020204" pitchFamily="34" charset="-122"/>
+                <a:ea typeface="微软雅黑" panose="020B0503020204020204" pitchFamily="34" charset="-122"/>
               </a:rPr>
-              <a:t>阐述重心请放在对</a:t>
-            </a:r>
-            <a:r>
-              <a:rPr lang="zh-CN" altLang="en-US" b="1" kern="0" dirty="0">
-                <a:solidFill>
-                  <a:srgbClr val="FF0000"/>
-                </a:solidFill>
-                <a:latin typeface="Arial"/>
-                <a:ea typeface="微软雅黑"/>
-              </a:rPr>
-              <a:t>个人工作结果、个人价值输出</a:t>
-            </a:r>
-            <a:r>
-              <a:rPr lang="zh-CN" altLang="en-US" kern="0" dirty="0">
-                <a:solidFill>
-                  <a:prstClr val="black"/>
-                </a:solidFill>
-                <a:latin typeface="Arial"/>
-                <a:ea typeface="微软雅黑"/>
-              </a:rPr>
-              <a:t>的阐述，以及今后如何改善上面；</a:t>
-            </a:r>
-            <a:endParaRPr lang="en-US" altLang="zh-CN" kern="0" dirty="0">
-              <a:solidFill>
-                <a:prstClr val="black"/>
-              </a:solidFill>
-              <a:latin typeface="Arial"/>
-              <a:ea typeface="微软雅黑"/>
-            </a:endParaRPr>
-          </a:p>
-          <a:p>
-            <a:pPr marL="342900" lvl="0" indent="-342900" fontAlgn="base">
-              <a:lnSpc>
-                <a:spcPct val="120000"/>
-              </a:lnSpc>
-              <a:spcBef>
-                <a:spcPct val="20000"/>
-              </a:spcBef>
-              <a:spcAft>
-                <a:spcPct val="0"/>
-              </a:spcAft>
-              <a:buClr>
-                <a:srgbClr val="FF0000"/>
-              </a:buClr>
-              <a:buFont typeface="Wingdings" panose="05000000000000000000" pitchFamily="2" charset="2"/>
-              <a:buChar char="n"/>
-            </a:pPr>
-            <a:r>
-              <a:rPr lang="zh-CN" altLang="en-US" kern="0" dirty="0">
-                <a:solidFill>
-                  <a:prstClr val="black"/>
-                </a:solidFill>
-                <a:latin typeface="Arial"/>
-                <a:ea typeface="微软雅黑"/>
-              </a:rPr>
-              <a:t>模板中提供的分析工具仅供参考，具体的汇报内容视每个人情况而定，可</a:t>
-            </a:r>
-            <a:r>
-              <a:rPr lang="zh-CN" altLang="en-US" kern="0" dirty="0" smtClean="0">
-                <a:solidFill>
-                  <a:prstClr val="black"/>
-                </a:solidFill>
-                <a:latin typeface="Arial"/>
-                <a:ea typeface="微软雅黑"/>
-              </a:rPr>
-              <a:t>作增减</a:t>
-            </a:r>
-            <a:r>
-              <a:rPr lang="zh-CN" altLang="en-US" kern="0" dirty="0">
-                <a:solidFill>
-                  <a:prstClr val="black"/>
-                </a:solidFill>
-                <a:latin typeface="Arial"/>
-                <a:ea typeface="微软雅黑"/>
-              </a:rPr>
-              <a:t>。</a:t>
-            </a:r>
-            <a:endParaRPr lang="en-US" altLang="zh-CN" kern="0" dirty="0">
-              <a:solidFill>
-                <a:prstClr val="black"/>
-              </a:solidFill>
-              <a:latin typeface="Arial"/>
-              <a:ea typeface="微软雅黑"/>
-            </a:endParaRPr>
-          </a:p>
-          <a:p>
-            <a:endParaRPr lang="zh-CN" altLang="en-US" dirty="0"/>
+              <a:t>**</a:t>
+            </a:r>
           </a:p>
         </p:txBody>
       </p:sp>
     </p:spTree>
     <p:extLst>
       <p:ext uri="{BB962C8B-B14F-4D97-AF65-F5344CB8AC3E}">
-        <p14:creationId xmlns:p14="http://schemas.microsoft.com/office/powerpoint/2010/main" val="3410676245"/>
+        <p14:creationId xmlns:p14="http://schemas.microsoft.com/office/powerpoint/2010/main" val="3438920243"/>
       </p:ext>
     </p:extLst>
   </p:cSld>
@@ -7180,25 +7121,25 @@
           <a:p>
             <a:pPr algn="l"/>
             <a:r>
-              <a:rPr lang="en-US" altLang="zh-CN" sz="1800" b="1" dirty="0" smtClean="0">
+              <a:rPr lang="en-US" altLang="zh-CN" sz="1800" b="1" dirty="0">
                 <a:latin typeface="Times New Roman" panose="02020603050405020304" pitchFamily="18" charset="0"/>
                 <a:cs typeface="Times New Roman" panose="02020603050405020304" pitchFamily="18" charset="0"/>
               </a:rPr>
               <a:t>SpringCloud</a:t>
             </a:r>
             <a:r>
-              <a:rPr lang="zh-CN" altLang="en-US" sz="1800" b="1" dirty="0" smtClean="0">
+              <a:rPr lang="zh-CN" altLang="en-US" sz="1800" b="1" dirty="0">
                 <a:latin typeface="Times New Roman" panose="02020603050405020304" pitchFamily="18" charset="0"/>
                 <a:cs typeface="Times New Roman" panose="02020603050405020304" pitchFamily="18" charset="0"/>
               </a:rPr>
               <a:t>：</a:t>
             </a:r>
             <a:r>
-              <a:rPr lang="en-US" altLang="zh-CN" sz="1800" b="1" dirty="0" smtClean="0">
+              <a:rPr lang="en-US" altLang="zh-CN" sz="1800" b="1" dirty="0">
                 <a:latin typeface="Times New Roman" panose="02020603050405020304" pitchFamily="18" charset="0"/>
                 <a:cs typeface="Times New Roman" panose="02020603050405020304" pitchFamily="18" charset="0"/>
               </a:rPr>
-              <a:t>Eureka</a:t>
+              <a:t>Feign</a:t>
             </a:r>
             <a:endParaRPr lang="zh-CN" altLang="en-US" sz="1800" b="1" dirty="0">
               <a:solidFill>
@@ -7240,4442 +7181,10 @@
           </a:p>
         </p:txBody>
       </p:sp>
-      <p:pic>
-        <p:nvPicPr>
-          <p:cNvPr id="3" name="图片 2"/>
-          <p:cNvPicPr>
-            <a:picLocks noChangeAspect="1"/>
-          </p:cNvPicPr>
-          <p:nvPr/>
-        </p:nvPicPr>
-        <p:blipFill>
-          <a:blip r:embed="rId2"/>
-          <a:stretch>
-            <a:fillRect/>
-          </a:stretch>
-        </p:blipFill>
-        <p:spPr>
-          <a:xfrm>
-            <a:off x="827584" y="1131590"/>
-            <a:ext cx="7447709" cy="3691878"/>
-          </a:xfrm>
-          <a:prstGeom prst="rect">
-            <a:avLst/>
-          </a:prstGeom>
-        </p:spPr>
-      </p:pic>
-    </p:spTree>
-    <p:extLst>
-      <p:ext uri="{BB962C8B-B14F-4D97-AF65-F5344CB8AC3E}">
-        <p14:creationId xmlns:p14="http://schemas.microsoft.com/office/powerpoint/2010/main" val="2439001863"/>
-      </p:ext>
-    </p:extLst>
-  </p:cSld>
-  <p:clrMapOvr>
-    <a:masterClrMapping/>
-  </p:clrMapOvr>
-</p:sld>
-</file>
-
-<file path=ppt/slides/slide11.xml><?xml version="1.0" encoding="utf-8"?>
-<p:sld xmlns:a="http://schemas.openxmlformats.org/drawingml/2006/main" xmlns:r="http://schemas.openxmlformats.org/officeDocument/2006/relationships" xmlns:p="http://schemas.openxmlformats.org/presentationml/2006/main">
-  <p:cSld>
-    <p:spTree>
-      <p:nvGrpSpPr>
-        <p:cNvPr id="1" name=""/>
-        <p:cNvGrpSpPr/>
-        <p:nvPr/>
-      </p:nvGrpSpPr>
-      <p:grpSpPr>
-        <a:xfrm>
-          <a:off x="0" y="0"/>
-          <a:ext cx="0" cy="0"/>
-          <a:chOff x="0" y="0"/>
-          <a:chExt cx="0" cy="0"/>
-        </a:xfrm>
-      </p:grpSpPr>
-      <p:sp>
-        <p:nvSpPr>
-          <p:cNvPr id="4" name="标题 1"/>
-          <p:cNvSpPr txBox="1">
-            <a:spLocks/>
-          </p:cNvSpPr>
-          <p:nvPr/>
-        </p:nvSpPr>
-        <p:spPr>
-          <a:xfrm>
-            <a:off x="467544" y="195486"/>
-            <a:ext cx="8208912" cy="792087"/>
-          </a:xfrm>
-          <a:prstGeom prst="rect">
-            <a:avLst/>
-          </a:prstGeom>
-        </p:spPr>
-        <p:txBody>
-          <a:bodyPr vert="horz" lIns="91440" tIns="45720" rIns="91440" bIns="45720" rtlCol="0" anchor="ctr">
-            <a:normAutofit/>
-          </a:bodyPr>
-          <a:lstStyle>
-            <a:lvl1pPr algn="ctr" defTabSz="914400" rtl="0" eaLnBrk="1" latinLnBrk="0" hangingPunct="1">
-              <a:spcBef>
-                <a:spcPct val="0"/>
-              </a:spcBef>
-              <a:buNone/>
-              <a:defRPr sz="4400" kern="1200">
-                <a:solidFill>
-                  <a:schemeClr val="tx1"/>
-                </a:solidFill>
-                <a:latin typeface="+mj-lt"/>
-                <a:ea typeface="+mj-ea"/>
-                <a:cs typeface="+mj-cs"/>
-              </a:defRPr>
-            </a:lvl1pPr>
-          </a:lstStyle>
-          <a:p>
-            <a:pPr algn="l"/>
-            <a:r>
-              <a:rPr lang="en-US" altLang="zh-CN" sz="1800" b="1" dirty="0" smtClean="0">
-                <a:latin typeface="Times New Roman" panose="02020603050405020304" pitchFamily="18" charset="0"/>
-                <a:cs typeface="Times New Roman" panose="02020603050405020304" pitchFamily="18" charset="0"/>
-              </a:rPr>
-              <a:t>SpringCloud</a:t>
-            </a:r>
-            <a:r>
-              <a:rPr lang="zh-CN" altLang="en-US" sz="1800" b="1" dirty="0" smtClean="0">
-                <a:latin typeface="Times New Roman" panose="02020603050405020304" pitchFamily="18" charset="0"/>
-                <a:cs typeface="Times New Roman" panose="02020603050405020304" pitchFamily="18" charset="0"/>
-              </a:rPr>
-              <a:t>：</a:t>
-            </a:r>
-            <a:r>
-              <a:rPr lang="en-US" altLang="zh-CN" sz="1800" b="1" dirty="0">
-                <a:latin typeface="Times New Roman" panose="02020603050405020304" pitchFamily="18" charset="0"/>
-                <a:cs typeface="Times New Roman" panose="02020603050405020304" pitchFamily="18" charset="0"/>
-              </a:rPr>
-              <a:t>Feign</a:t>
-            </a:r>
-            <a:endParaRPr lang="zh-CN" altLang="en-US" sz="1800" b="1" dirty="0">
-              <a:solidFill>
-                <a:schemeClr val="tx1">
-                  <a:lumMod val="75000"/>
-                  <a:lumOff val="25000"/>
-                </a:schemeClr>
-              </a:solidFill>
-              <a:latin typeface="Times New Roman" panose="02020603050405020304" pitchFamily="18" charset="0"/>
-              <a:ea typeface="微软雅黑" panose="020B0503020204020204" pitchFamily="34" charset="-122"/>
-              <a:cs typeface="Times New Roman" panose="02020603050405020304" pitchFamily="18" charset="0"/>
-            </a:endParaRPr>
-          </a:p>
-        </p:txBody>
-      </p:sp>
-      <p:sp>
-        <p:nvSpPr>
-          <p:cNvPr id="2" name="文本框 1"/>
-          <p:cNvSpPr txBox="1"/>
-          <p:nvPr/>
-        </p:nvSpPr>
-        <p:spPr>
-          <a:xfrm>
-            <a:off x="611560" y="2809260"/>
-            <a:ext cx="8064896" cy="369332"/>
-          </a:xfrm>
-          <a:prstGeom prst="rect">
-            <a:avLst/>
-          </a:prstGeom>
-          <a:noFill/>
-        </p:spPr>
-        <p:txBody>
-          <a:bodyPr wrap="square" rtlCol="0">
-            <a:spAutoFit/>
-          </a:bodyPr>
-          <a:lstStyle/>
-          <a:p>
-            <a:endParaRPr lang="zh-CN" altLang="en-US" dirty="0"/>
-          </a:p>
-        </p:txBody>
-      </p:sp>
     </p:spTree>
     <p:extLst>
       <p:ext uri="{BB962C8B-B14F-4D97-AF65-F5344CB8AC3E}">
         <p14:creationId xmlns:p14="http://schemas.microsoft.com/office/powerpoint/2010/main" val="1998739615"/>
-      </p:ext>
-    </p:extLst>
-  </p:cSld>
-  <p:clrMapOvr>
-    <a:masterClrMapping/>
-  </p:clrMapOvr>
-</p:sld>
-</file>
-
-<file path=ppt/slides/slide12.xml><?xml version="1.0" encoding="utf-8"?>
-<p:sld xmlns:a="http://schemas.openxmlformats.org/drawingml/2006/main" xmlns:r="http://schemas.openxmlformats.org/officeDocument/2006/relationships" xmlns:p="http://schemas.openxmlformats.org/presentationml/2006/main">
-  <p:cSld>
-    <p:spTree>
-      <p:nvGrpSpPr>
-        <p:cNvPr id="1" name=""/>
-        <p:cNvGrpSpPr/>
-        <p:nvPr/>
-      </p:nvGrpSpPr>
-      <p:grpSpPr>
-        <a:xfrm>
-          <a:off x="0" y="0"/>
-          <a:ext cx="0" cy="0"/>
-          <a:chOff x="0" y="0"/>
-          <a:chExt cx="0" cy="0"/>
-        </a:xfrm>
-      </p:grpSpPr>
-      <p:sp>
-        <p:nvSpPr>
-          <p:cNvPr id="4" name="标题 1"/>
-          <p:cNvSpPr txBox="1">
-            <a:spLocks/>
-          </p:cNvSpPr>
-          <p:nvPr/>
-        </p:nvSpPr>
-        <p:spPr>
-          <a:xfrm>
-            <a:off x="467544" y="195486"/>
-            <a:ext cx="8208912" cy="792087"/>
-          </a:xfrm>
-          <a:prstGeom prst="rect">
-            <a:avLst/>
-          </a:prstGeom>
-        </p:spPr>
-        <p:txBody>
-          <a:bodyPr vert="horz" lIns="91440" tIns="45720" rIns="91440" bIns="45720" rtlCol="0" anchor="ctr">
-            <a:normAutofit/>
-          </a:bodyPr>
-          <a:lstStyle>
-            <a:lvl1pPr algn="ctr" defTabSz="914400" rtl="0" eaLnBrk="1" latinLnBrk="0" hangingPunct="1">
-              <a:spcBef>
-                <a:spcPct val="0"/>
-              </a:spcBef>
-              <a:buNone/>
-              <a:defRPr sz="4400" kern="1200">
-                <a:solidFill>
-                  <a:schemeClr val="tx1"/>
-                </a:solidFill>
-                <a:latin typeface="+mj-lt"/>
-                <a:ea typeface="+mj-ea"/>
-                <a:cs typeface="+mj-cs"/>
-              </a:defRPr>
-            </a:lvl1pPr>
-          </a:lstStyle>
-          <a:p>
-            <a:pPr algn="l"/>
-            <a:r>
-              <a:rPr lang="zh-CN" altLang="en-US" sz="1800" b="1" dirty="0"/>
-              <a:t>经验与教训</a:t>
-            </a:r>
-            <a:endParaRPr lang="zh-CN" altLang="en-US" sz="1800" b="1" dirty="0">
-              <a:solidFill>
-                <a:schemeClr val="tx1">
-                  <a:lumMod val="75000"/>
-                  <a:lumOff val="25000"/>
-                </a:schemeClr>
-              </a:solidFill>
-              <a:latin typeface="微软雅黑" panose="020B0503020204020204" pitchFamily="34" charset="-122"/>
-              <a:ea typeface="微软雅黑" panose="020B0503020204020204" pitchFamily="34" charset="-122"/>
-            </a:endParaRPr>
-          </a:p>
-        </p:txBody>
-      </p:sp>
-      <p:sp>
-        <p:nvSpPr>
-          <p:cNvPr id="2" name="文本框 1"/>
-          <p:cNvSpPr txBox="1"/>
-          <p:nvPr/>
-        </p:nvSpPr>
-        <p:spPr>
-          <a:xfrm>
-            <a:off x="611560" y="2809260"/>
-            <a:ext cx="8064896" cy="369332"/>
-          </a:xfrm>
-          <a:prstGeom prst="rect">
-            <a:avLst/>
-          </a:prstGeom>
-          <a:noFill/>
-        </p:spPr>
-        <p:txBody>
-          <a:bodyPr wrap="square" rtlCol="0">
-            <a:spAutoFit/>
-          </a:bodyPr>
-          <a:lstStyle/>
-          <a:p>
-            <a:endParaRPr lang="zh-CN" altLang="en-US" dirty="0"/>
-          </a:p>
-        </p:txBody>
-      </p:sp>
-      <p:sp>
-        <p:nvSpPr>
-          <p:cNvPr id="8" name="内容占位符 2"/>
-          <p:cNvSpPr txBox="1">
-            <a:spLocks/>
-          </p:cNvSpPr>
-          <p:nvPr/>
-        </p:nvSpPr>
-        <p:spPr bwMode="auto">
-          <a:xfrm>
-            <a:off x="446996" y="1000169"/>
-            <a:ext cx="8229460" cy="3875837"/>
-          </a:xfrm>
-          <a:prstGeom prst="rect">
-            <a:avLst/>
-          </a:prstGeom>
-          <a:noFill/>
-          <a:ln>
-            <a:noFill/>
-          </a:ln>
-          <a:extLst>
-            <a:ext uri="{909E8E84-426E-40DD-AFC4-6F175D3DCCD1}">
-              <a14:hiddenFill xmlns:a14="http://schemas.microsoft.com/office/drawing/2010/main">
-                <a:solidFill>
-                  <a:srgbClr val="FFFFFF"/>
-                </a:solidFill>
-              </a14:hiddenFill>
-            </a:ext>
-            <a:ext uri="{91240B29-F687-4F45-9708-019B960494DF}">
-              <a14:hiddenLine xmlns:a14="http://schemas.microsoft.com/office/drawing/2010/main" w="9525">
-                <a:solidFill>
-                  <a:srgbClr val="000000"/>
-                </a:solidFill>
-                <a:miter lim="800000"/>
-                <a:headEnd/>
-                <a:tailEnd/>
-              </a14:hiddenLine>
-            </a:ext>
-          </a:extLst>
-        </p:spPr>
-        <p:txBody>
-          <a:bodyPr vert="horz" wrap="square" lIns="91440" tIns="45720" rIns="91440" bIns="45720" numCol="1" anchor="t" anchorCtr="0" compatLnSpc="1">
-            <a:prstTxWarp prst="textNoShape">
-              <a:avLst/>
-            </a:prstTxWarp>
-          </a:bodyPr>
-          <a:lstStyle>
-            <a:lvl1pPr marL="342900" indent="-342900" algn="l" rtl="0" eaLnBrk="1" fontAlgn="base" hangingPunct="1">
-              <a:lnSpc>
-                <a:spcPct val="120000"/>
-              </a:lnSpc>
-              <a:spcBef>
-                <a:spcPct val="20000"/>
-              </a:spcBef>
-              <a:spcAft>
-                <a:spcPct val="0"/>
-              </a:spcAft>
-              <a:buClr>
-                <a:srgbClr val="FF0000"/>
-              </a:buClr>
-              <a:buFont typeface="Wingdings" panose="05000000000000000000" pitchFamily="2" charset="2"/>
-              <a:buChar char="n"/>
-              <a:defRPr sz="2600">
-                <a:solidFill>
-                  <a:schemeClr val="tx1"/>
-                </a:solidFill>
-                <a:latin typeface="+mn-lt"/>
-                <a:ea typeface="+mn-ea"/>
-                <a:cs typeface="+mn-cs"/>
-              </a:defRPr>
-            </a:lvl1pPr>
-            <a:lvl2pPr marL="742950" indent="-285750" algn="l" rtl="0" eaLnBrk="1" fontAlgn="base" hangingPunct="1">
-              <a:lnSpc>
-                <a:spcPct val="120000"/>
-              </a:lnSpc>
-              <a:spcBef>
-                <a:spcPct val="20000"/>
-              </a:spcBef>
-              <a:spcAft>
-                <a:spcPct val="0"/>
-              </a:spcAft>
-              <a:buClr>
-                <a:srgbClr val="FF0000"/>
-              </a:buClr>
-              <a:buFont typeface="Wingdings" panose="05000000000000000000" pitchFamily="2" charset="2"/>
-              <a:buChar char="p"/>
-              <a:defRPr sz="2200">
-                <a:solidFill>
-                  <a:schemeClr val="tx1"/>
-                </a:solidFill>
-                <a:latin typeface="+mn-lt"/>
-                <a:ea typeface="+mn-ea"/>
-              </a:defRPr>
-            </a:lvl2pPr>
-            <a:lvl3pPr marL="1143000" indent="-228600" algn="l" rtl="0" eaLnBrk="1" fontAlgn="base" hangingPunct="1">
-              <a:lnSpc>
-                <a:spcPct val="120000"/>
-              </a:lnSpc>
-              <a:spcBef>
-                <a:spcPct val="20000"/>
-              </a:spcBef>
-              <a:spcAft>
-                <a:spcPct val="0"/>
-              </a:spcAft>
-              <a:buClr>
-                <a:srgbClr val="FF0000"/>
-              </a:buClr>
-              <a:buFont typeface="Wingdings" panose="05000000000000000000" pitchFamily="2" charset="2"/>
-              <a:buChar char="Ø"/>
-              <a:defRPr sz="2400">
-                <a:solidFill>
-                  <a:schemeClr val="tx1"/>
-                </a:solidFill>
-                <a:latin typeface="+mn-lt"/>
-                <a:ea typeface="+mn-ea"/>
-              </a:defRPr>
-            </a:lvl3pPr>
-            <a:lvl4pPr marL="1600200" indent="-228600" algn="l" rtl="0" eaLnBrk="1" fontAlgn="base" hangingPunct="1">
-              <a:lnSpc>
-                <a:spcPct val="120000"/>
-              </a:lnSpc>
-              <a:spcBef>
-                <a:spcPct val="20000"/>
-              </a:spcBef>
-              <a:spcAft>
-                <a:spcPct val="0"/>
-              </a:spcAft>
-              <a:buClr>
-                <a:srgbClr val="FF0000"/>
-              </a:buClr>
-              <a:buFont typeface="Wingdings" panose="05000000000000000000" pitchFamily="2" charset="2"/>
-              <a:buChar char="§"/>
-              <a:defRPr sz="1600">
-                <a:solidFill>
-                  <a:schemeClr val="tx1"/>
-                </a:solidFill>
-                <a:latin typeface="+mn-lt"/>
-                <a:ea typeface="+mn-ea"/>
-              </a:defRPr>
-            </a:lvl4pPr>
-            <a:lvl5pPr marL="2057400" indent="-228600" algn="l" rtl="0" eaLnBrk="1" fontAlgn="base" hangingPunct="1">
-              <a:lnSpc>
-                <a:spcPct val="120000"/>
-              </a:lnSpc>
-              <a:spcBef>
-                <a:spcPct val="20000"/>
-              </a:spcBef>
-              <a:spcAft>
-                <a:spcPct val="0"/>
-              </a:spcAft>
-              <a:buClr>
-                <a:srgbClr val="FF0000"/>
-              </a:buClr>
-              <a:buFont typeface="Arial" panose="020B0604020202020204" pitchFamily="34" charset="0"/>
-              <a:buChar char="-"/>
-              <a:defRPr sz="1400">
-                <a:solidFill>
-                  <a:schemeClr val="tx1"/>
-                </a:solidFill>
-                <a:latin typeface="+mn-lt"/>
-                <a:ea typeface="+mn-ea"/>
-              </a:defRPr>
-            </a:lvl5pPr>
-            <a:lvl6pPr marL="2514600" indent="-228600" algn="l" rtl="0" eaLnBrk="1" fontAlgn="base" hangingPunct="1">
-              <a:lnSpc>
-                <a:spcPct val="120000"/>
-              </a:lnSpc>
-              <a:spcBef>
-                <a:spcPct val="20000"/>
-              </a:spcBef>
-              <a:spcAft>
-                <a:spcPct val="0"/>
-              </a:spcAft>
-              <a:buClr>
-                <a:srgbClr val="FF0000"/>
-              </a:buClr>
-              <a:buFont typeface="Arial" charset="0"/>
-              <a:buChar char="-"/>
-              <a:defRPr sz="1400">
-                <a:solidFill>
-                  <a:schemeClr val="tx1"/>
-                </a:solidFill>
-                <a:latin typeface="+mn-lt"/>
-                <a:ea typeface="+mn-ea"/>
-              </a:defRPr>
-            </a:lvl6pPr>
-            <a:lvl7pPr marL="2971800" indent="-228600" algn="l" rtl="0" eaLnBrk="1" fontAlgn="base" hangingPunct="1">
-              <a:lnSpc>
-                <a:spcPct val="120000"/>
-              </a:lnSpc>
-              <a:spcBef>
-                <a:spcPct val="20000"/>
-              </a:spcBef>
-              <a:spcAft>
-                <a:spcPct val="0"/>
-              </a:spcAft>
-              <a:buClr>
-                <a:srgbClr val="FF0000"/>
-              </a:buClr>
-              <a:buFont typeface="Arial" charset="0"/>
-              <a:buChar char="-"/>
-              <a:defRPr sz="1400">
-                <a:solidFill>
-                  <a:schemeClr val="tx1"/>
-                </a:solidFill>
-                <a:latin typeface="+mn-lt"/>
-                <a:ea typeface="+mn-ea"/>
-              </a:defRPr>
-            </a:lvl7pPr>
-            <a:lvl8pPr marL="3429000" indent="-228600" algn="l" rtl="0" eaLnBrk="1" fontAlgn="base" hangingPunct="1">
-              <a:lnSpc>
-                <a:spcPct val="120000"/>
-              </a:lnSpc>
-              <a:spcBef>
-                <a:spcPct val="20000"/>
-              </a:spcBef>
-              <a:spcAft>
-                <a:spcPct val="0"/>
-              </a:spcAft>
-              <a:buClr>
-                <a:srgbClr val="FF0000"/>
-              </a:buClr>
-              <a:buFont typeface="Arial" charset="0"/>
-              <a:buChar char="-"/>
-              <a:defRPr sz="1400">
-                <a:solidFill>
-                  <a:schemeClr val="tx1"/>
-                </a:solidFill>
-                <a:latin typeface="+mn-lt"/>
-                <a:ea typeface="+mn-ea"/>
-              </a:defRPr>
-            </a:lvl8pPr>
-            <a:lvl9pPr marL="3886200" indent="-228600" algn="l" rtl="0" eaLnBrk="1" fontAlgn="base" hangingPunct="1">
-              <a:lnSpc>
-                <a:spcPct val="120000"/>
-              </a:lnSpc>
-              <a:spcBef>
-                <a:spcPct val="20000"/>
-              </a:spcBef>
-              <a:spcAft>
-                <a:spcPct val="0"/>
-              </a:spcAft>
-              <a:buClr>
-                <a:srgbClr val="FF0000"/>
-              </a:buClr>
-              <a:buFont typeface="Arial" charset="0"/>
-              <a:buChar char="-"/>
-              <a:defRPr sz="1400">
-                <a:solidFill>
-                  <a:schemeClr val="tx1"/>
-                </a:solidFill>
-                <a:latin typeface="+mn-lt"/>
-                <a:ea typeface="+mn-ea"/>
-              </a:defRPr>
-            </a:lvl9pPr>
-          </a:lstStyle>
-          <a:p>
-            <a:r>
-              <a:rPr lang="zh-CN" altLang="en-US" sz="1800" dirty="0">
-                <a:latin typeface="微软雅黑" panose="020B0503020204020204" pitchFamily="34" charset="-122"/>
-                <a:ea typeface="微软雅黑" panose="020B0503020204020204" pitchFamily="34" charset="-122"/>
-              </a:rPr>
-              <a:t>经验</a:t>
-            </a:r>
-            <a:endParaRPr lang="en-US" altLang="zh-CN" sz="1800" dirty="0">
-              <a:latin typeface="微软雅黑" panose="020B0503020204020204" pitchFamily="34" charset="-122"/>
-              <a:ea typeface="微软雅黑" panose="020B0503020204020204" pitchFamily="34" charset="-122"/>
-            </a:endParaRPr>
-          </a:p>
-          <a:p>
-            <a:pPr marL="0" indent="0">
-              <a:buNone/>
-            </a:pPr>
-            <a:r>
-              <a:rPr lang="zh-CN" altLang="en-US" sz="1800" dirty="0">
-                <a:latin typeface="微软雅黑" panose="020B0503020204020204" pitchFamily="34" charset="-122"/>
-                <a:ea typeface="微软雅黑" panose="020B0503020204020204" pitchFamily="34" charset="-122"/>
-              </a:rPr>
-              <a:t>（列举自己在试用期期间取得了怎样的成绩；为了获得这些成绩，采取了哪些方法、措施；不同的方法，有怎样的效果</a:t>
-            </a:r>
-            <a:r>
-              <a:rPr lang="zh-CN" altLang="en-US" sz="1800" dirty="0" smtClean="0">
-                <a:latin typeface="微软雅黑" panose="020B0503020204020204" pitchFamily="34" charset="-122"/>
-                <a:ea typeface="微软雅黑" panose="020B0503020204020204" pitchFamily="34" charset="-122"/>
-              </a:rPr>
-              <a:t>）</a:t>
-            </a:r>
-            <a:endParaRPr lang="en-US" altLang="zh-CN" sz="1800" dirty="0" smtClean="0">
-              <a:latin typeface="微软雅黑" panose="020B0503020204020204" pitchFamily="34" charset="-122"/>
-              <a:ea typeface="微软雅黑" panose="020B0503020204020204" pitchFamily="34" charset="-122"/>
-            </a:endParaRPr>
-          </a:p>
-          <a:p>
-            <a:pPr marL="0" indent="0">
-              <a:buNone/>
-            </a:pPr>
-            <a:endParaRPr lang="en-US" altLang="zh-CN" sz="1800" dirty="0">
-              <a:latin typeface="微软雅黑" panose="020B0503020204020204" pitchFamily="34" charset="-122"/>
-              <a:ea typeface="微软雅黑" panose="020B0503020204020204" pitchFamily="34" charset="-122"/>
-            </a:endParaRPr>
-          </a:p>
-          <a:p>
-            <a:pPr marL="0" indent="0">
-              <a:buNone/>
-            </a:pPr>
-            <a:endParaRPr lang="en-US" altLang="zh-CN" sz="1800" dirty="0" smtClean="0">
-              <a:latin typeface="微软雅黑" panose="020B0503020204020204" pitchFamily="34" charset="-122"/>
-              <a:ea typeface="微软雅黑" panose="020B0503020204020204" pitchFamily="34" charset="-122"/>
-            </a:endParaRPr>
-          </a:p>
-          <a:p>
-            <a:r>
-              <a:rPr lang="zh-CN" altLang="en-US" sz="1800" dirty="0" smtClean="0">
-                <a:latin typeface="微软雅黑" panose="020B0503020204020204" pitchFamily="34" charset="-122"/>
-                <a:ea typeface="微软雅黑" panose="020B0503020204020204" pitchFamily="34" charset="-122"/>
-              </a:rPr>
-              <a:t>教训</a:t>
-            </a:r>
-            <a:endParaRPr lang="en-US" altLang="zh-CN" sz="1800" dirty="0" smtClean="0">
-              <a:latin typeface="微软雅黑" panose="020B0503020204020204" pitchFamily="34" charset="-122"/>
-              <a:ea typeface="微软雅黑" panose="020B0503020204020204" pitchFamily="34" charset="-122"/>
-            </a:endParaRPr>
-          </a:p>
-          <a:p>
-            <a:pPr marL="0" indent="0">
-              <a:buNone/>
-            </a:pPr>
-            <a:r>
-              <a:rPr lang="zh-CN" altLang="en-US" sz="1800" dirty="0" smtClean="0">
-                <a:latin typeface="微软雅黑" panose="020B0503020204020204" pitchFamily="34" charset="-122"/>
-                <a:ea typeface="微软雅黑" panose="020B0503020204020204" pitchFamily="34" charset="-122"/>
-              </a:rPr>
-              <a:t>（</a:t>
-            </a:r>
-            <a:r>
-              <a:rPr lang="zh-CN" altLang="en-US" sz="1800" dirty="0">
-                <a:latin typeface="微软雅黑" panose="020B0503020204020204" pitchFamily="34" charset="-122"/>
-                <a:ea typeface="微软雅黑" panose="020B0503020204020204" pitchFamily="34" charset="-122"/>
-              </a:rPr>
-              <a:t>列举自己在试用期期间经历过怎样的教训；是怎样的行为导致犯错；如何避免再犯此类错误）</a:t>
-            </a:r>
-          </a:p>
-          <a:p>
-            <a:pPr marL="0" indent="0">
-              <a:buNone/>
-            </a:pPr>
-            <a:endParaRPr lang="zh-CN" altLang="en-US" sz="1800" dirty="0"/>
-          </a:p>
-        </p:txBody>
-      </p:sp>
-    </p:spTree>
-    <p:extLst>
-      <p:ext uri="{BB962C8B-B14F-4D97-AF65-F5344CB8AC3E}">
-        <p14:creationId xmlns:p14="http://schemas.microsoft.com/office/powerpoint/2010/main" val="3189414570"/>
-      </p:ext>
-    </p:extLst>
-  </p:cSld>
-  <p:clrMapOvr>
-    <a:masterClrMapping/>
-  </p:clrMapOvr>
-</p:sld>
-</file>
-
-<file path=ppt/slides/slide13.xml><?xml version="1.0" encoding="utf-8"?>
-<p:sld xmlns:a="http://schemas.openxmlformats.org/drawingml/2006/main" xmlns:r="http://schemas.openxmlformats.org/officeDocument/2006/relationships" xmlns:p="http://schemas.openxmlformats.org/presentationml/2006/main">
-  <p:cSld>
-    <p:spTree>
-      <p:nvGrpSpPr>
-        <p:cNvPr id="1" name=""/>
-        <p:cNvGrpSpPr/>
-        <p:nvPr/>
-      </p:nvGrpSpPr>
-      <p:grpSpPr>
-        <a:xfrm>
-          <a:off x="0" y="0"/>
-          <a:ext cx="0" cy="0"/>
-          <a:chOff x="0" y="0"/>
-          <a:chExt cx="0" cy="0"/>
-        </a:xfrm>
-      </p:grpSpPr>
-      <p:sp>
-        <p:nvSpPr>
-          <p:cNvPr id="4" name="标题 1"/>
-          <p:cNvSpPr txBox="1">
-            <a:spLocks/>
-          </p:cNvSpPr>
-          <p:nvPr/>
-        </p:nvSpPr>
-        <p:spPr>
-          <a:xfrm>
-            <a:off x="467544" y="195486"/>
-            <a:ext cx="8208912" cy="792087"/>
-          </a:xfrm>
-          <a:prstGeom prst="rect">
-            <a:avLst/>
-          </a:prstGeom>
-        </p:spPr>
-        <p:txBody>
-          <a:bodyPr vert="horz" lIns="91440" tIns="45720" rIns="91440" bIns="45720" rtlCol="0" anchor="ctr">
-            <a:normAutofit/>
-          </a:bodyPr>
-          <a:lstStyle>
-            <a:lvl1pPr algn="ctr" defTabSz="914400" rtl="0" eaLnBrk="1" latinLnBrk="0" hangingPunct="1">
-              <a:spcBef>
-                <a:spcPct val="0"/>
-              </a:spcBef>
-              <a:buNone/>
-              <a:defRPr sz="4400" kern="1200">
-                <a:solidFill>
-                  <a:schemeClr val="tx1"/>
-                </a:solidFill>
-                <a:latin typeface="+mj-lt"/>
-                <a:ea typeface="+mj-ea"/>
-                <a:cs typeface="+mj-cs"/>
-              </a:defRPr>
-            </a:lvl1pPr>
-          </a:lstStyle>
-          <a:p>
-            <a:pPr algn="l"/>
-            <a:r>
-              <a:rPr lang="zh-CN" altLang="en-US" sz="1800" b="1" dirty="0"/>
-              <a:t>自我评价（可参考</a:t>
-            </a:r>
-            <a:r>
-              <a:rPr lang="en-US" altLang="zh-CN" sz="1800" b="1" dirty="0"/>
-              <a:t>SWOT</a:t>
-            </a:r>
-            <a:r>
-              <a:rPr lang="zh-CN" altLang="en-US" sz="1800" b="1" dirty="0"/>
-              <a:t>分析法）</a:t>
-            </a:r>
-            <a:endParaRPr lang="zh-CN" altLang="en-US" sz="1800" b="1" dirty="0">
-              <a:solidFill>
-                <a:schemeClr val="tx1">
-                  <a:lumMod val="75000"/>
-                  <a:lumOff val="25000"/>
-                </a:schemeClr>
-              </a:solidFill>
-              <a:latin typeface="微软雅黑" panose="020B0503020204020204" pitchFamily="34" charset="-122"/>
-              <a:ea typeface="微软雅黑" panose="020B0503020204020204" pitchFamily="34" charset="-122"/>
-            </a:endParaRPr>
-          </a:p>
-        </p:txBody>
-      </p:sp>
-      <p:sp>
-        <p:nvSpPr>
-          <p:cNvPr id="2" name="文本框 1"/>
-          <p:cNvSpPr txBox="1"/>
-          <p:nvPr/>
-        </p:nvSpPr>
-        <p:spPr>
-          <a:xfrm>
-            <a:off x="611560" y="2809260"/>
-            <a:ext cx="8064896" cy="369332"/>
-          </a:xfrm>
-          <a:prstGeom prst="rect">
-            <a:avLst/>
-          </a:prstGeom>
-          <a:noFill/>
-        </p:spPr>
-        <p:txBody>
-          <a:bodyPr wrap="square" rtlCol="0">
-            <a:spAutoFit/>
-          </a:bodyPr>
-          <a:lstStyle/>
-          <a:p>
-            <a:endParaRPr lang="zh-CN" altLang="en-US" dirty="0"/>
-          </a:p>
-        </p:txBody>
-      </p:sp>
-      <p:sp>
-        <p:nvSpPr>
-          <p:cNvPr id="6" name="内容占位符 2"/>
-          <p:cNvSpPr txBox="1">
-            <a:spLocks/>
-          </p:cNvSpPr>
-          <p:nvPr/>
-        </p:nvSpPr>
-        <p:spPr bwMode="auto">
-          <a:xfrm>
-            <a:off x="475240" y="986565"/>
-            <a:ext cx="3531681" cy="3888433"/>
-          </a:xfrm>
-          <a:prstGeom prst="rect">
-            <a:avLst/>
-          </a:prstGeom>
-          <a:solidFill>
-            <a:sysClr val="window" lastClr="FFFFFF"/>
-          </a:solidFill>
-          <a:ln w="25400" cap="flat" cmpd="sng" algn="ctr">
-            <a:solidFill>
-              <a:srgbClr val="4BACC6"/>
-            </a:solidFill>
-            <a:prstDash val="solid"/>
-          </a:ln>
-          <a:effectLst/>
-          <a:extLst/>
-        </p:spPr>
-        <p:txBody>
-          <a:bodyPr vert="horz" wrap="square" lIns="91440" tIns="45720" rIns="91440" bIns="45720" numCol="1" anchor="t" anchorCtr="0" compatLnSpc="1">
-            <a:prstTxWarp prst="textNoShape">
-              <a:avLst/>
-            </a:prstTxWarp>
-          </a:bodyPr>
-          <a:lstStyle>
-            <a:lvl1pPr marL="342900" indent="-342900" algn="l" rtl="0" eaLnBrk="1" fontAlgn="base" hangingPunct="1">
-              <a:lnSpc>
-                <a:spcPct val="120000"/>
-              </a:lnSpc>
-              <a:spcBef>
-                <a:spcPct val="20000"/>
-              </a:spcBef>
-              <a:spcAft>
-                <a:spcPct val="0"/>
-              </a:spcAft>
-              <a:buClr>
-                <a:srgbClr val="FF0000"/>
-              </a:buClr>
-              <a:buFont typeface="Wingdings" panose="05000000000000000000" pitchFamily="2" charset="2"/>
-              <a:buChar char="n"/>
-              <a:defRPr sz="2600">
-                <a:solidFill>
-                  <a:schemeClr val="dk1"/>
-                </a:solidFill>
-                <a:latin typeface="+mn-lt"/>
-                <a:ea typeface="+mn-ea"/>
-                <a:cs typeface="+mn-cs"/>
-              </a:defRPr>
-            </a:lvl1pPr>
-            <a:lvl2pPr marL="742950" indent="-285750" algn="l" rtl="0" eaLnBrk="1" fontAlgn="base" hangingPunct="1">
-              <a:lnSpc>
-                <a:spcPct val="120000"/>
-              </a:lnSpc>
-              <a:spcBef>
-                <a:spcPct val="20000"/>
-              </a:spcBef>
-              <a:spcAft>
-                <a:spcPct val="0"/>
-              </a:spcAft>
-              <a:buClr>
-                <a:srgbClr val="FF0000"/>
-              </a:buClr>
-              <a:buFont typeface="Wingdings" panose="05000000000000000000" pitchFamily="2" charset="2"/>
-              <a:buChar char="p"/>
-              <a:defRPr sz="2200">
-                <a:solidFill>
-                  <a:schemeClr val="dk1"/>
-                </a:solidFill>
-                <a:latin typeface="+mn-lt"/>
-                <a:ea typeface="+mn-ea"/>
-                <a:cs typeface="+mn-cs"/>
-              </a:defRPr>
-            </a:lvl2pPr>
-            <a:lvl3pPr marL="1143000" indent="-228600" algn="l" rtl="0" eaLnBrk="1" fontAlgn="base" hangingPunct="1">
-              <a:lnSpc>
-                <a:spcPct val="120000"/>
-              </a:lnSpc>
-              <a:spcBef>
-                <a:spcPct val="20000"/>
-              </a:spcBef>
-              <a:spcAft>
-                <a:spcPct val="0"/>
-              </a:spcAft>
-              <a:buClr>
-                <a:srgbClr val="FF0000"/>
-              </a:buClr>
-              <a:buFont typeface="Wingdings" panose="05000000000000000000" pitchFamily="2" charset="2"/>
-              <a:buChar char="Ø"/>
-              <a:defRPr sz="2400">
-                <a:solidFill>
-                  <a:schemeClr val="dk1"/>
-                </a:solidFill>
-                <a:latin typeface="+mn-lt"/>
-                <a:ea typeface="+mn-ea"/>
-                <a:cs typeface="+mn-cs"/>
-              </a:defRPr>
-            </a:lvl3pPr>
-            <a:lvl4pPr marL="1600200" indent="-228600" algn="l" rtl="0" eaLnBrk="1" fontAlgn="base" hangingPunct="1">
-              <a:lnSpc>
-                <a:spcPct val="120000"/>
-              </a:lnSpc>
-              <a:spcBef>
-                <a:spcPct val="20000"/>
-              </a:spcBef>
-              <a:spcAft>
-                <a:spcPct val="0"/>
-              </a:spcAft>
-              <a:buClr>
-                <a:srgbClr val="FF0000"/>
-              </a:buClr>
-              <a:buFont typeface="Wingdings" panose="05000000000000000000" pitchFamily="2" charset="2"/>
-              <a:buChar char="§"/>
-              <a:defRPr sz="1600">
-                <a:solidFill>
-                  <a:schemeClr val="dk1"/>
-                </a:solidFill>
-                <a:latin typeface="+mn-lt"/>
-                <a:ea typeface="+mn-ea"/>
-                <a:cs typeface="+mn-cs"/>
-              </a:defRPr>
-            </a:lvl4pPr>
-            <a:lvl5pPr marL="2057400" indent="-228600" algn="l" rtl="0" eaLnBrk="1" fontAlgn="base" hangingPunct="1">
-              <a:lnSpc>
-                <a:spcPct val="120000"/>
-              </a:lnSpc>
-              <a:spcBef>
-                <a:spcPct val="20000"/>
-              </a:spcBef>
-              <a:spcAft>
-                <a:spcPct val="0"/>
-              </a:spcAft>
-              <a:buClr>
-                <a:srgbClr val="FF0000"/>
-              </a:buClr>
-              <a:buFont typeface="Arial" panose="020B0604020202020204" pitchFamily="34" charset="0"/>
-              <a:buChar char="-"/>
-              <a:defRPr sz="1400">
-                <a:solidFill>
-                  <a:schemeClr val="dk1"/>
-                </a:solidFill>
-                <a:latin typeface="+mn-lt"/>
-                <a:ea typeface="+mn-ea"/>
-                <a:cs typeface="+mn-cs"/>
-              </a:defRPr>
-            </a:lvl5pPr>
-            <a:lvl6pPr marL="2514600" indent="-228600" algn="l" rtl="0" eaLnBrk="1" fontAlgn="base" hangingPunct="1">
-              <a:lnSpc>
-                <a:spcPct val="120000"/>
-              </a:lnSpc>
-              <a:spcBef>
-                <a:spcPct val="20000"/>
-              </a:spcBef>
-              <a:spcAft>
-                <a:spcPct val="0"/>
-              </a:spcAft>
-              <a:buClr>
-                <a:srgbClr val="FF0000"/>
-              </a:buClr>
-              <a:buFont typeface="Arial" charset="0"/>
-              <a:buChar char="-"/>
-              <a:defRPr sz="1400">
-                <a:solidFill>
-                  <a:schemeClr val="dk1"/>
-                </a:solidFill>
-                <a:latin typeface="+mn-lt"/>
-                <a:ea typeface="+mn-ea"/>
-                <a:cs typeface="+mn-cs"/>
-              </a:defRPr>
-            </a:lvl6pPr>
-            <a:lvl7pPr marL="2971800" indent="-228600" algn="l" rtl="0" eaLnBrk="1" fontAlgn="base" hangingPunct="1">
-              <a:lnSpc>
-                <a:spcPct val="120000"/>
-              </a:lnSpc>
-              <a:spcBef>
-                <a:spcPct val="20000"/>
-              </a:spcBef>
-              <a:spcAft>
-                <a:spcPct val="0"/>
-              </a:spcAft>
-              <a:buClr>
-                <a:srgbClr val="FF0000"/>
-              </a:buClr>
-              <a:buFont typeface="Arial" charset="0"/>
-              <a:buChar char="-"/>
-              <a:defRPr sz="1400">
-                <a:solidFill>
-                  <a:schemeClr val="dk1"/>
-                </a:solidFill>
-                <a:latin typeface="+mn-lt"/>
-                <a:ea typeface="+mn-ea"/>
-                <a:cs typeface="+mn-cs"/>
-              </a:defRPr>
-            </a:lvl7pPr>
-            <a:lvl8pPr marL="3429000" indent="-228600" algn="l" rtl="0" eaLnBrk="1" fontAlgn="base" hangingPunct="1">
-              <a:lnSpc>
-                <a:spcPct val="120000"/>
-              </a:lnSpc>
-              <a:spcBef>
-                <a:spcPct val="20000"/>
-              </a:spcBef>
-              <a:spcAft>
-                <a:spcPct val="0"/>
-              </a:spcAft>
-              <a:buClr>
-                <a:srgbClr val="FF0000"/>
-              </a:buClr>
-              <a:buFont typeface="Arial" charset="0"/>
-              <a:buChar char="-"/>
-              <a:defRPr sz="1400">
-                <a:solidFill>
-                  <a:schemeClr val="dk1"/>
-                </a:solidFill>
-                <a:latin typeface="+mn-lt"/>
-                <a:ea typeface="+mn-ea"/>
-                <a:cs typeface="+mn-cs"/>
-              </a:defRPr>
-            </a:lvl8pPr>
-            <a:lvl9pPr marL="3886200" indent="-228600" algn="l" rtl="0" eaLnBrk="1" fontAlgn="base" hangingPunct="1">
-              <a:lnSpc>
-                <a:spcPct val="120000"/>
-              </a:lnSpc>
-              <a:spcBef>
-                <a:spcPct val="20000"/>
-              </a:spcBef>
-              <a:spcAft>
-                <a:spcPct val="0"/>
-              </a:spcAft>
-              <a:buClr>
-                <a:srgbClr val="FF0000"/>
-              </a:buClr>
-              <a:buFont typeface="Arial" charset="0"/>
-              <a:buChar char="-"/>
-              <a:defRPr sz="1400">
-                <a:solidFill>
-                  <a:schemeClr val="dk1"/>
-                </a:solidFill>
-                <a:latin typeface="+mn-lt"/>
-                <a:ea typeface="+mn-ea"/>
-                <a:cs typeface="+mn-cs"/>
-              </a:defRPr>
-            </a:lvl9pPr>
-          </a:lstStyle>
-          <a:p>
-            <a:pPr marL="342900" marR="0" lvl="0" indent="-342900" algn="l" defTabSz="914400" rtl="0" eaLnBrk="1" fontAlgn="base" latinLnBrk="0" hangingPunct="1">
-              <a:lnSpc>
-                <a:spcPct val="120000"/>
-              </a:lnSpc>
-              <a:spcBef>
-                <a:spcPct val="20000"/>
-              </a:spcBef>
-              <a:spcAft>
-                <a:spcPct val="0"/>
-              </a:spcAft>
-              <a:buClr>
-                <a:srgbClr val="FF0000"/>
-              </a:buClr>
-              <a:buSzTx/>
-              <a:buFont typeface="Wingdings" panose="05000000000000000000" pitchFamily="2" charset="2"/>
-              <a:buChar char="l"/>
-              <a:tabLst/>
-              <a:defRPr/>
-            </a:pPr>
-            <a:r>
-              <a:rPr kumimoji="0" lang="zh-CN" altLang="en-US" sz="1800" b="0" i="0" u="none" strike="noStrike" kern="0" cap="none" spc="0" normalizeH="0" baseline="0" noProof="0" dirty="0" smtClean="0">
-                <a:ln>
-                  <a:noFill/>
-                </a:ln>
-                <a:solidFill>
-                  <a:sysClr val="windowText" lastClr="000000"/>
-                </a:solidFill>
-                <a:effectLst/>
-                <a:uLnTx/>
-                <a:uFillTx/>
-                <a:latin typeface="微软雅黑" panose="020B0503020204020204" pitchFamily="34" charset="-122"/>
-                <a:ea typeface="微软雅黑" panose="020B0503020204020204" pitchFamily="34" charset="-122"/>
-              </a:rPr>
-              <a:t>优势：</a:t>
-            </a:r>
-            <a:endParaRPr kumimoji="0" lang="en-US" altLang="zh-CN" sz="1800" b="0" i="0" u="none" strike="noStrike" kern="0" cap="none" spc="0" normalizeH="0" baseline="0" noProof="0" dirty="0" smtClean="0">
-              <a:ln>
-                <a:noFill/>
-              </a:ln>
-              <a:solidFill>
-                <a:sysClr val="windowText" lastClr="000000"/>
-              </a:solidFill>
-              <a:effectLst/>
-              <a:uLnTx/>
-              <a:uFillTx/>
-              <a:latin typeface="微软雅黑" panose="020B0503020204020204" pitchFamily="34" charset="-122"/>
-              <a:ea typeface="微软雅黑" panose="020B0503020204020204" pitchFamily="34" charset="-122"/>
-            </a:endParaRPr>
-          </a:p>
-          <a:p>
-            <a:pPr marL="0" marR="0" lvl="0" indent="0" algn="l" defTabSz="914400" rtl="0" eaLnBrk="1" fontAlgn="base" latinLnBrk="0" hangingPunct="1">
-              <a:lnSpc>
-                <a:spcPct val="120000"/>
-              </a:lnSpc>
-              <a:spcBef>
-                <a:spcPct val="20000"/>
-              </a:spcBef>
-              <a:spcAft>
-                <a:spcPct val="0"/>
-              </a:spcAft>
-              <a:buClr>
-                <a:srgbClr val="FF0000"/>
-              </a:buClr>
-              <a:buSzTx/>
-              <a:buFont typeface="Wingdings" panose="05000000000000000000" pitchFamily="2" charset="2"/>
-              <a:buNone/>
-              <a:tabLst/>
-              <a:defRPr/>
-            </a:pPr>
-            <a:r>
-              <a:rPr kumimoji="0" lang="zh-CN" altLang="en-US" sz="1800" b="0" i="0" u="none" strike="noStrike" kern="0" cap="none" spc="0" normalizeH="0" baseline="0" noProof="0" dirty="0" smtClean="0">
-                <a:ln>
-                  <a:noFill/>
-                </a:ln>
-                <a:solidFill>
-                  <a:sysClr val="windowText" lastClr="000000"/>
-                </a:solidFill>
-                <a:effectLst/>
-                <a:uLnTx/>
-                <a:uFillTx/>
-                <a:latin typeface="微软雅黑" panose="020B0503020204020204" pitchFamily="34" charset="-122"/>
-                <a:ea typeface="微软雅黑" panose="020B0503020204020204" pitchFamily="34" charset="-122"/>
-              </a:rPr>
-              <a:t>（内：自身的长处）</a:t>
-            </a:r>
-            <a:endParaRPr kumimoji="0" lang="en-US" altLang="zh-CN" sz="1800" b="0" i="0" u="none" strike="noStrike" kern="0" cap="none" spc="0" normalizeH="0" baseline="0" noProof="0" dirty="0" smtClean="0">
-              <a:ln>
-                <a:noFill/>
-              </a:ln>
-              <a:solidFill>
-                <a:sysClr val="windowText" lastClr="000000"/>
-              </a:solidFill>
-              <a:effectLst/>
-              <a:uLnTx/>
-              <a:uFillTx/>
-              <a:latin typeface="微软雅黑" panose="020B0503020204020204" pitchFamily="34" charset="-122"/>
-              <a:ea typeface="微软雅黑" panose="020B0503020204020204" pitchFamily="34" charset="-122"/>
-            </a:endParaRPr>
-          </a:p>
-          <a:p>
-            <a:pPr marL="342900" marR="0" lvl="0" indent="-342900" algn="l" defTabSz="914400" rtl="0" eaLnBrk="1" fontAlgn="base" latinLnBrk="0" hangingPunct="1">
-              <a:lnSpc>
-                <a:spcPct val="120000"/>
-              </a:lnSpc>
-              <a:spcBef>
-                <a:spcPct val="20000"/>
-              </a:spcBef>
-              <a:spcAft>
-                <a:spcPct val="0"/>
-              </a:spcAft>
-              <a:buClr>
-                <a:srgbClr val="FF0000"/>
-              </a:buClr>
-              <a:buSzTx/>
-              <a:buFont typeface="Wingdings" panose="05000000000000000000" pitchFamily="2" charset="2"/>
-              <a:buChar char="ü"/>
-              <a:tabLst/>
-              <a:defRPr/>
-            </a:pPr>
-            <a:r>
-              <a:rPr kumimoji="0" lang="en-US" altLang="zh-CN" sz="1800" b="0" i="0" u="none" strike="noStrike" kern="0" cap="none" spc="0" normalizeH="0" baseline="0" noProof="0" dirty="0" smtClean="0">
-                <a:ln>
-                  <a:noFill/>
-                </a:ln>
-                <a:solidFill>
-                  <a:sysClr val="windowText" lastClr="000000"/>
-                </a:solidFill>
-                <a:effectLst/>
-                <a:uLnTx/>
-                <a:uFillTx/>
-                <a:latin typeface="微软雅黑" panose="020B0503020204020204" pitchFamily="34" charset="-122"/>
-                <a:ea typeface="微软雅黑" panose="020B0503020204020204" pitchFamily="34" charset="-122"/>
-              </a:rPr>
-              <a:t> </a:t>
-            </a:r>
-          </a:p>
-          <a:p>
-            <a:pPr marL="342900" marR="0" lvl="0" indent="-342900" algn="l" defTabSz="914400" rtl="0" eaLnBrk="1" fontAlgn="base" latinLnBrk="0" hangingPunct="1">
-              <a:lnSpc>
-                <a:spcPct val="120000"/>
-              </a:lnSpc>
-              <a:spcBef>
-                <a:spcPct val="20000"/>
-              </a:spcBef>
-              <a:spcAft>
-                <a:spcPct val="0"/>
-              </a:spcAft>
-              <a:buClr>
-                <a:srgbClr val="FF0000"/>
-              </a:buClr>
-              <a:buSzTx/>
-              <a:buFont typeface="Wingdings" panose="05000000000000000000" pitchFamily="2" charset="2"/>
-              <a:buChar char="ü"/>
-              <a:tabLst/>
-              <a:defRPr/>
-            </a:pPr>
-            <a:r>
-              <a:rPr kumimoji="0" lang="en-US" altLang="zh-CN" sz="1800" b="0" i="0" u="none" strike="noStrike" kern="0" cap="none" spc="0" normalizeH="0" baseline="0" noProof="0" dirty="0" smtClean="0">
-                <a:ln>
-                  <a:noFill/>
-                </a:ln>
-                <a:solidFill>
-                  <a:sysClr val="windowText" lastClr="000000"/>
-                </a:solidFill>
-                <a:effectLst/>
-                <a:uLnTx/>
-                <a:uFillTx/>
-                <a:latin typeface="微软雅黑" panose="020B0503020204020204" pitchFamily="34" charset="-122"/>
-                <a:ea typeface="微软雅黑" panose="020B0503020204020204" pitchFamily="34" charset="-122"/>
-              </a:rPr>
-              <a:t> </a:t>
-            </a:r>
-          </a:p>
-          <a:p>
-            <a:pPr marL="342900" marR="0" lvl="0" indent="-342900" algn="l" defTabSz="914400" rtl="0" eaLnBrk="1" fontAlgn="base" latinLnBrk="0" hangingPunct="1">
-              <a:lnSpc>
-                <a:spcPct val="120000"/>
-              </a:lnSpc>
-              <a:spcBef>
-                <a:spcPct val="20000"/>
-              </a:spcBef>
-              <a:spcAft>
-                <a:spcPct val="0"/>
-              </a:spcAft>
-              <a:buClr>
-                <a:srgbClr val="FF0000"/>
-              </a:buClr>
-              <a:buSzTx/>
-              <a:buFont typeface="Wingdings" panose="05000000000000000000" pitchFamily="2" charset="2"/>
-              <a:buChar char="ü"/>
-              <a:tabLst/>
-              <a:defRPr/>
-            </a:pPr>
-            <a:r>
-              <a:rPr kumimoji="0" lang="en-US" altLang="zh-CN" sz="1800" b="0" i="0" u="none" strike="noStrike" kern="0" cap="none" spc="0" normalizeH="0" baseline="0" noProof="0" dirty="0" smtClean="0">
-                <a:ln>
-                  <a:noFill/>
-                </a:ln>
-                <a:solidFill>
-                  <a:sysClr val="windowText" lastClr="000000"/>
-                </a:solidFill>
-                <a:effectLst/>
-                <a:uLnTx/>
-                <a:uFillTx/>
-                <a:latin typeface="微软雅黑" panose="020B0503020204020204" pitchFamily="34" charset="-122"/>
-                <a:ea typeface="微软雅黑" panose="020B0503020204020204" pitchFamily="34" charset="-122"/>
-              </a:rPr>
-              <a:t> </a:t>
-            </a:r>
-          </a:p>
-          <a:p>
-            <a:pPr marL="342900" marR="0" lvl="0" indent="-342900" algn="l" defTabSz="914400" rtl="0" eaLnBrk="1" fontAlgn="base" latinLnBrk="0" hangingPunct="1">
-              <a:lnSpc>
-                <a:spcPct val="120000"/>
-              </a:lnSpc>
-              <a:spcBef>
-                <a:spcPct val="20000"/>
-              </a:spcBef>
-              <a:spcAft>
-                <a:spcPct val="0"/>
-              </a:spcAft>
-              <a:buClr>
-                <a:srgbClr val="FF0000"/>
-              </a:buClr>
-              <a:buSzTx/>
-              <a:buFont typeface="Wingdings" panose="05000000000000000000" pitchFamily="2" charset="2"/>
-              <a:buChar char="l"/>
-              <a:tabLst/>
-              <a:defRPr/>
-            </a:pPr>
-            <a:r>
-              <a:rPr kumimoji="0" lang="zh-CN" altLang="en-US" sz="1800" b="0" i="0" u="none" strike="noStrike" kern="0" cap="none" spc="0" normalizeH="0" baseline="0" noProof="0" dirty="0" smtClean="0">
-                <a:ln>
-                  <a:noFill/>
-                </a:ln>
-                <a:solidFill>
-                  <a:sysClr val="windowText" lastClr="000000"/>
-                </a:solidFill>
-                <a:effectLst/>
-                <a:uLnTx/>
-                <a:uFillTx/>
-                <a:latin typeface="微软雅黑" panose="020B0503020204020204" pitchFamily="34" charset="-122"/>
-                <a:ea typeface="微软雅黑" panose="020B0503020204020204" pitchFamily="34" charset="-122"/>
-              </a:rPr>
-              <a:t>不足：</a:t>
-            </a:r>
-            <a:endParaRPr kumimoji="0" lang="en-US" altLang="zh-CN" sz="1800" b="0" i="0" u="none" strike="noStrike" kern="0" cap="none" spc="0" normalizeH="0" baseline="0" noProof="0" dirty="0" smtClean="0">
-              <a:ln>
-                <a:noFill/>
-              </a:ln>
-              <a:solidFill>
-                <a:sysClr val="windowText" lastClr="000000"/>
-              </a:solidFill>
-              <a:effectLst/>
-              <a:uLnTx/>
-              <a:uFillTx/>
-              <a:latin typeface="微软雅黑" panose="020B0503020204020204" pitchFamily="34" charset="-122"/>
-              <a:ea typeface="微软雅黑" panose="020B0503020204020204" pitchFamily="34" charset="-122"/>
-            </a:endParaRPr>
-          </a:p>
-          <a:p>
-            <a:pPr marL="0" marR="0" lvl="0" indent="0" algn="l" defTabSz="914400" rtl="0" eaLnBrk="1" fontAlgn="base" latinLnBrk="0" hangingPunct="1">
-              <a:lnSpc>
-                <a:spcPct val="120000"/>
-              </a:lnSpc>
-              <a:spcBef>
-                <a:spcPct val="20000"/>
-              </a:spcBef>
-              <a:spcAft>
-                <a:spcPct val="0"/>
-              </a:spcAft>
-              <a:buClr>
-                <a:srgbClr val="FF0000"/>
-              </a:buClr>
-              <a:buSzTx/>
-              <a:buFont typeface="Wingdings" panose="05000000000000000000" pitchFamily="2" charset="2"/>
-              <a:buNone/>
-              <a:tabLst/>
-              <a:defRPr/>
-            </a:pPr>
-            <a:r>
-              <a:rPr kumimoji="0" lang="zh-CN" altLang="en-US" sz="1800" b="0" i="0" u="none" strike="noStrike" kern="0" cap="none" spc="0" normalizeH="0" baseline="0" noProof="0" dirty="0" smtClean="0">
-                <a:ln>
-                  <a:noFill/>
-                </a:ln>
-                <a:solidFill>
-                  <a:sysClr val="windowText" lastClr="000000"/>
-                </a:solidFill>
-                <a:effectLst/>
-                <a:uLnTx/>
-                <a:uFillTx/>
-                <a:latin typeface="微软雅黑" panose="020B0503020204020204" pitchFamily="34" charset="-122"/>
-                <a:ea typeface="微软雅黑" panose="020B0503020204020204" pitchFamily="34" charset="-122"/>
-              </a:rPr>
-              <a:t>（内：自身的不足）</a:t>
-            </a:r>
-            <a:endParaRPr kumimoji="0" lang="en-US" altLang="zh-CN" sz="1800" b="0" i="0" u="none" strike="noStrike" kern="0" cap="none" spc="0" normalizeH="0" baseline="0" noProof="0" dirty="0" smtClean="0">
-              <a:ln>
-                <a:noFill/>
-              </a:ln>
-              <a:solidFill>
-                <a:sysClr val="windowText" lastClr="000000"/>
-              </a:solidFill>
-              <a:effectLst/>
-              <a:uLnTx/>
-              <a:uFillTx/>
-              <a:latin typeface="微软雅黑" panose="020B0503020204020204" pitchFamily="34" charset="-122"/>
-              <a:ea typeface="微软雅黑" panose="020B0503020204020204" pitchFamily="34" charset="-122"/>
-            </a:endParaRPr>
-          </a:p>
-          <a:p>
-            <a:pPr marL="342900" marR="0" lvl="0" indent="-342900" algn="l" defTabSz="914400" rtl="0" eaLnBrk="1" fontAlgn="base" latinLnBrk="0" hangingPunct="1">
-              <a:lnSpc>
-                <a:spcPct val="120000"/>
-              </a:lnSpc>
-              <a:spcBef>
-                <a:spcPct val="20000"/>
-              </a:spcBef>
-              <a:spcAft>
-                <a:spcPct val="0"/>
-              </a:spcAft>
-              <a:buClr>
-                <a:srgbClr val="FF0000"/>
-              </a:buClr>
-              <a:buSzTx/>
-              <a:buFont typeface="Wingdings" panose="05000000000000000000" pitchFamily="2" charset="2"/>
-              <a:buChar char="ü"/>
-              <a:tabLst/>
-              <a:defRPr/>
-            </a:pPr>
-            <a:r>
-              <a:rPr kumimoji="0" lang="en-US" altLang="zh-CN" sz="1600" b="0" i="0" u="none" strike="noStrike" kern="0" cap="none" spc="0" normalizeH="0" baseline="0" noProof="0" dirty="0" smtClean="0">
-                <a:ln>
-                  <a:noFill/>
-                </a:ln>
-                <a:solidFill>
-                  <a:sysClr val="windowText" lastClr="000000"/>
-                </a:solidFill>
-                <a:effectLst/>
-                <a:uLnTx/>
-                <a:uFillTx/>
-                <a:latin typeface="微软雅黑"/>
-                <a:ea typeface="微软雅黑"/>
-                <a:cs typeface="+mn-cs"/>
-              </a:rPr>
-              <a:t> </a:t>
-            </a:r>
-          </a:p>
-          <a:p>
-            <a:pPr marL="342900" marR="0" lvl="0" indent="-342900" algn="l" defTabSz="914400" rtl="0" eaLnBrk="1" fontAlgn="base" latinLnBrk="0" hangingPunct="1">
-              <a:lnSpc>
-                <a:spcPct val="120000"/>
-              </a:lnSpc>
-              <a:spcBef>
-                <a:spcPct val="20000"/>
-              </a:spcBef>
-              <a:spcAft>
-                <a:spcPct val="0"/>
-              </a:spcAft>
-              <a:buClr>
-                <a:srgbClr val="FF0000"/>
-              </a:buClr>
-              <a:buSzTx/>
-              <a:buFont typeface="Wingdings" panose="05000000000000000000" pitchFamily="2" charset="2"/>
-              <a:buChar char="ü"/>
-              <a:tabLst/>
-              <a:defRPr/>
-            </a:pPr>
-            <a:r>
-              <a:rPr kumimoji="0" lang="en-US" altLang="zh-CN" sz="1600" b="0" i="0" u="none" strike="noStrike" kern="0" cap="none" spc="0" normalizeH="0" baseline="0" noProof="0" dirty="0" smtClean="0">
-                <a:ln>
-                  <a:noFill/>
-                </a:ln>
-                <a:solidFill>
-                  <a:sysClr val="windowText" lastClr="000000"/>
-                </a:solidFill>
-                <a:effectLst/>
-                <a:uLnTx/>
-                <a:uFillTx/>
-                <a:latin typeface="微软雅黑"/>
-                <a:ea typeface="微软雅黑"/>
-                <a:cs typeface="+mn-cs"/>
-              </a:rPr>
-              <a:t> </a:t>
-            </a:r>
-          </a:p>
-        </p:txBody>
-      </p:sp>
-      <p:sp>
-        <p:nvSpPr>
-          <p:cNvPr id="7" name="内容占位符 2"/>
-          <p:cNvSpPr txBox="1">
-            <a:spLocks/>
-          </p:cNvSpPr>
-          <p:nvPr/>
-        </p:nvSpPr>
-        <p:spPr bwMode="auto">
-          <a:xfrm>
-            <a:off x="4716016" y="986565"/>
-            <a:ext cx="3816424" cy="3889440"/>
-          </a:xfrm>
-          <a:prstGeom prst="rect">
-            <a:avLst/>
-          </a:prstGeom>
-          <a:solidFill>
-            <a:sysClr val="window" lastClr="FFFFFF"/>
-          </a:solidFill>
-          <a:ln w="25400" cap="flat" cmpd="sng" algn="ctr">
-            <a:solidFill>
-              <a:srgbClr val="4BACC6"/>
-            </a:solidFill>
-            <a:prstDash val="solid"/>
-          </a:ln>
-          <a:effectLst/>
-          <a:extLst/>
-        </p:spPr>
-        <p:txBody>
-          <a:bodyPr vert="horz" wrap="square" lIns="91440" tIns="45720" rIns="91440" bIns="45720" numCol="1" anchor="t" anchorCtr="0" compatLnSpc="1">
-            <a:prstTxWarp prst="textNoShape">
-              <a:avLst/>
-            </a:prstTxWarp>
-          </a:bodyPr>
-          <a:lstStyle>
-            <a:lvl1pPr marL="342900" indent="-342900" algn="l" rtl="0" eaLnBrk="1" fontAlgn="base" hangingPunct="1">
-              <a:lnSpc>
-                <a:spcPct val="120000"/>
-              </a:lnSpc>
-              <a:spcBef>
-                <a:spcPct val="20000"/>
-              </a:spcBef>
-              <a:spcAft>
-                <a:spcPct val="0"/>
-              </a:spcAft>
-              <a:buClr>
-                <a:srgbClr val="FF0000"/>
-              </a:buClr>
-              <a:buFont typeface="Wingdings" panose="05000000000000000000" pitchFamily="2" charset="2"/>
-              <a:buChar char="n"/>
-              <a:defRPr sz="2600">
-                <a:solidFill>
-                  <a:schemeClr val="dk1"/>
-                </a:solidFill>
-                <a:latin typeface="+mn-lt"/>
-                <a:ea typeface="+mn-ea"/>
-                <a:cs typeface="+mn-cs"/>
-              </a:defRPr>
-            </a:lvl1pPr>
-            <a:lvl2pPr marL="742950" indent="-285750" algn="l" rtl="0" eaLnBrk="1" fontAlgn="base" hangingPunct="1">
-              <a:lnSpc>
-                <a:spcPct val="120000"/>
-              </a:lnSpc>
-              <a:spcBef>
-                <a:spcPct val="20000"/>
-              </a:spcBef>
-              <a:spcAft>
-                <a:spcPct val="0"/>
-              </a:spcAft>
-              <a:buClr>
-                <a:srgbClr val="FF0000"/>
-              </a:buClr>
-              <a:buFont typeface="Wingdings" panose="05000000000000000000" pitchFamily="2" charset="2"/>
-              <a:buChar char="p"/>
-              <a:defRPr sz="2200">
-                <a:solidFill>
-                  <a:schemeClr val="dk1"/>
-                </a:solidFill>
-                <a:latin typeface="+mn-lt"/>
-                <a:ea typeface="+mn-ea"/>
-                <a:cs typeface="+mn-cs"/>
-              </a:defRPr>
-            </a:lvl2pPr>
-            <a:lvl3pPr marL="1143000" indent="-228600" algn="l" rtl="0" eaLnBrk="1" fontAlgn="base" hangingPunct="1">
-              <a:lnSpc>
-                <a:spcPct val="120000"/>
-              </a:lnSpc>
-              <a:spcBef>
-                <a:spcPct val="20000"/>
-              </a:spcBef>
-              <a:spcAft>
-                <a:spcPct val="0"/>
-              </a:spcAft>
-              <a:buClr>
-                <a:srgbClr val="FF0000"/>
-              </a:buClr>
-              <a:buFont typeface="Wingdings" panose="05000000000000000000" pitchFamily="2" charset="2"/>
-              <a:buChar char="Ø"/>
-              <a:defRPr sz="2400">
-                <a:solidFill>
-                  <a:schemeClr val="dk1"/>
-                </a:solidFill>
-                <a:latin typeface="+mn-lt"/>
-                <a:ea typeface="+mn-ea"/>
-                <a:cs typeface="+mn-cs"/>
-              </a:defRPr>
-            </a:lvl3pPr>
-            <a:lvl4pPr marL="1600200" indent="-228600" algn="l" rtl="0" eaLnBrk="1" fontAlgn="base" hangingPunct="1">
-              <a:lnSpc>
-                <a:spcPct val="120000"/>
-              </a:lnSpc>
-              <a:spcBef>
-                <a:spcPct val="20000"/>
-              </a:spcBef>
-              <a:spcAft>
-                <a:spcPct val="0"/>
-              </a:spcAft>
-              <a:buClr>
-                <a:srgbClr val="FF0000"/>
-              </a:buClr>
-              <a:buFont typeface="Wingdings" panose="05000000000000000000" pitchFamily="2" charset="2"/>
-              <a:buChar char="§"/>
-              <a:defRPr sz="1600">
-                <a:solidFill>
-                  <a:schemeClr val="dk1"/>
-                </a:solidFill>
-                <a:latin typeface="+mn-lt"/>
-                <a:ea typeface="+mn-ea"/>
-                <a:cs typeface="+mn-cs"/>
-              </a:defRPr>
-            </a:lvl4pPr>
-            <a:lvl5pPr marL="2057400" indent="-228600" algn="l" rtl="0" eaLnBrk="1" fontAlgn="base" hangingPunct="1">
-              <a:lnSpc>
-                <a:spcPct val="120000"/>
-              </a:lnSpc>
-              <a:spcBef>
-                <a:spcPct val="20000"/>
-              </a:spcBef>
-              <a:spcAft>
-                <a:spcPct val="0"/>
-              </a:spcAft>
-              <a:buClr>
-                <a:srgbClr val="FF0000"/>
-              </a:buClr>
-              <a:buFont typeface="Arial" panose="020B0604020202020204" pitchFamily="34" charset="0"/>
-              <a:buChar char="-"/>
-              <a:defRPr sz="1400">
-                <a:solidFill>
-                  <a:schemeClr val="dk1"/>
-                </a:solidFill>
-                <a:latin typeface="+mn-lt"/>
-                <a:ea typeface="+mn-ea"/>
-                <a:cs typeface="+mn-cs"/>
-              </a:defRPr>
-            </a:lvl5pPr>
-            <a:lvl6pPr marL="2514600" indent="-228600" algn="l" rtl="0" eaLnBrk="1" fontAlgn="base" hangingPunct="1">
-              <a:lnSpc>
-                <a:spcPct val="120000"/>
-              </a:lnSpc>
-              <a:spcBef>
-                <a:spcPct val="20000"/>
-              </a:spcBef>
-              <a:spcAft>
-                <a:spcPct val="0"/>
-              </a:spcAft>
-              <a:buClr>
-                <a:srgbClr val="FF0000"/>
-              </a:buClr>
-              <a:buFont typeface="Arial" charset="0"/>
-              <a:buChar char="-"/>
-              <a:defRPr sz="1400">
-                <a:solidFill>
-                  <a:schemeClr val="dk1"/>
-                </a:solidFill>
-                <a:latin typeface="+mn-lt"/>
-                <a:ea typeface="+mn-ea"/>
-                <a:cs typeface="+mn-cs"/>
-              </a:defRPr>
-            </a:lvl6pPr>
-            <a:lvl7pPr marL="2971800" indent="-228600" algn="l" rtl="0" eaLnBrk="1" fontAlgn="base" hangingPunct="1">
-              <a:lnSpc>
-                <a:spcPct val="120000"/>
-              </a:lnSpc>
-              <a:spcBef>
-                <a:spcPct val="20000"/>
-              </a:spcBef>
-              <a:spcAft>
-                <a:spcPct val="0"/>
-              </a:spcAft>
-              <a:buClr>
-                <a:srgbClr val="FF0000"/>
-              </a:buClr>
-              <a:buFont typeface="Arial" charset="0"/>
-              <a:buChar char="-"/>
-              <a:defRPr sz="1400">
-                <a:solidFill>
-                  <a:schemeClr val="dk1"/>
-                </a:solidFill>
-                <a:latin typeface="+mn-lt"/>
-                <a:ea typeface="+mn-ea"/>
-                <a:cs typeface="+mn-cs"/>
-              </a:defRPr>
-            </a:lvl7pPr>
-            <a:lvl8pPr marL="3429000" indent="-228600" algn="l" rtl="0" eaLnBrk="1" fontAlgn="base" hangingPunct="1">
-              <a:lnSpc>
-                <a:spcPct val="120000"/>
-              </a:lnSpc>
-              <a:spcBef>
-                <a:spcPct val="20000"/>
-              </a:spcBef>
-              <a:spcAft>
-                <a:spcPct val="0"/>
-              </a:spcAft>
-              <a:buClr>
-                <a:srgbClr val="FF0000"/>
-              </a:buClr>
-              <a:buFont typeface="Arial" charset="0"/>
-              <a:buChar char="-"/>
-              <a:defRPr sz="1400">
-                <a:solidFill>
-                  <a:schemeClr val="dk1"/>
-                </a:solidFill>
-                <a:latin typeface="+mn-lt"/>
-                <a:ea typeface="+mn-ea"/>
-                <a:cs typeface="+mn-cs"/>
-              </a:defRPr>
-            </a:lvl8pPr>
-            <a:lvl9pPr marL="3886200" indent="-228600" algn="l" rtl="0" eaLnBrk="1" fontAlgn="base" hangingPunct="1">
-              <a:lnSpc>
-                <a:spcPct val="120000"/>
-              </a:lnSpc>
-              <a:spcBef>
-                <a:spcPct val="20000"/>
-              </a:spcBef>
-              <a:spcAft>
-                <a:spcPct val="0"/>
-              </a:spcAft>
-              <a:buClr>
-                <a:srgbClr val="FF0000"/>
-              </a:buClr>
-              <a:buFont typeface="Arial" charset="0"/>
-              <a:buChar char="-"/>
-              <a:defRPr sz="1400">
-                <a:solidFill>
-                  <a:schemeClr val="dk1"/>
-                </a:solidFill>
-                <a:latin typeface="+mn-lt"/>
-                <a:ea typeface="+mn-ea"/>
-                <a:cs typeface="+mn-cs"/>
-              </a:defRPr>
-            </a:lvl9pPr>
-          </a:lstStyle>
-          <a:p>
-            <a:pPr marL="342900" indent="-342900">
-              <a:buFont typeface="Wingdings" panose="05000000000000000000" pitchFamily="2" charset="2"/>
-              <a:buChar char="l"/>
-            </a:pPr>
-            <a:r>
-              <a:rPr lang="zh-CN" altLang="en-US" sz="1800" kern="0" dirty="0">
-                <a:solidFill>
-                  <a:sysClr val="windowText" lastClr="000000"/>
-                </a:solidFill>
-                <a:latin typeface="微软雅黑" panose="020B0503020204020204" pitchFamily="34" charset="-122"/>
-                <a:ea typeface="微软雅黑" panose="020B0503020204020204" pitchFamily="34" charset="-122"/>
-              </a:rPr>
-              <a:t>威胁：</a:t>
-            </a:r>
-            <a:endParaRPr lang="en-US" altLang="zh-CN" sz="1800" kern="0" dirty="0">
-              <a:solidFill>
-                <a:sysClr val="windowText" lastClr="000000"/>
-              </a:solidFill>
-              <a:latin typeface="微软雅黑" panose="020B0503020204020204" pitchFamily="34" charset="-122"/>
-              <a:ea typeface="微软雅黑" panose="020B0503020204020204" pitchFamily="34" charset="-122"/>
-            </a:endParaRPr>
-          </a:p>
-          <a:p>
-            <a:pPr marL="0" indent="0">
-              <a:buFont typeface="Wingdings" panose="05000000000000000000" pitchFamily="2" charset="2"/>
-              <a:buNone/>
-            </a:pPr>
-            <a:r>
-              <a:rPr lang="zh-CN" altLang="en-US" sz="1800" kern="0" dirty="0">
-                <a:solidFill>
-                  <a:sysClr val="windowText" lastClr="000000"/>
-                </a:solidFill>
-                <a:latin typeface="微软雅黑" panose="020B0503020204020204" pitchFamily="34" charset="-122"/>
-                <a:ea typeface="微软雅黑" panose="020B0503020204020204" pitchFamily="34" charset="-122"/>
-              </a:rPr>
-              <a:t>（外：相比较其他同事，还存在哪些差距）</a:t>
-            </a:r>
-            <a:endParaRPr lang="en-US" altLang="zh-CN" sz="1800" kern="0" dirty="0">
-              <a:solidFill>
-                <a:sysClr val="windowText" lastClr="000000"/>
-              </a:solidFill>
-              <a:latin typeface="微软雅黑" panose="020B0503020204020204" pitchFamily="34" charset="-122"/>
-              <a:ea typeface="微软雅黑" panose="020B0503020204020204" pitchFamily="34" charset="-122"/>
-            </a:endParaRPr>
-          </a:p>
-          <a:p>
-            <a:pPr marL="342900" indent="-342900">
-              <a:buFont typeface="Wingdings" panose="05000000000000000000" pitchFamily="2" charset="2"/>
-              <a:buChar char="ü"/>
-            </a:pPr>
-            <a:r>
-              <a:rPr lang="en-US" altLang="zh-CN" sz="1800" kern="0" dirty="0">
-                <a:solidFill>
-                  <a:sysClr val="windowText" lastClr="000000"/>
-                </a:solidFill>
-                <a:latin typeface="微软雅黑" panose="020B0503020204020204" pitchFamily="34" charset="-122"/>
-                <a:ea typeface="微软雅黑" panose="020B0503020204020204" pitchFamily="34" charset="-122"/>
-              </a:rPr>
-              <a:t> </a:t>
-            </a:r>
-          </a:p>
-          <a:p>
-            <a:pPr marL="342900" indent="-342900">
-              <a:buFont typeface="Wingdings" panose="05000000000000000000" pitchFamily="2" charset="2"/>
-              <a:buChar char="ü"/>
-            </a:pPr>
-            <a:r>
-              <a:rPr lang="en-US" altLang="zh-CN" sz="1800" kern="0" dirty="0">
-                <a:solidFill>
-                  <a:sysClr val="windowText" lastClr="000000"/>
-                </a:solidFill>
-                <a:latin typeface="微软雅黑" panose="020B0503020204020204" pitchFamily="34" charset="-122"/>
-                <a:ea typeface="微软雅黑" panose="020B0503020204020204" pitchFamily="34" charset="-122"/>
-              </a:rPr>
-              <a:t>  </a:t>
-            </a:r>
-          </a:p>
-          <a:p>
-            <a:pPr marL="342900" indent="-342900">
-              <a:buFont typeface="Wingdings" panose="05000000000000000000" pitchFamily="2" charset="2"/>
-              <a:buChar char="l"/>
-            </a:pPr>
-            <a:r>
-              <a:rPr lang="zh-CN" altLang="en-US" sz="1800" kern="0" dirty="0">
-                <a:solidFill>
-                  <a:sysClr val="windowText" lastClr="000000"/>
-                </a:solidFill>
-                <a:latin typeface="微软雅黑" panose="020B0503020204020204" pitchFamily="34" charset="-122"/>
-                <a:ea typeface="微软雅黑" panose="020B0503020204020204" pitchFamily="34" charset="-122"/>
-              </a:rPr>
-              <a:t>机会：</a:t>
-            </a:r>
-            <a:endParaRPr lang="en-US" altLang="zh-CN" sz="1800" kern="0" dirty="0">
-              <a:solidFill>
-                <a:sysClr val="windowText" lastClr="000000"/>
-              </a:solidFill>
-              <a:latin typeface="微软雅黑" panose="020B0503020204020204" pitchFamily="34" charset="-122"/>
-              <a:ea typeface="微软雅黑" panose="020B0503020204020204" pitchFamily="34" charset="-122"/>
-            </a:endParaRPr>
-          </a:p>
-          <a:p>
-            <a:pPr marL="0" indent="0">
-              <a:buFont typeface="Wingdings" panose="05000000000000000000" pitchFamily="2" charset="2"/>
-              <a:buNone/>
-            </a:pPr>
-            <a:r>
-              <a:rPr lang="zh-CN" altLang="en-US" sz="1800" kern="0" dirty="0">
-                <a:solidFill>
-                  <a:sysClr val="windowText" lastClr="000000"/>
-                </a:solidFill>
-                <a:latin typeface="微软雅黑" panose="020B0503020204020204" pitchFamily="34" charset="-122"/>
-                <a:ea typeface="微软雅黑" panose="020B0503020204020204" pitchFamily="34" charset="-122"/>
-              </a:rPr>
-              <a:t>（外：我在团队中的价值和潜力）</a:t>
-            </a:r>
-            <a:endParaRPr lang="en-US" altLang="zh-CN" sz="1800" kern="0" dirty="0">
-              <a:solidFill>
-                <a:sysClr val="windowText" lastClr="000000"/>
-              </a:solidFill>
-              <a:latin typeface="微软雅黑" panose="020B0503020204020204" pitchFamily="34" charset="-122"/>
-              <a:ea typeface="微软雅黑" panose="020B0503020204020204" pitchFamily="34" charset="-122"/>
-            </a:endParaRPr>
-          </a:p>
-          <a:p>
-            <a:pPr marL="342900" marR="0" lvl="0" indent="-342900" algn="l" defTabSz="914400" rtl="0" eaLnBrk="1" fontAlgn="base" latinLnBrk="0" hangingPunct="1">
-              <a:lnSpc>
-                <a:spcPct val="120000"/>
-              </a:lnSpc>
-              <a:spcBef>
-                <a:spcPct val="20000"/>
-              </a:spcBef>
-              <a:spcAft>
-                <a:spcPct val="0"/>
-              </a:spcAft>
-              <a:buClr>
-                <a:srgbClr val="FF0000"/>
-              </a:buClr>
-              <a:buSzTx/>
-              <a:buFont typeface="Wingdings" panose="05000000000000000000" pitchFamily="2" charset="2"/>
-              <a:buChar char="ü"/>
-              <a:tabLst/>
-              <a:defRPr/>
-            </a:pPr>
-            <a:r>
-              <a:rPr kumimoji="0" lang="en-US" altLang="zh-CN" sz="1600" b="0" i="0" u="none" strike="noStrike" kern="0" cap="none" spc="0" normalizeH="0" baseline="0" noProof="0" dirty="0" smtClean="0">
-                <a:ln>
-                  <a:noFill/>
-                </a:ln>
-                <a:solidFill>
-                  <a:prstClr val="black"/>
-                </a:solidFill>
-                <a:effectLst/>
-                <a:uLnTx/>
-                <a:uFillTx/>
-                <a:latin typeface="微软雅黑"/>
-                <a:ea typeface="微软雅黑"/>
-                <a:cs typeface="+mn-cs"/>
-              </a:rPr>
-              <a:t> </a:t>
-            </a:r>
-          </a:p>
-          <a:p>
-            <a:pPr marL="342900" marR="0" lvl="0" indent="-342900" algn="l" defTabSz="914400" rtl="0" eaLnBrk="1" fontAlgn="base" latinLnBrk="0" hangingPunct="1">
-              <a:lnSpc>
-                <a:spcPct val="120000"/>
-              </a:lnSpc>
-              <a:spcBef>
-                <a:spcPct val="20000"/>
-              </a:spcBef>
-              <a:spcAft>
-                <a:spcPct val="0"/>
-              </a:spcAft>
-              <a:buClr>
-                <a:srgbClr val="FF0000"/>
-              </a:buClr>
-              <a:buSzTx/>
-              <a:buFont typeface="Wingdings" panose="05000000000000000000" pitchFamily="2" charset="2"/>
-              <a:buChar char="ü"/>
-              <a:tabLst/>
-              <a:defRPr/>
-            </a:pPr>
-            <a:r>
-              <a:rPr kumimoji="0" lang="en-US" altLang="zh-CN" sz="1600" b="0" i="0" u="none" strike="noStrike" kern="0" cap="none" spc="0" normalizeH="0" baseline="0" noProof="0" dirty="0" smtClean="0">
-                <a:ln>
-                  <a:noFill/>
-                </a:ln>
-                <a:solidFill>
-                  <a:prstClr val="black"/>
-                </a:solidFill>
-                <a:effectLst/>
-                <a:uLnTx/>
-                <a:uFillTx/>
-                <a:latin typeface="微软雅黑"/>
-                <a:ea typeface="微软雅黑"/>
-                <a:cs typeface="+mn-cs"/>
-              </a:rPr>
-              <a:t>  </a:t>
-            </a:r>
-            <a:endParaRPr kumimoji="0" lang="zh-CN" altLang="en-US" sz="1600" b="0" i="0" u="none" strike="noStrike" kern="0" cap="none" spc="0" normalizeH="0" baseline="0" noProof="0" dirty="0">
-              <a:ln>
-                <a:noFill/>
-              </a:ln>
-              <a:solidFill>
-                <a:prstClr val="black"/>
-              </a:solidFill>
-              <a:effectLst/>
-              <a:uLnTx/>
-              <a:uFillTx/>
-              <a:latin typeface="微软雅黑"/>
-              <a:ea typeface="微软雅黑"/>
-              <a:cs typeface="+mn-cs"/>
-            </a:endParaRPr>
-          </a:p>
-        </p:txBody>
-      </p:sp>
-    </p:spTree>
-    <p:extLst>
-      <p:ext uri="{BB962C8B-B14F-4D97-AF65-F5344CB8AC3E}">
-        <p14:creationId xmlns:p14="http://schemas.microsoft.com/office/powerpoint/2010/main" val="3179341187"/>
-      </p:ext>
-    </p:extLst>
-  </p:cSld>
-  <p:clrMapOvr>
-    <a:masterClrMapping/>
-  </p:clrMapOvr>
-</p:sld>
-</file>
-
-<file path=ppt/slides/slide14.xml><?xml version="1.0" encoding="utf-8"?>
-<p:sld xmlns:a="http://schemas.openxmlformats.org/drawingml/2006/main" xmlns:r="http://schemas.openxmlformats.org/officeDocument/2006/relationships" xmlns:p="http://schemas.openxmlformats.org/presentationml/2006/main">
-  <p:cSld>
-    <p:spTree>
-      <p:nvGrpSpPr>
-        <p:cNvPr id="1" name=""/>
-        <p:cNvGrpSpPr/>
-        <p:nvPr/>
-      </p:nvGrpSpPr>
-      <p:grpSpPr>
-        <a:xfrm>
-          <a:off x="0" y="0"/>
-          <a:ext cx="0" cy="0"/>
-          <a:chOff x="0" y="0"/>
-          <a:chExt cx="0" cy="0"/>
-        </a:xfrm>
-      </p:grpSpPr>
-      <p:sp>
-        <p:nvSpPr>
-          <p:cNvPr id="4" name="标题 1"/>
-          <p:cNvSpPr txBox="1">
-            <a:spLocks/>
-          </p:cNvSpPr>
-          <p:nvPr/>
-        </p:nvSpPr>
-        <p:spPr>
-          <a:xfrm>
-            <a:off x="467544" y="195486"/>
-            <a:ext cx="8208912" cy="792087"/>
-          </a:xfrm>
-          <a:prstGeom prst="rect">
-            <a:avLst/>
-          </a:prstGeom>
-        </p:spPr>
-        <p:txBody>
-          <a:bodyPr vert="horz" lIns="91440" tIns="45720" rIns="91440" bIns="45720" rtlCol="0" anchor="ctr">
-            <a:normAutofit/>
-          </a:bodyPr>
-          <a:lstStyle>
-            <a:lvl1pPr algn="ctr" defTabSz="914400" rtl="0" eaLnBrk="1" latinLnBrk="0" hangingPunct="1">
-              <a:spcBef>
-                <a:spcPct val="0"/>
-              </a:spcBef>
-              <a:buNone/>
-              <a:defRPr sz="4400" kern="1200">
-                <a:solidFill>
-                  <a:schemeClr val="tx1"/>
-                </a:solidFill>
-                <a:latin typeface="+mj-lt"/>
-                <a:ea typeface="+mj-ea"/>
-                <a:cs typeface="+mj-cs"/>
-              </a:defRPr>
-            </a:lvl1pPr>
-          </a:lstStyle>
-          <a:p>
-            <a:pPr algn="l"/>
-            <a:r>
-              <a:rPr lang="zh-CN" altLang="en-US" sz="1800" b="1" dirty="0"/>
-              <a:t>下一步工作安排</a:t>
-            </a:r>
-            <a:endParaRPr lang="zh-CN" altLang="en-US" sz="1800" b="1" dirty="0">
-              <a:solidFill>
-                <a:schemeClr val="tx1">
-                  <a:lumMod val="75000"/>
-                  <a:lumOff val="25000"/>
-                </a:schemeClr>
-              </a:solidFill>
-              <a:latin typeface="微软雅黑" panose="020B0503020204020204" pitchFamily="34" charset="-122"/>
-              <a:ea typeface="微软雅黑" panose="020B0503020204020204" pitchFamily="34" charset="-122"/>
-            </a:endParaRPr>
-          </a:p>
-        </p:txBody>
-      </p:sp>
-      <p:sp>
-        <p:nvSpPr>
-          <p:cNvPr id="2" name="文本框 1"/>
-          <p:cNvSpPr txBox="1"/>
-          <p:nvPr/>
-        </p:nvSpPr>
-        <p:spPr>
-          <a:xfrm>
-            <a:off x="611560" y="2809260"/>
-            <a:ext cx="8064896" cy="369332"/>
-          </a:xfrm>
-          <a:prstGeom prst="rect">
-            <a:avLst/>
-          </a:prstGeom>
-          <a:noFill/>
-        </p:spPr>
-        <p:txBody>
-          <a:bodyPr wrap="square" rtlCol="0">
-            <a:spAutoFit/>
-          </a:bodyPr>
-          <a:lstStyle/>
-          <a:p>
-            <a:endParaRPr lang="zh-CN" altLang="en-US" dirty="0"/>
-          </a:p>
-        </p:txBody>
-      </p:sp>
-      <p:sp>
-        <p:nvSpPr>
-          <p:cNvPr id="9" name="内容占位符 2"/>
-          <p:cNvSpPr txBox="1">
-            <a:spLocks/>
-          </p:cNvSpPr>
-          <p:nvPr/>
-        </p:nvSpPr>
-        <p:spPr bwMode="auto">
-          <a:xfrm>
-            <a:off x="545654" y="1125538"/>
-            <a:ext cx="8058794" cy="5039766"/>
-          </a:xfrm>
-          <a:prstGeom prst="rect">
-            <a:avLst/>
-          </a:prstGeom>
-          <a:noFill/>
-          <a:ln>
-            <a:noFill/>
-          </a:ln>
-          <a:extLst>
-            <a:ext uri="{909E8E84-426E-40DD-AFC4-6F175D3DCCD1}">
-              <a14:hiddenFill xmlns:a14="http://schemas.microsoft.com/office/drawing/2010/main">
-                <a:solidFill>
-                  <a:srgbClr val="FFFFFF"/>
-                </a:solidFill>
-              </a14:hiddenFill>
-            </a:ext>
-            <a:ext uri="{91240B29-F687-4F45-9708-019B960494DF}">
-              <a14:hiddenLine xmlns:a14="http://schemas.microsoft.com/office/drawing/2010/main" w="9525">
-                <a:solidFill>
-                  <a:srgbClr val="000000"/>
-                </a:solidFill>
-                <a:miter lim="800000"/>
-                <a:headEnd/>
-                <a:tailEnd/>
-              </a14:hiddenLine>
-            </a:ext>
-          </a:extLst>
-        </p:spPr>
-        <p:txBody>
-          <a:bodyPr vert="horz" wrap="square" lIns="91440" tIns="45720" rIns="91440" bIns="45720" numCol="1" anchor="t" anchorCtr="0" compatLnSpc="1">
-            <a:prstTxWarp prst="textNoShape">
-              <a:avLst/>
-            </a:prstTxWarp>
-          </a:bodyPr>
-          <a:lstStyle>
-            <a:lvl1pPr marL="342900" indent="-342900" algn="l" rtl="0" eaLnBrk="1" fontAlgn="base" hangingPunct="1">
-              <a:lnSpc>
-                <a:spcPct val="120000"/>
-              </a:lnSpc>
-              <a:spcBef>
-                <a:spcPct val="20000"/>
-              </a:spcBef>
-              <a:spcAft>
-                <a:spcPct val="0"/>
-              </a:spcAft>
-              <a:buClr>
-                <a:srgbClr val="FF0000"/>
-              </a:buClr>
-              <a:buFont typeface="Wingdings" panose="05000000000000000000" pitchFamily="2" charset="2"/>
-              <a:buChar char="n"/>
-              <a:defRPr sz="2600">
-                <a:solidFill>
-                  <a:schemeClr val="tx1"/>
-                </a:solidFill>
-                <a:latin typeface="+mn-lt"/>
-                <a:ea typeface="+mn-ea"/>
-                <a:cs typeface="+mn-cs"/>
-              </a:defRPr>
-            </a:lvl1pPr>
-            <a:lvl2pPr marL="742950" indent="-285750" algn="l" rtl="0" eaLnBrk="1" fontAlgn="base" hangingPunct="1">
-              <a:lnSpc>
-                <a:spcPct val="120000"/>
-              </a:lnSpc>
-              <a:spcBef>
-                <a:spcPct val="20000"/>
-              </a:spcBef>
-              <a:spcAft>
-                <a:spcPct val="0"/>
-              </a:spcAft>
-              <a:buClr>
-                <a:srgbClr val="FF0000"/>
-              </a:buClr>
-              <a:buFont typeface="Wingdings" panose="05000000000000000000" pitchFamily="2" charset="2"/>
-              <a:buChar char="p"/>
-              <a:defRPr sz="2200">
-                <a:solidFill>
-                  <a:schemeClr val="tx1"/>
-                </a:solidFill>
-                <a:latin typeface="+mn-lt"/>
-                <a:ea typeface="+mn-ea"/>
-              </a:defRPr>
-            </a:lvl2pPr>
-            <a:lvl3pPr marL="1143000" indent="-228600" algn="l" rtl="0" eaLnBrk="1" fontAlgn="base" hangingPunct="1">
-              <a:lnSpc>
-                <a:spcPct val="120000"/>
-              </a:lnSpc>
-              <a:spcBef>
-                <a:spcPct val="20000"/>
-              </a:spcBef>
-              <a:spcAft>
-                <a:spcPct val="0"/>
-              </a:spcAft>
-              <a:buClr>
-                <a:srgbClr val="FF0000"/>
-              </a:buClr>
-              <a:buFont typeface="Wingdings" panose="05000000000000000000" pitchFamily="2" charset="2"/>
-              <a:buChar char="Ø"/>
-              <a:defRPr sz="2400">
-                <a:solidFill>
-                  <a:schemeClr val="tx1"/>
-                </a:solidFill>
-                <a:latin typeface="+mn-lt"/>
-                <a:ea typeface="+mn-ea"/>
-              </a:defRPr>
-            </a:lvl3pPr>
-            <a:lvl4pPr marL="1600200" indent="-228600" algn="l" rtl="0" eaLnBrk="1" fontAlgn="base" hangingPunct="1">
-              <a:lnSpc>
-                <a:spcPct val="120000"/>
-              </a:lnSpc>
-              <a:spcBef>
-                <a:spcPct val="20000"/>
-              </a:spcBef>
-              <a:spcAft>
-                <a:spcPct val="0"/>
-              </a:spcAft>
-              <a:buClr>
-                <a:srgbClr val="FF0000"/>
-              </a:buClr>
-              <a:buFont typeface="Wingdings" panose="05000000000000000000" pitchFamily="2" charset="2"/>
-              <a:buChar char="§"/>
-              <a:defRPr sz="1600">
-                <a:solidFill>
-                  <a:schemeClr val="tx1"/>
-                </a:solidFill>
-                <a:latin typeface="+mn-lt"/>
-                <a:ea typeface="+mn-ea"/>
-              </a:defRPr>
-            </a:lvl4pPr>
-            <a:lvl5pPr marL="2057400" indent="-228600" algn="l" rtl="0" eaLnBrk="1" fontAlgn="base" hangingPunct="1">
-              <a:lnSpc>
-                <a:spcPct val="120000"/>
-              </a:lnSpc>
-              <a:spcBef>
-                <a:spcPct val="20000"/>
-              </a:spcBef>
-              <a:spcAft>
-                <a:spcPct val="0"/>
-              </a:spcAft>
-              <a:buClr>
-                <a:srgbClr val="FF0000"/>
-              </a:buClr>
-              <a:buFont typeface="Arial" panose="020B0604020202020204" pitchFamily="34" charset="0"/>
-              <a:buChar char="-"/>
-              <a:defRPr sz="1400">
-                <a:solidFill>
-                  <a:schemeClr val="tx1"/>
-                </a:solidFill>
-                <a:latin typeface="+mn-lt"/>
-                <a:ea typeface="+mn-ea"/>
-              </a:defRPr>
-            </a:lvl5pPr>
-            <a:lvl6pPr marL="2514600" indent="-228600" algn="l" rtl="0" eaLnBrk="1" fontAlgn="base" hangingPunct="1">
-              <a:lnSpc>
-                <a:spcPct val="120000"/>
-              </a:lnSpc>
-              <a:spcBef>
-                <a:spcPct val="20000"/>
-              </a:spcBef>
-              <a:spcAft>
-                <a:spcPct val="0"/>
-              </a:spcAft>
-              <a:buClr>
-                <a:srgbClr val="FF0000"/>
-              </a:buClr>
-              <a:buFont typeface="Arial" charset="0"/>
-              <a:buChar char="-"/>
-              <a:defRPr sz="1400">
-                <a:solidFill>
-                  <a:schemeClr val="tx1"/>
-                </a:solidFill>
-                <a:latin typeface="+mn-lt"/>
-                <a:ea typeface="+mn-ea"/>
-              </a:defRPr>
-            </a:lvl6pPr>
-            <a:lvl7pPr marL="2971800" indent="-228600" algn="l" rtl="0" eaLnBrk="1" fontAlgn="base" hangingPunct="1">
-              <a:lnSpc>
-                <a:spcPct val="120000"/>
-              </a:lnSpc>
-              <a:spcBef>
-                <a:spcPct val="20000"/>
-              </a:spcBef>
-              <a:spcAft>
-                <a:spcPct val="0"/>
-              </a:spcAft>
-              <a:buClr>
-                <a:srgbClr val="FF0000"/>
-              </a:buClr>
-              <a:buFont typeface="Arial" charset="0"/>
-              <a:buChar char="-"/>
-              <a:defRPr sz="1400">
-                <a:solidFill>
-                  <a:schemeClr val="tx1"/>
-                </a:solidFill>
-                <a:latin typeface="+mn-lt"/>
-                <a:ea typeface="+mn-ea"/>
-              </a:defRPr>
-            </a:lvl7pPr>
-            <a:lvl8pPr marL="3429000" indent="-228600" algn="l" rtl="0" eaLnBrk="1" fontAlgn="base" hangingPunct="1">
-              <a:lnSpc>
-                <a:spcPct val="120000"/>
-              </a:lnSpc>
-              <a:spcBef>
-                <a:spcPct val="20000"/>
-              </a:spcBef>
-              <a:spcAft>
-                <a:spcPct val="0"/>
-              </a:spcAft>
-              <a:buClr>
-                <a:srgbClr val="FF0000"/>
-              </a:buClr>
-              <a:buFont typeface="Arial" charset="0"/>
-              <a:buChar char="-"/>
-              <a:defRPr sz="1400">
-                <a:solidFill>
-                  <a:schemeClr val="tx1"/>
-                </a:solidFill>
-                <a:latin typeface="+mn-lt"/>
-                <a:ea typeface="+mn-ea"/>
-              </a:defRPr>
-            </a:lvl8pPr>
-            <a:lvl9pPr marL="3886200" indent="-228600" algn="l" rtl="0" eaLnBrk="1" fontAlgn="base" hangingPunct="1">
-              <a:lnSpc>
-                <a:spcPct val="120000"/>
-              </a:lnSpc>
-              <a:spcBef>
-                <a:spcPct val="20000"/>
-              </a:spcBef>
-              <a:spcAft>
-                <a:spcPct val="0"/>
-              </a:spcAft>
-              <a:buClr>
-                <a:srgbClr val="FF0000"/>
-              </a:buClr>
-              <a:buFont typeface="Arial" charset="0"/>
-              <a:buChar char="-"/>
-              <a:defRPr sz="1400">
-                <a:solidFill>
-                  <a:schemeClr val="tx1"/>
-                </a:solidFill>
-                <a:latin typeface="+mn-lt"/>
-                <a:ea typeface="+mn-ea"/>
-              </a:defRPr>
-            </a:lvl9pPr>
-          </a:lstStyle>
-          <a:p>
-            <a:pPr marL="342900" marR="0" lvl="0" indent="-342900" algn="l" defTabSz="914400" rtl="0" eaLnBrk="1" fontAlgn="base" latinLnBrk="0" hangingPunct="1">
-              <a:lnSpc>
-                <a:spcPct val="120000"/>
-              </a:lnSpc>
-              <a:spcBef>
-                <a:spcPct val="20000"/>
-              </a:spcBef>
-              <a:spcAft>
-                <a:spcPct val="0"/>
-              </a:spcAft>
-              <a:buClr>
-                <a:srgbClr val="FF0000"/>
-              </a:buClr>
-              <a:buSzTx/>
-              <a:buFont typeface="Wingdings" panose="05000000000000000000" pitchFamily="2" charset="2"/>
-              <a:buChar char="n"/>
-              <a:tabLst/>
-              <a:defRPr/>
-            </a:pPr>
-            <a:r>
-              <a:rPr kumimoji="0" lang="zh-CN" altLang="en-US" sz="1800" b="0" i="0" u="none" strike="noStrike" kern="0" cap="none" spc="0" normalizeH="0" baseline="0" noProof="0" dirty="0" smtClean="0">
-                <a:ln>
-                  <a:noFill/>
-                </a:ln>
-                <a:solidFill>
-                  <a:sysClr val="windowText" lastClr="000000"/>
-                </a:solidFill>
-                <a:effectLst/>
-                <a:uLnTx/>
-                <a:uFillTx/>
-                <a:latin typeface="Arial"/>
-                <a:ea typeface="微软雅黑"/>
-                <a:cs typeface="+mn-cs"/>
-              </a:rPr>
-              <a:t>下一步工作计划</a:t>
-            </a:r>
-            <a:r>
-              <a:rPr lang="en-US" altLang="zh-CN" sz="1800" kern="0" dirty="0" smtClean="0">
-                <a:solidFill>
-                  <a:sysClr val="windowText" lastClr="000000"/>
-                </a:solidFill>
-                <a:latin typeface="Arial"/>
-                <a:ea typeface="微软雅黑"/>
-              </a:rPr>
-              <a:t>(</a:t>
-            </a:r>
-            <a:r>
-              <a:rPr lang="zh-CN" altLang="en-US" sz="1800" kern="0" dirty="0" smtClean="0">
-                <a:solidFill>
-                  <a:sysClr val="windowText" lastClr="000000"/>
-                </a:solidFill>
-                <a:latin typeface="Arial"/>
-                <a:ea typeface="微软雅黑"/>
-              </a:rPr>
-              <a:t>创新思考等</a:t>
-            </a:r>
-            <a:r>
-              <a:rPr lang="en-US" altLang="zh-CN" sz="1800" kern="0" dirty="0" smtClean="0">
-                <a:solidFill>
-                  <a:sysClr val="windowText" lastClr="000000"/>
-                </a:solidFill>
-                <a:latin typeface="Arial"/>
-                <a:ea typeface="微软雅黑"/>
-              </a:rPr>
-              <a:t>)</a:t>
-            </a:r>
-            <a:r>
-              <a:rPr kumimoji="0" lang="en-US" altLang="zh-CN" sz="1800" b="0" i="0" u="none" strike="noStrike" kern="0" cap="none" spc="0" normalizeH="0" baseline="0" noProof="0" dirty="0" smtClean="0">
-                <a:ln>
-                  <a:noFill/>
-                </a:ln>
-                <a:solidFill>
-                  <a:sysClr val="windowText" lastClr="000000"/>
-                </a:solidFill>
-                <a:effectLst/>
-                <a:uLnTx/>
-                <a:uFillTx/>
-                <a:latin typeface="Arial"/>
-                <a:ea typeface="微软雅黑"/>
-                <a:cs typeface="+mn-cs"/>
-              </a:rPr>
-              <a:t>——5W1H</a:t>
-            </a:r>
-            <a:r>
-              <a:rPr kumimoji="0" lang="zh-CN" altLang="en-US" sz="1800" b="0" i="0" u="none" strike="noStrike" kern="0" cap="none" spc="0" normalizeH="0" baseline="0" noProof="0" dirty="0" smtClean="0">
-                <a:ln>
-                  <a:noFill/>
-                </a:ln>
-                <a:solidFill>
-                  <a:sysClr val="windowText" lastClr="000000"/>
-                </a:solidFill>
-                <a:effectLst/>
-                <a:uLnTx/>
-                <a:uFillTx/>
-                <a:latin typeface="Arial"/>
-                <a:ea typeface="微软雅黑"/>
-                <a:cs typeface="+mn-cs"/>
-              </a:rPr>
-              <a:t>分析法（参考）</a:t>
-            </a:r>
-            <a:endParaRPr kumimoji="0" lang="zh-CN" altLang="en-US" sz="1800" b="0" i="0" u="none" strike="noStrike" kern="0" cap="none" spc="0" normalizeH="0" baseline="0" noProof="0" dirty="0">
-              <a:ln>
-                <a:noFill/>
-              </a:ln>
-              <a:solidFill>
-                <a:sysClr val="windowText" lastClr="000000"/>
-              </a:solidFill>
-              <a:effectLst/>
-              <a:uLnTx/>
-              <a:uFillTx/>
-              <a:latin typeface="Arial"/>
-              <a:ea typeface="微软雅黑"/>
-              <a:cs typeface="+mn-cs"/>
-            </a:endParaRPr>
-          </a:p>
-        </p:txBody>
-      </p:sp>
-      <p:graphicFrame>
-        <p:nvGraphicFramePr>
-          <p:cNvPr id="10" name="表格 9"/>
-          <p:cNvGraphicFramePr>
-            <a:graphicFrameLocks noGrp="1"/>
-          </p:cNvGraphicFramePr>
-          <p:nvPr>
-            <p:extLst>
-              <p:ext uri="{D42A27DB-BD31-4B8C-83A1-F6EECF244321}">
-                <p14:modId xmlns:p14="http://schemas.microsoft.com/office/powerpoint/2010/main" val="3139708390"/>
-              </p:ext>
-            </p:extLst>
-          </p:nvPr>
-        </p:nvGraphicFramePr>
-        <p:xfrm>
-          <a:off x="683568" y="1707654"/>
-          <a:ext cx="5544616" cy="3047371"/>
-        </p:xfrm>
-        <a:graphic>
-          <a:graphicData uri="http://schemas.openxmlformats.org/drawingml/2006/table">
-            <a:tbl>
-              <a:tblPr firstRow="1" bandRow="1"/>
-              <a:tblGrid>
-                <a:gridCol w="1047918">
-                  <a:extLst>
-                    <a:ext uri="{9D8B030D-6E8A-4147-A177-3AD203B41FA5}">
-                      <a16:colId xmlns:a16="http://schemas.microsoft.com/office/drawing/2014/main" val="20000"/>
-                    </a:ext>
-                  </a:extLst>
-                </a:gridCol>
-                <a:gridCol w="4496698">
-                  <a:extLst>
-                    <a:ext uri="{9D8B030D-6E8A-4147-A177-3AD203B41FA5}">
-                      <a16:colId xmlns:a16="http://schemas.microsoft.com/office/drawing/2014/main" val="20001"/>
-                    </a:ext>
-                  </a:extLst>
-                </a:gridCol>
-              </a:tblGrid>
-              <a:tr h="490923">
-                <a:tc>
-                  <a:txBody>
-                    <a:bodyPr/>
-                    <a:lstStyle>
-                      <a:lvl1pPr marL="0" algn="l" defTabSz="914400" rtl="0" eaLnBrk="1" latinLnBrk="0" hangingPunct="1">
-                        <a:defRPr sz="1800" b="1" kern="1200">
-                          <a:solidFill>
-                            <a:schemeClr val="tx1"/>
-                          </a:solidFill>
-                          <a:latin typeface="Arial"/>
-                          <a:ea typeface="微软雅黑"/>
-                        </a:defRPr>
-                      </a:lvl1pPr>
-                      <a:lvl2pPr marL="457200" algn="l" defTabSz="914400" rtl="0" eaLnBrk="1" latinLnBrk="0" hangingPunct="1">
-                        <a:defRPr sz="1800" b="1" kern="1200">
-                          <a:solidFill>
-                            <a:schemeClr val="tx1"/>
-                          </a:solidFill>
-                          <a:latin typeface="Arial"/>
-                          <a:ea typeface="微软雅黑"/>
-                        </a:defRPr>
-                      </a:lvl2pPr>
-                      <a:lvl3pPr marL="914400" algn="l" defTabSz="914400" rtl="0" eaLnBrk="1" latinLnBrk="0" hangingPunct="1">
-                        <a:defRPr sz="1800" b="1" kern="1200">
-                          <a:solidFill>
-                            <a:schemeClr val="tx1"/>
-                          </a:solidFill>
-                          <a:latin typeface="Arial"/>
-                          <a:ea typeface="微软雅黑"/>
-                        </a:defRPr>
-                      </a:lvl3pPr>
-                      <a:lvl4pPr marL="1371600" algn="l" defTabSz="914400" rtl="0" eaLnBrk="1" latinLnBrk="0" hangingPunct="1">
-                        <a:defRPr sz="1800" b="1" kern="1200">
-                          <a:solidFill>
-                            <a:schemeClr val="tx1"/>
-                          </a:solidFill>
-                          <a:latin typeface="Arial"/>
-                          <a:ea typeface="微软雅黑"/>
-                        </a:defRPr>
-                      </a:lvl4pPr>
-                      <a:lvl5pPr marL="1828800" algn="l" defTabSz="914400" rtl="0" eaLnBrk="1" latinLnBrk="0" hangingPunct="1">
-                        <a:defRPr sz="1800" b="1" kern="1200">
-                          <a:solidFill>
-                            <a:schemeClr val="tx1"/>
-                          </a:solidFill>
-                          <a:latin typeface="Arial"/>
-                          <a:ea typeface="微软雅黑"/>
-                        </a:defRPr>
-                      </a:lvl5pPr>
-                      <a:lvl6pPr marL="2286000" algn="l" defTabSz="914400" rtl="0" eaLnBrk="1" latinLnBrk="0" hangingPunct="1">
-                        <a:defRPr sz="1800" b="1" kern="1200">
-                          <a:solidFill>
-                            <a:schemeClr val="tx1"/>
-                          </a:solidFill>
-                          <a:latin typeface="Arial"/>
-                          <a:ea typeface="微软雅黑"/>
-                        </a:defRPr>
-                      </a:lvl6pPr>
-                      <a:lvl7pPr marL="2743200" algn="l" defTabSz="914400" rtl="0" eaLnBrk="1" latinLnBrk="0" hangingPunct="1">
-                        <a:defRPr sz="1800" b="1" kern="1200">
-                          <a:solidFill>
-                            <a:schemeClr val="tx1"/>
-                          </a:solidFill>
-                          <a:latin typeface="Arial"/>
-                          <a:ea typeface="微软雅黑"/>
-                        </a:defRPr>
-                      </a:lvl7pPr>
-                      <a:lvl8pPr marL="3200400" algn="l" defTabSz="914400" rtl="0" eaLnBrk="1" latinLnBrk="0" hangingPunct="1">
-                        <a:defRPr sz="1800" b="1" kern="1200">
-                          <a:solidFill>
-                            <a:schemeClr val="tx1"/>
-                          </a:solidFill>
-                          <a:latin typeface="Arial"/>
-                          <a:ea typeface="微软雅黑"/>
-                        </a:defRPr>
-                      </a:lvl8pPr>
-                      <a:lvl9pPr marL="3657600" algn="l" defTabSz="914400" rtl="0" eaLnBrk="1" latinLnBrk="0" hangingPunct="1">
-                        <a:defRPr sz="1800" b="1" kern="1200">
-                          <a:solidFill>
-                            <a:schemeClr val="tx1"/>
-                          </a:solidFill>
-                          <a:latin typeface="Arial"/>
-                          <a:ea typeface="微软雅黑"/>
-                        </a:defRPr>
-                      </a:lvl9pPr>
-                    </a:lstStyle>
-                    <a:p>
-                      <a:r>
-                        <a:rPr lang="en-US" altLang="zh-CN" sz="1600" b="1" dirty="0" smtClean="0"/>
-                        <a:t>WHAT</a:t>
-                      </a:r>
-                      <a:endParaRPr lang="zh-CN" altLang="en-US" sz="1600" b="1" dirty="0"/>
-                    </a:p>
-                  </a:txBody>
-                  <a:tcPr>
-                    <a:lnL w="12700" cmpd="sng">
-                      <a:solidFill>
-                        <a:srgbClr val="4F81BD"/>
-                      </a:solidFill>
-                    </a:lnL>
-                    <a:lnR w="12700" cmpd="sng">
-                      <a:solidFill>
-                        <a:srgbClr val="4F81BD"/>
-                      </a:solidFill>
-                    </a:lnR>
-                    <a:lnT w="12700" cmpd="sng">
-                      <a:solidFill>
-                        <a:srgbClr val="4F81BD"/>
-                      </a:solidFill>
-                    </a:lnT>
-                    <a:lnB w="25400" cmpd="sng">
-                      <a:solidFill>
-                        <a:srgbClr val="4F81BD"/>
-                      </a:solidFill>
-                    </a:lnB>
-                    <a:lnTlToBr w="12700" cmpd="sng">
-                      <a:noFill/>
-                      <a:prstDash val="solid"/>
-                    </a:lnTlToBr>
-                    <a:lnBlToTr w="12700" cmpd="sng">
-                      <a:noFill/>
-                      <a:prstDash val="solid"/>
-                    </a:lnBlToTr>
-                    <a:noFill/>
-                  </a:tcPr>
-                </a:tc>
-                <a:tc>
-                  <a:txBody>
-                    <a:bodyPr/>
-                    <a:lstStyle>
-                      <a:lvl1pPr marL="0" algn="l" defTabSz="914400" rtl="0" eaLnBrk="1" latinLnBrk="0" hangingPunct="1">
-                        <a:defRPr sz="1800" b="1" kern="1200">
-                          <a:solidFill>
-                            <a:schemeClr val="tx1"/>
-                          </a:solidFill>
-                          <a:latin typeface="Arial"/>
-                          <a:ea typeface="微软雅黑"/>
-                        </a:defRPr>
-                      </a:lvl1pPr>
-                      <a:lvl2pPr marL="457200" algn="l" defTabSz="914400" rtl="0" eaLnBrk="1" latinLnBrk="0" hangingPunct="1">
-                        <a:defRPr sz="1800" b="1" kern="1200">
-                          <a:solidFill>
-                            <a:schemeClr val="tx1"/>
-                          </a:solidFill>
-                          <a:latin typeface="Arial"/>
-                          <a:ea typeface="微软雅黑"/>
-                        </a:defRPr>
-                      </a:lvl2pPr>
-                      <a:lvl3pPr marL="914400" algn="l" defTabSz="914400" rtl="0" eaLnBrk="1" latinLnBrk="0" hangingPunct="1">
-                        <a:defRPr sz="1800" b="1" kern="1200">
-                          <a:solidFill>
-                            <a:schemeClr val="tx1"/>
-                          </a:solidFill>
-                          <a:latin typeface="Arial"/>
-                          <a:ea typeface="微软雅黑"/>
-                        </a:defRPr>
-                      </a:lvl3pPr>
-                      <a:lvl4pPr marL="1371600" algn="l" defTabSz="914400" rtl="0" eaLnBrk="1" latinLnBrk="0" hangingPunct="1">
-                        <a:defRPr sz="1800" b="1" kern="1200">
-                          <a:solidFill>
-                            <a:schemeClr val="tx1"/>
-                          </a:solidFill>
-                          <a:latin typeface="Arial"/>
-                          <a:ea typeface="微软雅黑"/>
-                        </a:defRPr>
-                      </a:lvl4pPr>
-                      <a:lvl5pPr marL="1828800" algn="l" defTabSz="914400" rtl="0" eaLnBrk="1" latinLnBrk="0" hangingPunct="1">
-                        <a:defRPr sz="1800" b="1" kern="1200">
-                          <a:solidFill>
-                            <a:schemeClr val="tx1"/>
-                          </a:solidFill>
-                          <a:latin typeface="Arial"/>
-                          <a:ea typeface="微软雅黑"/>
-                        </a:defRPr>
-                      </a:lvl5pPr>
-                      <a:lvl6pPr marL="2286000" algn="l" defTabSz="914400" rtl="0" eaLnBrk="1" latinLnBrk="0" hangingPunct="1">
-                        <a:defRPr sz="1800" b="1" kern="1200">
-                          <a:solidFill>
-                            <a:schemeClr val="tx1"/>
-                          </a:solidFill>
-                          <a:latin typeface="Arial"/>
-                          <a:ea typeface="微软雅黑"/>
-                        </a:defRPr>
-                      </a:lvl6pPr>
-                      <a:lvl7pPr marL="2743200" algn="l" defTabSz="914400" rtl="0" eaLnBrk="1" latinLnBrk="0" hangingPunct="1">
-                        <a:defRPr sz="1800" b="1" kern="1200">
-                          <a:solidFill>
-                            <a:schemeClr val="tx1"/>
-                          </a:solidFill>
-                          <a:latin typeface="Arial"/>
-                          <a:ea typeface="微软雅黑"/>
-                        </a:defRPr>
-                      </a:lvl7pPr>
-                      <a:lvl8pPr marL="3200400" algn="l" defTabSz="914400" rtl="0" eaLnBrk="1" latinLnBrk="0" hangingPunct="1">
-                        <a:defRPr sz="1800" b="1" kern="1200">
-                          <a:solidFill>
-                            <a:schemeClr val="tx1"/>
-                          </a:solidFill>
-                          <a:latin typeface="Arial"/>
-                          <a:ea typeface="微软雅黑"/>
-                        </a:defRPr>
-                      </a:lvl8pPr>
-                      <a:lvl9pPr marL="3657600" algn="l" defTabSz="914400" rtl="0" eaLnBrk="1" latinLnBrk="0" hangingPunct="1">
-                        <a:defRPr sz="1800" b="1" kern="1200">
-                          <a:solidFill>
-                            <a:schemeClr val="tx1"/>
-                          </a:solidFill>
-                          <a:latin typeface="Arial"/>
-                          <a:ea typeface="微软雅黑"/>
-                        </a:defRPr>
-                      </a:lvl9pPr>
-                    </a:lstStyle>
-                    <a:p>
-                      <a:r>
-                        <a:rPr lang="zh-CN" altLang="en-US" sz="1600" b="0" dirty="0" smtClean="0"/>
-                        <a:t>工作计划</a:t>
-                      </a:r>
-                      <a:r>
-                        <a:rPr lang="en-US" altLang="zh-CN" sz="1600" b="0" dirty="0" smtClean="0"/>
-                        <a:t>/</a:t>
-                      </a:r>
-                      <a:r>
-                        <a:rPr lang="zh-CN" altLang="en-US" sz="1600" b="0" dirty="0" smtClean="0"/>
-                        <a:t>项目名称</a:t>
-                      </a:r>
-                      <a:endParaRPr lang="zh-CN" altLang="en-US" sz="1600" b="0" dirty="0"/>
-                    </a:p>
-                  </a:txBody>
-                  <a:tcPr>
-                    <a:lnL w="12700" cmpd="sng">
-                      <a:solidFill>
-                        <a:srgbClr val="4F81BD"/>
-                      </a:solidFill>
-                    </a:lnL>
-                    <a:lnR w="12700" cmpd="sng">
-                      <a:solidFill>
-                        <a:srgbClr val="4F81BD"/>
-                      </a:solidFill>
-                    </a:lnR>
-                    <a:lnT w="12700" cmpd="sng">
-                      <a:solidFill>
-                        <a:srgbClr val="4F81BD"/>
-                      </a:solidFill>
-                    </a:lnT>
-                    <a:lnB w="25400" cmpd="sng">
-                      <a:solidFill>
-                        <a:srgbClr val="4F81BD"/>
-                      </a:solidFill>
-                    </a:lnB>
-                    <a:lnTlToBr w="12700" cmpd="sng">
-                      <a:noFill/>
-                      <a:prstDash val="solid"/>
-                    </a:lnTlToBr>
-                    <a:lnBlToTr w="12700" cmpd="sng">
-                      <a:noFill/>
-                      <a:prstDash val="solid"/>
-                    </a:lnBlToTr>
-                    <a:noFill/>
-                  </a:tcPr>
-                </a:tc>
-                <a:extLst>
-                  <a:ext uri="{0D108BD9-81ED-4DB2-BD59-A6C34878D82A}">
-                    <a16:rowId xmlns:a16="http://schemas.microsoft.com/office/drawing/2014/main" val="10000"/>
-                  </a:ext>
-                </a:extLst>
-              </a:tr>
-              <a:tr h="490923">
-                <a:tc>
-                  <a:txBody>
-                    <a:bodyPr/>
-                    <a:lstStyle>
-                      <a:lvl1pPr marL="0" algn="l" defTabSz="914400" rtl="0" eaLnBrk="1" latinLnBrk="0" hangingPunct="1">
-                        <a:defRPr sz="1800" kern="1200">
-                          <a:solidFill>
-                            <a:schemeClr val="tx1"/>
-                          </a:solidFill>
-                          <a:latin typeface="Arial"/>
-                          <a:ea typeface="微软雅黑"/>
-                        </a:defRPr>
-                      </a:lvl1pPr>
-                      <a:lvl2pPr marL="457200" algn="l" defTabSz="914400" rtl="0" eaLnBrk="1" latinLnBrk="0" hangingPunct="1">
-                        <a:defRPr sz="1800" kern="1200">
-                          <a:solidFill>
-                            <a:schemeClr val="tx1"/>
-                          </a:solidFill>
-                          <a:latin typeface="Arial"/>
-                          <a:ea typeface="微软雅黑"/>
-                        </a:defRPr>
-                      </a:lvl2pPr>
-                      <a:lvl3pPr marL="914400" algn="l" defTabSz="914400" rtl="0" eaLnBrk="1" latinLnBrk="0" hangingPunct="1">
-                        <a:defRPr sz="1800" kern="1200">
-                          <a:solidFill>
-                            <a:schemeClr val="tx1"/>
-                          </a:solidFill>
-                          <a:latin typeface="Arial"/>
-                          <a:ea typeface="微软雅黑"/>
-                        </a:defRPr>
-                      </a:lvl3pPr>
-                      <a:lvl4pPr marL="1371600" algn="l" defTabSz="914400" rtl="0" eaLnBrk="1" latinLnBrk="0" hangingPunct="1">
-                        <a:defRPr sz="1800" kern="1200">
-                          <a:solidFill>
-                            <a:schemeClr val="tx1"/>
-                          </a:solidFill>
-                          <a:latin typeface="Arial"/>
-                          <a:ea typeface="微软雅黑"/>
-                        </a:defRPr>
-                      </a:lvl4pPr>
-                      <a:lvl5pPr marL="1828800" algn="l" defTabSz="914400" rtl="0" eaLnBrk="1" latinLnBrk="0" hangingPunct="1">
-                        <a:defRPr sz="1800" kern="1200">
-                          <a:solidFill>
-                            <a:schemeClr val="tx1"/>
-                          </a:solidFill>
-                          <a:latin typeface="Arial"/>
-                          <a:ea typeface="微软雅黑"/>
-                        </a:defRPr>
-                      </a:lvl5pPr>
-                      <a:lvl6pPr marL="2286000" algn="l" defTabSz="914400" rtl="0" eaLnBrk="1" latinLnBrk="0" hangingPunct="1">
-                        <a:defRPr sz="1800" kern="1200">
-                          <a:solidFill>
-                            <a:schemeClr val="tx1"/>
-                          </a:solidFill>
-                          <a:latin typeface="Arial"/>
-                          <a:ea typeface="微软雅黑"/>
-                        </a:defRPr>
-                      </a:lvl6pPr>
-                      <a:lvl7pPr marL="2743200" algn="l" defTabSz="914400" rtl="0" eaLnBrk="1" latinLnBrk="0" hangingPunct="1">
-                        <a:defRPr sz="1800" kern="1200">
-                          <a:solidFill>
-                            <a:schemeClr val="tx1"/>
-                          </a:solidFill>
-                          <a:latin typeface="Arial"/>
-                          <a:ea typeface="微软雅黑"/>
-                        </a:defRPr>
-                      </a:lvl7pPr>
-                      <a:lvl8pPr marL="3200400" algn="l" defTabSz="914400" rtl="0" eaLnBrk="1" latinLnBrk="0" hangingPunct="1">
-                        <a:defRPr sz="1800" kern="1200">
-                          <a:solidFill>
-                            <a:schemeClr val="tx1"/>
-                          </a:solidFill>
-                          <a:latin typeface="Arial"/>
-                          <a:ea typeface="微软雅黑"/>
-                        </a:defRPr>
-                      </a:lvl8pPr>
-                      <a:lvl9pPr marL="3657600" algn="l" defTabSz="914400" rtl="0" eaLnBrk="1" latinLnBrk="0" hangingPunct="1">
-                        <a:defRPr sz="1800" kern="1200">
-                          <a:solidFill>
-                            <a:schemeClr val="tx1"/>
-                          </a:solidFill>
-                          <a:latin typeface="Arial"/>
-                          <a:ea typeface="微软雅黑"/>
-                        </a:defRPr>
-                      </a:lvl9pPr>
-                    </a:lstStyle>
-                    <a:p>
-                      <a:r>
-                        <a:rPr lang="en-US" altLang="zh-CN" sz="1600" b="1" dirty="0" smtClean="0"/>
-                        <a:t>WHY</a:t>
-                      </a:r>
-                      <a:endParaRPr lang="zh-CN" altLang="en-US" sz="1600" b="1" dirty="0"/>
-                    </a:p>
-                  </a:txBody>
-                  <a:tcPr>
-                    <a:lnL w="12700" cmpd="sng">
-                      <a:solidFill>
-                        <a:srgbClr val="4F81BD"/>
-                      </a:solidFill>
-                    </a:lnL>
-                    <a:lnR w="12700" cmpd="sng">
-                      <a:solidFill>
-                        <a:srgbClr val="4F81BD"/>
-                      </a:solidFill>
-                    </a:lnR>
-                    <a:lnT w="25400" cmpd="sng">
-                      <a:solidFill>
-                        <a:srgbClr val="4F81BD"/>
-                      </a:solidFill>
-                    </a:lnT>
-                    <a:lnB w="12700" cmpd="sng">
-                      <a:solidFill>
-                        <a:srgbClr val="4F81BD"/>
-                      </a:solidFill>
-                    </a:lnB>
-                    <a:lnTlToBr w="12700" cmpd="sng">
-                      <a:noFill/>
-                      <a:prstDash val="solid"/>
-                    </a:lnTlToBr>
-                    <a:lnBlToTr w="12700" cmpd="sng">
-                      <a:noFill/>
-                      <a:prstDash val="solid"/>
-                    </a:lnBlToTr>
-                    <a:solidFill>
-                      <a:srgbClr val="4F81BD">
-                        <a:alpha val="20000"/>
-                      </a:srgbClr>
-                    </a:solidFill>
-                  </a:tcPr>
-                </a:tc>
-                <a:tc>
-                  <a:txBody>
-                    <a:bodyPr/>
-                    <a:lstStyle>
-                      <a:lvl1pPr marL="0" algn="l" defTabSz="914400" rtl="0" eaLnBrk="1" latinLnBrk="0" hangingPunct="1">
-                        <a:defRPr sz="1800" kern="1200">
-                          <a:solidFill>
-                            <a:schemeClr val="tx1"/>
-                          </a:solidFill>
-                          <a:latin typeface="Arial"/>
-                          <a:ea typeface="微软雅黑"/>
-                        </a:defRPr>
-                      </a:lvl1pPr>
-                      <a:lvl2pPr marL="457200" algn="l" defTabSz="914400" rtl="0" eaLnBrk="1" latinLnBrk="0" hangingPunct="1">
-                        <a:defRPr sz="1800" kern="1200">
-                          <a:solidFill>
-                            <a:schemeClr val="tx1"/>
-                          </a:solidFill>
-                          <a:latin typeface="Arial"/>
-                          <a:ea typeface="微软雅黑"/>
-                        </a:defRPr>
-                      </a:lvl2pPr>
-                      <a:lvl3pPr marL="914400" algn="l" defTabSz="914400" rtl="0" eaLnBrk="1" latinLnBrk="0" hangingPunct="1">
-                        <a:defRPr sz="1800" kern="1200">
-                          <a:solidFill>
-                            <a:schemeClr val="tx1"/>
-                          </a:solidFill>
-                          <a:latin typeface="Arial"/>
-                          <a:ea typeface="微软雅黑"/>
-                        </a:defRPr>
-                      </a:lvl3pPr>
-                      <a:lvl4pPr marL="1371600" algn="l" defTabSz="914400" rtl="0" eaLnBrk="1" latinLnBrk="0" hangingPunct="1">
-                        <a:defRPr sz="1800" kern="1200">
-                          <a:solidFill>
-                            <a:schemeClr val="tx1"/>
-                          </a:solidFill>
-                          <a:latin typeface="Arial"/>
-                          <a:ea typeface="微软雅黑"/>
-                        </a:defRPr>
-                      </a:lvl4pPr>
-                      <a:lvl5pPr marL="1828800" algn="l" defTabSz="914400" rtl="0" eaLnBrk="1" latinLnBrk="0" hangingPunct="1">
-                        <a:defRPr sz="1800" kern="1200">
-                          <a:solidFill>
-                            <a:schemeClr val="tx1"/>
-                          </a:solidFill>
-                          <a:latin typeface="Arial"/>
-                          <a:ea typeface="微软雅黑"/>
-                        </a:defRPr>
-                      </a:lvl5pPr>
-                      <a:lvl6pPr marL="2286000" algn="l" defTabSz="914400" rtl="0" eaLnBrk="1" latinLnBrk="0" hangingPunct="1">
-                        <a:defRPr sz="1800" kern="1200">
-                          <a:solidFill>
-                            <a:schemeClr val="tx1"/>
-                          </a:solidFill>
-                          <a:latin typeface="Arial"/>
-                          <a:ea typeface="微软雅黑"/>
-                        </a:defRPr>
-                      </a:lvl6pPr>
-                      <a:lvl7pPr marL="2743200" algn="l" defTabSz="914400" rtl="0" eaLnBrk="1" latinLnBrk="0" hangingPunct="1">
-                        <a:defRPr sz="1800" kern="1200">
-                          <a:solidFill>
-                            <a:schemeClr val="tx1"/>
-                          </a:solidFill>
-                          <a:latin typeface="Arial"/>
-                          <a:ea typeface="微软雅黑"/>
-                        </a:defRPr>
-                      </a:lvl7pPr>
-                      <a:lvl8pPr marL="3200400" algn="l" defTabSz="914400" rtl="0" eaLnBrk="1" latinLnBrk="0" hangingPunct="1">
-                        <a:defRPr sz="1800" kern="1200">
-                          <a:solidFill>
-                            <a:schemeClr val="tx1"/>
-                          </a:solidFill>
-                          <a:latin typeface="Arial"/>
-                          <a:ea typeface="微软雅黑"/>
-                        </a:defRPr>
-                      </a:lvl8pPr>
-                      <a:lvl9pPr marL="3657600" algn="l" defTabSz="914400" rtl="0" eaLnBrk="1" latinLnBrk="0" hangingPunct="1">
-                        <a:defRPr sz="1800" kern="1200">
-                          <a:solidFill>
-                            <a:schemeClr val="tx1"/>
-                          </a:solidFill>
-                          <a:latin typeface="Arial"/>
-                          <a:ea typeface="微软雅黑"/>
-                        </a:defRPr>
-                      </a:lvl9pPr>
-                    </a:lstStyle>
-                    <a:p>
-                      <a:r>
-                        <a:rPr lang="zh-CN" altLang="en-US" sz="1600" b="0" dirty="0" smtClean="0"/>
-                        <a:t>执行计划</a:t>
-                      </a:r>
-                      <a:r>
-                        <a:rPr lang="en-US" altLang="zh-CN" sz="1600" b="0" dirty="0" smtClean="0"/>
-                        <a:t>/</a:t>
-                      </a:r>
-                      <a:r>
-                        <a:rPr lang="zh-CN" altLang="en-US" sz="1600" b="0" dirty="0" smtClean="0"/>
-                        <a:t>项目的原由</a:t>
-                      </a:r>
-                      <a:endParaRPr lang="zh-CN" altLang="en-US" sz="1600" b="0" dirty="0"/>
-                    </a:p>
-                  </a:txBody>
-                  <a:tcPr>
-                    <a:lnL w="12700" cmpd="sng">
-                      <a:solidFill>
-                        <a:srgbClr val="4F81BD"/>
-                      </a:solidFill>
-                    </a:lnL>
-                    <a:lnR w="12700" cmpd="sng">
-                      <a:solidFill>
-                        <a:srgbClr val="4F81BD"/>
-                      </a:solidFill>
-                    </a:lnR>
-                    <a:lnT w="25400" cmpd="sng">
-                      <a:solidFill>
-                        <a:srgbClr val="4F81BD"/>
-                      </a:solidFill>
-                    </a:lnT>
-                    <a:lnB w="12700" cmpd="sng">
-                      <a:solidFill>
-                        <a:srgbClr val="4F81BD"/>
-                      </a:solidFill>
-                    </a:lnB>
-                    <a:lnTlToBr w="12700" cmpd="sng">
-                      <a:noFill/>
-                      <a:prstDash val="solid"/>
-                    </a:lnTlToBr>
-                    <a:lnBlToTr w="12700" cmpd="sng">
-                      <a:noFill/>
-                      <a:prstDash val="solid"/>
-                    </a:lnBlToTr>
-                    <a:solidFill>
-                      <a:srgbClr val="4F81BD">
-                        <a:alpha val="20000"/>
-                      </a:srgbClr>
-                    </a:solidFill>
-                  </a:tcPr>
-                </a:tc>
-                <a:extLst>
-                  <a:ext uri="{0D108BD9-81ED-4DB2-BD59-A6C34878D82A}">
-                    <a16:rowId xmlns:a16="http://schemas.microsoft.com/office/drawing/2014/main" val="10001"/>
-                  </a:ext>
-                </a:extLst>
-              </a:tr>
-              <a:tr h="497741">
-                <a:tc>
-                  <a:txBody>
-                    <a:bodyPr/>
-                    <a:lstStyle>
-                      <a:lvl1pPr marL="0" algn="l" defTabSz="914400" rtl="0" eaLnBrk="1" latinLnBrk="0" hangingPunct="1">
-                        <a:defRPr sz="1800" kern="1200">
-                          <a:solidFill>
-                            <a:schemeClr val="tx1"/>
-                          </a:solidFill>
-                          <a:latin typeface="Arial"/>
-                          <a:ea typeface="微软雅黑"/>
-                        </a:defRPr>
-                      </a:lvl1pPr>
-                      <a:lvl2pPr marL="457200" algn="l" defTabSz="914400" rtl="0" eaLnBrk="1" latinLnBrk="0" hangingPunct="1">
-                        <a:defRPr sz="1800" kern="1200">
-                          <a:solidFill>
-                            <a:schemeClr val="tx1"/>
-                          </a:solidFill>
-                          <a:latin typeface="Arial"/>
-                          <a:ea typeface="微软雅黑"/>
-                        </a:defRPr>
-                      </a:lvl2pPr>
-                      <a:lvl3pPr marL="914400" algn="l" defTabSz="914400" rtl="0" eaLnBrk="1" latinLnBrk="0" hangingPunct="1">
-                        <a:defRPr sz="1800" kern="1200">
-                          <a:solidFill>
-                            <a:schemeClr val="tx1"/>
-                          </a:solidFill>
-                          <a:latin typeface="Arial"/>
-                          <a:ea typeface="微软雅黑"/>
-                        </a:defRPr>
-                      </a:lvl3pPr>
-                      <a:lvl4pPr marL="1371600" algn="l" defTabSz="914400" rtl="0" eaLnBrk="1" latinLnBrk="0" hangingPunct="1">
-                        <a:defRPr sz="1800" kern="1200">
-                          <a:solidFill>
-                            <a:schemeClr val="tx1"/>
-                          </a:solidFill>
-                          <a:latin typeface="Arial"/>
-                          <a:ea typeface="微软雅黑"/>
-                        </a:defRPr>
-                      </a:lvl4pPr>
-                      <a:lvl5pPr marL="1828800" algn="l" defTabSz="914400" rtl="0" eaLnBrk="1" latinLnBrk="0" hangingPunct="1">
-                        <a:defRPr sz="1800" kern="1200">
-                          <a:solidFill>
-                            <a:schemeClr val="tx1"/>
-                          </a:solidFill>
-                          <a:latin typeface="Arial"/>
-                          <a:ea typeface="微软雅黑"/>
-                        </a:defRPr>
-                      </a:lvl5pPr>
-                      <a:lvl6pPr marL="2286000" algn="l" defTabSz="914400" rtl="0" eaLnBrk="1" latinLnBrk="0" hangingPunct="1">
-                        <a:defRPr sz="1800" kern="1200">
-                          <a:solidFill>
-                            <a:schemeClr val="tx1"/>
-                          </a:solidFill>
-                          <a:latin typeface="Arial"/>
-                          <a:ea typeface="微软雅黑"/>
-                        </a:defRPr>
-                      </a:lvl6pPr>
-                      <a:lvl7pPr marL="2743200" algn="l" defTabSz="914400" rtl="0" eaLnBrk="1" latinLnBrk="0" hangingPunct="1">
-                        <a:defRPr sz="1800" kern="1200">
-                          <a:solidFill>
-                            <a:schemeClr val="tx1"/>
-                          </a:solidFill>
-                          <a:latin typeface="Arial"/>
-                          <a:ea typeface="微软雅黑"/>
-                        </a:defRPr>
-                      </a:lvl7pPr>
-                      <a:lvl8pPr marL="3200400" algn="l" defTabSz="914400" rtl="0" eaLnBrk="1" latinLnBrk="0" hangingPunct="1">
-                        <a:defRPr sz="1800" kern="1200">
-                          <a:solidFill>
-                            <a:schemeClr val="tx1"/>
-                          </a:solidFill>
-                          <a:latin typeface="Arial"/>
-                          <a:ea typeface="微软雅黑"/>
-                        </a:defRPr>
-                      </a:lvl8pPr>
-                      <a:lvl9pPr marL="3657600" algn="l" defTabSz="914400" rtl="0" eaLnBrk="1" latinLnBrk="0" hangingPunct="1">
-                        <a:defRPr sz="1800" kern="1200">
-                          <a:solidFill>
-                            <a:schemeClr val="tx1"/>
-                          </a:solidFill>
-                          <a:latin typeface="Arial"/>
-                          <a:ea typeface="微软雅黑"/>
-                        </a:defRPr>
-                      </a:lvl9pPr>
-                    </a:lstStyle>
-                    <a:p>
-                      <a:r>
-                        <a:rPr lang="en-US" altLang="zh-CN" sz="1600" b="1" dirty="0" smtClean="0"/>
-                        <a:t>WHERE</a:t>
-                      </a:r>
-                      <a:endParaRPr lang="zh-CN" altLang="en-US" sz="1600" b="1" dirty="0"/>
-                    </a:p>
-                  </a:txBody>
-                  <a:tcPr>
-                    <a:lnL w="12700" cmpd="sng">
-                      <a:solidFill>
-                        <a:srgbClr val="4F81BD"/>
-                      </a:solidFill>
-                    </a:lnL>
-                    <a:lnR w="12700" cmpd="sng">
-                      <a:solidFill>
-                        <a:srgbClr val="4F81BD"/>
-                      </a:solidFill>
-                    </a:lnR>
-                    <a:lnT w="12700" cmpd="sng">
-                      <a:solidFill>
-                        <a:srgbClr val="4F81BD"/>
-                      </a:solidFill>
-                    </a:lnT>
-                    <a:lnB w="12700" cmpd="sng">
-                      <a:solidFill>
-                        <a:srgbClr val="4F81BD"/>
-                      </a:solidFill>
-                    </a:lnB>
-                    <a:lnTlToBr w="12700" cmpd="sng">
-                      <a:noFill/>
-                      <a:prstDash val="solid"/>
-                    </a:lnTlToBr>
-                    <a:lnBlToTr w="12700" cmpd="sng">
-                      <a:noFill/>
-                      <a:prstDash val="solid"/>
-                    </a:lnBlToTr>
-                    <a:noFill/>
-                  </a:tcPr>
-                </a:tc>
-                <a:tc>
-                  <a:txBody>
-                    <a:bodyPr/>
-                    <a:lstStyle>
-                      <a:lvl1pPr marL="0" algn="l" defTabSz="914400" rtl="0" eaLnBrk="1" latinLnBrk="0" hangingPunct="1">
-                        <a:defRPr sz="1800" kern="1200">
-                          <a:solidFill>
-                            <a:schemeClr val="tx1"/>
-                          </a:solidFill>
-                          <a:latin typeface="Arial"/>
-                          <a:ea typeface="微软雅黑"/>
-                        </a:defRPr>
-                      </a:lvl1pPr>
-                      <a:lvl2pPr marL="457200" algn="l" defTabSz="914400" rtl="0" eaLnBrk="1" latinLnBrk="0" hangingPunct="1">
-                        <a:defRPr sz="1800" kern="1200">
-                          <a:solidFill>
-                            <a:schemeClr val="tx1"/>
-                          </a:solidFill>
-                          <a:latin typeface="Arial"/>
-                          <a:ea typeface="微软雅黑"/>
-                        </a:defRPr>
-                      </a:lvl2pPr>
-                      <a:lvl3pPr marL="914400" algn="l" defTabSz="914400" rtl="0" eaLnBrk="1" latinLnBrk="0" hangingPunct="1">
-                        <a:defRPr sz="1800" kern="1200">
-                          <a:solidFill>
-                            <a:schemeClr val="tx1"/>
-                          </a:solidFill>
-                          <a:latin typeface="Arial"/>
-                          <a:ea typeface="微软雅黑"/>
-                        </a:defRPr>
-                      </a:lvl3pPr>
-                      <a:lvl4pPr marL="1371600" algn="l" defTabSz="914400" rtl="0" eaLnBrk="1" latinLnBrk="0" hangingPunct="1">
-                        <a:defRPr sz="1800" kern="1200">
-                          <a:solidFill>
-                            <a:schemeClr val="tx1"/>
-                          </a:solidFill>
-                          <a:latin typeface="Arial"/>
-                          <a:ea typeface="微软雅黑"/>
-                        </a:defRPr>
-                      </a:lvl4pPr>
-                      <a:lvl5pPr marL="1828800" algn="l" defTabSz="914400" rtl="0" eaLnBrk="1" latinLnBrk="0" hangingPunct="1">
-                        <a:defRPr sz="1800" kern="1200">
-                          <a:solidFill>
-                            <a:schemeClr val="tx1"/>
-                          </a:solidFill>
-                          <a:latin typeface="Arial"/>
-                          <a:ea typeface="微软雅黑"/>
-                        </a:defRPr>
-                      </a:lvl5pPr>
-                      <a:lvl6pPr marL="2286000" algn="l" defTabSz="914400" rtl="0" eaLnBrk="1" latinLnBrk="0" hangingPunct="1">
-                        <a:defRPr sz="1800" kern="1200">
-                          <a:solidFill>
-                            <a:schemeClr val="tx1"/>
-                          </a:solidFill>
-                          <a:latin typeface="Arial"/>
-                          <a:ea typeface="微软雅黑"/>
-                        </a:defRPr>
-                      </a:lvl6pPr>
-                      <a:lvl7pPr marL="2743200" algn="l" defTabSz="914400" rtl="0" eaLnBrk="1" latinLnBrk="0" hangingPunct="1">
-                        <a:defRPr sz="1800" kern="1200">
-                          <a:solidFill>
-                            <a:schemeClr val="tx1"/>
-                          </a:solidFill>
-                          <a:latin typeface="Arial"/>
-                          <a:ea typeface="微软雅黑"/>
-                        </a:defRPr>
-                      </a:lvl7pPr>
-                      <a:lvl8pPr marL="3200400" algn="l" defTabSz="914400" rtl="0" eaLnBrk="1" latinLnBrk="0" hangingPunct="1">
-                        <a:defRPr sz="1800" kern="1200">
-                          <a:solidFill>
-                            <a:schemeClr val="tx1"/>
-                          </a:solidFill>
-                          <a:latin typeface="Arial"/>
-                          <a:ea typeface="微软雅黑"/>
-                        </a:defRPr>
-                      </a:lvl8pPr>
-                      <a:lvl9pPr marL="3657600" algn="l" defTabSz="914400" rtl="0" eaLnBrk="1" latinLnBrk="0" hangingPunct="1">
-                        <a:defRPr sz="1800" kern="1200">
-                          <a:solidFill>
-                            <a:schemeClr val="tx1"/>
-                          </a:solidFill>
-                          <a:latin typeface="Arial"/>
-                          <a:ea typeface="微软雅黑"/>
-                        </a:defRPr>
-                      </a:lvl9pPr>
-                    </a:lstStyle>
-                    <a:p>
-                      <a:r>
-                        <a:rPr lang="zh-CN" altLang="en-US" sz="1600" b="0" dirty="0" smtClean="0"/>
-                        <a:t>执行计划</a:t>
-                      </a:r>
-                      <a:r>
-                        <a:rPr lang="en-US" altLang="zh-CN" sz="1600" b="0" dirty="0" smtClean="0"/>
-                        <a:t>/</a:t>
-                      </a:r>
-                      <a:r>
-                        <a:rPr lang="zh-CN" altLang="en-US" sz="1600" b="0" dirty="0" smtClean="0"/>
-                        <a:t>项目的地点</a:t>
-                      </a:r>
-                      <a:endParaRPr lang="zh-CN" altLang="en-US" sz="1600" b="0" dirty="0"/>
-                    </a:p>
-                  </a:txBody>
-                  <a:tcPr>
-                    <a:lnL w="12700" cmpd="sng">
-                      <a:solidFill>
-                        <a:srgbClr val="4F81BD"/>
-                      </a:solidFill>
-                    </a:lnL>
-                    <a:lnR w="12700" cmpd="sng">
-                      <a:solidFill>
-                        <a:srgbClr val="4F81BD"/>
-                      </a:solidFill>
-                    </a:lnR>
-                    <a:lnT w="12700" cmpd="sng">
-                      <a:solidFill>
-                        <a:srgbClr val="4F81BD"/>
-                      </a:solidFill>
-                    </a:lnT>
-                    <a:lnB w="12700" cmpd="sng">
-                      <a:solidFill>
-                        <a:srgbClr val="4F81BD"/>
-                      </a:solidFill>
-                    </a:lnB>
-                    <a:lnTlToBr w="12700" cmpd="sng">
-                      <a:noFill/>
-                      <a:prstDash val="solid"/>
-                    </a:lnTlToBr>
-                    <a:lnBlToTr w="12700" cmpd="sng">
-                      <a:noFill/>
-                      <a:prstDash val="solid"/>
-                    </a:lnBlToTr>
-                    <a:noFill/>
-                  </a:tcPr>
-                </a:tc>
-                <a:extLst>
-                  <a:ext uri="{0D108BD9-81ED-4DB2-BD59-A6C34878D82A}">
-                    <a16:rowId xmlns:a16="http://schemas.microsoft.com/office/drawing/2014/main" val="10002"/>
-                  </a:ext>
-                </a:extLst>
-              </a:tr>
-              <a:tr h="497741">
-                <a:tc>
-                  <a:txBody>
-                    <a:bodyPr/>
-                    <a:lstStyle>
-                      <a:lvl1pPr marL="0" algn="l" defTabSz="914400" rtl="0" eaLnBrk="1" latinLnBrk="0" hangingPunct="1">
-                        <a:defRPr sz="1800" kern="1200">
-                          <a:solidFill>
-                            <a:schemeClr val="tx1"/>
-                          </a:solidFill>
-                          <a:latin typeface="Arial"/>
-                          <a:ea typeface="微软雅黑"/>
-                        </a:defRPr>
-                      </a:lvl1pPr>
-                      <a:lvl2pPr marL="457200" algn="l" defTabSz="914400" rtl="0" eaLnBrk="1" latinLnBrk="0" hangingPunct="1">
-                        <a:defRPr sz="1800" kern="1200">
-                          <a:solidFill>
-                            <a:schemeClr val="tx1"/>
-                          </a:solidFill>
-                          <a:latin typeface="Arial"/>
-                          <a:ea typeface="微软雅黑"/>
-                        </a:defRPr>
-                      </a:lvl2pPr>
-                      <a:lvl3pPr marL="914400" algn="l" defTabSz="914400" rtl="0" eaLnBrk="1" latinLnBrk="0" hangingPunct="1">
-                        <a:defRPr sz="1800" kern="1200">
-                          <a:solidFill>
-                            <a:schemeClr val="tx1"/>
-                          </a:solidFill>
-                          <a:latin typeface="Arial"/>
-                          <a:ea typeface="微软雅黑"/>
-                        </a:defRPr>
-                      </a:lvl3pPr>
-                      <a:lvl4pPr marL="1371600" algn="l" defTabSz="914400" rtl="0" eaLnBrk="1" latinLnBrk="0" hangingPunct="1">
-                        <a:defRPr sz="1800" kern="1200">
-                          <a:solidFill>
-                            <a:schemeClr val="tx1"/>
-                          </a:solidFill>
-                          <a:latin typeface="Arial"/>
-                          <a:ea typeface="微软雅黑"/>
-                        </a:defRPr>
-                      </a:lvl4pPr>
-                      <a:lvl5pPr marL="1828800" algn="l" defTabSz="914400" rtl="0" eaLnBrk="1" latinLnBrk="0" hangingPunct="1">
-                        <a:defRPr sz="1800" kern="1200">
-                          <a:solidFill>
-                            <a:schemeClr val="tx1"/>
-                          </a:solidFill>
-                          <a:latin typeface="Arial"/>
-                          <a:ea typeface="微软雅黑"/>
-                        </a:defRPr>
-                      </a:lvl5pPr>
-                      <a:lvl6pPr marL="2286000" algn="l" defTabSz="914400" rtl="0" eaLnBrk="1" latinLnBrk="0" hangingPunct="1">
-                        <a:defRPr sz="1800" kern="1200">
-                          <a:solidFill>
-                            <a:schemeClr val="tx1"/>
-                          </a:solidFill>
-                          <a:latin typeface="Arial"/>
-                          <a:ea typeface="微软雅黑"/>
-                        </a:defRPr>
-                      </a:lvl6pPr>
-                      <a:lvl7pPr marL="2743200" algn="l" defTabSz="914400" rtl="0" eaLnBrk="1" latinLnBrk="0" hangingPunct="1">
-                        <a:defRPr sz="1800" kern="1200">
-                          <a:solidFill>
-                            <a:schemeClr val="tx1"/>
-                          </a:solidFill>
-                          <a:latin typeface="Arial"/>
-                          <a:ea typeface="微软雅黑"/>
-                        </a:defRPr>
-                      </a:lvl7pPr>
-                      <a:lvl8pPr marL="3200400" algn="l" defTabSz="914400" rtl="0" eaLnBrk="1" latinLnBrk="0" hangingPunct="1">
-                        <a:defRPr sz="1800" kern="1200">
-                          <a:solidFill>
-                            <a:schemeClr val="tx1"/>
-                          </a:solidFill>
-                          <a:latin typeface="Arial"/>
-                          <a:ea typeface="微软雅黑"/>
-                        </a:defRPr>
-                      </a:lvl8pPr>
-                      <a:lvl9pPr marL="3657600" algn="l" defTabSz="914400" rtl="0" eaLnBrk="1" latinLnBrk="0" hangingPunct="1">
-                        <a:defRPr sz="1800" kern="1200">
-                          <a:solidFill>
-                            <a:schemeClr val="tx1"/>
-                          </a:solidFill>
-                          <a:latin typeface="Arial"/>
-                          <a:ea typeface="微软雅黑"/>
-                        </a:defRPr>
-                      </a:lvl9pPr>
-                    </a:lstStyle>
-                    <a:p>
-                      <a:r>
-                        <a:rPr lang="en-US" altLang="zh-CN" sz="1600" b="1" dirty="0" smtClean="0"/>
-                        <a:t>WHEN</a:t>
-                      </a:r>
-                      <a:endParaRPr lang="zh-CN" altLang="en-US" sz="1600" b="1" dirty="0"/>
-                    </a:p>
-                  </a:txBody>
-                  <a:tcPr>
-                    <a:lnL w="12700" cmpd="sng">
-                      <a:solidFill>
-                        <a:srgbClr val="4F81BD"/>
-                      </a:solidFill>
-                    </a:lnL>
-                    <a:lnR w="12700" cmpd="sng">
-                      <a:solidFill>
-                        <a:srgbClr val="4F81BD"/>
-                      </a:solidFill>
-                    </a:lnR>
-                    <a:lnT w="12700" cmpd="sng">
-                      <a:solidFill>
-                        <a:srgbClr val="4F81BD"/>
-                      </a:solidFill>
-                    </a:lnT>
-                    <a:lnB w="12700" cmpd="sng">
-                      <a:solidFill>
-                        <a:srgbClr val="4F81BD"/>
-                      </a:solidFill>
-                    </a:lnB>
-                    <a:lnTlToBr w="12700" cmpd="sng">
-                      <a:noFill/>
-                      <a:prstDash val="solid"/>
-                    </a:lnTlToBr>
-                    <a:lnBlToTr w="12700" cmpd="sng">
-                      <a:noFill/>
-                      <a:prstDash val="solid"/>
-                    </a:lnBlToTr>
-                    <a:solidFill>
-                      <a:srgbClr val="4F81BD">
-                        <a:alpha val="20000"/>
-                      </a:srgbClr>
-                    </a:solidFill>
-                  </a:tcPr>
-                </a:tc>
-                <a:tc>
-                  <a:txBody>
-                    <a:bodyPr/>
-                    <a:lstStyle>
-                      <a:lvl1pPr marL="0" algn="l" defTabSz="914400" rtl="0" eaLnBrk="1" latinLnBrk="0" hangingPunct="1">
-                        <a:defRPr sz="1800" kern="1200">
-                          <a:solidFill>
-                            <a:schemeClr val="tx1"/>
-                          </a:solidFill>
-                          <a:latin typeface="Arial"/>
-                          <a:ea typeface="微软雅黑"/>
-                        </a:defRPr>
-                      </a:lvl1pPr>
-                      <a:lvl2pPr marL="457200" algn="l" defTabSz="914400" rtl="0" eaLnBrk="1" latinLnBrk="0" hangingPunct="1">
-                        <a:defRPr sz="1800" kern="1200">
-                          <a:solidFill>
-                            <a:schemeClr val="tx1"/>
-                          </a:solidFill>
-                          <a:latin typeface="Arial"/>
-                          <a:ea typeface="微软雅黑"/>
-                        </a:defRPr>
-                      </a:lvl2pPr>
-                      <a:lvl3pPr marL="914400" algn="l" defTabSz="914400" rtl="0" eaLnBrk="1" latinLnBrk="0" hangingPunct="1">
-                        <a:defRPr sz="1800" kern="1200">
-                          <a:solidFill>
-                            <a:schemeClr val="tx1"/>
-                          </a:solidFill>
-                          <a:latin typeface="Arial"/>
-                          <a:ea typeface="微软雅黑"/>
-                        </a:defRPr>
-                      </a:lvl3pPr>
-                      <a:lvl4pPr marL="1371600" algn="l" defTabSz="914400" rtl="0" eaLnBrk="1" latinLnBrk="0" hangingPunct="1">
-                        <a:defRPr sz="1800" kern="1200">
-                          <a:solidFill>
-                            <a:schemeClr val="tx1"/>
-                          </a:solidFill>
-                          <a:latin typeface="Arial"/>
-                          <a:ea typeface="微软雅黑"/>
-                        </a:defRPr>
-                      </a:lvl4pPr>
-                      <a:lvl5pPr marL="1828800" algn="l" defTabSz="914400" rtl="0" eaLnBrk="1" latinLnBrk="0" hangingPunct="1">
-                        <a:defRPr sz="1800" kern="1200">
-                          <a:solidFill>
-                            <a:schemeClr val="tx1"/>
-                          </a:solidFill>
-                          <a:latin typeface="Arial"/>
-                          <a:ea typeface="微软雅黑"/>
-                        </a:defRPr>
-                      </a:lvl5pPr>
-                      <a:lvl6pPr marL="2286000" algn="l" defTabSz="914400" rtl="0" eaLnBrk="1" latinLnBrk="0" hangingPunct="1">
-                        <a:defRPr sz="1800" kern="1200">
-                          <a:solidFill>
-                            <a:schemeClr val="tx1"/>
-                          </a:solidFill>
-                          <a:latin typeface="Arial"/>
-                          <a:ea typeface="微软雅黑"/>
-                        </a:defRPr>
-                      </a:lvl6pPr>
-                      <a:lvl7pPr marL="2743200" algn="l" defTabSz="914400" rtl="0" eaLnBrk="1" latinLnBrk="0" hangingPunct="1">
-                        <a:defRPr sz="1800" kern="1200">
-                          <a:solidFill>
-                            <a:schemeClr val="tx1"/>
-                          </a:solidFill>
-                          <a:latin typeface="Arial"/>
-                          <a:ea typeface="微软雅黑"/>
-                        </a:defRPr>
-                      </a:lvl7pPr>
-                      <a:lvl8pPr marL="3200400" algn="l" defTabSz="914400" rtl="0" eaLnBrk="1" latinLnBrk="0" hangingPunct="1">
-                        <a:defRPr sz="1800" kern="1200">
-                          <a:solidFill>
-                            <a:schemeClr val="tx1"/>
-                          </a:solidFill>
-                          <a:latin typeface="Arial"/>
-                          <a:ea typeface="微软雅黑"/>
-                        </a:defRPr>
-                      </a:lvl8pPr>
-                      <a:lvl9pPr marL="3657600" algn="l" defTabSz="914400" rtl="0" eaLnBrk="1" latinLnBrk="0" hangingPunct="1">
-                        <a:defRPr sz="1800" kern="1200">
-                          <a:solidFill>
-                            <a:schemeClr val="tx1"/>
-                          </a:solidFill>
-                          <a:latin typeface="Arial"/>
-                          <a:ea typeface="微软雅黑"/>
-                        </a:defRPr>
-                      </a:lvl9pPr>
-                    </a:lstStyle>
-                    <a:p>
-                      <a:r>
-                        <a:rPr lang="zh-CN" altLang="en-US" sz="1600" b="0" dirty="0" smtClean="0"/>
-                        <a:t>工作计划开始、结束的时间</a:t>
-                      </a:r>
-                      <a:endParaRPr lang="en-US" altLang="zh-CN" sz="1600" b="0" dirty="0" smtClean="0"/>
-                    </a:p>
-                  </a:txBody>
-                  <a:tcPr>
-                    <a:lnL w="12700" cmpd="sng">
-                      <a:solidFill>
-                        <a:srgbClr val="4F81BD"/>
-                      </a:solidFill>
-                    </a:lnL>
-                    <a:lnR w="12700" cmpd="sng">
-                      <a:solidFill>
-                        <a:srgbClr val="4F81BD"/>
-                      </a:solidFill>
-                    </a:lnR>
-                    <a:lnT w="12700" cmpd="sng">
-                      <a:solidFill>
-                        <a:srgbClr val="4F81BD"/>
-                      </a:solidFill>
-                    </a:lnT>
-                    <a:lnB w="12700" cmpd="sng">
-                      <a:solidFill>
-                        <a:srgbClr val="4F81BD"/>
-                      </a:solidFill>
-                    </a:lnB>
-                    <a:lnTlToBr w="12700" cmpd="sng">
-                      <a:noFill/>
-                      <a:prstDash val="solid"/>
-                    </a:lnTlToBr>
-                    <a:lnBlToTr w="12700" cmpd="sng">
-                      <a:noFill/>
-                      <a:prstDash val="solid"/>
-                    </a:lnBlToTr>
-                    <a:solidFill>
-                      <a:srgbClr val="4F81BD">
-                        <a:alpha val="20000"/>
-                      </a:srgbClr>
-                    </a:solidFill>
-                  </a:tcPr>
-                </a:tc>
-                <a:extLst>
-                  <a:ext uri="{0D108BD9-81ED-4DB2-BD59-A6C34878D82A}">
-                    <a16:rowId xmlns:a16="http://schemas.microsoft.com/office/drawing/2014/main" val="10003"/>
-                  </a:ext>
-                </a:extLst>
-              </a:tr>
-              <a:tr h="490923">
-                <a:tc>
-                  <a:txBody>
-                    <a:bodyPr/>
-                    <a:lstStyle>
-                      <a:lvl1pPr marL="0" algn="l" defTabSz="914400" rtl="0" eaLnBrk="1" latinLnBrk="0" hangingPunct="1">
-                        <a:defRPr sz="1800" kern="1200">
-                          <a:solidFill>
-                            <a:schemeClr val="tx1"/>
-                          </a:solidFill>
-                          <a:latin typeface="Arial"/>
-                          <a:ea typeface="微软雅黑"/>
-                        </a:defRPr>
-                      </a:lvl1pPr>
-                      <a:lvl2pPr marL="457200" algn="l" defTabSz="914400" rtl="0" eaLnBrk="1" latinLnBrk="0" hangingPunct="1">
-                        <a:defRPr sz="1800" kern="1200">
-                          <a:solidFill>
-                            <a:schemeClr val="tx1"/>
-                          </a:solidFill>
-                          <a:latin typeface="Arial"/>
-                          <a:ea typeface="微软雅黑"/>
-                        </a:defRPr>
-                      </a:lvl2pPr>
-                      <a:lvl3pPr marL="914400" algn="l" defTabSz="914400" rtl="0" eaLnBrk="1" latinLnBrk="0" hangingPunct="1">
-                        <a:defRPr sz="1800" kern="1200">
-                          <a:solidFill>
-                            <a:schemeClr val="tx1"/>
-                          </a:solidFill>
-                          <a:latin typeface="Arial"/>
-                          <a:ea typeface="微软雅黑"/>
-                        </a:defRPr>
-                      </a:lvl3pPr>
-                      <a:lvl4pPr marL="1371600" algn="l" defTabSz="914400" rtl="0" eaLnBrk="1" latinLnBrk="0" hangingPunct="1">
-                        <a:defRPr sz="1800" kern="1200">
-                          <a:solidFill>
-                            <a:schemeClr val="tx1"/>
-                          </a:solidFill>
-                          <a:latin typeface="Arial"/>
-                          <a:ea typeface="微软雅黑"/>
-                        </a:defRPr>
-                      </a:lvl4pPr>
-                      <a:lvl5pPr marL="1828800" algn="l" defTabSz="914400" rtl="0" eaLnBrk="1" latinLnBrk="0" hangingPunct="1">
-                        <a:defRPr sz="1800" kern="1200">
-                          <a:solidFill>
-                            <a:schemeClr val="tx1"/>
-                          </a:solidFill>
-                          <a:latin typeface="Arial"/>
-                          <a:ea typeface="微软雅黑"/>
-                        </a:defRPr>
-                      </a:lvl5pPr>
-                      <a:lvl6pPr marL="2286000" algn="l" defTabSz="914400" rtl="0" eaLnBrk="1" latinLnBrk="0" hangingPunct="1">
-                        <a:defRPr sz="1800" kern="1200">
-                          <a:solidFill>
-                            <a:schemeClr val="tx1"/>
-                          </a:solidFill>
-                          <a:latin typeface="Arial"/>
-                          <a:ea typeface="微软雅黑"/>
-                        </a:defRPr>
-                      </a:lvl6pPr>
-                      <a:lvl7pPr marL="2743200" algn="l" defTabSz="914400" rtl="0" eaLnBrk="1" latinLnBrk="0" hangingPunct="1">
-                        <a:defRPr sz="1800" kern="1200">
-                          <a:solidFill>
-                            <a:schemeClr val="tx1"/>
-                          </a:solidFill>
-                          <a:latin typeface="Arial"/>
-                          <a:ea typeface="微软雅黑"/>
-                        </a:defRPr>
-                      </a:lvl7pPr>
-                      <a:lvl8pPr marL="3200400" algn="l" defTabSz="914400" rtl="0" eaLnBrk="1" latinLnBrk="0" hangingPunct="1">
-                        <a:defRPr sz="1800" kern="1200">
-                          <a:solidFill>
-                            <a:schemeClr val="tx1"/>
-                          </a:solidFill>
-                          <a:latin typeface="Arial"/>
-                          <a:ea typeface="微软雅黑"/>
-                        </a:defRPr>
-                      </a:lvl8pPr>
-                      <a:lvl9pPr marL="3657600" algn="l" defTabSz="914400" rtl="0" eaLnBrk="1" latinLnBrk="0" hangingPunct="1">
-                        <a:defRPr sz="1800" kern="1200">
-                          <a:solidFill>
-                            <a:schemeClr val="tx1"/>
-                          </a:solidFill>
-                          <a:latin typeface="Arial"/>
-                          <a:ea typeface="微软雅黑"/>
-                        </a:defRPr>
-                      </a:lvl9pPr>
-                    </a:lstStyle>
-                    <a:p>
-                      <a:r>
-                        <a:rPr lang="en-US" altLang="zh-CN" sz="1600" b="1" dirty="0" smtClean="0"/>
-                        <a:t>WHO</a:t>
-                      </a:r>
-                      <a:endParaRPr lang="zh-CN" altLang="en-US" sz="1600" b="1" dirty="0"/>
-                    </a:p>
-                  </a:txBody>
-                  <a:tcPr>
-                    <a:lnL w="12700" cmpd="sng">
-                      <a:solidFill>
-                        <a:srgbClr val="4F81BD"/>
-                      </a:solidFill>
-                    </a:lnL>
-                    <a:lnR w="12700" cmpd="sng">
-                      <a:solidFill>
-                        <a:srgbClr val="4F81BD"/>
-                      </a:solidFill>
-                    </a:lnR>
-                    <a:lnT w="12700" cmpd="sng">
-                      <a:solidFill>
-                        <a:srgbClr val="4F81BD"/>
-                      </a:solidFill>
-                    </a:lnT>
-                    <a:lnB w="12700" cmpd="sng">
-                      <a:solidFill>
-                        <a:srgbClr val="4F81BD"/>
-                      </a:solidFill>
-                    </a:lnB>
-                    <a:lnTlToBr w="12700" cmpd="sng">
-                      <a:noFill/>
-                      <a:prstDash val="solid"/>
-                    </a:lnTlToBr>
-                    <a:lnBlToTr w="12700" cmpd="sng">
-                      <a:noFill/>
-                      <a:prstDash val="solid"/>
-                    </a:lnBlToTr>
-                    <a:noFill/>
-                  </a:tcPr>
-                </a:tc>
-                <a:tc>
-                  <a:txBody>
-                    <a:bodyPr/>
-                    <a:lstStyle>
-                      <a:lvl1pPr marL="0" algn="l" defTabSz="914400" rtl="0" eaLnBrk="1" latinLnBrk="0" hangingPunct="1">
-                        <a:defRPr sz="1800" kern="1200">
-                          <a:solidFill>
-                            <a:schemeClr val="tx1"/>
-                          </a:solidFill>
-                          <a:latin typeface="Arial"/>
-                          <a:ea typeface="微软雅黑"/>
-                        </a:defRPr>
-                      </a:lvl1pPr>
-                      <a:lvl2pPr marL="457200" algn="l" defTabSz="914400" rtl="0" eaLnBrk="1" latinLnBrk="0" hangingPunct="1">
-                        <a:defRPr sz="1800" kern="1200">
-                          <a:solidFill>
-                            <a:schemeClr val="tx1"/>
-                          </a:solidFill>
-                          <a:latin typeface="Arial"/>
-                          <a:ea typeface="微软雅黑"/>
-                        </a:defRPr>
-                      </a:lvl2pPr>
-                      <a:lvl3pPr marL="914400" algn="l" defTabSz="914400" rtl="0" eaLnBrk="1" latinLnBrk="0" hangingPunct="1">
-                        <a:defRPr sz="1800" kern="1200">
-                          <a:solidFill>
-                            <a:schemeClr val="tx1"/>
-                          </a:solidFill>
-                          <a:latin typeface="Arial"/>
-                          <a:ea typeface="微软雅黑"/>
-                        </a:defRPr>
-                      </a:lvl3pPr>
-                      <a:lvl4pPr marL="1371600" algn="l" defTabSz="914400" rtl="0" eaLnBrk="1" latinLnBrk="0" hangingPunct="1">
-                        <a:defRPr sz="1800" kern="1200">
-                          <a:solidFill>
-                            <a:schemeClr val="tx1"/>
-                          </a:solidFill>
-                          <a:latin typeface="Arial"/>
-                          <a:ea typeface="微软雅黑"/>
-                        </a:defRPr>
-                      </a:lvl4pPr>
-                      <a:lvl5pPr marL="1828800" algn="l" defTabSz="914400" rtl="0" eaLnBrk="1" latinLnBrk="0" hangingPunct="1">
-                        <a:defRPr sz="1800" kern="1200">
-                          <a:solidFill>
-                            <a:schemeClr val="tx1"/>
-                          </a:solidFill>
-                          <a:latin typeface="Arial"/>
-                          <a:ea typeface="微软雅黑"/>
-                        </a:defRPr>
-                      </a:lvl5pPr>
-                      <a:lvl6pPr marL="2286000" algn="l" defTabSz="914400" rtl="0" eaLnBrk="1" latinLnBrk="0" hangingPunct="1">
-                        <a:defRPr sz="1800" kern="1200">
-                          <a:solidFill>
-                            <a:schemeClr val="tx1"/>
-                          </a:solidFill>
-                          <a:latin typeface="Arial"/>
-                          <a:ea typeface="微软雅黑"/>
-                        </a:defRPr>
-                      </a:lvl6pPr>
-                      <a:lvl7pPr marL="2743200" algn="l" defTabSz="914400" rtl="0" eaLnBrk="1" latinLnBrk="0" hangingPunct="1">
-                        <a:defRPr sz="1800" kern="1200">
-                          <a:solidFill>
-                            <a:schemeClr val="tx1"/>
-                          </a:solidFill>
-                          <a:latin typeface="Arial"/>
-                          <a:ea typeface="微软雅黑"/>
-                        </a:defRPr>
-                      </a:lvl7pPr>
-                      <a:lvl8pPr marL="3200400" algn="l" defTabSz="914400" rtl="0" eaLnBrk="1" latinLnBrk="0" hangingPunct="1">
-                        <a:defRPr sz="1800" kern="1200">
-                          <a:solidFill>
-                            <a:schemeClr val="tx1"/>
-                          </a:solidFill>
-                          <a:latin typeface="Arial"/>
-                          <a:ea typeface="微软雅黑"/>
-                        </a:defRPr>
-                      </a:lvl8pPr>
-                      <a:lvl9pPr marL="3657600" algn="l" defTabSz="914400" rtl="0" eaLnBrk="1" latinLnBrk="0" hangingPunct="1">
-                        <a:defRPr sz="1800" kern="1200">
-                          <a:solidFill>
-                            <a:schemeClr val="tx1"/>
-                          </a:solidFill>
-                          <a:latin typeface="Arial"/>
-                          <a:ea typeface="微软雅黑"/>
-                        </a:defRPr>
-                      </a:lvl9pPr>
-                    </a:lstStyle>
-                    <a:p>
-                      <a:r>
-                        <a:rPr lang="zh-CN" altLang="en-US" sz="1600" b="0" dirty="0" smtClean="0"/>
-                        <a:t>工作计划涉及的干系人、相关部门</a:t>
-                      </a:r>
-                      <a:endParaRPr lang="en-US" altLang="zh-CN" sz="1600" b="0" dirty="0" smtClean="0"/>
-                    </a:p>
-                  </a:txBody>
-                  <a:tcPr>
-                    <a:lnL w="12700" cmpd="sng">
-                      <a:solidFill>
-                        <a:srgbClr val="4F81BD"/>
-                      </a:solidFill>
-                    </a:lnL>
-                    <a:lnR w="12700" cmpd="sng">
-                      <a:solidFill>
-                        <a:srgbClr val="4F81BD"/>
-                      </a:solidFill>
-                    </a:lnR>
-                    <a:lnT w="12700" cmpd="sng">
-                      <a:solidFill>
-                        <a:srgbClr val="4F81BD"/>
-                      </a:solidFill>
-                    </a:lnT>
-                    <a:lnB w="12700" cmpd="sng">
-                      <a:solidFill>
-                        <a:srgbClr val="4F81BD"/>
-                      </a:solidFill>
-                    </a:lnB>
-                    <a:lnTlToBr w="12700" cmpd="sng">
-                      <a:noFill/>
-                      <a:prstDash val="solid"/>
-                    </a:lnTlToBr>
-                    <a:lnBlToTr w="12700" cmpd="sng">
-                      <a:noFill/>
-                      <a:prstDash val="solid"/>
-                    </a:lnBlToTr>
-                    <a:noFill/>
-                  </a:tcPr>
-                </a:tc>
-                <a:extLst>
-                  <a:ext uri="{0D108BD9-81ED-4DB2-BD59-A6C34878D82A}">
-                    <a16:rowId xmlns:a16="http://schemas.microsoft.com/office/drawing/2014/main" val="10004"/>
-                  </a:ext>
-                </a:extLst>
-              </a:tr>
-              <a:tr h="490923">
-                <a:tc>
-                  <a:txBody>
-                    <a:bodyPr/>
-                    <a:lstStyle>
-                      <a:lvl1pPr marL="0" algn="l" defTabSz="914400" rtl="0" eaLnBrk="1" latinLnBrk="0" hangingPunct="1">
-                        <a:defRPr sz="1800" kern="1200">
-                          <a:solidFill>
-                            <a:schemeClr val="tx1"/>
-                          </a:solidFill>
-                          <a:latin typeface="Arial"/>
-                          <a:ea typeface="微软雅黑"/>
-                        </a:defRPr>
-                      </a:lvl1pPr>
-                      <a:lvl2pPr marL="457200" algn="l" defTabSz="914400" rtl="0" eaLnBrk="1" latinLnBrk="0" hangingPunct="1">
-                        <a:defRPr sz="1800" kern="1200">
-                          <a:solidFill>
-                            <a:schemeClr val="tx1"/>
-                          </a:solidFill>
-                          <a:latin typeface="Arial"/>
-                          <a:ea typeface="微软雅黑"/>
-                        </a:defRPr>
-                      </a:lvl2pPr>
-                      <a:lvl3pPr marL="914400" algn="l" defTabSz="914400" rtl="0" eaLnBrk="1" latinLnBrk="0" hangingPunct="1">
-                        <a:defRPr sz="1800" kern="1200">
-                          <a:solidFill>
-                            <a:schemeClr val="tx1"/>
-                          </a:solidFill>
-                          <a:latin typeface="Arial"/>
-                          <a:ea typeface="微软雅黑"/>
-                        </a:defRPr>
-                      </a:lvl3pPr>
-                      <a:lvl4pPr marL="1371600" algn="l" defTabSz="914400" rtl="0" eaLnBrk="1" latinLnBrk="0" hangingPunct="1">
-                        <a:defRPr sz="1800" kern="1200">
-                          <a:solidFill>
-                            <a:schemeClr val="tx1"/>
-                          </a:solidFill>
-                          <a:latin typeface="Arial"/>
-                          <a:ea typeface="微软雅黑"/>
-                        </a:defRPr>
-                      </a:lvl4pPr>
-                      <a:lvl5pPr marL="1828800" algn="l" defTabSz="914400" rtl="0" eaLnBrk="1" latinLnBrk="0" hangingPunct="1">
-                        <a:defRPr sz="1800" kern="1200">
-                          <a:solidFill>
-                            <a:schemeClr val="tx1"/>
-                          </a:solidFill>
-                          <a:latin typeface="Arial"/>
-                          <a:ea typeface="微软雅黑"/>
-                        </a:defRPr>
-                      </a:lvl5pPr>
-                      <a:lvl6pPr marL="2286000" algn="l" defTabSz="914400" rtl="0" eaLnBrk="1" latinLnBrk="0" hangingPunct="1">
-                        <a:defRPr sz="1800" kern="1200">
-                          <a:solidFill>
-                            <a:schemeClr val="tx1"/>
-                          </a:solidFill>
-                          <a:latin typeface="Arial"/>
-                          <a:ea typeface="微软雅黑"/>
-                        </a:defRPr>
-                      </a:lvl6pPr>
-                      <a:lvl7pPr marL="2743200" algn="l" defTabSz="914400" rtl="0" eaLnBrk="1" latinLnBrk="0" hangingPunct="1">
-                        <a:defRPr sz="1800" kern="1200">
-                          <a:solidFill>
-                            <a:schemeClr val="tx1"/>
-                          </a:solidFill>
-                          <a:latin typeface="Arial"/>
-                          <a:ea typeface="微软雅黑"/>
-                        </a:defRPr>
-                      </a:lvl7pPr>
-                      <a:lvl8pPr marL="3200400" algn="l" defTabSz="914400" rtl="0" eaLnBrk="1" latinLnBrk="0" hangingPunct="1">
-                        <a:defRPr sz="1800" kern="1200">
-                          <a:solidFill>
-                            <a:schemeClr val="tx1"/>
-                          </a:solidFill>
-                          <a:latin typeface="Arial"/>
-                          <a:ea typeface="微软雅黑"/>
-                        </a:defRPr>
-                      </a:lvl8pPr>
-                      <a:lvl9pPr marL="3657600" algn="l" defTabSz="914400" rtl="0" eaLnBrk="1" latinLnBrk="0" hangingPunct="1">
-                        <a:defRPr sz="1800" kern="1200">
-                          <a:solidFill>
-                            <a:schemeClr val="tx1"/>
-                          </a:solidFill>
-                          <a:latin typeface="Arial"/>
-                          <a:ea typeface="微软雅黑"/>
-                        </a:defRPr>
-                      </a:lvl9pPr>
-                    </a:lstStyle>
-                    <a:p>
-                      <a:r>
-                        <a:rPr lang="en-US" altLang="zh-CN" sz="1600" b="1" dirty="0" smtClean="0"/>
-                        <a:t>HOW</a:t>
-                      </a:r>
-                      <a:endParaRPr lang="zh-CN" altLang="en-US" sz="1600" b="1" dirty="0"/>
-                    </a:p>
-                  </a:txBody>
-                  <a:tcPr>
-                    <a:lnL w="12700" cmpd="sng">
-                      <a:solidFill>
-                        <a:srgbClr val="4F81BD"/>
-                      </a:solidFill>
-                    </a:lnL>
-                    <a:lnR w="12700" cmpd="sng">
-                      <a:solidFill>
-                        <a:srgbClr val="4F81BD"/>
-                      </a:solidFill>
-                    </a:lnR>
-                    <a:lnT w="12700" cmpd="sng">
-                      <a:solidFill>
-                        <a:srgbClr val="4F81BD"/>
-                      </a:solidFill>
-                    </a:lnT>
-                    <a:lnB w="12700" cmpd="sng">
-                      <a:solidFill>
-                        <a:srgbClr val="4F81BD"/>
-                      </a:solidFill>
-                    </a:lnB>
-                    <a:lnTlToBr w="12700" cmpd="sng">
-                      <a:noFill/>
-                      <a:prstDash val="solid"/>
-                    </a:lnTlToBr>
-                    <a:lnBlToTr w="12700" cmpd="sng">
-                      <a:noFill/>
-                      <a:prstDash val="solid"/>
-                    </a:lnBlToTr>
-                    <a:solidFill>
-                      <a:srgbClr val="4F81BD">
-                        <a:alpha val="20000"/>
-                      </a:srgbClr>
-                    </a:solidFill>
-                  </a:tcPr>
-                </a:tc>
-                <a:tc>
-                  <a:txBody>
-                    <a:bodyPr/>
-                    <a:lstStyle>
-                      <a:lvl1pPr marL="0" algn="l" defTabSz="914400" rtl="0" eaLnBrk="1" latinLnBrk="0" hangingPunct="1">
-                        <a:defRPr sz="1800" kern="1200">
-                          <a:solidFill>
-                            <a:schemeClr val="tx1"/>
-                          </a:solidFill>
-                          <a:latin typeface="Arial"/>
-                          <a:ea typeface="微软雅黑"/>
-                        </a:defRPr>
-                      </a:lvl1pPr>
-                      <a:lvl2pPr marL="457200" algn="l" defTabSz="914400" rtl="0" eaLnBrk="1" latinLnBrk="0" hangingPunct="1">
-                        <a:defRPr sz="1800" kern="1200">
-                          <a:solidFill>
-                            <a:schemeClr val="tx1"/>
-                          </a:solidFill>
-                          <a:latin typeface="Arial"/>
-                          <a:ea typeface="微软雅黑"/>
-                        </a:defRPr>
-                      </a:lvl2pPr>
-                      <a:lvl3pPr marL="914400" algn="l" defTabSz="914400" rtl="0" eaLnBrk="1" latinLnBrk="0" hangingPunct="1">
-                        <a:defRPr sz="1800" kern="1200">
-                          <a:solidFill>
-                            <a:schemeClr val="tx1"/>
-                          </a:solidFill>
-                          <a:latin typeface="Arial"/>
-                          <a:ea typeface="微软雅黑"/>
-                        </a:defRPr>
-                      </a:lvl3pPr>
-                      <a:lvl4pPr marL="1371600" algn="l" defTabSz="914400" rtl="0" eaLnBrk="1" latinLnBrk="0" hangingPunct="1">
-                        <a:defRPr sz="1800" kern="1200">
-                          <a:solidFill>
-                            <a:schemeClr val="tx1"/>
-                          </a:solidFill>
-                          <a:latin typeface="Arial"/>
-                          <a:ea typeface="微软雅黑"/>
-                        </a:defRPr>
-                      </a:lvl4pPr>
-                      <a:lvl5pPr marL="1828800" algn="l" defTabSz="914400" rtl="0" eaLnBrk="1" latinLnBrk="0" hangingPunct="1">
-                        <a:defRPr sz="1800" kern="1200">
-                          <a:solidFill>
-                            <a:schemeClr val="tx1"/>
-                          </a:solidFill>
-                          <a:latin typeface="Arial"/>
-                          <a:ea typeface="微软雅黑"/>
-                        </a:defRPr>
-                      </a:lvl5pPr>
-                      <a:lvl6pPr marL="2286000" algn="l" defTabSz="914400" rtl="0" eaLnBrk="1" latinLnBrk="0" hangingPunct="1">
-                        <a:defRPr sz="1800" kern="1200">
-                          <a:solidFill>
-                            <a:schemeClr val="tx1"/>
-                          </a:solidFill>
-                          <a:latin typeface="Arial"/>
-                          <a:ea typeface="微软雅黑"/>
-                        </a:defRPr>
-                      </a:lvl6pPr>
-                      <a:lvl7pPr marL="2743200" algn="l" defTabSz="914400" rtl="0" eaLnBrk="1" latinLnBrk="0" hangingPunct="1">
-                        <a:defRPr sz="1800" kern="1200">
-                          <a:solidFill>
-                            <a:schemeClr val="tx1"/>
-                          </a:solidFill>
-                          <a:latin typeface="Arial"/>
-                          <a:ea typeface="微软雅黑"/>
-                        </a:defRPr>
-                      </a:lvl7pPr>
-                      <a:lvl8pPr marL="3200400" algn="l" defTabSz="914400" rtl="0" eaLnBrk="1" latinLnBrk="0" hangingPunct="1">
-                        <a:defRPr sz="1800" kern="1200">
-                          <a:solidFill>
-                            <a:schemeClr val="tx1"/>
-                          </a:solidFill>
-                          <a:latin typeface="Arial"/>
-                          <a:ea typeface="微软雅黑"/>
-                        </a:defRPr>
-                      </a:lvl8pPr>
-                      <a:lvl9pPr marL="3657600" algn="l" defTabSz="914400" rtl="0" eaLnBrk="1" latinLnBrk="0" hangingPunct="1">
-                        <a:defRPr sz="1800" kern="1200">
-                          <a:solidFill>
-                            <a:schemeClr val="tx1"/>
-                          </a:solidFill>
-                          <a:latin typeface="Arial"/>
-                          <a:ea typeface="微软雅黑"/>
-                        </a:defRPr>
-                      </a:lvl9pPr>
-                    </a:lstStyle>
-                    <a:p>
-                      <a:r>
-                        <a:rPr lang="zh-CN" altLang="en-US" sz="1600" b="0" dirty="0" smtClean="0"/>
-                        <a:t>为实现工作计划需要使用的工具、资源、能力要求</a:t>
-                      </a:r>
-                      <a:endParaRPr lang="en-US" altLang="zh-CN" sz="1600" b="0" dirty="0" smtClean="0"/>
-                    </a:p>
-                  </a:txBody>
-                  <a:tcPr>
-                    <a:lnL w="12700" cmpd="sng">
-                      <a:solidFill>
-                        <a:srgbClr val="4F81BD"/>
-                      </a:solidFill>
-                    </a:lnL>
-                    <a:lnR w="12700" cmpd="sng">
-                      <a:solidFill>
-                        <a:srgbClr val="4F81BD"/>
-                      </a:solidFill>
-                    </a:lnR>
-                    <a:lnT w="12700" cmpd="sng">
-                      <a:solidFill>
-                        <a:srgbClr val="4F81BD"/>
-                      </a:solidFill>
-                    </a:lnT>
-                    <a:lnB w="12700" cmpd="sng">
-                      <a:solidFill>
-                        <a:srgbClr val="4F81BD"/>
-                      </a:solidFill>
-                    </a:lnB>
-                    <a:lnTlToBr w="12700" cmpd="sng">
-                      <a:noFill/>
-                      <a:prstDash val="solid"/>
-                    </a:lnTlToBr>
-                    <a:lnBlToTr w="12700" cmpd="sng">
-                      <a:noFill/>
-                      <a:prstDash val="solid"/>
-                    </a:lnBlToTr>
-                    <a:solidFill>
-                      <a:srgbClr val="4F81BD">
-                        <a:alpha val="20000"/>
-                      </a:srgbClr>
-                    </a:solidFill>
-                  </a:tcPr>
-                </a:tc>
-                <a:extLst>
-                  <a:ext uri="{0D108BD9-81ED-4DB2-BD59-A6C34878D82A}">
-                    <a16:rowId xmlns:a16="http://schemas.microsoft.com/office/drawing/2014/main" val="10005"/>
-                  </a:ext>
-                </a:extLst>
-              </a:tr>
-            </a:tbl>
-          </a:graphicData>
-        </a:graphic>
-      </p:graphicFrame>
-    </p:spTree>
-    <p:extLst>
-      <p:ext uri="{BB962C8B-B14F-4D97-AF65-F5344CB8AC3E}">
-        <p14:creationId xmlns:p14="http://schemas.microsoft.com/office/powerpoint/2010/main" val="1505093357"/>
-      </p:ext>
-    </p:extLst>
-  </p:cSld>
-  <p:clrMapOvr>
-    <a:masterClrMapping/>
-  </p:clrMapOvr>
-</p:sld>
-</file>
-
-<file path=ppt/slides/slide15.xml><?xml version="1.0" encoding="utf-8"?>
-<p:sld xmlns:a="http://schemas.openxmlformats.org/drawingml/2006/main" xmlns:r="http://schemas.openxmlformats.org/officeDocument/2006/relationships" xmlns:p="http://schemas.openxmlformats.org/presentationml/2006/main">
-  <p:cSld>
-    <p:spTree>
-      <p:nvGrpSpPr>
-        <p:cNvPr id="1" name=""/>
-        <p:cNvGrpSpPr/>
-        <p:nvPr/>
-      </p:nvGrpSpPr>
-      <p:grpSpPr>
-        <a:xfrm>
-          <a:off x="0" y="0"/>
-          <a:ext cx="0" cy="0"/>
-          <a:chOff x="0" y="0"/>
-          <a:chExt cx="0" cy="0"/>
-        </a:xfrm>
-      </p:grpSpPr>
-      <p:sp>
-        <p:nvSpPr>
-          <p:cNvPr id="4" name="标题 1"/>
-          <p:cNvSpPr txBox="1">
-            <a:spLocks/>
-          </p:cNvSpPr>
-          <p:nvPr/>
-        </p:nvSpPr>
-        <p:spPr>
-          <a:xfrm>
-            <a:off x="467544" y="195486"/>
-            <a:ext cx="8208912" cy="792087"/>
-          </a:xfrm>
-          <a:prstGeom prst="rect">
-            <a:avLst/>
-          </a:prstGeom>
-        </p:spPr>
-        <p:txBody>
-          <a:bodyPr vert="horz" lIns="91440" tIns="45720" rIns="91440" bIns="45720" rtlCol="0" anchor="ctr">
-            <a:normAutofit/>
-          </a:bodyPr>
-          <a:lstStyle>
-            <a:lvl1pPr algn="ctr" defTabSz="914400" rtl="0" eaLnBrk="1" latinLnBrk="0" hangingPunct="1">
-              <a:spcBef>
-                <a:spcPct val="0"/>
-              </a:spcBef>
-              <a:buNone/>
-              <a:defRPr sz="4400" kern="1200">
-                <a:solidFill>
-                  <a:schemeClr val="tx1"/>
-                </a:solidFill>
-                <a:latin typeface="+mj-lt"/>
-                <a:ea typeface="+mj-ea"/>
-                <a:cs typeface="+mj-cs"/>
-              </a:defRPr>
-            </a:lvl1pPr>
-          </a:lstStyle>
-          <a:p>
-            <a:pPr algn="l"/>
-            <a:r>
-              <a:rPr lang="zh-CN" altLang="en-US" sz="1800" b="1" dirty="0"/>
-              <a:t>对部门的建议</a:t>
-            </a:r>
-            <a:endParaRPr lang="zh-CN" altLang="en-US" sz="1800" b="1" dirty="0">
-              <a:solidFill>
-                <a:schemeClr val="tx1">
-                  <a:lumMod val="75000"/>
-                  <a:lumOff val="25000"/>
-                </a:schemeClr>
-              </a:solidFill>
-              <a:latin typeface="微软雅黑" panose="020B0503020204020204" pitchFamily="34" charset="-122"/>
-              <a:ea typeface="微软雅黑" panose="020B0503020204020204" pitchFamily="34" charset="-122"/>
-            </a:endParaRPr>
-          </a:p>
-        </p:txBody>
-      </p:sp>
-      <p:sp>
-        <p:nvSpPr>
-          <p:cNvPr id="2" name="文本框 1"/>
-          <p:cNvSpPr txBox="1"/>
-          <p:nvPr/>
-        </p:nvSpPr>
-        <p:spPr>
-          <a:xfrm>
-            <a:off x="611560" y="2809260"/>
-            <a:ext cx="8064896" cy="369332"/>
-          </a:xfrm>
-          <a:prstGeom prst="rect">
-            <a:avLst/>
-          </a:prstGeom>
-          <a:noFill/>
-        </p:spPr>
-        <p:txBody>
-          <a:bodyPr wrap="square" rtlCol="0">
-            <a:spAutoFit/>
-          </a:bodyPr>
-          <a:lstStyle/>
-          <a:p>
-            <a:endParaRPr lang="zh-CN" altLang="en-US" dirty="0"/>
-          </a:p>
-        </p:txBody>
-      </p:sp>
-      <p:sp>
-        <p:nvSpPr>
-          <p:cNvPr id="8" name="内容占位符 2"/>
-          <p:cNvSpPr txBox="1">
-            <a:spLocks/>
-          </p:cNvSpPr>
-          <p:nvPr/>
-        </p:nvSpPr>
-        <p:spPr bwMode="auto">
-          <a:xfrm>
-            <a:off x="446996" y="1000169"/>
-            <a:ext cx="8229460" cy="3875837"/>
-          </a:xfrm>
-          <a:prstGeom prst="rect">
-            <a:avLst/>
-          </a:prstGeom>
-          <a:noFill/>
-          <a:ln>
-            <a:noFill/>
-          </a:ln>
-          <a:extLst>
-            <a:ext uri="{909E8E84-426E-40DD-AFC4-6F175D3DCCD1}">
-              <a14:hiddenFill xmlns:a14="http://schemas.microsoft.com/office/drawing/2010/main">
-                <a:solidFill>
-                  <a:srgbClr val="FFFFFF"/>
-                </a:solidFill>
-              </a14:hiddenFill>
-            </a:ext>
-            <a:ext uri="{91240B29-F687-4F45-9708-019B960494DF}">
-              <a14:hiddenLine xmlns:a14="http://schemas.microsoft.com/office/drawing/2010/main" w="9525">
-                <a:solidFill>
-                  <a:srgbClr val="000000"/>
-                </a:solidFill>
-                <a:miter lim="800000"/>
-                <a:headEnd/>
-                <a:tailEnd/>
-              </a14:hiddenLine>
-            </a:ext>
-          </a:extLst>
-        </p:spPr>
-        <p:txBody>
-          <a:bodyPr vert="horz" wrap="square" lIns="91440" tIns="45720" rIns="91440" bIns="45720" numCol="1" anchor="t" anchorCtr="0" compatLnSpc="1">
-            <a:prstTxWarp prst="textNoShape">
-              <a:avLst/>
-            </a:prstTxWarp>
-          </a:bodyPr>
-          <a:lstStyle>
-            <a:lvl1pPr marL="342900" indent="-342900" algn="l" rtl="0" eaLnBrk="1" fontAlgn="base" hangingPunct="1">
-              <a:lnSpc>
-                <a:spcPct val="120000"/>
-              </a:lnSpc>
-              <a:spcBef>
-                <a:spcPct val="20000"/>
-              </a:spcBef>
-              <a:spcAft>
-                <a:spcPct val="0"/>
-              </a:spcAft>
-              <a:buClr>
-                <a:srgbClr val="FF0000"/>
-              </a:buClr>
-              <a:buFont typeface="Wingdings" panose="05000000000000000000" pitchFamily="2" charset="2"/>
-              <a:buChar char="n"/>
-              <a:defRPr sz="2600">
-                <a:solidFill>
-                  <a:schemeClr val="tx1"/>
-                </a:solidFill>
-                <a:latin typeface="+mn-lt"/>
-                <a:ea typeface="+mn-ea"/>
-                <a:cs typeface="+mn-cs"/>
-              </a:defRPr>
-            </a:lvl1pPr>
-            <a:lvl2pPr marL="742950" indent="-285750" algn="l" rtl="0" eaLnBrk="1" fontAlgn="base" hangingPunct="1">
-              <a:lnSpc>
-                <a:spcPct val="120000"/>
-              </a:lnSpc>
-              <a:spcBef>
-                <a:spcPct val="20000"/>
-              </a:spcBef>
-              <a:spcAft>
-                <a:spcPct val="0"/>
-              </a:spcAft>
-              <a:buClr>
-                <a:srgbClr val="FF0000"/>
-              </a:buClr>
-              <a:buFont typeface="Wingdings" panose="05000000000000000000" pitchFamily="2" charset="2"/>
-              <a:buChar char="p"/>
-              <a:defRPr sz="2200">
-                <a:solidFill>
-                  <a:schemeClr val="tx1"/>
-                </a:solidFill>
-                <a:latin typeface="+mn-lt"/>
-                <a:ea typeface="+mn-ea"/>
-              </a:defRPr>
-            </a:lvl2pPr>
-            <a:lvl3pPr marL="1143000" indent="-228600" algn="l" rtl="0" eaLnBrk="1" fontAlgn="base" hangingPunct="1">
-              <a:lnSpc>
-                <a:spcPct val="120000"/>
-              </a:lnSpc>
-              <a:spcBef>
-                <a:spcPct val="20000"/>
-              </a:spcBef>
-              <a:spcAft>
-                <a:spcPct val="0"/>
-              </a:spcAft>
-              <a:buClr>
-                <a:srgbClr val="FF0000"/>
-              </a:buClr>
-              <a:buFont typeface="Wingdings" panose="05000000000000000000" pitchFamily="2" charset="2"/>
-              <a:buChar char="Ø"/>
-              <a:defRPr sz="2400">
-                <a:solidFill>
-                  <a:schemeClr val="tx1"/>
-                </a:solidFill>
-                <a:latin typeface="+mn-lt"/>
-                <a:ea typeface="+mn-ea"/>
-              </a:defRPr>
-            </a:lvl3pPr>
-            <a:lvl4pPr marL="1600200" indent="-228600" algn="l" rtl="0" eaLnBrk="1" fontAlgn="base" hangingPunct="1">
-              <a:lnSpc>
-                <a:spcPct val="120000"/>
-              </a:lnSpc>
-              <a:spcBef>
-                <a:spcPct val="20000"/>
-              </a:spcBef>
-              <a:spcAft>
-                <a:spcPct val="0"/>
-              </a:spcAft>
-              <a:buClr>
-                <a:srgbClr val="FF0000"/>
-              </a:buClr>
-              <a:buFont typeface="Wingdings" panose="05000000000000000000" pitchFamily="2" charset="2"/>
-              <a:buChar char="§"/>
-              <a:defRPr sz="1600">
-                <a:solidFill>
-                  <a:schemeClr val="tx1"/>
-                </a:solidFill>
-                <a:latin typeface="+mn-lt"/>
-                <a:ea typeface="+mn-ea"/>
-              </a:defRPr>
-            </a:lvl4pPr>
-            <a:lvl5pPr marL="2057400" indent="-228600" algn="l" rtl="0" eaLnBrk="1" fontAlgn="base" hangingPunct="1">
-              <a:lnSpc>
-                <a:spcPct val="120000"/>
-              </a:lnSpc>
-              <a:spcBef>
-                <a:spcPct val="20000"/>
-              </a:spcBef>
-              <a:spcAft>
-                <a:spcPct val="0"/>
-              </a:spcAft>
-              <a:buClr>
-                <a:srgbClr val="FF0000"/>
-              </a:buClr>
-              <a:buFont typeface="Arial" panose="020B0604020202020204" pitchFamily="34" charset="0"/>
-              <a:buChar char="-"/>
-              <a:defRPr sz="1400">
-                <a:solidFill>
-                  <a:schemeClr val="tx1"/>
-                </a:solidFill>
-                <a:latin typeface="+mn-lt"/>
-                <a:ea typeface="+mn-ea"/>
-              </a:defRPr>
-            </a:lvl5pPr>
-            <a:lvl6pPr marL="2514600" indent="-228600" algn="l" rtl="0" eaLnBrk="1" fontAlgn="base" hangingPunct="1">
-              <a:lnSpc>
-                <a:spcPct val="120000"/>
-              </a:lnSpc>
-              <a:spcBef>
-                <a:spcPct val="20000"/>
-              </a:spcBef>
-              <a:spcAft>
-                <a:spcPct val="0"/>
-              </a:spcAft>
-              <a:buClr>
-                <a:srgbClr val="FF0000"/>
-              </a:buClr>
-              <a:buFont typeface="Arial" charset="0"/>
-              <a:buChar char="-"/>
-              <a:defRPr sz="1400">
-                <a:solidFill>
-                  <a:schemeClr val="tx1"/>
-                </a:solidFill>
-                <a:latin typeface="+mn-lt"/>
-                <a:ea typeface="+mn-ea"/>
-              </a:defRPr>
-            </a:lvl6pPr>
-            <a:lvl7pPr marL="2971800" indent="-228600" algn="l" rtl="0" eaLnBrk="1" fontAlgn="base" hangingPunct="1">
-              <a:lnSpc>
-                <a:spcPct val="120000"/>
-              </a:lnSpc>
-              <a:spcBef>
-                <a:spcPct val="20000"/>
-              </a:spcBef>
-              <a:spcAft>
-                <a:spcPct val="0"/>
-              </a:spcAft>
-              <a:buClr>
-                <a:srgbClr val="FF0000"/>
-              </a:buClr>
-              <a:buFont typeface="Arial" charset="0"/>
-              <a:buChar char="-"/>
-              <a:defRPr sz="1400">
-                <a:solidFill>
-                  <a:schemeClr val="tx1"/>
-                </a:solidFill>
-                <a:latin typeface="+mn-lt"/>
-                <a:ea typeface="+mn-ea"/>
-              </a:defRPr>
-            </a:lvl7pPr>
-            <a:lvl8pPr marL="3429000" indent="-228600" algn="l" rtl="0" eaLnBrk="1" fontAlgn="base" hangingPunct="1">
-              <a:lnSpc>
-                <a:spcPct val="120000"/>
-              </a:lnSpc>
-              <a:spcBef>
-                <a:spcPct val="20000"/>
-              </a:spcBef>
-              <a:spcAft>
-                <a:spcPct val="0"/>
-              </a:spcAft>
-              <a:buClr>
-                <a:srgbClr val="FF0000"/>
-              </a:buClr>
-              <a:buFont typeface="Arial" charset="0"/>
-              <a:buChar char="-"/>
-              <a:defRPr sz="1400">
-                <a:solidFill>
-                  <a:schemeClr val="tx1"/>
-                </a:solidFill>
-                <a:latin typeface="+mn-lt"/>
-                <a:ea typeface="+mn-ea"/>
-              </a:defRPr>
-            </a:lvl8pPr>
-            <a:lvl9pPr marL="3886200" indent="-228600" algn="l" rtl="0" eaLnBrk="1" fontAlgn="base" hangingPunct="1">
-              <a:lnSpc>
-                <a:spcPct val="120000"/>
-              </a:lnSpc>
-              <a:spcBef>
-                <a:spcPct val="20000"/>
-              </a:spcBef>
-              <a:spcAft>
-                <a:spcPct val="0"/>
-              </a:spcAft>
-              <a:buClr>
-                <a:srgbClr val="FF0000"/>
-              </a:buClr>
-              <a:buFont typeface="Arial" charset="0"/>
-              <a:buChar char="-"/>
-              <a:defRPr sz="1400">
-                <a:solidFill>
-                  <a:schemeClr val="tx1"/>
-                </a:solidFill>
-                <a:latin typeface="+mn-lt"/>
-                <a:ea typeface="+mn-ea"/>
-              </a:defRPr>
-            </a:lvl9pPr>
-          </a:lstStyle>
-          <a:p>
-            <a:r>
-              <a:rPr lang="zh-CN" altLang="en-US" sz="1800" dirty="0">
-                <a:latin typeface="+mj-ea"/>
-                <a:ea typeface="+mj-ea"/>
-              </a:rPr>
-              <a:t>针对部门整体的</a:t>
-            </a:r>
-            <a:r>
-              <a:rPr lang="zh-CN" altLang="en-US" sz="1800" dirty="0" smtClean="0">
-                <a:latin typeface="+mj-ea"/>
-                <a:ea typeface="+mj-ea"/>
-              </a:rPr>
-              <a:t>建议</a:t>
-            </a:r>
-            <a:endParaRPr lang="en-US" altLang="zh-CN" sz="1800" dirty="0" smtClean="0">
-              <a:latin typeface="+mj-ea"/>
-              <a:ea typeface="+mj-ea"/>
-            </a:endParaRPr>
-          </a:p>
-          <a:p>
-            <a:pPr marL="0" indent="0">
-              <a:buNone/>
-            </a:pPr>
-            <a:endParaRPr lang="en-US" altLang="zh-CN" sz="1800" dirty="0">
-              <a:latin typeface="+mj-ea"/>
-              <a:ea typeface="+mj-ea"/>
-            </a:endParaRPr>
-          </a:p>
-          <a:p>
-            <a:pPr marL="0" indent="0">
-              <a:buNone/>
-            </a:pPr>
-            <a:endParaRPr lang="en-US" altLang="zh-CN" sz="1800" dirty="0" smtClean="0">
-              <a:latin typeface="+mj-ea"/>
-              <a:ea typeface="+mj-ea"/>
-            </a:endParaRPr>
-          </a:p>
-          <a:p>
-            <a:r>
-              <a:rPr lang="zh-CN" altLang="en-US" sz="1800" dirty="0" smtClean="0">
-                <a:latin typeface="+mj-ea"/>
-                <a:ea typeface="+mj-ea"/>
-              </a:rPr>
-              <a:t>针对组内的建议</a:t>
-            </a:r>
-            <a:endParaRPr lang="en-US" altLang="zh-CN" sz="1800" dirty="0">
-              <a:latin typeface="+mj-ea"/>
-              <a:ea typeface="+mj-ea"/>
-            </a:endParaRPr>
-          </a:p>
-          <a:p>
-            <a:pPr marL="0" indent="0">
-              <a:buNone/>
-            </a:pPr>
-            <a:endParaRPr lang="zh-CN" altLang="en-US" sz="1800" dirty="0"/>
-          </a:p>
-        </p:txBody>
-      </p:sp>
-    </p:spTree>
-    <p:extLst>
-      <p:ext uri="{BB962C8B-B14F-4D97-AF65-F5344CB8AC3E}">
-        <p14:creationId xmlns:p14="http://schemas.microsoft.com/office/powerpoint/2010/main" val="1195713486"/>
-      </p:ext>
-    </p:extLst>
-  </p:cSld>
-  <p:clrMapOvr>
-    <a:masterClrMapping/>
-  </p:clrMapOvr>
-</p:sld>
-</file>
-
-<file path=ppt/slides/slide16.xml><?xml version="1.0" encoding="utf-8"?>
-<p:sld xmlns:a="http://schemas.openxmlformats.org/drawingml/2006/main" xmlns:r="http://schemas.openxmlformats.org/officeDocument/2006/relationships" xmlns:p="http://schemas.openxmlformats.org/presentationml/2006/main">
-  <p:cSld>
-    <p:spTree>
-      <p:nvGrpSpPr>
-        <p:cNvPr id="1" name=""/>
-        <p:cNvGrpSpPr/>
-        <p:nvPr/>
-      </p:nvGrpSpPr>
-      <p:grpSpPr>
-        <a:xfrm>
-          <a:off x="0" y="0"/>
-          <a:ext cx="0" cy="0"/>
-          <a:chOff x="0" y="0"/>
-          <a:chExt cx="0" cy="0"/>
-        </a:xfrm>
-      </p:grpSpPr>
-    </p:spTree>
-    <p:extLst>
-      <p:ext uri="{BB962C8B-B14F-4D97-AF65-F5344CB8AC3E}">
-        <p14:creationId xmlns:p14="http://schemas.microsoft.com/office/powerpoint/2010/main" val="4272945928"/>
       </p:ext>
     </p:extLst>
   </p:cSld>
@@ -11712,8 +7221,8 @@
         </p:nvSpPr>
         <p:spPr>
           <a:xfrm>
-            <a:off x="611560" y="1356959"/>
-            <a:ext cx="7772400" cy="792087"/>
+            <a:off x="467544" y="195486"/>
+            <a:ext cx="8208912" cy="792087"/>
           </a:xfrm>
           <a:prstGeom prst="rect">
             <a:avLst/>
@@ -11742,45 +7251,10 @@
           <a:p>
             <a:pPr algn="l"/>
             <a:r>
-              <a:rPr lang="en-US" altLang="zh-CN" sz="3200" dirty="0" smtClean="0">
-                <a:solidFill>
-                  <a:schemeClr val="tx1">
-                    <a:lumMod val="75000"/>
-                    <a:lumOff val="25000"/>
-                  </a:schemeClr>
-                </a:solidFill>
-                <a:latin typeface="微软雅黑" panose="020B0503020204020204" pitchFamily="34" charset="-122"/>
-                <a:ea typeface="微软雅黑" panose="020B0503020204020204" pitchFamily="34" charset="-122"/>
-              </a:rPr>
-              <a:t>《</a:t>
-            </a:r>
-            <a:r>
-              <a:rPr lang="zh-CN" altLang="en-US" sz="3200" dirty="0" smtClean="0">
-                <a:solidFill>
-                  <a:schemeClr val="tx1">
-                    <a:lumMod val="75000"/>
-                    <a:lumOff val="25000"/>
-                  </a:schemeClr>
-                </a:solidFill>
-                <a:latin typeface="微软雅黑" panose="020B0503020204020204" pitchFamily="34" charset="-122"/>
-                <a:ea typeface="微软雅黑" panose="020B0503020204020204" pitchFamily="34" charset="-122"/>
-              </a:rPr>
-              <a:t>新员工**转正述职报告</a:t>
-            </a:r>
-            <a:r>
-              <a:rPr lang="en-US" altLang="zh-CN" sz="3200" dirty="0" smtClean="0">
-                <a:solidFill>
-                  <a:schemeClr val="tx1">
-                    <a:lumMod val="75000"/>
-                    <a:lumOff val="25000"/>
-                  </a:schemeClr>
-                </a:solidFill>
-                <a:latin typeface="微软雅黑" panose="020B0503020204020204" pitchFamily="34" charset="-122"/>
-                <a:ea typeface="微软雅黑" panose="020B0503020204020204" pitchFamily="34" charset="-122"/>
-              </a:rPr>
-              <a:t>》</a:t>
-            </a:r>
-            <a:endParaRPr lang="zh-CN" altLang="en-US" sz="3200" dirty="0">
+              <a:rPr lang="zh-CN" altLang="en-US" sz="1800" b="1" dirty="0"/>
+              <a:t>目录</a:t>
+            </a:r>
+            <a:endParaRPr lang="zh-CN" altLang="en-US" sz="1800" b="1" dirty="0">
               <a:solidFill>
                 <a:schemeClr val="tx1">
                   <a:lumMod val="75000"/>
@@ -11795,164 +7269,244 @@
       </p:sp>
       <p:sp>
         <p:nvSpPr>
-          <p:cNvPr id="6" name="标题 1"/>
-          <p:cNvSpPr txBox="1">
-            <a:spLocks/>
-          </p:cNvSpPr>
+          <p:cNvPr id="2" name="文本框 1"/>
+          <p:cNvSpPr txBox="1"/>
           <p:nvPr/>
         </p:nvSpPr>
         <p:spPr>
           <a:xfrm>
-            <a:off x="611560" y="1995686"/>
-            <a:ext cx="7772400" cy="480693"/>
+            <a:off x="467544" y="1059582"/>
+            <a:ext cx="8064896" cy="2640723"/>
           </a:xfrm>
           <a:prstGeom prst="rect">
             <a:avLst/>
           </a:prstGeom>
-        </p:spPr>
-        <p:txBody>
-          <a:bodyPr vert="horz" lIns="91440" tIns="45720" rIns="91440" bIns="45720" rtlCol="0" anchor="ctr">
-            <a:normAutofit/>
+          <a:noFill/>
+        </p:spPr>
+        <p:txBody>
+          <a:bodyPr wrap="square" rtlCol="0">
+            <a:spAutoFit/>
           </a:bodyPr>
-          <a:lstStyle>
-            <a:lvl1pPr algn="ctr" defTabSz="914400" rtl="0" eaLnBrk="1" latinLnBrk="0" hangingPunct="1">
+          <a:lstStyle/>
+          <a:p>
+            <a:pPr marL="342900" lvl="0" indent="-342900" fontAlgn="base">
+              <a:lnSpc>
+                <a:spcPct val="120000"/>
+              </a:lnSpc>
               <a:spcBef>
+                <a:spcPct val="20000"/>
+              </a:spcBef>
+              <a:spcAft>
                 <a:spcPct val="0"/>
-              </a:spcBef>
-              <a:buNone/>
-              <a:defRPr sz="4400" kern="1200">
+              </a:spcAft>
+              <a:buClr>
+                <a:srgbClr val="FF0000"/>
+              </a:buClr>
+              <a:buFont typeface="Wingdings" panose="05000000000000000000" pitchFamily="2" charset="2"/>
+              <a:buChar char="n"/>
+            </a:pPr>
+            <a:r>
+              <a:rPr lang="zh-CN" altLang="en-US" kern="0" dirty="0">
                 <a:solidFill>
-                  <a:schemeClr val="tx1"/>
+                  <a:prstClr val="black"/>
                 </a:solidFill>
-                <a:latin typeface="+mj-lt"/>
-                <a:ea typeface="+mj-ea"/>
-                <a:cs typeface="+mj-cs"/>
-              </a:defRPr>
-            </a:lvl1pPr>
-          </a:lstStyle>
-          <a:p>
-            <a:pPr algn="l"/>
-            <a:endParaRPr lang="en-US" altLang="zh-CN" sz="1600" dirty="0" smtClean="0">
+                <a:latin typeface="微软雅黑" panose="020B0503020204020204" pitchFamily="34" charset="-122"/>
+                <a:ea typeface="微软雅黑" panose="020B0503020204020204" pitchFamily="34" charset="-122"/>
+              </a:rPr>
+              <a:t>分布式系统</a:t>
+            </a:r>
+            <a:endParaRPr lang="en-US" altLang="zh-CN" kern="0" dirty="0">
               <a:solidFill>
-                <a:schemeClr val="tx1">
-                  <a:lumMod val="75000"/>
-                  <a:lumOff val="25000"/>
-                </a:schemeClr>
+                <a:prstClr val="black"/>
               </a:solidFill>
               <a:latin typeface="微软雅黑" panose="020B0503020204020204" pitchFamily="34" charset="-122"/>
               <a:ea typeface="微软雅黑" panose="020B0503020204020204" pitchFamily="34" charset="-122"/>
             </a:endParaRPr>
           </a:p>
-        </p:txBody>
-      </p:sp>
-      <p:sp>
-        <p:nvSpPr>
-          <p:cNvPr id="5" name="标题 1"/>
-          <p:cNvSpPr txBox="1">
-            <a:spLocks/>
-          </p:cNvSpPr>
-          <p:nvPr/>
-        </p:nvSpPr>
-        <p:spPr>
-          <a:xfrm>
-            <a:off x="1371600" y="2387474"/>
-            <a:ext cx="2840360" cy="240346"/>
-          </a:xfrm>
-          <a:prstGeom prst="rect">
-            <a:avLst/>
-          </a:prstGeom>
-        </p:spPr>
-        <p:txBody>
-          <a:bodyPr vert="horz" lIns="91440" tIns="45720" rIns="91440" bIns="45720" rtlCol="0" anchor="ctr">
-            <a:normAutofit fontScale="85000" lnSpcReduction="20000"/>
-          </a:bodyPr>
-          <a:lstStyle>
-            <a:lvl1pPr algn="ctr" defTabSz="914400" rtl="0" eaLnBrk="1" latinLnBrk="0" hangingPunct="1">
+          <a:p>
+            <a:pPr marL="342900" lvl="0" indent="-342900" fontAlgn="base">
+              <a:lnSpc>
+                <a:spcPct val="120000"/>
+              </a:lnSpc>
               <a:spcBef>
+                <a:spcPct val="20000"/>
+              </a:spcBef>
+              <a:spcAft>
                 <a:spcPct val="0"/>
-              </a:spcBef>
-              <a:buNone/>
-              <a:defRPr sz="4400" kern="1200">
+              </a:spcAft>
+              <a:buClr>
+                <a:srgbClr val="FF0000"/>
+              </a:buClr>
+              <a:buFont typeface="Wingdings" panose="05000000000000000000" pitchFamily="2" charset="2"/>
+              <a:buChar char="n"/>
+            </a:pPr>
+            <a:r>
+              <a:rPr lang="zh-CN" altLang="en-US" kern="0" dirty="0">
                 <a:solidFill>
-                  <a:schemeClr val="tx1"/>
-                </a:solidFill>
-                <a:latin typeface="+mj-lt"/>
-                <a:ea typeface="+mj-ea"/>
-                <a:cs typeface="+mj-cs"/>
-              </a:defRPr>
-            </a:lvl1pPr>
-          </a:lstStyle>
-          <a:p>
-            <a:pPr algn="r"/>
-            <a:r>
-              <a:rPr lang="en-US" altLang="zh-CN" sz="1400" dirty="0" smtClean="0">
-                <a:solidFill>
-                  <a:schemeClr val="tx1">
-                    <a:lumMod val="75000"/>
-                    <a:lumOff val="25000"/>
-                  </a:schemeClr>
+                  <a:prstClr val="black"/>
                 </a:solidFill>
                 <a:latin typeface="微软雅黑" panose="020B0503020204020204" pitchFamily="34" charset="-122"/>
                 <a:ea typeface="微软雅黑" panose="020B0503020204020204" pitchFamily="34" charset="-122"/>
               </a:rPr>
-              <a:t>2018.</a:t>
-            </a:r>
-            <a:r>
-              <a:rPr lang="zh-CN" altLang="en-US" sz="1400" dirty="0" smtClean="0">
+              <a:t>工作执行情况与成绩</a:t>
+            </a:r>
+            <a:endParaRPr lang="en-US" altLang="zh-CN" kern="0" dirty="0">
+              <a:solidFill>
+                <a:prstClr val="black"/>
+              </a:solidFill>
+              <a:latin typeface="微软雅黑" panose="020B0503020204020204" pitchFamily="34" charset="-122"/>
+              <a:ea typeface="微软雅黑" panose="020B0503020204020204" pitchFamily="34" charset="-122"/>
+            </a:endParaRPr>
+          </a:p>
+          <a:p>
+            <a:pPr marL="342900" lvl="0" indent="-342900" fontAlgn="base">
+              <a:lnSpc>
+                <a:spcPct val="120000"/>
+              </a:lnSpc>
+              <a:spcBef>
+                <a:spcPct val="20000"/>
+              </a:spcBef>
+              <a:spcAft>
+                <a:spcPct val="0"/>
+              </a:spcAft>
+              <a:buClr>
+                <a:srgbClr val="FF0000"/>
+              </a:buClr>
+              <a:buFont typeface="Wingdings" panose="05000000000000000000" pitchFamily="2" charset="2"/>
+              <a:buChar char="n"/>
+            </a:pPr>
+            <a:r>
+              <a:rPr lang="zh-CN" altLang="en-US" kern="0" dirty="0">
                 <a:solidFill>
-                  <a:schemeClr val="tx1">
-                    <a:lumMod val="75000"/>
-                    <a:lumOff val="25000"/>
-                  </a:schemeClr>
+                  <a:prstClr val="black"/>
                 </a:solidFill>
                 <a:latin typeface="微软雅黑" panose="020B0503020204020204" pitchFamily="34" charset="-122"/>
                 <a:ea typeface="微软雅黑" panose="020B0503020204020204" pitchFamily="34" charset="-122"/>
               </a:rPr>
-              <a:t>**</a:t>
-            </a:r>
-            <a:r>
-              <a:rPr lang="en-US" altLang="zh-CN" sz="1400" dirty="0" smtClean="0">
+              <a:t>经验与教训</a:t>
+            </a:r>
+            <a:endParaRPr lang="en-US" altLang="zh-CN" kern="0" dirty="0">
+              <a:solidFill>
+                <a:prstClr val="black"/>
+              </a:solidFill>
+              <a:latin typeface="微软雅黑" panose="020B0503020204020204" pitchFamily="34" charset="-122"/>
+              <a:ea typeface="微软雅黑" panose="020B0503020204020204" pitchFamily="34" charset="-122"/>
+            </a:endParaRPr>
+          </a:p>
+          <a:p>
+            <a:pPr marL="342900" lvl="0" indent="-342900" fontAlgn="base">
+              <a:lnSpc>
+                <a:spcPct val="120000"/>
+              </a:lnSpc>
+              <a:spcBef>
+                <a:spcPct val="20000"/>
+              </a:spcBef>
+              <a:spcAft>
+                <a:spcPct val="0"/>
+              </a:spcAft>
+              <a:buClr>
+                <a:srgbClr val="FF0000"/>
+              </a:buClr>
+              <a:buFont typeface="Wingdings" panose="05000000000000000000" pitchFamily="2" charset="2"/>
+              <a:buChar char="n"/>
+            </a:pPr>
+            <a:r>
+              <a:rPr lang="zh-CN" altLang="en-US" kern="0" dirty="0">
                 <a:solidFill>
-                  <a:schemeClr val="tx1">
-                    <a:lumMod val="75000"/>
-                    <a:lumOff val="25000"/>
-                  </a:schemeClr>
+                  <a:prstClr val="black"/>
                 </a:solidFill>
                 <a:latin typeface="微软雅黑" panose="020B0503020204020204" pitchFamily="34" charset="-122"/>
                 <a:ea typeface="微软雅黑" panose="020B0503020204020204" pitchFamily="34" charset="-122"/>
               </a:rPr>
-              <a:t>.</a:t>
-            </a:r>
-            <a:r>
-              <a:rPr lang="zh-CN" altLang="en-US" sz="1400" dirty="0" smtClean="0">
+              <a:t>自我评价</a:t>
+            </a:r>
+            <a:endParaRPr lang="en-US" altLang="zh-CN" kern="0" dirty="0">
+              <a:solidFill>
+                <a:prstClr val="black"/>
+              </a:solidFill>
+              <a:latin typeface="微软雅黑" panose="020B0503020204020204" pitchFamily="34" charset="-122"/>
+              <a:ea typeface="微软雅黑" panose="020B0503020204020204" pitchFamily="34" charset="-122"/>
+            </a:endParaRPr>
+          </a:p>
+          <a:p>
+            <a:pPr marL="342900" lvl="0" indent="-342900" fontAlgn="base">
+              <a:lnSpc>
+                <a:spcPct val="120000"/>
+              </a:lnSpc>
+              <a:spcBef>
+                <a:spcPct val="20000"/>
+              </a:spcBef>
+              <a:spcAft>
+                <a:spcPct val="0"/>
+              </a:spcAft>
+              <a:buClr>
+                <a:srgbClr val="FF0000"/>
+              </a:buClr>
+              <a:buFont typeface="Wingdings" panose="05000000000000000000" pitchFamily="2" charset="2"/>
+              <a:buChar char="n"/>
+            </a:pPr>
+            <a:r>
+              <a:rPr lang="zh-CN" altLang="en-US" kern="0" dirty="0">
                 <a:solidFill>
-                  <a:schemeClr val="tx1">
-                    <a:lumMod val="75000"/>
-                    <a:lumOff val="25000"/>
-                  </a:schemeClr>
+                  <a:prstClr val="black"/>
                 </a:solidFill>
                 <a:latin typeface="微软雅黑" panose="020B0503020204020204" pitchFamily="34" charset="-122"/>
                 <a:ea typeface="微软雅黑" panose="020B0503020204020204" pitchFamily="34" charset="-122"/>
               </a:rPr>
-              <a:t>**</a:t>
-            </a:r>
-            <a:endParaRPr lang="zh-CN" altLang="en-US" sz="1400" dirty="0">
+              <a:t>下一步工作计划</a:t>
+            </a:r>
+            <a:endParaRPr lang="en-US" altLang="zh-CN" kern="0" dirty="0">
               <a:solidFill>
-                <a:schemeClr val="tx1">
-                  <a:lumMod val="75000"/>
-                  <a:lumOff val="25000"/>
-                </a:schemeClr>
+                <a:prstClr val="black"/>
               </a:solidFill>
               <a:latin typeface="微软雅黑" panose="020B0503020204020204" pitchFamily="34" charset="-122"/>
               <a:ea typeface="微软雅黑" panose="020B0503020204020204" pitchFamily="34" charset="-122"/>
             </a:endParaRPr>
           </a:p>
+          <a:p>
+            <a:pPr marL="342900" lvl="0" indent="-342900" fontAlgn="base">
+              <a:lnSpc>
+                <a:spcPct val="120000"/>
+              </a:lnSpc>
+              <a:spcBef>
+                <a:spcPct val="20000"/>
+              </a:spcBef>
+              <a:spcAft>
+                <a:spcPct val="0"/>
+              </a:spcAft>
+              <a:buClr>
+                <a:srgbClr val="FF0000"/>
+              </a:buClr>
+              <a:buFont typeface="Wingdings" panose="05000000000000000000" pitchFamily="2" charset="2"/>
+              <a:buChar char="n"/>
+            </a:pPr>
+            <a:r>
+              <a:rPr lang="zh-CN" altLang="en-US" kern="0" dirty="0">
+                <a:solidFill>
+                  <a:prstClr val="black"/>
+                </a:solidFill>
+                <a:latin typeface="微软雅黑" panose="020B0503020204020204" pitchFamily="34" charset="-122"/>
+                <a:ea typeface="微软雅黑" panose="020B0503020204020204" pitchFamily="34" charset="-122"/>
+              </a:rPr>
+              <a:t>对部门的建议（部门整体；团队内部）</a:t>
+            </a:r>
+            <a:endParaRPr lang="en-US" altLang="zh-CN" kern="0" dirty="0">
+              <a:solidFill>
+                <a:prstClr val="black"/>
+              </a:solidFill>
+              <a:latin typeface="微软雅黑" panose="020B0503020204020204" pitchFamily="34" charset="-122"/>
+              <a:ea typeface="微软雅黑" panose="020B0503020204020204" pitchFamily="34" charset="-122"/>
+            </a:endParaRPr>
+          </a:p>
+          <a:p>
+            <a:endParaRPr lang="zh-CN" altLang="en-US" dirty="0"/>
+          </a:p>
         </p:txBody>
       </p:sp>
     </p:spTree>
     <p:extLst>
       <p:ext uri="{BB962C8B-B14F-4D97-AF65-F5344CB8AC3E}">
-        <p14:creationId xmlns:p14="http://schemas.microsoft.com/office/powerpoint/2010/main" val="3438920243"/>
+        <p14:creationId xmlns:p14="http://schemas.microsoft.com/office/powerpoint/2010/main" val="3131174743"/>
       </p:ext>
     </p:extLst>
   </p:cSld>
@@ -12019,334 +7573,8 @@
           <a:p>
             <a:pPr algn="l"/>
             <a:r>
-              <a:rPr lang="zh-CN" altLang="en-US" sz="1800" b="1" dirty="0" smtClean="0"/>
-              <a:t>目录</a:t>
-            </a:r>
-            <a:endParaRPr lang="zh-CN" altLang="en-US" sz="1800" b="1" dirty="0">
-              <a:solidFill>
-                <a:schemeClr val="tx1">
-                  <a:lumMod val="75000"/>
-                  <a:lumOff val="25000"/>
-                </a:schemeClr>
-              </a:solidFill>
-              <a:latin typeface="微软雅黑" panose="020B0503020204020204" pitchFamily="34" charset="-122"/>
-              <a:ea typeface="微软雅黑" panose="020B0503020204020204" pitchFamily="34" charset="-122"/>
-            </a:endParaRPr>
-          </a:p>
-        </p:txBody>
-      </p:sp>
-      <p:sp>
-        <p:nvSpPr>
-          <p:cNvPr id="2" name="文本框 1"/>
-          <p:cNvSpPr txBox="1"/>
-          <p:nvPr/>
-        </p:nvSpPr>
-        <p:spPr>
-          <a:xfrm>
-            <a:off x="467544" y="1059582"/>
-            <a:ext cx="8064896" cy="2640723"/>
-          </a:xfrm>
-          <a:prstGeom prst="rect">
-            <a:avLst/>
-          </a:prstGeom>
-          <a:noFill/>
-        </p:spPr>
-        <p:txBody>
-          <a:bodyPr wrap="square" rtlCol="0">
-            <a:spAutoFit/>
-          </a:bodyPr>
-          <a:lstStyle/>
-          <a:p>
-            <a:pPr marL="342900" lvl="0" indent="-342900" fontAlgn="base">
-              <a:lnSpc>
-                <a:spcPct val="120000"/>
-              </a:lnSpc>
-              <a:spcBef>
-                <a:spcPct val="20000"/>
-              </a:spcBef>
-              <a:spcAft>
-                <a:spcPct val="0"/>
-              </a:spcAft>
-              <a:buClr>
-                <a:srgbClr val="FF0000"/>
-              </a:buClr>
-              <a:buFont typeface="Wingdings" panose="05000000000000000000" pitchFamily="2" charset="2"/>
-              <a:buChar char="n"/>
-            </a:pPr>
-            <a:r>
-              <a:rPr lang="zh-CN" altLang="en-US" kern="0" dirty="0" smtClean="0">
-                <a:solidFill>
-                  <a:prstClr val="black"/>
-                </a:solidFill>
-                <a:latin typeface="微软雅黑" panose="020B0503020204020204" pitchFamily="34" charset="-122"/>
-                <a:ea typeface="微软雅黑" panose="020B0503020204020204" pitchFamily="34" charset="-122"/>
-              </a:rPr>
-              <a:t>分布式系统</a:t>
-            </a:r>
-            <a:endParaRPr lang="en-US" altLang="zh-CN" kern="0" dirty="0">
-              <a:solidFill>
-                <a:prstClr val="black"/>
-              </a:solidFill>
-              <a:latin typeface="微软雅黑" panose="020B0503020204020204" pitchFamily="34" charset="-122"/>
-              <a:ea typeface="微软雅黑" panose="020B0503020204020204" pitchFamily="34" charset="-122"/>
-            </a:endParaRPr>
-          </a:p>
-          <a:p>
-            <a:pPr marL="342900" lvl="0" indent="-342900" fontAlgn="base">
-              <a:lnSpc>
-                <a:spcPct val="120000"/>
-              </a:lnSpc>
-              <a:spcBef>
-                <a:spcPct val="20000"/>
-              </a:spcBef>
-              <a:spcAft>
-                <a:spcPct val="0"/>
-              </a:spcAft>
-              <a:buClr>
-                <a:srgbClr val="FF0000"/>
-              </a:buClr>
-              <a:buFont typeface="Wingdings" panose="05000000000000000000" pitchFamily="2" charset="2"/>
-              <a:buChar char="n"/>
-            </a:pPr>
-            <a:r>
-              <a:rPr lang="zh-CN" altLang="en-US" kern="0" dirty="0">
-                <a:solidFill>
-                  <a:prstClr val="black"/>
-                </a:solidFill>
-                <a:latin typeface="微软雅黑" panose="020B0503020204020204" pitchFamily="34" charset="-122"/>
-                <a:ea typeface="微软雅黑" panose="020B0503020204020204" pitchFamily="34" charset="-122"/>
-              </a:rPr>
-              <a:t>工作执行情况与成绩</a:t>
-            </a:r>
-            <a:endParaRPr lang="en-US" altLang="zh-CN" kern="0" dirty="0">
-              <a:solidFill>
-                <a:prstClr val="black"/>
-              </a:solidFill>
-              <a:latin typeface="微软雅黑" panose="020B0503020204020204" pitchFamily="34" charset="-122"/>
-              <a:ea typeface="微软雅黑" panose="020B0503020204020204" pitchFamily="34" charset="-122"/>
-            </a:endParaRPr>
-          </a:p>
-          <a:p>
-            <a:pPr marL="342900" lvl="0" indent="-342900" fontAlgn="base">
-              <a:lnSpc>
-                <a:spcPct val="120000"/>
-              </a:lnSpc>
-              <a:spcBef>
-                <a:spcPct val="20000"/>
-              </a:spcBef>
-              <a:spcAft>
-                <a:spcPct val="0"/>
-              </a:spcAft>
-              <a:buClr>
-                <a:srgbClr val="FF0000"/>
-              </a:buClr>
-              <a:buFont typeface="Wingdings" panose="05000000000000000000" pitchFamily="2" charset="2"/>
-              <a:buChar char="n"/>
-            </a:pPr>
-            <a:r>
-              <a:rPr lang="zh-CN" altLang="en-US" kern="0" dirty="0">
-                <a:solidFill>
-                  <a:prstClr val="black"/>
-                </a:solidFill>
-                <a:latin typeface="微软雅黑" panose="020B0503020204020204" pitchFamily="34" charset="-122"/>
-                <a:ea typeface="微软雅黑" panose="020B0503020204020204" pitchFamily="34" charset="-122"/>
-              </a:rPr>
-              <a:t>经验与教训</a:t>
-            </a:r>
-            <a:endParaRPr lang="en-US" altLang="zh-CN" kern="0" dirty="0">
-              <a:solidFill>
-                <a:prstClr val="black"/>
-              </a:solidFill>
-              <a:latin typeface="微软雅黑" panose="020B0503020204020204" pitchFamily="34" charset="-122"/>
-              <a:ea typeface="微软雅黑" panose="020B0503020204020204" pitchFamily="34" charset="-122"/>
-            </a:endParaRPr>
-          </a:p>
-          <a:p>
-            <a:pPr marL="342900" lvl="0" indent="-342900" fontAlgn="base">
-              <a:lnSpc>
-                <a:spcPct val="120000"/>
-              </a:lnSpc>
-              <a:spcBef>
-                <a:spcPct val="20000"/>
-              </a:spcBef>
-              <a:spcAft>
-                <a:spcPct val="0"/>
-              </a:spcAft>
-              <a:buClr>
-                <a:srgbClr val="FF0000"/>
-              </a:buClr>
-              <a:buFont typeface="Wingdings" panose="05000000000000000000" pitchFamily="2" charset="2"/>
-              <a:buChar char="n"/>
-            </a:pPr>
-            <a:r>
-              <a:rPr lang="zh-CN" altLang="en-US" kern="0" dirty="0">
-                <a:solidFill>
-                  <a:prstClr val="black"/>
-                </a:solidFill>
-                <a:latin typeface="微软雅黑" panose="020B0503020204020204" pitchFamily="34" charset="-122"/>
-                <a:ea typeface="微软雅黑" panose="020B0503020204020204" pitchFamily="34" charset="-122"/>
-              </a:rPr>
-              <a:t>自我评价</a:t>
-            </a:r>
-            <a:endParaRPr lang="en-US" altLang="zh-CN" kern="0" dirty="0">
-              <a:solidFill>
-                <a:prstClr val="black"/>
-              </a:solidFill>
-              <a:latin typeface="微软雅黑" panose="020B0503020204020204" pitchFamily="34" charset="-122"/>
-              <a:ea typeface="微软雅黑" panose="020B0503020204020204" pitchFamily="34" charset="-122"/>
-            </a:endParaRPr>
-          </a:p>
-          <a:p>
-            <a:pPr marL="342900" lvl="0" indent="-342900" fontAlgn="base">
-              <a:lnSpc>
-                <a:spcPct val="120000"/>
-              </a:lnSpc>
-              <a:spcBef>
-                <a:spcPct val="20000"/>
-              </a:spcBef>
-              <a:spcAft>
-                <a:spcPct val="0"/>
-              </a:spcAft>
-              <a:buClr>
-                <a:srgbClr val="FF0000"/>
-              </a:buClr>
-              <a:buFont typeface="Wingdings" panose="05000000000000000000" pitchFamily="2" charset="2"/>
-              <a:buChar char="n"/>
-            </a:pPr>
-            <a:r>
-              <a:rPr lang="zh-CN" altLang="en-US" kern="0" dirty="0">
-                <a:solidFill>
-                  <a:prstClr val="black"/>
-                </a:solidFill>
-                <a:latin typeface="微软雅黑" panose="020B0503020204020204" pitchFamily="34" charset="-122"/>
-                <a:ea typeface="微软雅黑" panose="020B0503020204020204" pitchFamily="34" charset="-122"/>
-              </a:rPr>
-              <a:t>下一步工作计划</a:t>
-            </a:r>
-            <a:endParaRPr lang="en-US" altLang="zh-CN" kern="0" dirty="0">
-              <a:solidFill>
-                <a:prstClr val="black"/>
-              </a:solidFill>
-              <a:latin typeface="微软雅黑" panose="020B0503020204020204" pitchFamily="34" charset="-122"/>
-              <a:ea typeface="微软雅黑" panose="020B0503020204020204" pitchFamily="34" charset="-122"/>
-            </a:endParaRPr>
-          </a:p>
-          <a:p>
-            <a:pPr marL="342900" lvl="0" indent="-342900" fontAlgn="base">
-              <a:lnSpc>
-                <a:spcPct val="120000"/>
-              </a:lnSpc>
-              <a:spcBef>
-                <a:spcPct val="20000"/>
-              </a:spcBef>
-              <a:spcAft>
-                <a:spcPct val="0"/>
-              </a:spcAft>
-              <a:buClr>
-                <a:srgbClr val="FF0000"/>
-              </a:buClr>
-              <a:buFont typeface="Wingdings" panose="05000000000000000000" pitchFamily="2" charset="2"/>
-              <a:buChar char="n"/>
-            </a:pPr>
-            <a:r>
-              <a:rPr lang="zh-CN" altLang="en-US" kern="0" dirty="0">
-                <a:solidFill>
-                  <a:prstClr val="black"/>
-                </a:solidFill>
-                <a:latin typeface="微软雅黑" panose="020B0503020204020204" pitchFamily="34" charset="-122"/>
-                <a:ea typeface="微软雅黑" panose="020B0503020204020204" pitchFamily="34" charset="-122"/>
-              </a:rPr>
-              <a:t>对部门的建议（部门整体；团队内部）</a:t>
-            </a:r>
-            <a:endParaRPr lang="en-US" altLang="zh-CN" kern="0" dirty="0">
-              <a:solidFill>
-                <a:prstClr val="black"/>
-              </a:solidFill>
-              <a:latin typeface="微软雅黑" panose="020B0503020204020204" pitchFamily="34" charset="-122"/>
-              <a:ea typeface="微软雅黑" panose="020B0503020204020204" pitchFamily="34" charset="-122"/>
-            </a:endParaRPr>
-          </a:p>
-          <a:p>
-            <a:endParaRPr lang="zh-CN" altLang="en-US" dirty="0"/>
-          </a:p>
-        </p:txBody>
-      </p:sp>
-    </p:spTree>
-    <p:extLst>
-      <p:ext uri="{BB962C8B-B14F-4D97-AF65-F5344CB8AC3E}">
-        <p14:creationId xmlns:p14="http://schemas.microsoft.com/office/powerpoint/2010/main" val="3131174743"/>
-      </p:ext>
-    </p:extLst>
-  </p:cSld>
-  <p:clrMapOvr>
-    <a:masterClrMapping/>
-  </p:clrMapOvr>
-</p:sld>
-</file>
-
-<file path=ppt/slides/slide4.xml><?xml version="1.0" encoding="utf-8"?>
-<p:sld xmlns:a="http://schemas.openxmlformats.org/drawingml/2006/main" xmlns:r="http://schemas.openxmlformats.org/officeDocument/2006/relationships" xmlns:p="http://schemas.openxmlformats.org/presentationml/2006/main">
-  <p:cSld>
-    <p:spTree>
-      <p:nvGrpSpPr>
-        <p:cNvPr id="1" name=""/>
-        <p:cNvGrpSpPr/>
-        <p:nvPr/>
-      </p:nvGrpSpPr>
-      <p:grpSpPr>
-        <a:xfrm>
-          <a:off x="0" y="0"/>
-          <a:ext cx="0" cy="0"/>
-          <a:chOff x="0" y="0"/>
-          <a:chExt cx="0" cy="0"/>
-        </a:xfrm>
-      </p:grpSpPr>
-      <p:sp>
-        <p:nvSpPr>
-          <p:cNvPr id="4" name="标题 1"/>
-          <p:cNvSpPr txBox="1">
-            <a:spLocks/>
-          </p:cNvSpPr>
-          <p:nvPr/>
-        </p:nvSpPr>
-        <p:spPr>
-          <a:xfrm>
-            <a:off x="467544" y="195486"/>
-            <a:ext cx="8208912" cy="792087"/>
-          </a:xfrm>
-          <a:prstGeom prst="rect">
-            <a:avLst/>
-          </a:prstGeom>
-        </p:spPr>
-        <p:txBody>
-          <a:bodyPr vert="horz" lIns="91440" tIns="45720" rIns="91440" bIns="45720" rtlCol="0" anchor="ctr">
-            <a:normAutofit/>
-          </a:bodyPr>
-          <a:lstStyle>
-            <a:lvl1pPr algn="ctr" defTabSz="914400" rtl="0" eaLnBrk="1" latinLnBrk="0" hangingPunct="1">
-              <a:spcBef>
-                <a:spcPct val="0"/>
-              </a:spcBef>
-              <a:buNone/>
-              <a:defRPr sz="4400" kern="1200">
-                <a:solidFill>
-                  <a:schemeClr val="tx1"/>
-                </a:solidFill>
-                <a:latin typeface="+mj-lt"/>
-                <a:ea typeface="+mj-ea"/>
-                <a:cs typeface="+mj-cs"/>
-              </a:defRPr>
-            </a:lvl1pPr>
-          </a:lstStyle>
-          <a:p>
-            <a:pPr algn="l"/>
-            <a:r>
-              <a:rPr lang="zh-CN" altLang="en-US" sz="1800" b="1" dirty="0" smtClean="0"/>
-              <a:t>分布式系统</a:t>
-            </a:r>
-            <a:r>
               <a:rPr lang="zh-CN" altLang="en-US" sz="1800" b="1" dirty="0"/>
-              <a:t>简介</a:t>
+              <a:t>分布式系统简介</a:t>
             </a:r>
             <a:endParaRPr lang="zh-CN" altLang="en-US" sz="1800" b="1" dirty="0">
               <a:solidFill>
@@ -12408,10 +7636,9 @@
           <a:lstStyle/>
           <a:p>
             <a:r>
-              <a:rPr lang="zh-CN" altLang="en-US" sz="1400" dirty="0" smtClean="0"/>
+              <a:rPr lang="zh-CN" altLang="en-US" sz="1400" dirty="0"/>
               <a:t>        一组为了完成共同任务而协调工作的计算机节点组成，通过网络进行通信</a:t>
             </a:r>
-            <a:endParaRPr lang="zh-CN" altLang="en-US" sz="1400" dirty="0"/>
           </a:p>
         </p:txBody>
       </p:sp>
@@ -12445,10 +7672,10 @@
               <a:buChar char="•"/>
             </a:pPr>
             <a:r>
-              <a:rPr lang="zh-CN" altLang="en-US" sz="1400" dirty="0" smtClean="0"/>
+              <a:rPr lang="zh-CN" altLang="en-US" sz="1400" dirty="0"/>
               <a:t>高性能（大数据、高并发和快响应）</a:t>
             </a:r>
-            <a:endParaRPr lang="en-US" altLang="zh-CN" sz="1400" dirty="0" smtClean="0"/>
+            <a:endParaRPr lang="en-US" altLang="zh-CN" sz="1400" dirty="0"/>
           </a:p>
           <a:p>
             <a:pPr marL="285750" indent="-285750">
@@ -12460,13 +7687,9 @@
             </a:pPr>
             <a:r>
               <a:rPr lang="zh-CN" altLang="en-US" sz="1400" dirty="0"/>
-              <a:t>高</a:t>
-            </a:r>
-            <a:r>
-              <a:rPr lang="zh-CN" altLang="en-US" sz="1400" dirty="0" smtClean="0"/>
-              <a:t>可用（保证系统正常工作）</a:t>
-            </a:r>
-            <a:endParaRPr lang="en-US" altLang="zh-CN" sz="1400" dirty="0" smtClean="0"/>
+              <a:t>高可用（保证系统正常工作）</a:t>
+            </a:r>
+            <a:endParaRPr lang="en-US" altLang="zh-CN" sz="1400" dirty="0"/>
           </a:p>
           <a:p>
             <a:pPr marL="285750" indent="-285750">
@@ -12478,13 +7701,9 @@
             </a:pPr>
             <a:r>
               <a:rPr lang="zh-CN" altLang="en-US" sz="1400" dirty="0"/>
-              <a:t>可</a:t>
-            </a:r>
-            <a:r>
-              <a:rPr lang="zh-CN" altLang="en-US" sz="1400" dirty="0" smtClean="0"/>
-              <a:t>伸缩性（提高性能、减少成本）</a:t>
-            </a:r>
-            <a:endParaRPr lang="en-US" altLang="zh-CN" sz="1400" dirty="0" smtClean="0"/>
+              <a:t>可伸缩性（提高性能、减少成本）</a:t>
+            </a:r>
+            <a:endParaRPr lang="en-US" altLang="zh-CN" sz="1400" dirty="0"/>
           </a:p>
           <a:p>
             <a:pPr marL="285750" indent="-285750">
@@ -12495,10 +7714,10 @@
               <a:buChar char="•"/>
             </a:pPr>
             <a:r>
-              <a:rPr lang="zh-CN" altLang="en-US" sz="1400" dirty="0" smtClean="0"/>
+              <a:rPr lang="zh-CN" altLang="en-US" sz="1400" dirty="0"/>
               <a:t>可维护性（解决故障节点）</a:t>
             </a:r>
-            <a:endParaRPr lang="en-US" altLang="zh-CN" sz="1400" dirty="0" smtClean="0"/>
+            <a:endParaRPr lang="en-US" altLang="zh-CN" sz="1400" dirty="0"/>
           </a:p>
           <a:p>
             <a:pPr marL="285750" indent="-285750">
@@ -12509,10 +7728,9 @@
               <a:buChar char="•"/>
             </a:pPr>
             <a:r>
-              <a:rPr lang="zh-CN" altLang="en-US" sz="1400" dirty="0" smtClean="0"/>
+              <a:rPr lang="zh-CN" altLang="en-US" sz="1400" dirty="0"/>
               <a:t>灵活性（不间断对外提供服务）</a:t>
             </a:r>
-            <a:endParaRPr lang="zh-CN" altLang="en-US" sz="1400" dirty="0"/>
           </a:p>
         </p:txBody>
       </p:sp>
@@ -12539,16 +7757,12 @@
           <a:lstStyle/>
           <a:p>
             <a:r>
-              <a:rPr lang="zh-CN" altLang="en-US" sz="1100" dirty="0" smtClean="0">
+              <a:rPr lang="zh-CN" altLang="en-US" sz="1100" dirty="0">
                 <a:latin typeface="宋体" panose="02010600030101010101" pitchFamily="2" charset="-122"/>
                 <a:ea typeface="宋体" panose="02010600030101010101" pitchFamily="2" charset="-122"/>
               </a:rPr>
               <a:t>简易分布式架构</a:t>
             </a:r>
-            <a:endParaRPr lang="zh-CN" altLang="en-US" sz="1100" dirty="0">
-              <a:latin typeface="宋体" panose="02010600030101010101" pitchFamily="2" charset="-122"/>
-              <a:ea typeface="宋体" panose="02010600030101010101" pitchFamily="2" charset="-122"/>
-            </a:endParaRPr>
           </a:p>
         </p:txBody>
       </p:sp>
@@ -12565,7 +7779,7 @@
 </p:sld>
 </file>
 
-<file path=ppt/slides/slide5.xml><?xml version="1.0" encoding="utf-8"?>
+<file path=ppt/slides/slide4.xml><?xml version="1.0" encoding="utf-8"?>
 <p:sld xmlns:a="http://schemas.openxmlformats.org/drawingml/2006/main" xmlns:r="http://schemas.openxmlformats.org/officeDocument/2006/relationships" xmlns:p="http://schemas.openxmlformats.org/presentationml/2006/main">
   <p:cSld>
     <p:spTree>
@@ -12646,12 +7860,8 @@
           <a:p>
             <a:pPr algn="l"/>
             <a:r>
-              <a:rPr lang="zh-CN" altLang="en-US" sz="1800" b="1" dirty="0" smtClean="0"/>
-              <a:t>分布式系统</a:t>
-            </a:r>
-            <a:r>
-              <a:rPr lang="zh-CN" altLang="en-US" sz="1800" b="1" dirty="0" smtClean="0"/>
-              <a:t>的切分方法</a:t>
+              <a:rPr lang="zh-CN" altLang="en-US" sz="1800" b="1" dirty="0"/>
+              <a:t>分布式系统的切分方法</a:t>
             </a:r>
             <a:endParaRPr lang="zh-CN" altLang="en-US" sz="1800" b="1" dirty="0">
               <a:solidFill>
@@ -12707,10 +7917,9 @@
               </a:lnSpc>
             </a:pPr>
             <a:r>
-              <a:rPr lang="zh-CN" altLang="en-US" sz="1200" dirty="0" smtClean="0"/>
+              <a:rPr lang="zh-CN" altLang="en-US" sz="1200" dirty="0"/>
               <a:t>水平切分</a:t>
             </a:r>
-            <a:endParaRPr lang="zh-CN" altLang="en-US" sz="1200" dirty="0"/>
           </a:p>
         </p:txBody>
       </p:sp>
@@ -12766,10 +7975,10 @@
               </a:lnSpc>
             </a:pPr>
             <a:r>
-              <a:rPr lang="zh-CN" altLang="en-US" sz="1000" dirty="0" smtClean="0"/>
+              <a:rPr lang="zh-CN" altLang="en-US" sz="1000" dirty="0"/>
               <a:t>优点：</a:t>
             </a:r>
-            <a:endParaRPr lang="en-US" altLang="zh-CN" sz="1000" dirty="0" smtClean="0"/>
+            <a:endParaRPr lang="en-US" altLang="zh-CN" sz="1000" dirty="0"/>
           </a:p>
           <a:p>
             <a:pPr algn="just">
@@ -12779,17 +7988,13 @@
             </a:pPr>
             <a:r>
               <a:rPr lang="en-US" altLang="zh-CN" sz="1000" dirty="0"/>
-              <a:t> </a:t>
-            </a:r>
-            <a:r>
-              <a:rPr lang="en-US" altLang="zh-CN" sz="1000" dirty="0" smtClean="0"/>
-              <a:t>   </a:t>
-            </a:r>
-            <a:r>
-              <a:rPr lang="zh-CN" altLang="en-US" sz="1000" dirty="0" smtClean="0"/>
+              <a:t>    </a:t>
+            </a:r>
+            <a:r>
+              <a:rPr lang="zh-CN" altLang="en-US" sz="1000" dirty="0"/>
               <a:t>简单、独立、高可用、可伸缩、高性能</a:t>
             </a:r>
-            <a:endParaRPr lang="en-US" altLang="zh-CN" sz="1000" dirty="0" smtClean="0"/>
+            <a:endParaRPr lang="en-US" altLang="zh-CN" sz="1000" dirty="0"/>
           </a:p>
           <a:p>
             <a:pPr algn="just">
@@ -12798,10 +8003,10 @@
               </a:lnSpc>
             </a:pPr>
             <a:r>
-              <a:rPr lang="zh-CN" altLang="en-US" sz="1000" dirty="0" smtClean="0"/>
+              <a:rPr lang="zh-CN" altLang="en-US" sz="1000" dirty="0"/>
               <a:t>缺点：</a:t>
             </a:r>
-            <a:endParaRPr lang="en-US" altLang="zh-CN" sz="1000" dirty="0" smtClean="0"/>
+            <a:endParaRPr lang="en-US" altLang="zh-CN" sz="1000" dirty="0"/>
           </a:p>
           <a:p>
             <a:pPr algn="just">
@@ -12810,12 +8015,8 @@
               </a:lnSpc>
             </a:pPr>
             <a:r>
-              <a:rPr lang="zh-CN" altLang="en-US" sz="1000" dirty="0" smtClean="0"/>
-              <a:t>    业务</a:t>
-            </a:r>
-            <a:r>
               <a:rPr lang="zh-CN" altLang="en-US" sz="1000" dirty="0"/>
-              <a:t>高耦合，增加扩展和维护成本（例如升级产品业务需对全部节点升级）</a:t>
+              <a:t>    业务高耦合，增加扩展和维护成本（例如升级产品业务需对全部节点升级）</a:t>
             </a:r>
             <a:endParaRPr lang="en-US" altLang="zh-CN" sz="1000" dirty="0"/>
           </a:p>
@@ -12853,10 +8054,10 @@
               </a:lnSpc>
             </a:pPr>
             <a:r>
-              <a:rPr lang="zh-CN" altLang="en-US" sz="1000" dirty="0" smtClean="0"/>
+              <a:rPr lang="zh-CN" altLang="en-US" sz="1000" dirty="0"/>
               <a:t>优点：</a:t>
             </a:r>
-            <a:endParaRPr lang="en-US" altLang="zh-CN" sz="1000" dirty="0" smtClean="0"/>
+            <a:endParaRPr lang="en-US" altLang="zh-CN" sz="1000" dirty="0"/>
           </a:p>
           <a:p>
             <a:pPr algn="just">
@@ -12865,14 +8066,14 @@
               </a:lnSpc>
             </a:pPr>
             <a:r>
-              <a:rPr lang="en-US" altLang="zh-CN" sz="1000" dirty="0" smtClean="0"/>
+              <a:rPr lang="en-US" altLang="zh-CN" sz="1000" dirty="0"/>
               <a:t>    </a:t>
             </a:r>
             <a:r>
-              <a:rPr lang="zh-CN" altLang="en-US" sz="1000" dirty="0" smtClean="0"/>
+              <a:rPr lang="zh-CN" altLang="en-US" sz="1000" dirty="0"/>
               <a:t>提高灵活性、可维护性</a:t>
             </a:r>
-            <a:endParaRPr lang="en-US" altLang="zh-CN" sz="1000" dirty="0" smtClean="0"/>
+            <a:endParaRPr lang="en-US" altLang="zh-CN" sz="1000" dirty="0"/>
           </a:p>
           <a:p>
             <a:pPr algn="just">
@@ -12881,10 +8082,10 @@
               </a:lnSpc>
             </a:pPr>
             <a:r>
-              <a:rPr lang="zh-CN" altLang="en-US" sz="1000" dirty="0" smtClean="0"/>
+              <a:rPr lang="zh-CN" altLang="en-US" sz="1000" dirty="0"/>
               <a:t>缺点：</a:t>
             </a:r>
-            <a:endParaRPr lang="en-US" altLang="zh-CN" sz="1000" dirty="0" smtClean="0"/>
+            <a:endParaRPr lang="en-US" altLang="zh-CN" sz="1000" dirty="0"/>
           </a:p>
           <a:p>
             <a:pPr algn="just">
@@ -12893,7 +8094,7 @@
               </a:lnSpc>
             </a:pPr>
             <a:r>
-              <a:rPr lang="zh-CN" altLang="en-US" sz="1000" dirty="0" smtClean="0"/>
+              <a:rPr lang="zh-CN" altLang="en-US" sz="1000" dirty="0"/>
               <a:t>    增加系统间的协作，降低可用性、无法保证数据一致性</a:t>
             </a:r>
             <a:endParaRPr lang="zh-CN" altLang="en-US" sz="1100" dirty="0"/>
@@ -12942,13 +8143,8 @@
             </a:pPr>
             <a:r>
               <a:rPr lang="zh-CN" altLang="en-US" sz="1200" dirty="0"/>
-              <a:t>垂直</a:t>
-            </a:r>
-            <a:r>
-              <a:rPr lang="zh-CN" altLang="en-US" sz="1200" dirty="0" smtClean="0"/>
-              <a:t>切分</a:t>
-            </a:r>
-            <a:endParaRPr lang="zh-CN" altLang="en-US" sz="1200" dirty="0"/>
+              <a:t>垂直切分</a:t>
+            </a:r>
           </a:p>
         </p:txBody>
       </p:sp>
@@ -12956,6 +8152,196 @@
     <p:extLst>
       <p:ext uri="{BB962C8B-B14F-4D97-AF65-F5344CB8AC3E}">
         <p14:creationId xmlns:p14="http://schemas.microsoft.com/office/powerpoint/2010/main" val="1204418718"/>
+      </p:ext>
+    </p:extLst>
+  </p:cSld>
+  <p:clrMapOvr>
+    <a:masterClrMapping/>
+  </p:clrMapOvr>
+</p:sld>
+</file>
+
+<file path=ppt/slides/slide5.xml><?xml version="1.0" encoding="utf-8"?>
+<p:sld xmlns:a="http://schemas.openxmlformats.org/drawingml/2006/main" xmlns:r="http://schemas.openxmlformats.org/officeDocument/2006/relationships" xmlns:p="http://schemas.openxmlformats.org/presentationml/2006/main">
+  <p:cSld>
+    <p:spTree>
+      <p:nvGrpSpPr>
+        <p:cNvPr id="1" name=""/>
+        <p:cNvGrpSpPr/>
+        <p:nvPr/>
+      </p:nvGrpSpPr>
+      <p:grpSpPr>
+        <a:xfrm>
+          <a:off x="0" y="0"/>
+          <a:ext cx="0" cy="0"/>
+          <a:chOff x="0" y="0"/>
+          <a:chExt cx="0" cy="0"/>
+        </a:xfrm>
+      </p:grpSpPr>
+      <p:sp>
+        <p:nvSpPr>
+          <p:cNvPr id="4" name="标题 1"/>
+          <p:cNvSpPr txBox="1">
+            <a:spLocks/>
+          </p:cNvSpPr>
+          <p:nvPr/>
+        </p:nvSpPr>
+        <p:spPr>
+          <a:xfrm>
+            <a:off x="467544" y="195486"/>
+            <a:ext cx="8208912" cy="792087"/>
+          </a:xfrm>
+          <a:prstGeom prst="rect">
+            <a:avLst/>
+          </a:prstGeom>
+        </p:spPr>
+        <p:txBody>
+          <a:bodyPr vert="horz" lIns="91440" tIns="45720" rIns="91440" bIns="45720" rtlCol="0" anchor="ctr">
+            <a:normAutofit/>
+          </a:bodyPr>
+          <a:lstStyle>
+            <a:lvl1pPr algn="ctr" defTabSz="914400" rtl="0" eaLnBrk="1" latinLnBrk="0" hangingPunct="1">
+              <a:spcBef>
+                <a:spcPct val="0"/>
+              </a:spcBef>
+              <a:buNone/>
+              <a:defRPr sz="4400" kern="1200">
+                <a:solidFill>
+                  <a:schemeClr val="tx1"/>
+                </a:solidFill>
+                <a:latin typeface="+mj-lt"/>
+                <a:ea typeface="+mj-ea"/>
+                <a:cs typeface="+mj-cs"/>
+              </a:defRPr>
+            </a:lvl1pPr>
+          </a:lstStyle>
+          <a:p>
+            <a:pPr algn="l"/>
+            <a:r>
+              <a:rPr lang="zh-CN" altLang="en-US" sz="1800" b="1" dirty="0"/>
+              <a:t>分布式系统的切分方法</a:t>
+            </a:r>
+            <a:endParaRPr lang="zh-CN" altLang="en-US" sz="1800" b="1" dirty="0">
+              <a:solidFill>
+                <a:schemeClr val="tx1">
+                  <a:lumMod val="75000"/>
+                  <a:lumOff val="25000"/>
+                </a:schemeClr>
+              </a:solidFill>
+              <a:latin typeface="微软雅黑" panose="020B0503020204020204" pitchFamily="34" charset="-122"/>
+              <a:ea typeface="微软雅黑" panose="020B0503020204020204" pitchFamily="34" charset="-122"/>
+            </a:endParaRPr>
+          </a:p>
+        </p:txBody>
+      </p:sp>
+      <p:sp>
+        <p:nvSpPr>
+          <p:cNvPr id="35" name="文本框 34"/>
+          <p:cNvSpPr txBox="1"/>
+          <p:nvPr/>
+        </p:nvSpPr>
+        <p:spPr>
+          <a:xfrm>
+            <a:off x="1596003" y="4526265"/>
+            <a:ext cx="3816424" cy="415498"/>
+          </a:xfrm>
+          <a:prstGeom prst="rect">
+            <a:avLst/>
+          </a:prstGeom>
+          <a:noFill/>
+        </p:spPr>
+        <p:txBody>
+          <a:bodyPr wrap="square" rtlCol="0">
+            <a:spAutoFit/>
+          </a:bodyPr>
+          <a:lstStyle/>
+          <a:p>
+            <a:pPr algn="ctr">
+              <a:lnSpc>
+                <a:spcPct val="150000"/>
+              </a:lnSpc>
+            </a:pPr>
+            <a:r>
+              <a:rPr lang="zh-CN" altLang="en-US" sz="1400" dirty="0"/>
+              <a:t>混合切分（微服务架构大部分采用的方法）</a:t>
+            </a:r>
+          </a:p>
+        </p:txBody>
+      </p:sp>
+      <p:sp>
+        <p:nvSpPr>
+          <p:cNvPr id="6" name="文本框 5"/>
+          <p:cNvSpPr txBox="1"/>
+          <p:nvPr/>
+        </p:nvSpPr>
+        <p:spPr>
+          <a:xfrm>
+            <a:off x="6790103" y="2522239"/>
+            <a:ext cx="2232248" cy="338554"/>
+          </a:xfrm>
+          <a:prstGeom prst="rect">
+            <a:avLst/>
+          </a:prstGeom>
+        </p:spPr>
+        <p:style>
+          <a:lnRef idx="1">
+            <a:schemeClr val="dk1"/>
+          </a:lnRef>
+          <a:fillRef idx="2">
+            <a:schemeClr val="dk1"/>
+          </a:fillRef>
+          <a:effectRef idx="1">
+            <a:schemeClr val="dk1"/>
+          </a:effectRef>
+          <a:fontRef idx="minor">
+            <a:schemeClr val="dk1"/>
+          </a:fontRef>
+        </p:style>
+        <p:txBody>
+          <a:bodyPr wrap="square" rtlCol="0">
+            <a:spAutoFit/>
+          </a:bodyPr>
+          <a:lstStyle/>
+          <a:p>
+            <a:r>
+              <a:rPr lang="zh-CN" altLang="en-US" sz="1600" dirty="0">
+                <a:solidFill>
+                  <a:srgbClr val="FF0000"/>
+                </a:solidFill>
+              </a:rPr>
+              <a:t>大量交互和数据一致性！</a:t>
+            </a:r>
+          </a:p>
+        </p:txBody>
+      </p:sp>
+      <p:pic>
+        <p:nvPicPr>
+          <p:cNvPr id="7" name="图片 6"/>
+          <p:cNvPicPr>
+            <a:picLocks noChangeAspect="1"/>
+          </p:cNvPicPr>
+          <p:nvPr/>
+        </p:nvPicPr>
+        <p:blipFill>
+          <a:blip r:embed="rId2"/>
+          <a:stretch>
+            <a:fillRect/>
+          </a:stretch>
+        </p:blipFill>
+        <p:spPr>
+          <a:xfrm>
+            <a:off x="107504" y="1079753"/>
+            <a:ext cx="6266997" cy="3446512"/>
+          </a:xfrm>
+          <a:prstGeom prst="rect">
+            <a:avLst/>
+          </a:prstGeom>
+        </p:spPr>
+      </p:pic>
+    </p:spTree>
+    <p:extLst>
+      <p:ext uri="{BB962C8B-B14F-4D97-AF65-F5344CB8AC3E}">
+        <p14:creationId xmlns:p14="http://schemas.microsoft.com/office/powerpoint/2010/main" val="1124550187"/>
       </p:ext>
     </p:extLst>
   </p:cSld>
@@ -13022,12 +8408,8 @@
           <a:p>
             <a:pPr algn="l"/>
             <a:r>
-              <a:rPr lang="zh-CN" altLang="en-US" sz="1800" b="1" dirty="0" smtClean="0"/>
-              <a:t>分布式系统</a:t>
-            </a:r>
-            <a:r>
-              <a:rPr lang="zh-CN" altLang="en-US" sz="1800" b="1" dirty="0" smtClean="0"/>
-              <a:t>的切分方法</a:t>
+              <a:rPr lang="zh-CN" altLang="en-US" sz="1800" b="1" dirty="0"/>
+              <a:t>分布式系统的特点</a:t>
             </a:r>
             <a:endParaRPr lang="zh-CN" altLang="en-US" sz="1800" b="1" dirty="0">
               <a:solidFill>
@@ -13044,14 +8426,61 @@
       </p:sp>
       <p:sp>
         <p:nvSpPr>
-          <p:cNvPr id="35" name="文本框 34"/>
+          <p:cNvPr id="8" name="椭圆 7"/>
+          <p:cNvSpPr/>
+          <p:nvPr/>
+        </p:nvSpPr>
+        <p:spPr>
+          <a:xfrm>
+            <a:off x="169812" y="2467208"/>
+            <a:ext cx="1800200" cy="864096"/>
+          </a:xfrm>
+          <a:prstGeom prst="ellipse">
+            <a:avLst/>
+          </a:prstGeom>
+        </p:spPr>
+        <p:style>
+          <a:lnRef idx="2">
+            <a:schemeClr val="accent5">
+              <a:shade val="50000"/>
+            </a:schemeClr>
+          </a:lnRef>
+          <a:fillRef idx="1">
+            <a:schemeClr val="accent5"/>
+          </a:fillRef>
+          <a:effectRef idx="0">
+            <a:schemeClr val="accent5"/>
+          </a:effectRef>
+          <a:fontRef idx="minor">
+            <a:schemeClr val="lt1"/>
+          </a:fontRef>
+        </p:style>
+        <p:txBody>
+          <a:bodyPr rtlCol="0" anchor="ctr"/>
+          <a:lstStyle/>
+          <a:p>
+            <a:pPr algn="ctr"/>
+            <a:r>
+              <a:rPr lang="en-US" altLang="zh-CN" dirty="0"/>
+              <a:t>CAP</a:t>
+            </a:r>
+            <a:r>
+              <a:rPr lang="zh-CN" altLang="en-US" dirty="0"/>
+              <a:t>原则</a:t>
+            </a:r>
+          </a:p>
+        </p:txBody>
+      </p:sp>
+      <p:sp>
+        <p:nvSpPr>
+          <p:cNvPr id="13" name="文本框 12"/>
           <p:cNvSpPr txBox="1"/>
           <p:nvPr/>
         </p:nvSpPr>
         <p:spPr>
           <a:xfrm>
-            <a:off x="1596003" y="4526265"/>
-            <a:ext cx="3816424" cy="415498"/>
+            <a:off x="2258044" y="2099739"/>
+            <a:ext cx="2448272" cy="369332"/>
           </a:xfrm>
           <a:prstGeom prst="rect">
             <a:avLst/>
@@ -13064,52 +8493,34 @@
           </a:bodyPr>
           <a:lstStyle/>
           <a:p>
-            <a:pPr algn="ctr">
-              <a:lnSpc>
-                <a:spcPct val="150000"/>
-              </a:lnSpc>
-            </a:pPr>
-            <a:r>
-              <a:rPr lang="zh-CN" altLang="en-US" sz="1400" dirty="0"/>
-              <a:t>混合</a:t>
-            </a:r>
-            <a:r>
-              <a:rPr lang="zh-CN" altLang="en-US" sz="1400" dirty="0" smtClean="0"/>
-              <a:t>切分（微服务架构大部分采用的方法）</a:t>
-            </a:r>
-            <a:endParaRPr lang="zh-CN" altLang="en-US" sz="1400" dirty="0"/>
-          </a:p>
-        </p:txBody>
-      </p:sp>
-      <p:sp>
-        <p:nvSpPr>
-          <p:cNvPr id="6" name="文本框 5"/>
+            <a:r>
+              <a:rPr lang="zh-CN" altLang="en-US" dirty="0"/>
+              <a:t>一致性</a:t>
+            </a:r>
+            <a:r>
+              <a:rPr lang="en-US" altLang="zh-CN" dirty="0"/>
+              <a:t>(consistency)</a:t>
+            </a:r>
+            <a:endParaRPr lang="zh-CN" altLang="en-US" dirty="0"/>
+          </a:p>
+        </p:txBody>
+      </p:sp>
+      <p:sp>
+        <p:nvSpPr>
+          <p:cNvPr id="14" name="文本框 13"/>
           <p:cNvSpPr txBox="1"/>
           <p:nvPr/>
         </p:nvSpPr>
         <p:spPr>
           <a:xfrm>
-            <a:off x="6790103" y="2522239"/>
-            <a:ext cx="2232248" cy="338554"/>
+            <a:off x="2258044" y="2714590"/>
+            <a:ext cx="2448272" cy="369332"/>
           </a:xfrm>
           <a:prstGeom prst="rect">
             <a:avLst/>
           </a:prstGeom>
-        </p:spPr>
-        <p:style>
-          <a:lnRef idx="1">
-            <a:schemeClr val="dk1"/>
-          </a:lnRef>
-          <a:fillRef idx="2">
-            <a:schemeClr val="dk1"/>
-          </a:fillRef>
-          <a:effectRef idx="1">
-            <a:schemeClr val="dk1"/>
-          </a:effectRef>
-          <a:fontRef idx="minor">
-            <a:schemeClr val="dk1"/>
-          </a:fontRef>
-        </p:style>
+          <a:noFill/>
+        </p:spPr>
         <p:txBody>
           <a:bodyPr wrap="square" rtlCol="0">
             <a:spAutoFit/>
@@ -13117,52 +8528,455 @@
           <a:lstStyle/>
           <a:p>
             <a:r>
-              <a:rPr lang="zh-CN" altLang="en-US" sz="1600" dirty="0" smtClean="0">
-                <a:solidFill>
-                  <a:srgbClr val="FF0000"/>
-                </a:solidFill>
-              </a:rPr>
-              <a:t>大量交互和数据一致性</a:t>
-            </a:r>
-            <a:r>
-              <a:rPr lang="zh-CN" altLang="en-US" sz="1600" dirty="0">
-                <a:solidFill>
-                  <a:srgbClr val="FF0000"/>
-                </a:solidFill>
-              </a:rPr>
-              <a:t>！</a:t>
-            </a:r>
-          </a:p>
-        </p:txBody>
-      </p:sp>
-      <p:pic>
-        <p:nvPicPr>
-          <p:cNvPr id="7" name="图片 6"/>
-          <p:cNvPicPr>
-            <a:picLocks noChangeAspect="1"/>
-          </p:cNvPicPr>
+              <a:rPr lang="zh-CN" altLang="en-US" dirty="0"/>
+              <a:t>可用性</a:t>
+            </a:r>
+            <a:r>
+              <a:rPr lang="en-US" altLang="zh-CN" dirty="0"/>
+              <a:t>(availability)</a:t>
+            </a:r>
+            <a:endParaRPr lang="zh-CN" altLang="en-US" dirty="0"/>
+          </a:p>
+        </p:txBody>
+      </p:sp>
+      <p:sp>
+        <p:nvSpPr>
+          <p:cNvPr id="15" name="文本框 14"/>
+          <p:cNvSpPr txBox="1"/>
           <p:nvPr/>
-        </p:nvPicPr>
-        <p:blipFill>
-          <a:blip r:embed="rId2"/>
-          <a:stretch>
-            <a:fillRect/>
-          </a:stretch>
-        </p:blipFill>
+        </p:nvSpPr>
         <p:spPr>
           <a:xfrm>
-            <a:off x="107504" y="1079753"/>
-            <a:ext cx="6266997" cy="3446512"/>
+            <a:off x="2258044" y="3268588"/>
+            <a:ext cx="3456384" cy="369332"/>
           </a:xfrm>
           <a:prstGeom prst="rect">
             <a:avLst/>
           </a:prstGeom>
-        </p:spPr>
-      </p:pic>
+          <a:noFill/>
+        </p:spPr>
+        <p:txBody>
+          <a:bodyPr wrap="square" rtlCol="0">
+            <a:spAutoFit/>
+          </a:bodyPr>
+          <a:lstStyle/>
+          <a:p>
+            <a:r>
+              <a:rPr lang="zh-CN" altLang="en-US" dirty="0"/>
+              <a:t>分区容忍性</a:t>
+            </a:r>
+            <a:r>
+              <a:rPr lang="en-US" altLang="zh-CN" dirty="0"/>
+              <a:t>(partition tolerance)</a:t>
+            </a:r>
+            <a:endParaRPr lang="zh-CN" altLang="en-US" dirty="0"/>
+          </a:p>
+        </p:txBody>
+      </p:sp>
+      <p:sp>
+        <p:nvSpPr>
+          <p:cNvPr id="22" name="椭圆 21"/>
+          <p:cNvSpPr/>
+          <p:nvPr/>
+        </p:nvSpPr>
+        <p:spPr>
+          <a:xfrm>
+            <a:off x="6084168" y="1984179"/>
+            <a:ext cx="1368152" cy="1099743"/>
+          </a:xfrm>
+          <a:prstGeom prst="ellipse">
+            <a:avLst/>
+          </a:prstGeom>
+          <a:noFill/>
+        </p:spPr>
+        <p:style>
+          <a:lnRef idx="2">
+            <a:schemeClr val="accent1">
+              <a:shade val="50000"/>
+            </a:schemeClr>
+          </a:lnRef>
+          <a:fillRef idx="1">
+            <a:schemeClr val="accent1"/>
+          </a:fillRef>
+          <a:effectRef idx="0">
+            <a:schemeClr val="accent1"/>
+          </a:effectRef>
+          <a:fontRef idx="minor">
+            <a:schemeClr val="lt1"/>
+          </a:fontRef>
+        </p:style>
+        <p:txBody>
+          <a:bodyPr rtlCol="0" anchor="ctr"/>
+          <a:lstStyle/>
+          <a:p>
+            <a:pPr algn="ctr"/>
+            <a:endParaRPr lang="zh-CN" altLang="en-US"/>
+          </a:p>
+        </p:txBody>
+      </p:sp>
+      <p:sp>
+        <p:nvSpPr>
+          <p:cNvPr id="25" name="文本框 24"/>
+          <p:cNvSpPr txBox="1"/>
+          <p:nvPr/>
+        </p:nvSpPr>
+        <p:spPr>
+          <a:xfrm>
+            <a:off x="6147246" y="2338580"/>
+            <a:ext cx="1080120" cy="276999"/>
+          </a:xfrm>
+          <a:prstGeom prst="rect">
+            <a:avLst/>
+          </a:prstGeom>
+          <a:noFill/>
+        </p:spPr>
+        <p:txBody>
+          <a:bodyPr wrap="square" rtlCol="0">
+            <a:spAutoFit/>
+          </a:bodyPr>
+          <a:lstStyle/>
+          <a:p>
+            <a:r>
+              <a:rPr lang="zh-CN" altLang="en-US" sz="1200" dirty="0"/>
+              <a:t>一致性</a:t>
+            </a:r>
+            <a:r>
+              <a:rPr lang="en-US" altLang="zh-CN" sz="1200" dirty="0"/>
+              <a:t>(C)</a:t>
+            </a:r>
+            <a:endParaRPr lang="zh-CN" altLang="en-US" sz="1200" dirty="0"/>
+          </a:p>
+        </p:txBody>
+      </p:sp>
+      <p:sp>
+        <p:nvSpPr>
+          <p:cNvPr id="26" name="椭圆 25"/>
+          <p:cNvSpPr/>
+          <p:nvPr/>
+        </p:nvSpPr>
+        <p:spPr>
+          <a:xfrm>
+            <a:off x="7056276" y="1991203"/>
+            <a:ext cx="1368152" cy="1099743"/>
+          </a:xfrm>
+          <a:prstGeom prst="ellipse">
+            <a:avLst/>
+          </a:prstGeom>
+          <a:noFill/>
+        </p:spPr>
+        <p:style>
+          <a:lnRef idx="2">
+            <a:schemeClr val="accent1">
+              <a:shade val="50000"/>
+            </a:schemeClr>
+          </a:lnRef>
+          <a:fillRef idx="1">
+            <a:schemeClr val="accent1"/>
+          </a:fillRef>
+          <a:effectRef idx="0">
+            <a:schemeClr val="accent1"/>
+          </a:effectRef>
+          <a:fontRef idx="minor">
+            <a:schemeClr val="lt1"/>
+          </a:fontRef>
+        </p:style>
+        <p:txBody>
+          <a:bodyPr rtlCol="0" anchor="ctr"/>
+          <a:lstStyle/>
+          <a:p>
+            <a:pPr algn="ctr"/>
+            <a:endParaRPr lang="zh-CN" altLang="en-US"/>
+          </a:p>
+        </p:txBody>
+      </p:sp>
+      <p:sp>
+        <p:nvSpPr>
+          <p:cNvPr id="27" name="椭圆 26"/>
+          <p:cNvSpPr/>
+          <p:nvPr/>
+        </p:nvSpPr>
+        <p:spPr>
+          <a:xfrm>
+            <a:off x="6570222" y="2706123"/>
+            <a:ext cx="1368152" cy="1099743"/>
+          </a:xfrm>
+          <a:prstGeom prst="ellipse">
+            <a:avLst/>
+          </a:prstGeom>
+          <a:noFill/>
+        </p:spPr>
+        <p:style>
+          <a:lnRef idx="2">
+            <a:schemeClr val="accent1">
+              <a:shade val="50000"/>
+            </a:schemeClr>
+          </a:lnRef>
+          <a:fillRef idx="1">
+            <a:schemeClr val="accent1"/>
+          </a:fillRef>
+          <a:effectRef idx="0">
+            <a:schemeClr val="accent1"/>
+          </a:effectRef>
+          <a:fontRef idx="minor">
+            <a:schemeClr val="lt1"/>
+          </a:fontRef>
+        </p:style>
+        <p:txBody>
+          <a:bodyPr rtlCol="0" anchor="ctr"/>
+          <a:lstStyle/>
+          <a:p>
+            <a:pPr algn="ctr"/>
+            <a:endParaRPr lang="zh-CN" altLang="en-US"/>
+          </a:p>
+        </p:txBody>
+      </p:sp>
+      <p:sp>
+        <p:nvSpPr>
+          <p:cNvPr id="28" name="文本框 27"/>
+          <p:cNvSpPr txBox="1"/>
+          <p:nvPr/>
+        </p:nvSpPr>
+        <p:spPr>
+          <a:xfrm>
+            <a:off x="7515398" y="2338580"/>
+            <a:ext cx="1080120" cy="276999"/>
+          </a:xfrm>
+          <a:prstGeom prst="rect">
+            <a:avLst/>
+          </a:prstGeom>
+          <a:noFill/>
+        </p:spPr>
+        <p:txBody>
+          <a:bodyPr wrap="square" rtlCol="0">
+            <a:spAutoFit/>
+          </a:bodyPr>
+          <a:lstStyle/>
+          <a:p>
+            <a:r>
+              <a:rPr lang="zh-CN" altLang="en-US" sz="1200" dirty="0"/>
+              <a:t>可用性</a:t>
+            </a:r>
+            <a:r>
+              <a:rPr lang="en-US" altLang="zh-CN" sz="1200" dirty="0"/>
+              <a:t>(A)</a:t>
+            </a:r>
+            <a:endParaRPr lang="zh-CN" altLang="en-US" sz="1200" dirty="0"/>
+          </a:p>
+        </p:txBody>
+      </p:sp>
+      <p:sp>
+        <p:nvSpPr>
+          <p:cNvPr id="29" name="文本框 28"/>
+          <p:cNvSpPr txBox="1"/>
+          <p:nvPr/>
+        </p:nvSpPr>
+        <p:spPr>
+          <a:xfrm>
+            <a:off x="6714238" y="3292799"/>
+            <a:ext cx="1080120" cy="276999"/>
+          </a:xfrm>
+          <a:prstGeom prst="rect">
+            <a:avLst/>
+          </a:prstGeom>
+          <a:noFill/>
+        </p:spPr>
+        <p:txBody>
+          <a:bodyPr wrap="square" rtlCol="0">
+            <a:spAutoFit/>
+          </a:bodyPr>
+          <a:lstStyle/>
+          <a:p>
+            <a:r>
+              <a:rPr lang="zh-CN" altLang="en-US" sz="1200" dirty="0"/>
+              <a:t>分区容忍性</a:t>
+            </a:r>
+            <a:r>
+              <a:rPr lang="en-US" altLang="zh-CN" sz="1200" dirty="0"/>
+              <a:t>(P)</a:t>
+            </a:r>
+            <a:endParaRPr lang="zh-CN" altLang="en-US" sz="1200" dirty="0"/>
+          </a:p>
+        </p:txBody>
+      </p:sp>
+      <p:sp>
+        <p:nvSpPr>
+          <p:cNvPr id="30" name="文本框 29"/>
+          <p:cNvSpPr txBox="1"/>
+          <p:nvPr/>
+        </p:nvSpPr>
+        <p:spPr>
+          <a:xfrm>
+            <a:off x="7080676" y="2354827"/>
+            <a:ext cx="1080120" cy="276999"/>
+          </a:xfrm>
+          <a:prstGeom prst="rect">
+            <a:avLst/>
+          </a:prstGeom>
+          <a:noFill/>
+        </p:spPr>
+        <p:txBody>
+          <a:bodyPr wrap="square" rtlCol="0">
+            <a:spAutoFit/>
+          </a:bodyPr>
+          <a:lstStyle/>
+          <a:p>
+            <a:r>
+              <a:rPr lang="en-US" altLang="zh-CN" sz="1200" dirty="0"/>
+              <a:t>CA</a:t>
+            </a:r>
+            <a:endParaRPr lang="zh-CN" altLang="en-US" sz="1200" dirty="0"/>
+          </a:p>
+        </p:txBody>
+      </p:sp>
+      <p:sp>
+        <p:nvSpPr>
+          <p:cNvPr id="31" name="文本框 30"/>
+          <p:cNvSpPr txBox="1"/>
+          <p:nvPr/>
+        </p:nvSpPr>
+        <p:spPr>
+          <a:xfrm>
+            <a:off x="6745706" y="2760298"/>
+            <a:ext cx="1080120" cy="276999"/>
+          </a:xfrm>
+          <a:prstGeom prst="rect">
+            <a:avLst/>
+          </a:prstGeom>
+          <a:noFill/>
+        </p:spPr>
+        <p:txBody>
+          <a:bodyPr wrap="square" rtlCol="0">
+            <a:spAutoFit/>
+          </a:bodyPr>
+          <a:lstStyle/>
+          <a:p>
+            <a:r>
+              <a:rPr lang="en-US" altLang="zh-CN" sz="1200" dirty="0"/>
+              <a:t>CP</a:t>
+            </a:r>
+            <a:endParaRPr lang="zh-CN" altLang="en-US" sz="1200" dirty="0"/>
+          </a:p>
+        </p:txBody>
+      </p:sp>
+      <p:sp>
+        <p:nvSpPr>
+          <p:cNvPr id="32" name="文本框 31"/>
+          <p:cNvSpPr txBox="1"/>
+          <p:nvPr/>
+        </p:nvSpPr>
+        <p:spPr>
+          <a:xfrm>
+            <a:off x="7394612" y="2767322"/>
+            <a:ext cx="1080120" cy="276999"/>
+          </a:xfrm>
+          <a:prstGeom prst="rect">
+            <a:avLst/>
+          </a:prstGeom>
+          <a:noFill/>
+        </p:spPr>
+        <p:txBody>
+          <a:bodyPr wrap="square" rtlCol="0">
+            <a:spAutoFit/>
+          </a:bodyPr>
+          <a:lstStyle/>
+          <a:p>
+            <a:r>
+              <a:rPr lang="en-US" altLang="zh-CN" sz="1200" dirty="0"/>
+              <a:t>AP</a:t>
+            </a:r>
+            <a:endParaRPr lang="zh-CN" altLang="en-US" sz="1200" dirty="0"/>
+          </a:p>
+        </p:txBody>
+      </p:sp>
+      <p:cxnSp>
+        <p:nvCxnSpPr>
+          <p:cNvPr id="3" name="直接箭头连接符 2"/>
+          <p:cNvCxnSpPr/>
+          <p:nvPr/>
+        </p:nvCxnSpPr>
+        <p:spPr>
+          <a:xfrm>
+            <a:off x="5971620" y="1748111"/>
+            <a:ext cx="1345614" cy="1052644"/>
+          </a:xfrm>
+          <a:prstGeom prst="straightConnector1">
+            <a:avLst/>
+          </a:prstGeom>
+          <a:ln w="19050">
+            <a:tailEnd type="triangle"/>
+          </a:ln>
+        </p:spPr>
+        <p:style>
+          <a:lnRef idx="1">
+            <a:schemeClr val="accent2"/>
+          </a:lnRef>
+          <a:fillRef idx="0">
+            <a:schemeClr val="accent2"/>
+          </a:fillRef>
+          <a:effectRef idx="0">
+            <a:schemeClr val="accent2"/>
+          </a:effectRef>
+          <a:fontRef idx="minor">
+            <a:schemeClr val="tx1"/>
+          </a:fontRef>
+        </p:style>
+      </p:cxnSp>
+      <p:sp>
+        <p:nvSpPr>
+          <p:cNvPr id="6" name="矩形 5"/>
+          <p:cNvSpPr/>
+          <p:nvPr/>
+        </p:nvSpPr>
+        <p:spPr>
+          <a:xfrm>
+            <a:off x="5312880" y="1343579"/>
+            <a:ext cx="803095" cy="369332"/>
+          </a:xfrm>
+          <a:prstGeom prst="rect">
+            <a:avLst/>
+          </a:prstGeom>
+        </p:spPr>
+        <p:txBody>
+          <a:bodyPr wrap="square">
+            <a:spAutoFit/>
+            <a:scene3d>
+              <a:camera prst="orthographicFront"/>
+              <a:lightRig rig="soft" dir="t">
+                <a:rot lat="0" lon="0" rev="15600000"/>
+              </a:lightRig>
+            </a:scene3d>
+            <a:sp3d extrusionH="57150" prstMaterial="softEdge">
+              <a:bevelT w="25400" h="38100"/>
+            </a:sp3d>
+          </a:bodyPr>
+          <a:lstStyle/>
+          <a:p>
+            <a:pPr algn="ctr"/>
+            <a:r>
+              <a:rPr lang="en-US" altLang="zh-CN" b="1" dirty="0">
+                <a:ln/>
+                <a:solidFill>
+                  <a:schemeClr val="accent4"/>
+                </a:solidFill>
+              </a:rPr>
+              <a:t>CAP</a:t>
+            </a:r>
+            <a:r>
+              <a:rPr lang="zh-CN" altLang="en-US" b="1" dirty="0">
+                <a:ln/>
+                <a:solidFill>
+                  <a:schemeClr val="accent4"/>
+                </a:solidFill>
+              </a:rPr>
+              <a:t>？</a:t>
+            </a:r>
+          </a:p>
+        </p:txBody>
+      </p:sp>
     </p:spTree>
     <p:extLst>
       <p:ext uri="{BB962C8B-B14F-4D97-AF65-F5344CB8AC3E}">
-        <p14:creationId xmlns:p14="http://schemas.microsoft.com/office/powerpoint/2010/main" val="1124550187"/>
+        <p14:creationId xmlns:p14="http://schemas.microsoft.com/office/powerpoint/2010/main" val="545440775"/>
       </p:ext>
     </p:extLst>
   </p:cSld>
@@ -13229,12 +9043,8 @@
           <a:p>
             <a:pPr algn="l"/>
             <a:r>
-              <a:rPr lang="zh-CN" altLang="en-US" sz="1800" b="1" dirty="0" smtClean="0"/>
-              <a:t>分布式系统</a:t>
-            </a:r>
-            <a:r>
-              <a:rPr lang="zh-CN" altLang="en-US" sz="1800" b="1" dirty="0" smtClean="0"/>
-              <a:t>的特点</a:t>
+              <a:rPr lang="zh-CN" altLang="en-US" sz="1800" b="1" dirty="0"/>
+              <a:t>分布式系统的特点</a:t>
             </a:r>
             <a:endParaRPr lang="zh-CN" altLang="en-US" sz="1800" b="1" dirty="0">
               <a:solidFill>
@@ -13249,579 +9059,130 @@
           </a:p>
         </p:txBody>
       </p:sp>
-      <p:sp>
-        <p:nvSpPr>
-          <p:cNvPr id="8" name="椭圆 7"/>
-          <p:cNvSpPr/>
+      <p:pic>
+        <p:nvPicPr>
+          <p:cNvPr id="7" name="图片 6"/>
+          <p:cNvPicPr>
+            <a:picLocks noChangeAspect="1"/>
+          </p:cNvPicPr>
           <p:nvPr/>
-        </p:nvSpPr>
+        </p:nvPicPr>
+        <p:blipFill>
+          <a:blip r:embed="rId3">
+            <a:extLst>
+              <a:ext uri="{28A0092B-C50C-407E-A947-70E740481C1C}">
+                <a14:useLocalDpi xmlns:a14="http://schemas.microsoft.com/office/drawing/2010/main" val="0"/>
+              </a:ext>
+            </a:extLst>
+          </a:blip>
+          <a:stretch>
+            <a:fillRect/>
+          </a:stretch>
+        </p:blipFill>
         <p:spPr>
           <a:xfrm>
-            <a:off x="169812" y="2467208"/>
-            <a:ext cx="1800200" cy="864096"/>
-          </a:xfrm>
-          <a:prstGeom prst="ellipse">
-            <a:avLst/>
-          </a:prstGeom>
-        </p:spPr>
-        <p:style>
-          <a:lnRef idx="2">
-            <a:schemeClr val="accent5">
-              <a:shade val="50000"/>
-            </a:schemeClr>
-          </a:lnRef>
-          <a:fillRef idx="1">
-            <a:schemeClr val="accent5"/>
-          </a:fillRef>
-          <a:effectRef idx="0">
-            <a:schemeClr val="accent5"/>
-          </a:effectRef>
-          <a:fontRef idx="minor">
-            <a:schemeClr val="lt1"/>
-          </a:fontRef>
-        </p:style>
-        <p:txBody>
-          <a:bodyPr rtlCol="0" anchor="ctr"/>
-          <a:lstStyle/>
-          <a:p>
-            <a:pPr algn="ctr"/>
-            <a:r>
-              <a:rPr lang="en-US" altLang="zh-CN" dirty="0" smtClean="0"/>
-              <a:t>CAP</a:t>
-            </a:r>
-            <a:r>
-              <a:rPr lang="zh-CN" altLang="en-US" dirty="0" smtClean="0"/>
-              <a:t>原则</a:t>
-            </a:r>
-            <a:endParaRPr lang="zh-CN" altLang="en-US" dirty="0"/>
-          </a:p>
-        </p:txBody>
-      </p:sp>
-      <p:sp>
-        <p:nvSpPr>
-          <p:cNvPr id="13" name="文本框 12"/>
-          <p:cNvSpPr txBox="1"/>
-          <p:nvPr/>
-        </p:nvSpPr>
-        <p:spPr>
-          <a:xfrm>
-            <a:off x="2258044" y="2099739"/>
-            <a:ext cx="2448272" cy="369332"/>
+            <a:off x="899592" y="1203598"/>
+            <a:ext cx="2447925" cy="1924050"/>
           </a:xfrm>
           <a:prstGeom prst="rect">
             <a:avLst/>
           </a:prstGeom>
-          <a:noFill/>
-        </p:spPr>
-        <p:txBody>
-          <a:bodyPr wrap="square" rtlCol="0">
-            <a:spAutoFit/>
-          </a:bodyPr>
-          <a:lstStyle/>
-          <a:p>
-            <a:r>
-              <a:rPr lang="zh-CN" altLang="en-US" dirty="0" smtClean="0"/>
-              <a:t>一致性</a:t>
-            </a:r>
-            <a:r>
-              <a:rPr lang="en-US" altLang="zh-CN" dirty="0" smtClean="0"/>
-              <a:t>(consistency</a:t>
-            </a:r>
-            <a:r>
-              <a:rPr lang="en-US" altLang="zh-CN" dirty="0"/>
-              <a:t>)</a:t>
-            </a:r>
-            <a:endParaRPr lang="zh-CN" altLang="en-US" dirty="0"/>
-          </a:p>
-        </p:txBody>
-      </p:sp>
-      <p:sp>
-        <p:nvSpPr>
-          <p:cNvPr id="14" name="文本框 13"/>
-          <p:cNvSpPr txBox="1"/>
+        </p:spPr>
+      </p:pic>
+      <p:pic>
+        <p:nvPicPr>
+          <p:cNvPr id="9" name="图片 8"/>
+          <p:cNvPicPr>
+            <a:picLocks noChangeAspect="1"/>
+          </p:cNvPicPr>
           <p:nvPr/>
-        </p:nvSpPr>
+        </p:nvPicPr>
+        <p:blipFill>
+          <a:blip r:embed="rId4">
+            <a:extLst>
+              <a:ext uri="{28A0092B-C50C-407E-A947-70E740481C1C}">
+                <a14:useLocalDpi xmlns:a14="http://schemas.microsoft.com/office/drawing/2010/main" val="0"/>
+              </a:ext>
+            </a:extLst>
+          </a:blip>
+          <a:stretch>
+            <a:fillRect/>
+          </a:stretch>
+        </p:blipFill>
         <p:spPr>
           <a:xfrm>
-            <a:off x="2258044" y="2714590"/>
-            <a:ext cx="2448272" cy="369332"/>
+            <a:off x="4139952" y="1322660"/>
+            <a:ext cx="3905250" cy="1685925"/>
           </a:xfrm>
           <a:prstGeom prst="rect">
             <a:avLst/>
           </a:prstGeom>
-          <a:noFill/>
-        </p:spPr>
-        <p:txBody>
-          <a:bodyPr wrap="square" rtlCol="0">
-            <a:spAutoFit/>
-          </a:bodyPr>
-          <a:lstStyle/>
-          <a:p>
-            <a:r>
-              <a:rPr lang="zh-CN" altLang="en-US" dirty="0" smtClean="0"/>
-              <a:t>可用性</a:t>
-            </a:r>
-            <a:r>
-              <a:rPr lang="en-US" altLang="zh-CN" dirty="0" smtClean="0"/>
-              <a:t>(availability)</a:t>
-            </a:r>
-            <a:endParaRPr lang="zh-CN" altLang="en-US" dirty="0"/>
-          </a:p>
-        </p:txBody>
-      </p:sp>
-      <p:sp>
-        <p:nvSpPr>
-          <p:cNvPr id="15" name="文本框 14"/>
-          <p:cNvSpPr txBox="1"/>
+        </p:spPr>
+      </p:pic>
+      <p:pic>
+        <p:nvPicPr>
+          <p:cNvPr id="10" name="图片 9"/>
+          <p:cNvPicPr>
+            <a:picLocks noChangeAspect="1"/>
+          </p:cNvPicPr>
           <p:nvPr/>
-        </p:nvSpPr>
+        </p:nvPicPr>
+        <p:blipFill>
+          <a:blip r:embed="rId5">
+            <a:extLst>
+              <a:ext uri="{28A0092B-C50C-407E-A947-70E740481C1C}">
+                <a14:useLocalDpi xmlns:a14="http://schemas.microsoft.com/office/drawing/2010/main" val="0"/>
+              </a:ext>
+            </a:extLst>
+          </a:blip>
+          <a:stretch>
+            <a:fillRect/>
+          </a:stretch>
+        </p:blipFill>
         <p:spPr>
           <a:xfrm>
-            <a:off x="2258044" y="3268588"/>
-            <a:ext cx="3456384" cy="369332"/>
+            <a:off x="1043608" y="3127648"/>
+            <a:ext cx="1895475" cy="1638300"/>
           </a:xfrm>
           <a:prstGeom prst="rect">
             <a:avLst/>
           </a:prstGeom>
-          <a:noFill/>
-        </p:spPr>
-        <p:txBody>
-          <a:bodyPr wrap="square" rtlCol="0">
-            <a:spAutoFit/>
-          </a:bodyPr>
-          <a:lstStyle/>
-          <a:p>
-            <a:r>
-              <a:rPr lang="zh-CN" altLang="en-US" dirty="0" smtClean="0"/>
-              <a:t>分区容忍性</a:t>
-            </a:r>
-            <a:r>
-              <a:rPr lang="en-US" altLang="zh-CN" dirty="0" smtClean="0"/>
-              <a:t>(partition tolerance)</a:t>
-            </a:r>
-            <a:endParaRPr lang="zh-CN" altLang="en-US" dirty="0"/>
-          </a:p>
-        </p:txBody>
-      </p:sp>
-      <p:sp>
-        <p:nvSpPr>
-          <p:cNvPr id="22" name="椭圆 21"/>
-          <p:cNvSpPr/>
+        </p:spPr>
+      </p:pic>
+      <p:pic>
+        <p:nvPicPr>
+          <p:cNvPr id="11" name="图片 10"/>
+          <p:cNvPicPr>
+            <a:picLocks noChangeAspect="1"/>
+          </p:cNvPicPr>
           <p:nvPr/>
-        </p:nvSpPr>
+        </p:nvPicPr>
+        <p:blipFill>
+          <a:blip r:embed="rId6">
+            <a:extLst>
+              <a:ext uri="{28A0092B-C50C-407E-A947-70E740481C1C}">
+                <a14:useLocalDpi xmlns:a14="http://schemas.microsoft.com/office/drawing/2010/main" val="0"/>
+              </a:ext>
+            </a:extLst>
+          </a:blip>
+          <a:stretch>
+            <a:fillRect/>
+          </a:stretch>
+        </p:blipFill>
         <p:spPr>
           <a:xfrm>
-            <a:off x="6084168" y="1984179"/>
-            <a:ext cx="1368152" cy="1099743"/>
-          </a:xfrm>
-          <a:prstGeom prst="ellipse">
-            <a:avLst/>
-          </a:prstGeom>
-          <a:noFill/>
-        </p:spPr>
-        <p:style>
-          <a:lnRef idx="2">
-            <a:schemeClr val="accent1">
-              <a:shade val="50000"/>
-            </a:schemeClr>
-          </a:lnRef>
-          <a:fillRef idx="1">
-            <a:schemeClr val="accent1"/>
-          </a:fillRef>
-          <a:effectRef idx="0">
-            <a:schemeClr val="accent1"/>
-          </a:effectRef>
-          <a:fontRef idx="minor">
-            <a:schemeClr val="lt1"/>
-          </a:fontRef>
-        </p:style>
-        <p:txBody>
-          <a:bodyPr rtlCol="0" anchor="ctr"/>
-          <a:lstStyle/>
-          <a:p>
-            <a:pPr algn="ctr"/>
-            <a:endParaRPr lang="zh-CN" altLang="en-US"/>
-          </a:p>
-        </p:txBody>
-      </p:sp>
-      <p:sp>
-        <p:nvSpPr>
-          <p:cNvPr id="25" name="文本框 24"/>
-          <p:cNvSpPr txBox="1"/>
-          <p:nvPr/>
-        </p:nvSpPr>
-        <p:spPr>
-          <a:xfrm>
-            <a:off x="6147246" y="2338580"/>
-            <a:ext cx="1080120" cy="276999"/>
+            <a:off x="4283968" y="3162559"/>
+            <a:ext cx="3867150" cy="1752600"/>
           </a:xfrm>
           <a:prstGeom prst="rect">
             <a:avLst/>
           </a:prstGeom>
-          <a:noFill/>
-        </p:spPr>
-        <p:txBody>
-          <a:bodyPr wrap="square" rtlCol="0">
-            <a:spAutoFit/>
-          </a:bodyPr>
-          <a:lstStyle/>
-          <a:p>
-            <a:r>
-              <a:rPr lang="zh-CN" altLang="en-US" sz="1200" dirty="0" smtClean="0"/>
-              <a:t>一致性</a:t>
-            </a:r>
-            <a:r>
-              <a:rPr lang="en-US" altLang="zh-CN" sz="1200" dirty="0" smtClean="0"/>
-              <a:t>(C)</a:t>
-            </a:r>
-            <a:endParaRPr lang="zh-CN" altLang="en-US" sz="1200" dirty="0"/>
-          </a:p>
-        </p:txBody>
-      </p:sp>
-      <p:sp>
-        <p:nvSpPr>
-          <p:cNvPr id="26" name="椭圆 25"/>
-          <p:cNvSpPr/>
-          <p:nvPr/>
-        </p:nvSpPr>
-        <p:spPr>
-          <a:xfrm>
-            <a:off x="7056276" y="1991203"/>
-            <a:ext cx="1368152" cy="1099743"/>
-          </a:xfrm>
-          <a:prstGeom prst="ellipse">
-            <a:avLst/>
-          </a:prstGeom>
-          <a:noFill/>
-        </p:spPr>
-        <p:style>
-          <a:lnRef idx="2">
-            <a:schemeClr val="accent1">
-              <a:shade val="50000"/>
-            </a:schemeClr>
-          </a:lnRef>
-          <a:fillRef idx="1">
-            <a:schemeClr val="accent1"/>
-          </a:fillRef>
-          <a:effectRef idx="0">
-            <a:schemeClr val="accent1"/>
-          </a:effectRef>
-          <a:fontRef idx="minor">
-            <a:schemeClr val="lt1"/>
-          </a:fontRef>
-        </p:style>
-        <p:txBody>
-          <a:bodyPr rtlCol="0" anchor="ctr"/>
-          <a:lstStyle/>
-          <a:p>
-            <a:pPr algn="ctr"/>
-            <a:endParaRPr lang="zh-CN" altLang="en-US"/>
-          </a:p>
-        </p:txBody>
-      </p:sp>
-      <p:sp>
-        <p:nvSpPr>
-          <p:cNvPr id="27" name="椭圆 26"/>
-          <p:cNvSpPr/>
-          <p:nvPr/>
-        </p:nvSpPr>
-        <p:spPr>
-          <a:xfrm>
-            <a:off x="6570222" y="2706123"/>
-            <a:ext cx="1368152" cy="1099743"/>
-          </a:xfrm>
-          <a:prstGeom prst="ellipse">
-            <a:avLst/>
-          </a:prstGeom>
-          <a:noFill/>
-        </p:spPr>
-        <p:style>
-          <a:lnRef idx="2">
-            <a:schemeClr val="accent1">
-              <a:shade val="50000"/>
-            </a:schemeClr>
-          </a:lnRef>
-          <a:fillRef idx="1">
-            <a:schemeClr val="accent1"/>
-          </a:fillRef>
-          <a:effectRef idx="0">
-            <a:schemeClr val="accent1"/>
-          </a:effectRef>
-          <a:fontRef idx="minor">
-            <a:schemeClr val="lt1"/>
-          </a:fontRef>
-        </p:style>
-        <p:txBody>
-          <a:bodyPr rtlCol="0" anchor="ctr"/>
-          <a:lstStyle/>
-          <a:p>
-            <a:pPr algn="ctr"/>
-            <a:endParaRPr lang="zh-CN" altLang="en-US"/>
-          </a:p>
-        </p:txBody>
-      </p:sp>
-      <p:sp>
-        <p:nvSpPr>
-          <p:cNvPr id="28" name="文本框 27"/>
-          <p:cNvSpPr txBox="1"/>
-          <p:nvPr/>
-        </p:nvSpPr>
-        <p:spPr>
-          <a:xfrm>
-            <a:off x="7515398" y="2338580"/>
-            <a:ext cx="1080120" cy="276999"/>
-          </a:xfrm>
-          <a:prstGeom prst="rect">
-            <a:avLst/>
-          </a:prstGeom>
-          <a:noFill/>
-        </p:spPr>
-        <p:txBody>
-          <a:bodyPr wrap="square" rtlCol="0">
-            <a:spAutoFit/>
-          </a:bodyPr>
-          <a:lstStyle/>
-          <a:p>
-            <a:r>
-              <a:rPr lang="zh-CN" altLang="en-US" sz="1200" dirty="0" smtClean="0"/>
-              <a:t>可用性</a:t>
-            </a:r>
-            <a:r>
-              <a:rPr lang="en-US" altLang="zh-CN" sz="1200" dirty="0" smtClean="0"/>
-              <a:t>(A)</a:t>
-            </a:r>
-            <a:endParaRPr lang="zh-CN" altLang="en-US" sz="1200" dirty="0"/>
-          </a:p>
-        </p:txBody>
-      </p:sp>
-      <p:sp>
-        <p:nvSpPr>
-          <p:cNvPr id="29" name="文本框 28"/>
-          <p:cNvSpPr txBox="1"/>
-          <p:nvPr/>
-        </p:nvSpPr>
-        <p:spPr>
-          <a:xfrm>
-            <a:off x="6714238" y="3292799"/>
-            <a:ext cx="1080120" cy="276999"/>
-          </a:xfrm>
-          <a:prstGeom prst="rect">
-            <a:avLst/>
-          </a:prstGeom>
-          <a:noFill/>
-        </p:spPr>
-        <p:txBody>
-          <a:bodyPr wrap="square" rtlCol="0">
-            <a:spAutoFit/>
-          </a:bodyPr>
-          <a:lstStyle/>
-          <a:p>
-            <a:r>
-              <a:rPr lang="zh-CN" altLang="en-US" sz="1200" dirty="0" smtClean="0"/>
-              <a:t>分区容忍性</a:t>
-            </a:r>
-            <a:r>
-              <a:rPr lang="en-US" altLang="zh-CN" sz="1200" dirty="0" smtClean="0"/>
-              <a:t>(P)</a:t>
-            </a:r>
-            <a:endParaRPr lang="zh-CN" altLang="en-US" sz="1200" dirty="0"/>
-          </a:p>
-        </p:txBody>
-      </p:sp>
-      <p:sp>
-        <p:nvSpPr>
-          <p:cNvPr id="30" name="文本框 29"/>
-          <p:cNvSpPr txBox="1"/>
-          <p:nvPr/>
-        </p:nvSpPr>
-        <p:spPr>
-          <a:xfrm>
-            <a:off x="7080676" y="2354827"/>
-            <a:ext cx="1080120" cy="276999"/>
-          </a:xfrm>
-          <a:prstGeom prst="rect">
-            <a:avLst/>
-          </a:prstGeom>
-          <a:noFill/>
-        </p:spPr>
-        <p:txBody>
-          <a:bodyPr wrap="square" rtlCol="0">
-            <a:spAutoFit/>
-          </a:bodyPr>
-          <a:lstStyle/>
-          <a:p>
-            <a:r>
-              <a:rPr lang="en-US" altLang="zh-CN" sz="1200" dirty="0" smtClean="0"/>
-              <a:t>CA</a:t>
-            </a:r>
-            <a:endParaRPr lang="zh-CN" altLang="en-US" sz="1200" dirty="0"/>
-          </a:p>
-        </p:txBody>
-      </p:sp>
-      <p:sp>
-        <p:nvSpPr>
-          <p:cNvPr id="31" name="文本框 30"/>
-          <p:cNvSpPr txBox="1"/>
-          <p:nvPr/>
-        </p:nvSpPr>
-        <p:spPr>
-          <a:xfrm>
-            <a:off x="6745706" y="2760298"/>
-            <a:ext cx="1080120" cy="276999"/>
-          </a:xfrm>
-          <a:prstGeom prst="rect">
-            <a:avLst/>
-          </a:prstGeom>
-          <a:noFill/>
-        </p:spPr>
-        <p:txBody>
-          <a:bodyPr wrap="square" rtlCol="0">
-            <a:spAutoFit/>
-          </a:bodyPr>
-          <a:lstStyle/>
-          <a:p>
-            <a:r>
-              <a:rPr lang="en-US" altLang="zh-CN" sz="1200" dirty="0" smtClean="0"/>
-              <a:t>CP</a:t>
-            </a:r>
-            <a:endParaRPr lang="zh-CN" altLang="en-US" sz="1200" dirty="0"/>
-          </a:p>
-        </p:txBody>
-      </p:sp>
-      <p:sp>
-        <p:nvSpPr>
-          <p:cNvPr id="32" name="文本框 31"/>
-          <p:cNvSpPr txBox="1"/>
-          <p:nvPr/>
-        </p:nvSpPr>
-        <p:spPr>
-          <a:xfrm>
-            <a:off x="7394612" y="2767322"/>
-            <a:ext cx="1080120" cy="276999"/>
-          </a:xfrm>
-          <a:prstGeom prst="rect">
-            <a:avLst/>
-          </a:prstGeom>
-          <a:noFill/>
-        </p:spPr>
-        <p:txBody>
-          <a:bodyPr wrap="square" rtlCol="0">
-            <a:spAutoFit/>
-          </a:bodyPr>
-          <a:lstStyle/>
-          <a:p>
-            <a:r>
-              <a:rPr lang="en-US" altLang="zh-CN" sz="1200" dirty="0" smtClean="0"/>
-              <a:t>AP</a:t>
-            </a:r>
-            <a:endParaRPr lang="zh-CN" altLang="en-US" sz="1200" dirty="0"/>
-          </a:p>
-        </p:txBody>
-      </p:sp>
-      <p:cxnSp>
-        <p:nvCxnSpPr>
-          <p:cNvPr id="3" name="直接箭头连接符 2"/>
-          <p:cNvCxnSpPr/>
-          <p:nvPr/>
-        </p:nvCxnSpPr>
-        <p:spPr>
-          <a:xfrm>
-            <a:off x="5971620" y="1748111"/>
-            <a:ext cx="1345614" cy="1052644"/>
-          </a:xfrm>
-          <a:prstGeom prst="straightConnector1">
-            <a:avLst/>
-          </a:prstGeom>
-          <a:ln w="19050">
-            <a:tailEnd type="triangle"/>
-          </a:ln>
-        </p:spPr>
-        <p:style>
-          <a:lnRef idx="1">
-            <a:schemeClr val="accent2"/>
-          </a:lnRef>
-          <a:fillRef idx="0">
-            <a:schemeClr val="accent2"/>
-          </a:fillRef>
-          <a:effectRef idx="0">
-            <a:schemeClr val="accent2"/>
-          </a:effectRef>
-          <a:fontRef idx="minor">
-            <a:schemeClr val="tx1"/>
-          </a:fontRef>
-        </p:style>
-      </p:cxnSp>
-      <p:sp>
-        <p:nvSpPr>
-          <p:cNvPr id="6" name="矩形 5"/>
-          <p:cNvSpPr/>
-          <p:nvPr/>
-        </p:nvSpPr>
-        <p:spPr>
-          <a:xfrm>
-            <a:off x="5312880" y="1343579"/>
-            <a:ext cx="803095" cy="369332"/>
-          </a:xfrm>
-          <a:prstGeom prst="rect">
-            <a:avLst/>
-          </a:prstGeom>
-        </p:spPr>
-        <p:txBody>
-          <a:bodyPr wrap="square">
-            <a:spAutoFit/>
-            <a:scene3d>
-              <a:camera prst="orthographicFront"/>
-              <a:lightRig rig="soft" dir="t">
-                <a:rot lat="0" lon="0" rev="15600000"/>
-              </a:lightRig>
-            </a:scene3d>
-            <a:sp3d extrusionH="57150" prstMaterial="softEdge">
-              <a:bevelT w="25400" h="38100"/>
-            </a:sp3d>
-          </a:bodyPr>
-          <a:lstStyle/>
-          <a:p>
-            <a:pPr algn="ctr"/>
-            <a:r>
-              <a:rPr lang="en-US" altLang="zh-CN" b="1" dirty="0">
-                <a:ln/>
-                <a:solidFill>
-                  <a:schemeClr val="accent4"/>
-                </a:solidFill>
-              </a:rPr>
-              <a:t>CA</a:t>
-            </a:r>
-            <a:r>
-              <a:rPr lang="en-US" altLang="zh-CN" b="1" dirty="0" smtClean="0">
-                <a:ln/>
-                <a:solidFill>
-                  <a:schemeClr val="accent4"/>
-                </a:solidFill>
-              </a:rPr>
-              <a:t>P</a:t>
-            </a:r>
-            <a:r>
-              <a:rPr lang="zh-CN" altLang="en-US" b="1" dirty="0" smtClean="0">
-                <a:ln/>
-                <a:solidFill>
-                  <a:schemeClr val="accent4"/>
-                </a:solidFill>
-              </a:rPr>
-              <a:t>？</a:t>
-            </a:r>
-            <a:endParaRPr lang="zh-CN" altLang="en-US" b="1" dirty="0">
-              <a:ln/>
-              <a:solidFill>
-                <a:schemeClr val="accent4"/>
-              </a:solidFill>
-            </a:endParaRPr>
-          </a:p>
-        </p:txBody>
-      </p:sp>
+        </p:spPr>
+      </p:pic>
     </p:spTree>
     <p:extLst>
       <p:ext uri="{BB962C8B-B14F-4D97-AF65-F5344CB8AC3E}">
-        <p14:creationId xmlns:p14="http://schemas.microsoft.com/office/powerpoint/2010/main" val="545440775"/>
+        <p14:creationId xmlns:p14="http://schemas.microsoft.com/office/powerpoint/2010/main" val="757989251"/>
       </p:ext>
     </p:extLst>
   </p:cSld>
@@ -13888,8 +9249,11 @@
           <a:p>
             <a:pPr algn="l"/>
             <a:r>
-              <a:rPr lang="zh-CN" altLang="en-US" sz="1800" b="1" dirty="0" smtClean="0"/>
-              <a:t>分布式系统的特点</a:t>
+              <a:rPr lang="zh-CN" altLang="en-US" sz="1800" b="1" dirty="0">
+                <a:latin typeface="Times New Roman" panose="02020603050405020304" pitchFamily="18" charset="0"/>
+                <a:cs typeface="Times New Roman" panose="02020603050405020304" pitchFamily="18" charset="0"/>
+              </a:rPr>
+              <a:t>业务场景</a:t>
             </a:r>
             <a:endParaRPr lang="zh-CN" altLang="en-US" sz="1800" b="1" dirty="0">
               <a:solidFill>
@@ -13898,9 +9262,78 @@
                   <a:lumOff val="25000"/>
                 </a:schemeClr>
               </a:solidFill>
-              <a:latin typeface="微软雅黑" panose="020B0503020204020204" pitchFamily="34" charset="-122"/>
+              <a:latin typeface="Times New Roman" panose="02020603050405020304" pitchFamily="18" charset="0"/>
               <a:ea typeface="微软雅黑" panose="020B0503020204020204" pitchFamily="34" charset="-122"/>
+              <a:cs typeface="Times New Roman" panose="02020603050405020304" pitchFamily="18" charset="0"/>
             </a:endParaRPr>
+          </a:p>
+        </p:txBody>
+      </p:sp>
+      <p:sp>
+        <p:nvSpPr>
+          <p:cNvPr id="2" name="文本框 1"/>
+          <p:cNvSpPr txBox="1"/>
+          <p:nvPr/>
+        </p:nvSpPr>
+        <p:spPr>
+          <a:xfrm>
+            <a:off x="611560" y="2809260"/>
+            <a:ext cx="8064896" cy="369332"/>
+          </a:xfrm>
+          <a:prstGeom prst="rect">
+            <a:avLst/>
+          </a:prstGeom>
+          <a:noFill/>
+        </p:spPr>
+        <p:txBody>
+          <a:bodyPr wrap="square" rtlCol="0">
+            <a:spAutoFit/>
+          </a:bodyPr>
+          <a:lstStyle/>
+          <a:p>
+            <a:endParaRPr lang="zh-CN" altLang="en-US" dirty="0"/>
+          </a:p>
+        </p:txBody>
+      </p:sp>
+      <p:sp>
+        <p:nvSpPr>
+          <p:cNvPr id="5" name="文本框 4"/>
+          <p:cNvSpPr txBox="1"/>
+          <p:nvPr/>
+        </p:nvSpPr>
+        <p:spPr>
+          <a:xfrm>
+            <a:off x="602793" y="1462854"/>
+            <a:ext cx="1656184" cy="523220"/>
+          </a:xfrm>
+          <a:prstGeom prst="rect">
+            <a:avLst/>
+          </a:prstGeom>
+        </p:spPr>
+        <p:style>
+          <a:lnRef idx="1">
+            <a:schemeClr val="accent3"/>
+          </a:lnRef>
+          <a:fillRef idx="2">
+            <a:schemeClr val="accent3"/>
+          </a:fillRef>
+          <a:effectRef idx="1">
+            <a:schemeClr val="accent3"/>
+          </a:effectRef>
+          <a:fontRef idx="minor">
+            <a:schemeClr val="dk1"/>
+          </a:fontRef>
+        </p:style>
+        <p:txBody>
+          <a:bodyPr wrap="square" rtlCol="0">
+            <a:spAutoFit/>
+          </a:bodyPr>
+          <a:lstStyle/>
+          <a:p>
+            <a:r>
+              <a:rPr lang="zh-CN" altLang="en-US" sz="1400" dirty="0"/>
+              <a:t>开发一个电商网站，实现支付订单功能</a:t>
+            </a:r>
           </a:p>
         </p:txBody>
       </p:sp>
@@ -13913,121 +9346,95 @@
           <p:nvPr/>
         </p:nvPicPr>
         <p:blipFill>
-          <a:blip r:embed="rId3">
-            <a:extLst>
-              <a:ext uri="{28A0092B-C50C-407E-A947-70E740481C1C}">
-                <a14:useLocalDpi xmlns:a14="http://schemas.microsoft.com/office/drawing/2010/main" val="0"/>
-              </a:ext>
-            </a:extLst>
-          </a:blip>
+          <a:blip r:embed="rId2"/>
           <a:stretch>
             <a:fillRect/>
           </a:stretch>
         </p:blipFill>
         <p:spPr>
           <a:xfrm>
-            <a:off x="899592" y="1203598"/>
-            <a:ext cx="2447925" cy="1924050"/>
+            <a:off x="2915816" y="1222870"/>
+            <a:ext cx="4881230" cy="3607866"/>
           </a:xfrm>
           <a:prstGeom prst="rect">
             <a:avLst/>
           </a:prstGeom>
         </p:spPr>
       </p:pic>
-      <p:pic>
-        <p:nvPicPr>
-          <p:cNvPr id="9" name="图片 8"/>
-          <p:cNvPicPr>
-            <a:picLocks noChangeAspect="1"/>
-          </p:cNvPicPr>
+      <p:sp>
+        <p:nvSpPr>
+          <p:cNvPr id="9" name="文本框 8"/>
+          <p:cNvSpPr txBox="1"/>
           <p:nvPr/>
-        </p:nvPicPr>
-        <p:blipFill>
-          <a:blip r:embed="rId4">
-            <a:extLst>
-              <a:ext uri="{28A0092B-C50C-407E-A947-70E740481C1C}">
-                <a14:useLocalDpi xmlns:a14="http://schemas.microsoft.com/office/drawing/2010/main" val="0"/>
-              </a:ext>
-            </a:extLst>
-          </a:blip>
-          <a:stretch>
-            <a:fillRect/>
-          </a:stretch>
-        </p:blipFill>
+        </p:nvSpPr>
         <p:spPr>
           <a:xfrm>
-            <a:off x="4139952" y="1322660"/>
-            <a:ext cx="3905250" cy="1685925"/>
+            <a:off x="395536" y="2715766"/>
+            <a:ext cx="2070698" cy="1269578"/>
           </a:xfrm>
           <a:prstGeom prst="rect">
             <a:avLst/>
           </a:prstGeom>
-        </p:spPr>
-      </p:pic>
-      <p:pic>
-        <p:nvPicPr>
-          <p:cNvPr id="10" name="图片 9"/>
-          <p:cNvPicPr>
-            <a:picLocks noChangeAspect="1"/>
-          </p:cNvPicPr>
-          <p:nvPr/>
-        </p:nvPicPr>
-        <p:blipFill>
-          <a:blip r:embed="rId5">
-            <a:extLst>
-              <a:ext uri="{28A0092B-C50C-407E-A947-70E740481C1C}">
-                <a14:useLocalDpi xmlns:a14="http://schemas.microsoft.com/office/drawing/2010/main" val="0"/>
-              </a:ext>
-            </a:extLst>
-          </a:blip>
-          <a:stretch>
-            <a:fillRect/>
-          </a:stretch>
-        </p:blipFill>
-        <p:spPr>
-          <a:xfrm>
-            <a:off x="1043608" y="3127648"/>
-            <a:ext cx="1895475" cy="1638300"/>
-          </a:xfrm>
-          <a:prstGeom prst="rect">
-            <a:avLst/>
-          </a:prstGeom>
-        </p:spPr>
-      </p:pic>
-      <p:pic>
-        <p:nvPicPr>
-          <p:cNvPr id="11" name="图片 10"/>
-          <p:cNvPicPr>
-            <a:picLocks noChangeAspect="1"/>
-          </p:cNvPicPr>
-          <p:nvPr/>
-        </p:nvPicPr>
-        <p:blipFill>
-          <a:blip r:embed="rId6">
-            <a:extLst>
-              <a:ext uri="{28A0092B-C50C-407E-A947-70E740481C1C}">
-                <a14:useLocalDpi xmlns:a14="http://schemas.microsoft.com/office/drawing/2010/main" val="0"/>
-              </a:ext>
-            </a:extLst>
-          </a:blip>
-          <a:stretch>
-            <a:fillRect/>
-          </a:stretch>
-        </p:blipFill>
-        <p:spPr>
-          <a:xfrm>
-            <a:off x="4283968" y="3162559"/>
-            <a:ext cx="3867150" cy="1752600"/>
-          </a:xfrm>
-          <a:prstGeom prst="rect">
-            <a:avLst/>
-          </a:prstGeom>
-        </p:spPr>
-      </p:pic>
+          <a:noFill/>
+        </p:spPr>
+        <p:txBody>
+          <a:bodyPr wrap="square" rtlCol="0">
+            <a:spAutoFit/>
+          </a:bodyPr>
+          <a:lstStyle/>
+          <a:p>
+            <a:pPr marL="72000" indent="-72000" algn="just">
+              <a:buFont typeface="+mj-lt"/>
+              <a:buAutoNum type="arabicPeriod"/>
+            </a:pPr>
+            <a:r>
+              <a:rPr lang="zh-CN" altLang="en-US" sz="1100" dirty="0"/>
+              <a:t>创建订单后，如果用户立刻支付便将订单状态更新为“已支付”</a:t>
+            </a:r>
+            <a:endParaRPr lang="en-US" altLang="zh-CN" sz="1100" dirty="0"/>
+          </a:p>
+          <a:p>
+            <a:pPr marL="72000" indent="-72000" algn="just">
+              <a:buFont typeface="+mj-lt"/>
+              <a:buAutoNum type="arabicPeriod"/>
+            </a:pPr>
+            <a:r>
+              <a:rPr lang="zh-CN" altLang="en-US" sz="1100" dirty="0"/>
+              <a:t>扣减商品库存</a:t>
+            </a:r>
+            <a:endParaRPr lang="en-US" altLang="zh-CN" sz="1100" dirty="0"/>
+          </a:p>
+          <a:p>
+            <a:pPr marL="72000" indent="-72000" algn="just">
+              <a:buFont typeface="+mj-lt"/>
+              <a:buAutoNum type="arabicPeriod"/>
+            </a:pPr>
+            <a:r>
+              <a:rPr lang="zh-CN" altLang="en-US" sz="1100" dirty="0"/>
+              <a:t>通知仓库进行发货</a:t>
+            </a:r>
+            <a:endParaRPr lang="en-US" altLang="zh-CN" sz="1100" dirty="0"/>
+          </a:p>
+          <a:p>
+            <a:pPr marL="72000" indent="-72000" algn="just">
+              <a:buFont typeface="+mj-lt"/>
+              <a:buAutoNum type="arabicPeriod"/>
+            </a:pPr>
+            <a:r>
+              <a:rPr lang="zh-CN" altLang="en-US" sz="1100" dirty="0"/>
+              <a:t>为用户的这次购物增加积分</a:t>
+            </a:r>
+            <a:endParaRPr lang="en-US" altLang="zh-CN" sz="1100" dirty="0"/>
+          </a:p>
+          <a:p>
+            <a:endParaRPr lang="zh-CN" altLang="en-US" sz="1050" dirty="0"/>
+          </a:p>
+        </p:txBody>
+      </p:sp>
     </p:spTree>
     <p:extLst>
       <p:ext uri="{BB962C8B-B14F-4D97-AF65-F5344CB8AC3E}">
-        <p14:creationId xmlns:p14="http://schemas.microsoft.com/office/powerpoint/2010/main" val="757989251"/>
+        <p14:creationId xmlns:p14="http://schemas.microsoft.com/office/powerpoint/2010/main" val="2686602831"/>
       </p:ext>
     </p:extLst>
   </p:cSld>
@@ -14094,11 +9501,25 @@
           <a:p>
             <a:pPr algn="l"/>
             <a:r>
-              <a:rPr lang="zh-CN" altLang="en-US" sz="1800" b="1" dirty="0" smtClean="0">
+              <a:rPr lang="en-US" altLang="zh-CN" sz="1800" b="1" dirty="0">
                 <a:latin typeface="Times New Roman" panose="02020603050405020304" pitchFamily="18" charset="0"/>
                 <a:cs typeface="Times New Roman" panose="02020603050405020304" pitchFamily="18" charset="0"/>
               </a:rPr>
-              <a:t>业务场景</a:t>
+              <a:t>SpringCloud</a:t>
+            </a:r>
+            <a:r>
+              <a:rPr lang="zh-CN" altLang="en-US" sz="1800" b="1" dirty="0">
+                <a:latin typeface="Times New Roman" panose="02020603050405020304" pitchFamily="18" charset="0"/>
+                <a:cs typeface="Times New Roman" panose="02020603050405020304" pitchFamily="18" charset="0"/>
+              </a:rPr>
+              <a:t>：</a:t>
+            </a:r>
+            <a:r>
+              <a:rPr lang="en-US" altLang="zh-CN" sz="1800" b="1" dirty="0">
+                <a:latin typeface="Times New Roman" panose="02020603050405020304" pitchFamily="18" charset="0"/>
+                <a:cs typeface="Times New Roman" panose="02020603050405020304" pitchFamily="18" charset="0"/>
+              </a:rPr>
+              <a:t>Eureka</a:t>
             </a:r>
             <a:endParaRPr lang="zh-CN" altLang="en-US" sz="1800" b="1" dirty="0">
               <a:solidFill>
@@ -14140,52 +9561,9 @@
           </a:p>
         </p:txBody>
       </p:sp>
-      <p:sp>
-        <p:nvSpPr>
-          <p:cNvPr id="5" name="文本框 4"/>
-          <p:cNvSpPr txBox="1"/>
-          <p:nvPr/>
-        </p:nvSpPr>
-        <p:spPr>
-          <a:xfrm>
-            <a:off x="602793" y="1462854"/>
-            <a:ext cx="1656184" cy="523220"/>
-          </a:xfrm>
-          <a:prstGeom prst="rect">
-            <a:avLst/>
-          </a:prstGeom>
-        </p:spPr>
-        <p:style>
-          <a:lnRef idx="1">
-            <a:schemeClr val="accent3"/>
-          </a:lnRef>
-          <a:fillRef idx="2">
-            <a:schemeClr val="accent3"/>
-          </a:fillRef>
-          <a:effectRef idx="1">
-            <a:schemeClr val="accent3"/>
-          </a:effectRef>
-          <a:fontRef idx="minor">
-            <a:schemeClr val="dk1"/>
-          </a:fontRef>
-        </p:style>
-        <p:txBody>
-          <a:bodyPr wrap="square" rtlCol="0">
-            <a:spAutoFit/>
-          </a:bodyPr>
-          <a:lstStyle/>
-          <a:p>
-            <a:r>
-              <a:rPr lang="zh-CN" altLang="en-US" sz="1400" dirty="0" smtClean="0"/>
-              <a:t>开发一个电商网站，实现支付订单功能</a:t>
-            </a:r>
-            <a:endParaRPr lang="zh-CN" altLang="en-US" sz="1400" dirty="0"/>
-          </a:p>
-        </p:txBody>
-      </p:sp>
       <p:pic>
         <p:nvPicPr>
-          <p:cNvPr id="7" name="图片 6"/>
+          <p:cNvPr id="3" name="图片 2"/>
           <p:cNvPicPr>
             <a:picLocks noChangeAspect="1"/>
           </p:cNvPicPr>
@@ -14199,92 +9577,18 @@
         </p:blipFill>
         <p:spPr>
           <a:xfrm>
-            <a:off x="2915816" y="1222870"/>
-            <a:ext cx="4881230" cy="3607866"/>
+            <a:off x="827584" y="1131590"/>
+            <a:ext cx="7447709" cy="3691878"/>
           </a:xfrm>
           <a:prstGeom prst="rect">
             <a:avLst/>
           </a:prstGeom>
         </p:spPr>
       </p:pic>
-      <p:sp>
-        <p:nvSpPr>
-          <p:cNvPr id="9" name="文本框 8"/>
-          <p:cNvSpPr txBox="1"/>
-          <p:nvPr/>
-        </p:nvSpPr>
-        <p:spPr>
-          <a:xfrm>
-            <a:off x="395536" y="2715766"/>
-            <a:ext cx="2070698" cy="1269578"/>
-          </a:xfrm>
-          <a:prstGeom prst="rect">
-            <a:avLst/>
-          </a:prstGeom>
-          <a:noFill/>
-        </p:spPr>
-        <p:txBody>
-          <a:bodyPr wrap="square" rtlCol="0">
-            <a:spAutoFit/>
-          </a:bodyPr>
-          <a:lstStyle/>
-          <a:p>
-            <a:pPr marL="72000" indent="-72000" algn="just">
-              <a:buFont typeface="+mj-lt"/>
-              <a:buAutoNum type="arabicPeriod"/>
-            </a:pPr>
-            <a:r>
-              <a:rPr lang="zh-CN" altLang="en-US" sz="1100" dirty="0" smtClean="0"/>
-              <a:t>创建订单后，如果用户立刻支付便将订单状态更新为“已支付”</a:t>
-            </a:r>
-            <a:endParaRPr lang="en-US" altLang="zh-CN" sz="1100" dirty="0" smtClean="0"/>
-          </a:p>
-          <a:p>
-            <a:pPr marL="72000" indent="-72000" algn="just">
-              <a:buFont typeface="+mj-lt"/>
-              <a:buAutoNum type="arabicPeriod"/>
-            </a:pPr>
-            <a:r>
-              <a:rPr lang="zh-CN" altLang="en-US" sz="1100" dirty="0" smtClean="0"/>
-              <a:t>扣减商品库存</a:t>
-            </a:r>
-            <a:endParaRPr lang="en-US" altLang="zh-CN" sz="1100" dirty="0" smtClean="0"/>
-          </a:p>
-          <a:p>
-            <a:pPr marL="72000" indent="-72000" algn="just">
-              <a:buFont typeface="+mj-lt"/>
-              <a:buAutoNum type="arabicPeriod"/>
-            </a:pPr>
-            <a:r>
-              <a:rPr lang="zh-CN" altLang="en-US" sz="1100" dirty="0" smtClean="0"/>
-              <a:t>通知仓库进行发货</a:t>
-            </a:r>
-            <a:endParaRPr lang="en-US" altLang="zh-CN" sz="1100" dirty="0" smtClean="0"/>
-          </a:p>
-          <a:p>
-            <a:pPr marL="72000" indent="-72000" algn="just">
-              <a:buFont typeface="+mj-lt"/>
-              <a:buAutoNum type="arabicPeriod"/>
-            </a:pPr>
-            <a:r>
-              <a:rPr lang="zh-CN" altLang="en-US" sz="1100" dirty="0"/>
-              <a:t>为</a:t>
-            </a:r>
-            <a:r>
-              <a:rPr lang="zh-CN" altLang="en-US" sz="1100" dirty="0" smtClean="0"/>
-              <a:t>用户的这次购物增加积分</a:t>
-            </a:r>
-            <a:endParaRPr lang="en-US" altLang="zh-CN" sz="1100" dirty="0" smtClean="0"/>
-          </a:p>
-          <a:p>
-            <a:endParaRPr lang="zh-CN" altLang="en-US" sz="1050" dirty="0"/>
-          </a:p>
-        </p:txBody>
-      </p:sp>
     </p:spTree>
     <p:extLst>
       <p:ext uri="{BB962C8B-B14F-4D97-AF65-F5344CB8AC3E}">
-        <p14:creationId xmlns:p14="http://schemas.microsoft.com/office/powerpoint/2010/main" val="2686602831"/>
+        <p14:creationId xmlns:p14="http://schemas.microsoft.com/office/powerpoint/2010/main" val="2439001863"/>
       </p:ext>
     </p:extLst>
   </p:cSld>
